--- a/Document/SlideWeek6/HoughTransform.pptx
+++ b/Document/SlideWeek6/HoughTransform.pptx
@@ -5,7 +5,7 @@
     <p:sldMasterId id="2147483648" r:id="rId1"/>
   </p:sldMasterIdLst>
   <p:notesMasterIdLst>
-    <p:notesMasterId r:id="rId12"/>
+    <p:notesMasterId r:id="rId13"/>
   </p:notesMasterIdLst>
   <p:sldIdLst>
     <p:sldId id="1225" r:id="rId2"/>
@@ -13,11 +13,12 @@
     <p:sldId id="1226" r:id="rId4"/>
     <p:sldId id="1227" r:id="rId5"/>
     <p:sldId id="1228" r:id="rId6"/>
-    <p:sldId id="1233" r:id="rId7"/>
-    <p:sldId id="1229" r:id="rId8"/>
+    <p:sldId id="1229" r:id="rId7"/>
+    <p:sldId id="1233" r:id="rId8"/>
     <p:sldId id="1230" r:id="rId9"/>
     <p:sldId id="1231" r:id="rId10"/>
     <p:sldId id="1232" r:id="rId11"/>
+    <p:sldId id="1234" r:id="rId12"/>
   </p:sldIdLst>
   <p:sldSz cx="12192000" cy="6858000"/>
   <p:notesSz cx="6858000" cy="9144000"/>
@@ -126,11 +127,12 @@
             <p14:sldId id="1226"/>
             <p14:sldId id="1227"/>
             <p14:sldId id="1228"/>
+            <p14:sldId id="1229"/>
             <p14:sldId id="1233"/>
-            <p14:sldId id="1229"/>
             <p14:sldId id="1230"/>
             <p14:sldId id="1231"/>
             <p14:sldId id="1232"/>
+            <p14:sldId id="1234"/>
           </p14:sldIdLst>
         </p14:section>
       </p14:sectionLst>
@@ -224,7 +226,7 @@
           <a:p>
             <a:fld id="{5B14C9EB-6DB0-4253-A534-AA6AC3B617E1}" type="datetimeFigureOut">
               <a:rPr lang="en-US" smtClean="0"/>
-              <a:t>6/10/2025</a:t>
+              <a:t>6/11/2025</a:t>
             </a:fld>
             <a:endParaRPr lang="en-US"/>
           </a:p>
@@ -943,6 +945,230 @@
 </file>
 
 <file path=ppt/notesSlides/notesSlide5.xml><?xml version="1.0" encoding="utf-8"?>
+<p:notes xmlns:a="http://schemas.openxmlformats.org/drawingml/2006/main" xmlns:r="http://schemas.openxmlformats.org/officeDocument/2006/relationships" xmlns:p="http://schemas.openxmlformats.org/presentationml/2006/main">
+  <p:cSld>
+    <p:spTree>
+      <p:nvGrpSpPr>
+        <p:cNvPr id="1" name=""/>
+        <p:cNvGrpSpPr/>
+        <p:nvPr/>
+      </p:nvGrpSpPr>
+      <p:grpSpPr>
+        <a:xfrm>
+          <a:off x="0" y="0"/>
+          <a:ext cx="0" cy="0"/>
+          <a:chOff x="0" y="0"/>
+          <a:chExt cx="0" cy="0"/>
+        </a:xfrm>
+      </p:grpSpPr>
+      <p:sp>
+        <p:nvSpPr>
+          <p:cNvPr id="2" name="Slide Image Placeholder 1"/>
+          <p:cNvSpPr>
+            <a:spLocks noGrp="1" noRot="1" noChangeAspect="1"/>
+          </p:cNvSpPr>
+          <p:nvPr>
+            <p:ph type="sldImg"/>
+          </p:nvPr>
+        </p:nvSpPr>
+        <p:spPr/>
+      </p:sp>
+      <p:sp>
+        <p:nvSpPr>
+          <p:cNvPr id="3" name="Notes Placeholder 2"/>
+          <p:cNvSpPr>
+            <a:spLocks noGrp="1"/>
+          </p:cNvSpPr>
+          <p:nvPr>
+            <p:ph type="body" idx="1"/>
+          </p:nvPr>
+        </p:nvSpPr>
+        <p:spPr/>
+        <p:txBody>
+          <a:bodyPr/>
+          <a:lstStyle/>
+          <a:p>
+            <a:r>
+              <a:rPr lang="en-US" dirty="0"/>
+              <a:t>Consider all discrete values of </a:t>
+            </a:r>
+            <a:r>
+              <a:rPr lang="en-US" i="1" dirty="0"/>
+              <a:t>a</a:t>
+            </a:r>
+            <a:r>
+              <a:rPr lang="en-US" dirty="0"/>
+              <a:t>. For each value of </a:t>
+            </a:r>
+            <a:r>
+              <a:rPr lang="en-US" i="1" dirty="0"/>
+              <a:t>a</a:t>
+            </a:r>
+            <a:r>
+              <a:rPr lang="en-US" dirty="0"/>
+              <a:t>, a corresponding value of </a:t>
+            </a:r>
+            <a:r>
+              <a:rPr lang="en-US" i="1" dirty="0"/>
+              <a:t>b</a:t>
+            </a:r>
+            <a:r>
+              <a:rPr lang="en-US" dirty="0"/>
+              <a:t> that satisfies the equation b=−</a:t>
+            </a:r>
+            <a:r>
+              <a:rPr lang="en-US" dirty="0" err="1"/>
+              <a:t>axi+yib</a:t>
+            </a:r>
+            <a:r>
+              <a:rPr lang="en-US" dirty="0"/>
+              <a:t> = -a </a:t>
+            </a:r>
+            <a:r>
+              <a:rPr lang="en-US" dirty="0" err="1"/>
+              <a:t>x_i</a:t>
+            </a:r>
+            <a:r>
+              <a:rPr lang="en-US" dirty="0"/>
+              <a:t> + </a:t>
+            </a:r>
+            <a:r>
+              <a:rPr lang="en-US" dirty="0" err="1"/>
+              <a:t>y_ib</a:t>
+            </a:r>
+            <a:r>
+              <a:rPr lang="en-US" dirty="0"/>
+              <a:t>=−</a:t>
+            </a:r>
+            <a:r>
+              <a:rPr lang="en-US" dirty="0" err="1"/>
+              <a:t>axi</a:t>
+            </a:r>
+            <a:r>
+              <a:rPr lang="en-US" dirty="0"/>
+              <a:t>​+</a:t>
+            </a:r>
+            <a:r>
+              <a:rPr lang="en-US" dirty="0" err="1"/>
+              <a:t>yi</a:t>
+            </a:r>
+            <a:r>
+              <a:rPr lang="en-US" dirty="0"/>
+              <a:t>​ will be obtained. After finding the value of </a:t>
+            </a:r>
+            <a:r>
+              <a:rPr lang="en-US" i="1" dirty="0"/>
+              <a:t>b</a:t>
+            </a:r>
+            <a:r>
+              <a:rPr lang="en-US" dirty="0"/>
+              <a:t> corresponding to the value of </a:t>
+            </a:r>
+            <a:r>
+              <a:rPr lang="en-US" i="1" dirty="0"/>
+              <a:t>a</a:t>
+            </a:r>
+            <a:r>
+              <a:rPr lang="en-US" dirty="0"/>
+              <a:t>, increment the cell at coordinates (</a:t>
+            </a:r>
+            <a:r>
+              <a:rPr lang="en-US" i="1" dirty="0"/>
+              <a:t>a</a:t>
+            </a:r>
+            <a:r>
+              <a:rPr lang="en-US" dirty="0"/>
+              <a:t>, </a:t>
+            </a:r>
+            <a:r>
+              <a:rPr lang="en-US" i="1" dirty="0"/>
+              <a:t>b</a:t>
+            </a:r>
+            <a:r>
+              <a:rPr lang="en-US" dirty="0"/>
+              <a:t>) by 1.</a:t>
+            </a:r>
+          </a:p>
+          <a:p>
+            <a:r>
+              <a:rPr lang="en-US" dirty="0"/>
+              <a:t>The result obtained, as we can see, is a straight line in the parameter space. </a:t>
+            </a:r>
+            <a:r>
+              <a:rPr lang="en-US" sz="1800" b="0" i="0" dirty="0">
+                <a:solidFill>
+                  <a:srgbClr val="000000"/>
+                </a:solidFill>
+                <a:effectLst/>
+                <a:latin typeface="Calibri" panose="020F0502020204030204" pitchFamily="34" charset="0"/>
+              </a:rPr>
+              <a:t>Where the two lines in parameter space intersect, we will get a 2 in the accumulator array</a:t>
+            </a:r>
+            <a:r>
+              <a:rPr lang="en-US" dirty="0"/>
+              <a:t> </a:t>
+            </a:r>
+            <a:br>
+              <a:rPr lang="en-US" dirty="0"/>
+            </a:br>
+            <a:r>
+              <a:rPr lang="en-US" sz="1800" b="0" i="0" dirty="0">
+                <a:solidFill>
+                  <a:srgbClr val="000000"/>
+                </a:solidFill>
+                <a:effectLst/>
+                <a:latin typeface="Calibri" panose="020F0502020204030204" pitchFamily="34" charset="0"/>
+              </a:rPr>
+              <a:t>If we have multiple lines in the image, we will get several local maxima in the accumulator array.</a:t>
+            </a:r>
+            <a:r>
+              <a:rPr lang="en-US" dirty="0"/>
+              <a:t> </a:t>
+            </a:r>
+            <a:br>
+              <a:rPr lang="en-US" dirty="0"/>
+            </a:br>
+            <a:endParaRPr lang="en-US" dirty="0"/>
+          </a:p>
+        </p:txBody>
+      </p:sp>
+      <p:sp>
+        <p:nvSpPr>
+          <p:cNvPr id="4" name="Slide Number Placeholder 3"/>
+          <p:cNvSpPr>
+            <a:spLocks noGrp="1"/>
+          </p:cNvSpPr>
+          <p:nvPr>
+            <p:ph type="sldNum" sz="quarter" idx="5"/>
+          </p:nvPr>
+        </p:nvSpPr>
+        <p:spPr/>
+        <p:txBody>
+          <a:bodyPr/>
+          <a:lstStyle/>
+          <a:p>
+            <a:fld id="{4BB17C66-5E86-48FA-A33E-66AB0EC7811B}" type="slidenum">
+              <a:rPr lang="en-US" smtClean="0"/>
+              <a:t>7</a:t>
+            </a:fld>
+            <a:endParaRPr lang="en-US"/>
+          </a:p>
+        </p:txBody>
+      </p:sp>
+    </p:spTree>
+    <p:extLst>
+      <p:ext uri="{BB962C8B-B14F-4D97-AF65-F5344CB8AC3E}">
+        <p14:creationId xmlns:p14="http://schemas.microsoft.com/office/powerpoint/2010/main" val="3380403092"/>
+      </p:ext>
+    </p:extLst>
+  </p:cSld>
+  <p:clrMapOvr>
+    <a:masterClrMapping/>
+  </p:clrMapOvr>
+</p:notes>
+</file>
+
+<file path=ppt/notesSlides/notesSlide6.xml><?xml version="1.0" encoding="utf-8"?>
 <p:notes xmlns:a="http://schemas.openxmlformats.org/drawingml/2006/main" xmlns:r="http://schemas.openxmlformats.org/officeDocument/2006/relationships" xmlns:p="http://schemas.openxmlformats.org/presentationml/2006/main">
   <p:cSld>
     <p:spTree>
@@ -4865,69 +5091,6 @@
           </a:graphicData>
         </a:graphic>
       </p:graphicFrame>
-      <p:graphicFrame>
-        <p:nvGraphicFramePr>
-          <p:cNvPr id="3" name="Object 2">
-            <a:extLst>
-              <a:ext uri="{FF2B5EF4-FFF2-40B4-BE49-F238E27FC236}">
-                <a16:creationId xmlns:a16="http://schemas.microsoft.com/office/drawing/2014/main" id="{50070D84-E247-B7A1-9FAF-18501E629F3E}"/>
-              </a:ext>
-            </a:extLst>
-          </p:cNvPr>
-          <p:cNvGraphicFramePr>
-            <a:graphicFrameLocks noChangeAspect="1"/>
-          </p:cNvGraphicFramePr>
-          <p:nvPr>
-            <p:extLst>
-              <p:ext uri="{D42A27DB-BD31-4B8C-83A1-F6EECF244321}">
-                <p14:modId xmlns:p14="http://schemas.microsoft.com/office/powerpoint/2010/main" val="2724173320"/>
-              </p:ext>
-            </p:extLst>
-          </p:nvPr>
-        </p:nvGraphicFramePr>
-        <p:xfrm>
-          <a:off x="5988050" y="3478213"/>
-          <a:ext cx="1231900" cy="203200"/>
-        </p:xfrm>
-        <a:graphic>
-          <a:graphicData uri="http://schemas.openxmlformats.org/presentationml/2006/ole">
-            <mc:AlternateContent xmlns:mc="http://schemas.openxmlformats.org/markup-compatibility/2006">
-              <mc:Choice xmlns:v="urn:schemas-microsoft-com:vml" Requires="v">
-                <p:oleObj name="Equation" r:id="rId3" imgW="1231560" imgH="203040" progId="Equation.DSMT4">
-                  <p:embed/>
-                </p:oleObj>
-              </mc:Choice>
-              <mc:Fallback>
-                <p:oleObj name="Equation" r:id="rId3" imgW="1231560" imgH="203040" progId="Equation.DSMT4">
-                  <p:embed/>
-                  <p:pic>
-                    <p:nvPicPr>
-                      <p:cNvPr id="0" name=""/>
-                      <p:cNvPicPr/>
-                      <p:nvPr/>
-                    </p:nvPicPr>
-                    <p:blipFill>
-                      <a:blip r:embed="rId4"/>
-                      <a:stretch>
-                        <a:fillRect/>
-                      </a:stretch>
-                    </p:blipFill>
-                    <p:spPr>
-                      <a:xfrm>
-                        <a:off x="5988050" y="3478213"/>
-                        <a:ext cx="1231900" cy="203200"/>
-                      </a:xfrm>
-                      <a:prstGeom prst="rect">
-                        <a:avLst/>
-                      </a:prstGeom>
-                    </p:spPr>
-                  </p:pic>
-                </p:oleObj>
-              </mc:Fallback>
-            </mc:AlternateContent>
-          </a:graphicData>
-        </a:graphic>
-      </p:graphicFrame>
     </p:spTree>
     <p:extLst>
       <p:ext uri="{BB962C8B-B14F-4D97-AF65-F5344CB8AC3E}">
@@ -4958,6 +5121,36 @@
           <a:chExt cx="0" cy="0"/>
         </a:xfrm>
       </p:grpSpPr>
+      <p:pic>
+        <p:nvPicPr>
+          <p:cNvPr id="4" name="Picture 3">
+            <a:extLst>
+              <a:ext uri="{FF2B5EF4-FFF2-40B4-BE49-F238E27FC236}">
+                <a16:creationId xmlns:a16="http://schemas.microsoft.com/office/drawing/2014/main" id="{0A593473-4894-C9A7-0DDC-524866516253}"/>
+              </a:ext>
+            </a:extLst>
+          </p:cNvPr>
+          <p:cNvPicPr>
+            <a:picLocks noChangeAspect="1"/>
+          </p:cNvPicPr>
+          <p:nvPr/>
+        </p:nvPicPr>
+        <p:blipFill>
+          <a:blip r:embed="rId2"/>
+          <a:stretch>
+            <a:fillRect/>
+          </a:stretch>
+        </p:blipFill>
+        <p:spPr>
+          <a:xfrm>
+            <a:off x="9223043" y="785495"/>
+            <a:ext cx="2143125" cy="2962275"/>
+          </a:xfrm>
+          <a:prstGeom prst="rect">
+            <a:avLst/>
+          </a:prstGeom>
+        </p:spPr>
+      </p:pic>
       <p:sp>
         <p:nvSpPr>
           <p:cNvPr id="2" name="Title 1">
@@ -4979,16 +5172,348 @@
           <a:bodyPr/>
           <a:lstStyle/>
           <a:p>
-            <a:endParaRPr lang="en-US"/>
+            <a:r>
+              <a:rPr lang="en-US" dirty="0"/>
+              <a:t>Result</a:t>
+            </a:r>
           </a:p>
         </p:txBody>
       </p:sp>
       <p:sp>
         <p:nvSpPr>
-          <p:cNvPr id="3" name="Text Placeholder 2">
+          <p:cNvPr id="48" name="Rectangle 47">
             <a:extLst>
               <a:ext uri="{FF2B5EF4-FFF2-40B4-BE49-F238E27FC236}">
-                <a16:creationId xmlns:a16="http://schemas.microsoft.com/office/drawing/2014/main" id="{A8EEA225-1F71-F281-DEEC-5BF7EF80589C}"/>
+                <a16:creationId xmlns:a16="http://schemas.microsoft.com/office/drawing/2014/main" id="{2F8ED8D1-DF40-7F30-AE2B-CA761D55B554}"/>
+              </a:ext>
+            </a:extLst>
+          </p:cNvPr>
+          <p:cNvSpPr/>
+          <p:nvPr/>
+        </p:nvSpPr>
+        <p:spPr>
+          <a:xfrm>
+            <a:off x="9211544" y="785495"/>
+            <a:ext cx="2166124" cy="2964617"/>
+          </a:xfrm>
+          <a:prstGeom prst="rect">
+            <a:avLst/>
+          </a:prstGeom>
+          <a:noFill/>
+          <a:ln w="9525" cap="flat" cmpd="sng" algn="ctr">
+            <a:solidFill>
+              <a:schemeClr val="dk1"/>
+            </a:solidFill>
+            <a:prstDash val="solid"/>
+            <a:round/>
+            <a:headEnd type="none" w="med" len="med"/>
+            <a:tailEnd type="none" w="med" len="med"/>
+          </a:ln>
+        </p:spPr>
+        <p:style>
+          <a:lnRef idx="0">
+            <a:scrgbClr r="0" g="0" b="0"/>
+          </a:lnRef>
+          <a:fillRef idx="0">
+            <a:scrgbClr r="0" g="0" b="0"/>
+          </a:fillRef>
+          <a:effectRef idx="0">
+            <a:scrgbClr r="0" g="0" b="0"/>
+          </a:effectRef>
+          <a:fontRef idx="minor">
+            <a:schemeClr val="dk1"/>
+          </a:fontRef>
+        </p:style>
+        <p:txBody>
+          <a:bodyPr rtlCol="0" anchor="ctr"/>
+          <a:lstStyle/>
+          <a:p>
+            <a:pPr algn="ctr"/>
+            <a:endParaRPr lang="en-US"/>
+          </a:p>
+        </p:txBody>
+      </p:sp>
+      <p:pic>
+        <p:nvPicPr>
+          <p:cNvPr id="5" name="Picture 4">
+            <a:extLst>
+              <a:ext uri="{FF2B5EF4-FFF2-40B4-BE49-F238E27FC236}">
+                <a16:creationId xmlns:a16="http://schemas.microsoft.com/office/drawing/2014/main" id="{1C14B117-D0DB-40C6-CAA6-6C363F3277B1}"/>
+              </a:ext>
+            </a:extLst>
+          </p:cNvPr>
+          <p:cNvPicPr>
+            <a:picLocks noChangeAspect="1"/>
+          </p:cNvPicPr>
+          <p:nvPr/>
+        </p:nvPicPr>
+        <p:blipFill>
+          <a:blip r:embed="rId3"/>
+          <a:stretch>
+            <a:fillRect/>
+          </a:stretch>
+        </p:blipFill>
+        <p:spPr>
+          <a:xfrm>
+            <a:off x="5962532" y="785495"/>
+            <a:ext cx="2162175" cy="2962275"/>
+          </a:xfrm>
+          <a:prstGeom prst="rect">
+            <a:avLst/>
+          </a:prstGeom>
+        </p:spPr>
+      </p:pic>
+      <p:pic>
+        <p:nvPicPr>
+          <p:cNvPr id="8" name="Picture 7" descr="A black and white image of a black and white image of a black and white image of a black and white image of a black and white image of a black and white image of a black and&#10;&#10;AI-generated content may be incorrect.">
+            <a:extLst>
+              <a:ext uri="{FF2B5EF4-FFF2-40B4-BE49-F238E27FC236}">
+                <a16:creationId xmlns:a16="http://schemas.microsoft.com/office/drawing/2014/main" id="{68092D76-A01C-6D1E-8D57-627DE8AE2588}"/>
+              </a:ext>
+            </a:extLst>
+          </p:cNvPr>
+          <p:cNvPicPr>
+            <a:picLocks noChangeAspect="1"/>
+          </p:cNvPicPr>
+          <p:nvPr/>
+        </p:nvPicPr>
+        <p:blipFill>
+          <a:blip r:embed="rId4">
+            <a:extLst>
+              <a:ext uri="{28A0092B-C50C-407E-A947-70E740481C1C}">
+                <a14:useLocalDpi xmlns:a14="http://schemas.microsoft.com/office/drawing/2010/main" val="0"/>
+              </a:ext>
+            </a:extLst>
+          </a:blip>
+          <a:stretch>
+            <a:fillRect/>
+          </a:stretch>
+        </p:blipFill>
+        <p:spPr>
+          <a:xfrm>
+            <a:off x="-398" y="647700"/>
+            <a:ext cx="4991497" cy="5901318"/>
+          </a:xfrm>
+          <a:prstGeom prst="rect">
+            <a:avLst/>
+          </a:prstGeom>
+        </p:spPr>
+      </p:pic>
+      <p:sp>
+        <p:nvSpPr>
+          <p:cNvPr id="9" name="TextBox 8">
+            <a:extLst>
+              <a:ext uri="{FF2B5EF4-FFF2-40B4-BE49-F238E27FC236}">
+                <a16:creationId xmlns:a16="http://schemas.microsoft.com/office/drawing/2014/main" id="{C2B1BD52-CB97-DC4A-1AD3-59F94D27B758}"/>
+              </a:ext>
+            </a:extLst>
+          </p:cNvPr>
+          <p:cNvSpPr txBox="1"/>
+          <p:nvPr/>
+        </p:nvSpPr>
+        <p:spPr>
+          <a:xfrm>
+            <a:off x="5961131" y="3747770"/>
+            <a:ext cx="2143125" cy="646331"/>
+          </a:xfrm>
+          <a:prstGeom prst="rect">
+            <a:avLst/>
+          </a:prstGeom>
+          <a:noFill/>
+        </p:spPr>
+        <p:txBody>
+          <a:bodyPr wrap="square">
+            <a:spAutoFit/>
+          </a:bodyPr>
+          <a:lstStyle/>
+          <a:p>
+            <a:pPr algn="ctr"/>
+            <a:r>
+              <a:rPr lang="en-US" dirty="0">
+                <a:latin typeface="Times New Roman" panose="02020603050405020304" pitchFamily="18" charset="0"/>
+                <a:ea typeface="Tahoma" panose="020B0604030504040204" pitchFamily="34" charset="0"/>
+                <a:cs typeface="Times New Roman" panose="02020603050405020304" pitchFamily="18" charset="0"/>
+              </a:rPr>
+              <a:t>Drawing result on canny edge image</a:t>
+            </a:r>
+          </a:p>
+        </p:txBody>
+      </p:sp>
+      <p:sp>
+        <p:nvSpPr>
+          <p:cNvPr id="10" name="TextBox 9">
+            <a:extLst>
+              <a:ext uri="{FF2B5EF4-FFF2-40B4-BE49-F238E27FC236}">
+                <a16:creationId xmlns:a16="http://schemas.microsoft.com/office/drawing/2014/main" id="{BED469C0-3647-B7F5-D7FD-09F31732DEE9}"/>
+              </a:ext>
+            </a:extLst>
+          </p:cNvPr>
+          <p:cNvSpPr txBox="1"/>
+          <p:nvPr/>
+        </p:nvSpPr>
+        <p:spPr>
+          <a:xfrm>
+            <a:off x="9223043" y="3747770"/>
+            <a:ext cx="2143125" cy="646331"/>
+          </a:xfrm>
+          <a:prstGeom prst="rect">
+            <a:avLst/>
+          </a:prstGeom>
+          <a:noFill/>
+        </p:spPr>
+        <p:txBody>
+          <a:bodyPr wrap="square">
+            <a:spAutoFit/>
+          </a:bodyPr>
+          <a:lstStyle/>
+          <a:p>
+            <a:pPr algn="ctr"/>
+            <a:r>
+              <a:rPr lang="en-US" dirty="0">
+                <a:latin typeface="Times New Roman" panose="02020603050405020304" pitchFamily="18" charset="0"/>
+                <a:ea typeface="Tahoma" panose="020B0604030504040204" pitchFamily="34" charset="0"/>
+                <a:cs typeface="Times New Roman" panose="02020603050405020304" pitchFamily="18" charset="0"/>
+              </a:rPr>
+              <a:t>Drawing result on original image</a:t>
+            </a:r>
+          </a:p>
+        </p:txBody>
+      </p:sp>
+      <p:sp>
+        <p:nvSpPr>
+          <p:cNvPr id="11" name="TextBox 10">
+            <a:extLst>
+              <a:ext uri="{FF2B5EF4-FFF2-40B4-BE49-F238E27FC236}">
+                <a16:creationId xmlns:a16="http://schemas.microsoft.com/office/drawing/2014/main" id="{4B44C734-5A9E-E5F4-0ED1-F18EDBF3A359}"/>
+              </a:ext>
+            </a:extLst>
+          </p:cNvPr>
+          <p:cNvSpPr txBox="1"/>
+          <p:nvPr/>
+        </p:nvSpPr>
+        <p:spPr>
+          <a:xfrm>
+            <a:off x="5403987" y="4691342"/>
+            <a:ext cx="6891269" cy="1477328"/>
+          </a:xfrm>
+          <a:prstGeom prst="rect">
+            <a:avLst/>
+          </a:prstGeom>
+          <a:noFill/>
+        </p:spPr>
+        <p:txBody>
+          <a:bodyPr wrap="square">
+            <a:spAutoFit/>
+          </a:bodyPr>
+          <a:lstStyle/>
+          <a:p>
+            <a:r>
+              <a:rPr lang="en-US" dirty="0">
+                <a:latin typeface="Times New Roman" panose="02020603050405020304" pitchFamily="18" charset="0"/>
+                <a:ea typeface="Tahoma" panose="020B0604030504040204" pitchFamily="34" charset="0"/>
+                <a:cs typeface="Times New Roman" panose="02020603050405020304" pitchFamily="18" charset="0"/>
+              </a:rPr>
+              <a:t>Result of Hough Transform with:</a:t>
+            </a:r>
+          </a:p>
+          <a:p>
+            <a:pPr marL="285750" indent="-285750">
+              <a:buFont typeface="Arial" panose="020B0604020202020204" pitchFamily="34" charset="0"/>
+              <a:buChar char="•"/>
+            </a:pPr>
+            <a:r>
+              <a:rPr lang="en-US" dirty="0">
+                <a:latin typeface="Times New Roman" panose="02020603050405020304" pitchFamily="18" charset="0"/>
+                <a:cs typeface="Times New Roman" panose="02020603050405020304" pitchFamily="18" charset="0"/>
+              </a:rPr>
+              <a:t>Distance resolution of the accumulator in pixels</a:t>
+            </a:r>
+            <a:r>
+              <a:rPr lang="en-US" dirty="0">
+                <a:latin typeface="Times New Roman" panose="02020603050405020304" pitchFamily="18" charset="0"/>
+                <a:ea typeface="Tahoma" panose="020B0604030504040204" pitchFamily="34" charset="0"/>
+                <a:cs typeface="Times New Roman" panose="02020603050405020304" pitchFamily="18" charset="0"/>
+              </a:rPr>
+              <a:t>  = 1</a:t>
+            </a:r>
+          </a:p>
+          <a:p>
+            <a:pPr marL="285750" indent="-285750">
+              <a:buFont typeface="Arial" panose="020B0604020202020204" pitchFamily="34" charset="0"/>
+              <a:buChar char="•"/>
+            </a:pPr>
+            <a:r>
+              <a:rPr lang="en-US" dirty="0">
+                <a:latin typeface="Times New Roman" panose="02020603050405020304" pitchFamily="18" charset="0"/>
+                <a:cs typeface="Times New Roman" panose="02020603050405020304" pitchFamily="18" charset="0"/>
+              </a:rPr>
+              <a:t>Angle resolution of the accumulator in radians</a:t>
+            </a:r>
+            <a:r>
+              <a:rPr lang="en-US" dirty="0">
+                <a:latin typeface="Times New Roman" panose="02020603050405020304" pitchFamily="18" charset="0"/>
+                <a:ea typeface="Tahoma" panose="020B0604030504040204" pitchFamily="34" charset="0"/>
+                <a:cs typeface="Times New Roman" panose="02020603050405020304" pitchFamily="18" charset="0"/>
+              </a:rPr>
+              <a:t> = 180 (1 degree)</a:t>
+            </a:r>
+          </a:p>
+          <a:p>
+            <a:pPr marL="285750" indent="-285750">
+              <a:buFont typeface="Arial" panose="020B0604020202020204" pitchFamily="34" charset="0"/>
+              <a:buChar char="•"/>
+            </a:pPr>
+            <a:r>
+              <a:rPr lang="en-US" dirty="0">
+                <a:latin typeface="Times New Roman" panose="02020603050405020304" pitchFamily="18" charset="0"/>
+                <a:cs typeface="Times New Roman" panose="02020603050405020304" pitchFamily="18" charset="0"/>
+              </a:rPr>
+              <a:t>Threshold (Minimum number of votes (intersections in Hough accumulator) to consider a line) = 160</a:t>
+            </a:r>
+            <a:endParaRPr lang="en-US" dirty="0">
+              <a:latin typeface="Times New Roman" panose="02020603050405020304" pitchFamily="18" charset="0"/>
+              <a:ea typeface="Tahoma" panose="020B0604030504040204" pitchFamily="34" charset="0"/>
+              <a:cs typeface="Times New Roman" panose="02020603050405020304" pitchFamily="18" charset="0"/>
+            </a:endParaRPr>
+          </a:p>
+        </p:txBody>
+      </p:sp>
+    </p:spTree>
+    <p:extLst>
+      <p:ext uri="{BB962C8B-B14F-4D97-AF65-F5344CB8AC3E}">
+        <p14:creationId xmlns:p14="http://schemas.microsoft.com/office/powerpoint/2010/main" val="2652775615"/>
+      </p:ext>
+    </p:extLst>
+  </p:cSld>
+  <p:clrMapOvr>
+    <a:masterClrMapping/>
+  </p:clrMapOvr>
+</p:sld>
+</file>
+
+<file path=ppt/slides/slide11.xml><?xml version="1.0" encoding="utf-8"?>
+<p:sld xmlns:a="http://schemas.openxmlformats.org/drawingml/2006/main" xmlns:r="http://schemas.openxmlformats.org/officeDocument/2006/relationships" xmlns:p="http://schemas.openxmlformats.org/presentationml/2006/main">
+  <p:cSld>
+    <p:spTree>
+      <p:nvGrpSpPr>
+        <p:cNvPr id="1" name=""/>
+        <p:cNvGrpSpPr/>
+        <p:nvPr/>
+      </p:nvGrpSpPr>
+      <p:grpSpPr>
+        <a:xfrm>
+          <a:off x="0" y="0"/>
+          <a:ext cx="0" cy="0"/>
+          <a:chOff x="0" y="0"/>
+          <a:chExt cx="0" cy="0"/>
+        </a:xfrm>
+      </p:grpSpPr>
+      <p:sp>
+        <p:nvSpPr>
+          <p:cNvPr id="2" name="Title 1">
+            <a:extLst>
+              <a:ext uri="{FF2B5EF4-FFF2-40B4-BE49-F238E27FC236}">
+                <a16:creationId xmlns:a16="http://schemas.microsoft.com/office/drawing/2014/main" id="{B71E38FD-2C51-75B0-A713-5E35B62A84B7}"/>
               </a:ext>
             </a:extLst>
           </p:cNvPr>
@@ -4996,7 +5521,7 @@
             <a:spLocks noGrp="1"/>
           </p:cNvSpPr>
           <p:nvPr>
-            <p:ph type="body" sz="quarter" idx="13"/>
+            <p:ph type="title"/>
           </p:nvPr>
         </p:nvSpPr>
         <p:spPr/>
@@ -5008,10 +5533,46 @@
           </a:p>
         </p:txBody>
       </p:sp>
+      <p:pic>
+        <p:nvPicPr>
+          <p:cNvPr id="5" name="Picture 4" descr="A screenshot of a computer program&#10;&#10;AI-generated content may be incorrect.">
+            <a:extLst>
+              <a:ext uri="{FF2B5EF4-FFF2-40B4-BE49-F238E27FC236}">
+                <a16:creationId xmlns:a16="http://schemas.microsoft.com/office/drawing/2014/main" id="{D376D485-A8B0-308B-1DBC-B8EEC88C7768}"/>
+              </a:ext>
+            </a:extLst>
+          </p:cNvPr>
+          <p:cNvPicPr>
+            <a:picLocks noChangeAspect="1"/>
+          </p:cNvPicPr>
+          <p:nvPr/>
+        </p:nvPicPr>
+        <p:blipFill>
+          <a:blip r:embed="rId2">
+            <a:extLst>
+              <a:ext uri="{28A0092B-C50C-407E-A947-70E740481C1C}">
+                <a14:useLocalDpi xmlns:a14="http://schemas.microsoft.com/office/drawing/2010/main" val="0"/>
+              </a:ext>
+            </a:extLst>
+          </a:blip>
+          <a:stretch>
+            <a:fillRect/>
+          </a:stretch>
+        </p:blipFill>
+        <p:spPr>
+          <a:xfrm>
+            <a:off x="2075889" y="2843130"/>
+            <a:ext cx="8040222" cy="1171739"/>
+          </a:xfrm>
+          <a:prstGeom prst="rect">
+            <a:avLst/>
+          </a:prstGeom>
+        </p:spPr>
+      </p:pic>
     </p:spTree>
     <p:extLst>
       <p:ext uri="{BB962C8B-B14F-4D97-AF65-F5344CB8AC3E}">
-        <p14:creationId xmlns:p14="http://schemas.microsoft.com/office/powerpoint/2010/main" val="2652775615"/>
+        <p14:creationId xmlns:p14="http://schemas.microsoft.com/office/powerpoint/2010/main" val="175479536"/>
       </p:ext>
     </p:extLst>
   </p:cSld>
@@ -10391,6 +10952,457 @@
           <a:chExt cx="0" cy="0"/>
         </a:xfrm>
       </p:grpSpPr>
+      <p:sp>
+        <p:nvSpPr>
+          <p:cNvPr id="2" name="Title 1">
+            <a:extLst>
+              <a:ext uri="{FF2B5EF4-FFF2-40B4-BE49-F238E27FC236}">
+                <a16:creationId xmlns:a16="http://schemas.microsoft.com/office/drawing/2014/main" id="{241A41C0-7C5C-7938-6262-F91A8464B921}"/>
+              </a:ext>
+            </a:extLst>
+          </p:cNvPr>
+          <p:cNvSpPr>
+            <a:spLocks noGrp="1"/>
+          </p:cNvSpPr>
+          <p:nvPr>
+            <p:ph type="title"/>
+          </p:nvPr>
+        </p:nvSpPr>
+        <p:spPr/>
+        <p:txBody>
+          <a:bodyPr/>
+          <a:lstStyle/>
+          <a:p>
+            <a:r>
+              <a:rPr lang="en-US" dirty="0"/>
+              <a:t>Multiple line detection</a:t>
+            </a:r>
+          </a:p>
+        </p:txBody>
+      </p:sp>
+      <p:pic>
+        <p:nvPicPr>
+          <p:cNvPr id="5" name="Picture 4" descr="A black lines with a white background&#10;&#10;AI-generated content may be incorrect.">
+            <a:extLst>
+              <a:ext uri="{FF2B5EF4-FFF2-40B4-BE49-F238E27FC236}">
+                <a16:creationId xmlns:a16="http://schemas.microsoft.com/office/drawing/2014/main" id="{3031578F-9012-199F-C6A6-A407A89C5F38}"/>
+              </a:ext>
+            </a:extLst>
+          </p:cNvPr>
+          <p:cNvPicPr>
+            <a:picLocks noChangeAspect="1"/>
+          </p:cNvPicPr>
+          <p:nvPr/>
+        </p:nvPicPr>
+        <p:blipFill>
+          <a:blip r:embed="rId2">
+            <a:extLst>
+              <a:ext uri="{BEBA8EAE-BF5A-486C-A8C5-ECC9F3942E4B}">
+                <a14:imgProps xmlns:a14="http://schemas.microsoft.com/office/drawing/2010/main">
+                  <a14:imgLayer r:embed="rId3">
+                    <a14:imgEffect>
+                      <a14:artisticPhotocopy/>
+                    </a14:imgEffect>
+                  </a14:imgLayer>
+                </a14:imgProps>
+              </a:ext>
+              <a:ext uri="{28A0092B-C50C-407E-A947-70E740481C1C}">
+                <a14:useLocalDpi xmlns:a14="http://schemas.microsoft.com/office/drawing/2010/main" val="0"/>
+              </a:ext>
+            </a:extLst>
+          </a:blip>
+          <a:stretch>
+            <a:fillRect/>
+          </a:stretch>
+        </p:blipFill>
+        <p:spPr>
+          <a:xfrm>
+            <a:off x="2392693" y="1618322"/>
+            <a:ext cx="7406613" cy="2833621"/>
+          </a:xfrm>
+          <a:prstGeom prst="rect">
+            <a:avLst/>
+          </a:prstGeom>
+        </p:spPr>
+      </p:pic>
+      <p:sp>
+        <p:nvSpPr>
+          <p:cNvPr id="6" name="Title 1">
+            <a:extLst>
+              <a:ext uri="{FF2B5EF4-FFF2-40B4-BE49-F238E27FC236}">
+                <a16:creationId xmlns:a16="http://schemas.microsoft.com/office/drawing/2014/main" id="{BDE9397A-6170-2219-764A-09BC5A34B7B9}"/>
+              </a:ext>
+            </a:extLst>
+          </p:cNvPr>
+          <p:cNvSpPr txBox="1">
+            <a:spLocks/>
+          </p:cNvSpPr>
+          <p:nvPr/>
+        </p:nvSpPr>
+        <p:spPr>
+          <a:xfrm>
+            <a:off x="2761987" y="4287486"/>
+            <a:ext cx="2327166" cy="581956"/>
+          </a:xfrm>
+          <a:prstGeom prst="rect">
+            <a:avLst/>
+          </a:prstGeom>
+        </p:spPr>
+        <p:txBody>
+          <a:bodyPr vert="horz" lIns="91440" tIns="45720" rIns="91440" bIns="45720" rtlCol="0" anchor="ctr">
+            <a:noAutofit/>
+          </a:bodyPr>
+          <a:lstStyle>
+            <a:lvl1pPr algn="l" defTabSz="1219200" rtl="0" eaLnBrk="1" latinLnBrk="1" hangingPunct="1">
+              <a:spcBef>
+                <a:spcPct val="0"/>
+              </a:spcBef>
+              <a:buNone/>
+              <a:defRPr sz="2665" b="1" kern="1200">
+                <a:solidFill>
+                  <a:schemeClr val="tx1"/>
+                </a:solidFill>
+                <a:latin typeface="+mj-lt"/>
+                <a:ea typeface="+mj-ea"/>
+                <a:cs typeface="+mj-cs"/>
+              </a:defRPr>
+            </a:lvl1pPr>
+          </a:lstStyle>
+          <a:p>
+            <a:pPr algn="ctr"/>
+            <a:r>
+              <a:rPr lang="en-US" sz="2000" b="0" dirty="0">
+                <a:solidFill>
+                  <a:schemeClr val="accent6">
+                    <a:lumMod val="75000"/>
+                  </a:schemeClr>
+                </a:solidFill>
+                <a:latin typeface="Times New Roman" panose="02020603050405020304" pitchFamily="18" charset="0"/>
+                <a:cs typeface="Times New Roman" panose="02020603050405020304" pitchFamily="18" charset="0"/>
+              </a:rPr>
+              <a:t>Image space</a:t>
+            </a:r>
+          </a:p>
+        </p:txBody>
+      </p:sp>
+      <p:sp>
+        <p:nvSpPr>
+          <p:cNvPr id="7" name="Title 1">
+            <a:extLst>
+              <a:ext uri="{FF2B5EF4-FFF2-40B4-BE49-F238E27FC236}">
+                <a16:creationId xmlns:a16="http://schemas.microsoft.com/office/drawing/2014/main" id="{1CF98396-F422-C699-C8CD-CC14201F2F10}"/>
+              </a:ext>
+            </a:extLst>
+          </p:cNvPr>
+          <p:cNvSpPr txBox="1">
+            <a:spLocks/>
+          </p:cNvSpPr>
+          <p:nvPr/>
+        </p:nvSpPr>
+        <p:spPr>
+          <a:xfrm>
+            <a:off x="6701526" y="4287486"/>
+            <a:ext cx="2327166" cy="581956"/>
+          </a:xfrm>
+          <a:prstGeom prst="rect">
+            <a:avLst/>
+          </a:prstGeom>
+        </p:spPr>
+        <p:txBody>
+          <a:bodyPr vert="horz" lIns="91440" tIns="45720" rIns="91440" bIns="45720" rtlCol="0" anchor="ctr">
+            <a:noAutofit/>
+          </a:bodyPr>
+          <a:lstStyle>
+            <a:lvl1pPr algn="l" defTabSz="1219200" rtl="0" eaLnBrk="1" latinLnBrk="1" hangingPunct="1">
+              <a:spcBef>
+                <a:spcPct val="0"/>
+              </a:spcBef>
+              <a:buNone/>
+              <a:defRPr sz="2665" b="1" kern="1200">
+                <a:solidFill>
+                  <a:schemeClr val="tx1"/>
+                </a:solidFill>
+                <a:latin typeface="+mj-lt"/>
+                <a:ea typeface="+mj-ea"/>
+                <a:cs typeface="+mj-cs"/>
+              </a:defRPr>
+            </a:lvl1pPr>
+          </a:lstStyle>
+          <a:p>
+            <a:pPr algn="ctr"/>
+            <a:r>
+              <a:rPr lang="en-US" sz="2000" b="0" dirty="0">
+                <a:solidFill>
+                  <a:schemeClr val="accent6">
+                    <a:lumMod val="75000"/>
+                  </a:schemeClr>
+                </a:solidFill>
+                <a:latin typeface="Times New Roman" panose="02020603050405020304" pitchFamily="18" charset="0"/>
+                <a:cs typeface="Times New Roman" panose="02020603050405020304" pitchFamily="18" charset="0"/>
+              </a:rPr>
+              <a:t>Parameter space</a:t>
+            </a:r>
+          </a:p>
+        </p:txBody>
+      </p:sp>
+      <p:sp>
+        <p:nvSpPr>
+          <p:cNvPr id="8" name="Oval 7">
+            <a:extLst>
+              <a:ext uri="{FF2B5EF4-FFF2-40B4-BE49-F238E27FC236}">
+                <a16:creationId xmlns:a16="http://schemas.microsoft.com/office/drawing/2014/main" id="{3C31F485-6C13-AE0A-3798-186AECB083D3}"/>
+              </a:ext>
+            </a:extLst>
+          </p:cNvPr>
+          <p:cNvSpPr/>
+          <p:nvPr/>
+        </p:nvSpPr>
+        <p:spPr>
+          <a:xfrm>
+            <a:off x="7323243" y="2420939"/>
+            <a:ext cx="80858" cy="82850"/>
+          </a:xfrm>
+          <a:prstGeom prst="ellipse">
+            <a:avLst/>
+          </a:prstGeom>
+          <a:solidFill>
+            <a:srgbClr val="F9B47C"/>
+          </a:solidFill>
+          <a:ln w="9525">
+            <a:solidFill>
+              <a:schemeClr val="tx1">
+                <a:lumMod val="85000"/>
+                <a:lumOff val="15000"/>
+              </a:schemeClr>
+            </a:solidFill>
+            <a:headEnd type="none" w="med" len="med"/>
+            <a:tailEnd type="none" w="med" len="med"/>
+          </a:ln>
+        </p:spPr>
+        <p:style>
+          <a:lnRef idx="2">
+            <a:schemeClr val="accent1"/>
+          </a:lnRef>
+          <a:fillRef idx="1">
+            <a:schemeClr val="lt1"/>
+          </a:fillRef>
+          <a:effectRef idx="0">
+            <a:schemeClr val="accent1"/>
+          </a:effectRef>
+          <a:fontRef idx="minor">
+            <a:schemeClr val="dk1"/>
+          </a:fontRef>
+        </p:style>
+        <p:txBody>
+          <a:bodyPr rtlCol="0" anchor="ctr"/>
+          <a:lstStyle/>
+          <a:p>
+            <a:pPr algn="ctr"/>
+            <a:endParaRPr lang="en-US"/>
+          </a:p>
+        </p:txBody>
+      </p:sp>
+      <p:sp>
+        <p:nvSpPr>
+          <p:cNvPr id="9" name="Oval 8">
+            <a:extLst>
+              <a:ext uri="{FF2B5EF4-FFF2-40B4-BE49-F238E27FC236}">
+                <a16:creationId xmlns:a16="http://schemas.microsoft.com/office/drawing/2014/main" id="{698CF8D7-072B-AAC9-388A-514CDE183A93}"/>
+              </a:ext>
+            </a:extLst>
+          </p:cNvPr>
+          <p:cNvSpPr/>
+          <p:nvPr/>
+        </p:nvSpPr>
+        <p:spPr>
+          <a:xfrm>
+            <a:off x="7263764" y="3600738"/>
+            <a:ext cx="80858" cy="82850"/>
+          </a:xfrm>
+          <a:prstGeom prst="ellipse">
+            <a:avLst/>
+          </a:prstGeom>
+          <a:solidFill>
+            <a:srgbClr val="F9B47C"/>
+          </a:solidFill>
+          <a:ln w="9525">
+            <a:solidFill>
+              <a:schemeClr val="tx1">
+                <a:lumMod val="85000"/>
+                <a:lumOff val="15000"/>
+              </a:schemeClr>
+            </a:solidFill>
+            <a:headEnd type="none" w="med" len="med"/>
+            <a:tailEnd type="none" w="med" len="med"/>
+          </a:ln>
+        </p:spPr>
+        <p:style>
+          <a:lnRef idx="2">
+            <a:schemeClr val="accent1"/>
+          </a:lnRef>
+          <a:fillRef idx="1">
+            <a:schemeClr val="lt1"/>
+          </a:fillRef>
+          <a:effectRef idx="0">
+            <a:schemeClr val="accent1"/>
+          </a:effectRef>
+          <a:fontRef idx="minor">
+            <a:schemeClr val="dk1"/>
+          </a:fontRef>
+        </p:style>
+        <p:txBody>
+          <a:bodyPr rtlCol="0" anchor="ctr"/>
+          <a:lstStyle/>
+          <a:p>
+            <a:pPr algn="ctr"/>
+            <a:endParaRPr lang="en-US"/>
+          </a:p>
+        </p:txBody>
+      </p:sp>
+      <p:sp>
+        <p:nvSpPr>
+          <p:cNvPr id="10" name="Oval 9">
+            <a:extLst>
+              <a:ext uri="{FF2B5EF4-FFF2-40B4-BE49-F238E27FC236}">
+                <a16:creationId xmlns:a16="http://schemas.microsoft.com/office/drawing/2014/main" id="{29EB1921-DADA-99F6-30ED-FCB36369AF93}"/>
+              </a:ext>
+            </a:extLst>
+          </p:cNvPr>
+          <p:cNvSpPr/>
+          <p:nvPr/>
+        </p:nvSpPr>
+        <p:spPr>
+          <a:xfrm>
+            <a:off x="8579160" y="3569276"/>
+            <a:ext cx="80858" cy="82850"/>
+          </a:xfrm>
+          <a:prstGeom prst="ellipse">
+            <a:avLst/>
+          </a:prstGeom>
+          <a:solidFill>
+            <a:srgbClr val="F9B47C"/>
+          </a:solidFill>
+          <a:ln w="9525">
+            <a:solidFill>
+              <a:schemeClr val="tx1">
+                <a:lumMod val="85000"/>
+                <a:lumOff val="15000"/>
+              </a:schemeClr>
+            </a:solidFill>
+            <a:headEnd type="none" w="med" len="med"/>
+            <a:tailEnd type="none" w="med" len="med"/>
+          </a:ln>
+        </p:spPr>
+        <p:style>
+          <a:lnRef idx="2">
+            <a:schemeClr val="accent1"/>
+          </a:lnRef>
+          <a:fillRef idx="1">
+            <a:schemeClr val="lt1"/>
+          </a:fillRef>
+          <a:effectRef idx="0">
+            <a:schemeClr val="accent1"/>
+          </a:effectRef>
+          <a:fontRef idx="minor">
+            <a:schemeClr val="dk1"/>
+          </a:fontRef>
+        </p:style>
+        <p:txBody>
+          <a:bodyPr rtlCol="0" anchor="ctr"/>
+          <a:lstStyle/>
+          <a:p>
+            <a:pPr algn="ctr"/>
+            <a:endParaRPr lang="en-US"/>
+          </a:p>
+        </p:txBody>
+      </p:sp>
+      <p:sp>
+        <p:nvSpPr>
+          <p:cNvPr id="11" name="Oval 10">
+            <a:extLst>
+              <a:ext uri="{FF2B5EF4-FFF2-40B4-BE49-F238E27FC236}">
+                <a16:creationId xmlns:a16="http://schemas.microsoft.com/office/drawing/2014/main" id="{D3A3FE2C-83F0-1B3C-5F68-A5E61DF6D429}"/>
+              </a:ext>
+            </a:extLst>
+          </p:cNvPr>
+          <p:cNvSpPr/>
+          <p:nvPr/>
+        </p:nvSpPr>
+        <p:spPr>
+          <a:xfrm>
+            <a:off x="8896660" y="2568065"/>
+            <a:ext cx="80858" cy="82850"/>
+          </a:xfrm>
+          <a:prstGeom prst="ellipse">
+            <a:avLst/>
+          </a:prstGeom>
+          <a:solidFill>
+            <a:srgbClr val="F9B47C"/>
+          </a:solidFill>
+          <a:ln w="9525">
+            <a:solidFill>
+              <a:schemeClr val="tx1">
+                <a:lumMod val="85000"/>
+                <a:lumOff val="15000"/>
+              </a:schemeClr>
+            </a:solidFill>
+            <a:headEnd type="none" w="med" len="med"/>
+            <a:tailEnd type="none" w="med" len="med"/>
+          </a:ln>
+        </p:spPr>
+        <p:style>
+          <a:lnRef idx="2">
+            <a:schemeClr val="accent1"/>
+          </a:lnRef>
+          <a:fillRef idx="1">
+            <a:schemeClr val="lt1"/>
+          </a:fillRef>
+          <a:effectRef idx="0">
+            <a:schemeClr val="accent1"/>
+          </a:effectRef>
+          <a:fontRef idx="minor">
+            <a:schemeClr val="dk1"/>
+          </a:fontRef>
+        </p:style>
+        <p:txBody>
+          <a:bodyPr rtlCol="0" anchor="ctr"/>
+          <a:lstStyle/>
+          <a:p>
+            <a:pPr algn="ctr"/>
+            <a:endParaRPr lang="en-US"/>
+          </a:p>
+        </p:txBody>
+      </p:sp>
+    </p:spTree>
+    <p:extLst>
+      <p:ext uri="{BB962C8B-B14F-4D97-AF65-F5344CB8AC3E}">
+        <p14:creationId xmlns:p14="http://schemas.microsoft.com/office/powerpoint/2010/main" val="588470503"/>
+      </p:ext>
+    </p:extLst>
+  </p:cSld>
+  <p:clrMapOvr>
+    <a:masterClrMapping/>
+  </p:clrMapOvr>
+</p:sld>
+</file>
+
+<file path=ppt/slides/slide7.xml><?xml version="1.0" encoding="utf-8"?>
+<p:sld xmlns:a="http://schemas.openxmlformats.org/drawingml/2006/main" xmlns:r="http://schemas.openxmlformats.org/officeDocument/2006/relationships" xmlns:p="http://schemas.openxmlformats.org/presentationml/2006/main">
+  <p:cSld>
+    <p:spTree>
+      <p:nvGrpSpPr>
+        <p:cNvPr id="1" name=""/>
+        <p:cNvGrpSpPr/>
+        <p:nvPr/>
+      </p:nvGrpSpPr>
+      <p:grpSpPr>
+        <a:xfrm>
+          <a:off x="0" y="0"/>
+          <a:ext cx="0" cy="0"/>
+          <a:chOff x="0" y="0"/>
+          <a:chExt cx="0" cy="0"/>
+        </a:xfrm>
+      </p:grpSpPr>
       <p:grpSp>
         <p:nvGrpSpPr>
           <p:cNvPr id="80" name="Group 79">
@@ -10405,7 +11417,7 @@
         </p:nvGrpSpPr>
         <p:grpSpPr>
           <a:xfrm>
-            <a:off x="9064386" y="3780507"/>
+            <a:off x="9093760" y="3750674"/>
             <a:ext cx="2614390" cy="2381250"/>
             <a:chOff x="1439522" y="2174875"/>
             <a:chExt cx="2614390" cy="2381250"/>
@@ -11980,7 +12992,7 @@
           <p:nvPr/>
         </p:nvPicPr>
         <p:blipFill>
-          <a:blip r:embed="rId2">
+          <a:blip r:embed="rId3">
             <a:extLst>
               <a:ext uri="{28A0092B-C50C-407E-A947-70E740481C1C}">
                 <a14:useLocalDpi xmlns:a14="http://schemas.microsoft.com/office/drawing/2010/main" val="0"/>
@@ -12015,7 +13027,7 @@
         </p:nvSpPr>
         <p:spPr>
           <a:xfrm>
-            <a:off x="11678448" y="3428852"/>
+            <a:off x="11707822" y="3399019"/>
             <a:ext cx="931303" cy="369332"/>
           </a:xfrm>
           <a:prstGeom prst="rect">
@@ -12029,7 +13041,6 @@
           </a:bodyPr>
           <a:lstStyle/>
           <a:p>
-            <a:pPr/>
             <a:r>
               <a:rPr lang="en-US" dirty="0">
                 <a:latin typeface="Times New Roman" panose="02020603050405020304" pitchFamily="18" charset="0"/>
@@ -12056,7 +13067,7 @@
             </p:nvSpPr>
             <p:spPr>
               <a:xfrm>
-                <a:off x="8395020" y="6094968"/>
+                <a:off x="8424394" y="6065135"/>
                 <a:ext cx="931303" cy="369332"/>
               </a:xfrm>
               <a:prstGeom prst="rect">
@@ -12109,14 +13120,14 @@
             </p:nvSpPr>
             <p:spPr>
               <a:xfrm>
-                <a:off x="8395020" y="6094968"/>
+                <a:off x="8424394" y="6065135"/>
                 <a:ext cx="931303" cy="369332"/>
               </a:xfrm>
               <a:prstGeom prst="rect">
                 <a:avLst/>
               </a:prstGeom>
               <a:blipFill>
-                <a:blip r:embed="rId3"/>
+                <a:blip r:embed="rId4"/>
                 <a:stretch>
                   <a:fillRect/>
                 </a:stretch>
@@ -12151,7 +13162,7 @@
         </p:nvGrpSpPr>
         <p:grpSpPr>
           <a:xfrm>
-            <a:off x="9069699" y="3780507"/>
+            <a:off x="9099073" y="3750674"/>
             <a:ext cx="2614390" cy="2381250"/>
             <a:chOff x="4125151" y="2828007"/>
             <a:chExt cx="2614390" cy="2381250"/>
@@ -12477,7 +13488,7 @@
         </p:nvGrpSpPr>
         <p:grpSpPr>
           <a:xfrm flipH="1">
-            <a:off x="9066878" y="3782148"/>
+            <a:off x="9096252" y="3752315"/>
             <a:ext cx="2614390" cy="2381250"/>
             <a:chOff x="5369006" y="2828007"/>
             <a:chExt cx="2614390" cy="2381250"/>
@@ -12803,7 +13814,7 @@
         </p:nvGrpSpPr>
         <p:grpSpPr>
           <a:xfrm>
-            <a:off x="9066878" y="4732187"/>
+            <a:off x="9096252" y="4702354"/>
             <a:ext cx="2614390" cy="476250"/>
             <a:chOff x="6364738" y="4675606"/>
             <a:chExt cx="2614390" cy="476250"/>
@@ -13132,7 +14143,7 @@
         </p:nvCxnSpPr>
         <p:spPr>
           <a:xfrm>
-            <a:off x="9064387" y="3784601"/>
+            <a:off x="9093761" y="3754768"/>
             <a:ext cx="0" cy="2679699"/>
           </a:xfrm>
           <a:prstGeom prst="straightConnector1">
@@ -13171,7 +14182,7 @@
         </p:nvCxnSpPr>
         <p:spPr>
           <a:xfrm>
-            <a:off x="9064387" y="3784601"/>
+            <a:off x="9093761" y="3754768"/>
             <a:ext cx="3026013" cy="0"/>
           </a:xfrm>
           <a:prstGeom prst="straightConnector1">
@@ -13196,8 +14207,8 @@
           </a:fontRef>
         </p:style>
       </p:cxnSp>
-      <mc:AlternateContent xmlns:mc="http://schemas.openxmlformats.org/markup-compatibility/2006">
-        <mc:Choice xmlns:a14="http://schemas.microsoft.com/office/drawing/2010/main" Requires="a14">
+      <mc:AlternateContent xmlns:mc="http://schemas.openxmlformats.org/markup-compatibility/2006" xmlns:a14="http://schemas.microsoft.com/office/drawing/2010/main">
+        <mc:Choice Requires="a14">
           <p:sp>
             <p:nvSpPr>
               <p:cNvPr id="99" name="Title 1">
@@ -13712,7 +14723,7 @@
             </p:txBody>
           </p:sp>
         </mc:Choice>
-        <mc:Fallback>
+        <mc:Fallback xmlns="">
           <p:sp>
             <p:nvSpPr>
               <p:cNvPr id="99" name="Title 1">
@@ -13736,7 +14747,7 @@
                 <a:avLst/>
               </a:prstGeom>
               <a:blipFill>
-                <a:blip r:embed="rId4"/>
+                <a:blip r:embed="rId5"/>
                 <a:stretch>
                   <a:fillRect l="-690" r="-207"/>
                 </a:stretch>
@@ -13773,7 +14784,7 @@
             </p:nvSpPr>
             <p:spPr>
               <a:xfrm>
-                <a:off x="10109643" y="3349786"/>
+                <a:off x="10139017" y="3319953"/>
                 <a:ext cx="931303" cy="369332"/>
               </a:xfrm>
               <a:prstGeom prst="rect">
@@ -13861,14 +14872,14 @@
             </p:nvSpPr>
             <p:spPr>
               <a:xfrm>
-                <a:off x="10109643" y="3349786"/>
+                <a:off x="10139017" y="3319953"/>
                 <a:ext cx="931303" cy="369332"/>
               </a:xfrm>
               <a:prstGeom prst="rect">
                 <a:avLst/>
               </a:prstGeom>
               <a:blipFill>
-                <a:blip r:embed="rId5"/>
+                <a:blip r:embed="rId6"/>
                 <a:stretch>
                   <a:fillRect b="-16667"/>
                 </a:stretch>
@@ -13889,6 +14900,296 @@
           </p:sp>
         </mc:Fallback>
       </mc:AlternateContent>
+      <p:sp>
+        <p:nvSpPr>
+          <p:cNvPr id="3" name="Oval 2">
+            <a:extLst>
+              <a:ext uri="{FF2B5EF4-FFF2-40B4-BE49-F238E27FC236}">
+                <a16:creationId xmlns:a16="http://schemas.microsoft.com/office/drawing/2014/main" id="{D8E3AC1F-4931-9A99-6222-77C9702FA0BC}"/>
+              </a:ext>
+            </a:extLst>
+          </p:cNvPr>
+          <p:cNvSpPr/>
+          <p:nvPr/>
+        </p:nvSpPr>
+        <p:spPr>
+          <a:xfrm>
+            <a:off x="9672631" y="1972730"/>
+            <a:ext cx="182880" cy="182880"/>
+          </a:xfrm>
+          <a:prstGeom prst="ellipse">
+            <a:avLst/>
+          </a:prstGeom>
+          <a:solidFill>
+            <a:schemeClr val="accent1">
+              <a:lumMod val="60000"/>
+              <a:lumOff val="40000"/>
+            </a:schemeClr>
+          </a:solidFill>
+          <a:ln w="9525">
+            <a:solidFill>
+              <a:schemeClr val="tx1">
+                <a:lumMod val="85000"/>
+                <a:lumOff val="15000"/>
+              </a:schemeClr>
+            </a:solidFill>
+            <a:headEnd type="none" w="med" len="med"/>
+            <a:tailEnd type="none" w="med" len="med"/>
+          </a:ln>
+        </p:spPr>
+        <p:style>
+          <a:lnRef idx="2">
+            <a:schemeClr val="accent1"/>
+          </a:lnRef>
+          <a:fillRef idx="1">
+            <a:schemeClr val="lt1"/>
+          </a:fillRef>
+          <a:effectRef idx="0">
+            <a:schemeClr val="accent1"/>
+          </a:effectRef>
+          <a:fontRef idx="minor">
+            <a:schemeClr val="dk1"/>
+          </a:fontRef>
+        </p:style>
+        <p:txBody>
+          <a:bodyPr rtlCol="0" anchor="ctr"/>
+          <a:lstStyle/>
+          <a:p>
+            <a:pPr algn="ctr"/>
+            <a:endParaRPr lang="en-US"/>
+          </a:p>
+        </p:txBody>
+      </p:sp>
+      <p:sp>
+        <p:nvSpPr>
+          <p:cNvPr id="4" name="Oval 3">
+            <a:extLst>
+              <a:ext uri="{FF2B5EF4-FFF2-40B4-BE49-F238E27FC236}">
+                <a16:creationId xmlns:a16="http://schemas.microsoft.com/office/drawing/2014/main" id="{D5596E7A-0F7C-CFF1-9FF1-ACC82C05513F}"/>
+              </a:ext>
+            </a:extLst>
+          </p:cNvPr>
+          <p:cNvSpPr/>
+          <p:nvPr/>
+        </p:nvSpPr>
+        <p:spPr>
+          <a:xfrm>
+            <a:off x="10319150" y="1565186"/>
+            <a:ext cx="182880" cy="182880"/>
+          </a:xfrm>
+          <a:prstGeom prst="ellipse">
+            <a:avLst/>
+          </a:prstGeom>
+          <a:solidFill>
+            <a:schemeClr val="accent1">
+              <a:lumMod val="60000"/>
+              <a:lumOff val="40000"/>
+            </a:schemeClr>
+          </a:solidFill>
+          <a:ln w="9525">
+            <a:solidFill>
+              <a:schemeClr val="tx1">
+                <a:lumMod val="85000"/>
+                <a:lumOff val="15000"/>
+              </a:schemeClr>
+            </a:solidFill>
+            <a:headEnd type="none" w="med" len="med"/>
+            <a:tailEnd type="none" w="med" len="med"/>
+          </a:ln>
+        </p:spPr>
+        <p:style>
+          <a:lnRef idx="2">
+            <a:schemeClr val="accent1"/>
+          </a:lnRef>
+          <a:fillRef idx="1">
+            <a:schemeClr val="lt1"/>
+          </a:fillRef>
+          <a:effectRef idx="0">
+            <a:schemeClr val="accent1"/>
+          </a:effectRef>
+          <a:fontRef idx="minor">
+            <a:schemeClr val="dk1"/>
+          </a:fontRef>
+        </p:style>
+        <p:txBody>
+          <a:bodyPr rtlCol="0" anchor="ctr"/>
+          <a:lstStyle/>
+          <a:p>
+            <a:pPr algn="ctr"/>
+            <a:endParaRPr lang="en-US"/>
+          </a:p>
+        </p:txBody>
+      </p:sp>
+      <p:sp>
+        <p:nvSpPr>
+          <p:cNvPr id="6" name="Oval 5">
+            <a:extLst>
+              <a:ext uri="{FF2B5EF4-FFF2-40B4-BE49-F238E27FC236}">
+                <a16:creationId xmlns:a16="http://schemas.microsoft.com/office/drawing/2014/main" id="{0E4CF121-F783-0F5A-09EE-A015122D9EBB}"/>
+              </a:ext>
+            </a:extLst>
+          </p:cNvPr>
+          <p:cNvSpPr/>
+          <p:nvPr/>
+        </p:nvSpPr>
+        <p:spPr>
+          <a:xfrm>
+            <a:off x="10887835" y="1211775"/>
+            <a:ext cx="182880" cy="182880"/>
+          </a:xfrm>
+          <a:prstGeom prst="ellipse">
+            <a:avLst/>
+          </a:prstGeom>
+          <a:solidFill>
+            <a:schemeClr val="accent1">
+              <a:lumMod val="60000"/>
+              <a:lumOff val="40000"/>
+            </a:schemeClr>
+          </a:solidFill>
+          <a:ln w="9525">
+            <a:solidFill>
+              <a:schemeClr val="tx1">
+                <a:lumMod val="85000"/>
+                <a:lumOff val="15000"/>
+              </a:schemeClr>
+            </a:solidFill>
+            <a:headEnd type="none" w="med" len="med"/>
+            <a:tailEnd type="none" w="med" len="med"/>
+          </a:ln>
+        </p:spPr>
+        <p:style>
+          <a:lnRef idx="2">
+            <a:schemeClr val="accent1"/>
+          </a:lnRef>
+          <a:fillRef idx="1">
+            <a:schemeClr val="lt1"/>
+          </a:fillRef>
+          <a:effectRef idx="0">
+            <a:schemeClr val="accent1"/>
+          </a:effectRef>
+          <a:fontRef idx="minor">
+            <a:schemeClr val="dk1"/>
+          </a:fontRef>
+        </p:style>
+        <p:txBody>
+          <a:bodyPr rtlCol="0" anchor="ctr"/>
+          <a:lstStyle/>
+          <a:p>
+            <a:pPr algn="ctr"/>
+            <a:endParaRPr lang="en-US"/>
+          </a:p>
+        </p:txBody>
+      </p:sp>
+      <p:sp>
+        <p:nvSpPr>
+          <p:cNvPr id="7" name="Title 1">
+            <a:extLst>
+              <a:ext uri="{FF2B5EF4-FFF2-40B4-BE49-F238E27FC236}">
+                <a16:creationId xmlns:a16="http://schemas.microsoft.com/office/drawing/2014/main" id="{73435B18-EB6A-3F32-FAAD-3638607071C3}"/>
+              </a:ext>
+            </a:extLst>
+          </p:cNvPr>
+          <p:cNvSpPr txBox="1">
+            <a:spLocks/>
+          </p:cNvSpPr>
+          <p:nvPr/>
+        </p:nvSpPr>
+        <p:spPr>
+          <a:xfrm>
+            <a:off x="9468135" y="6130283"/>
+            <a:ext cx="2067789" cy="369524"/>
+          </a:xfrm>
+          <a:prstGeom prst="rect">
+            <a:avLst/>
+          </a:prstGeom>
+        </p:spPr>
+        <p:txBody>
+          <a:bodyPr vert="horz" lIns="91440" tIns="45720" rIns="91440" bIns="45720" rtlCol="0" anchor="ctr">
+            <a:noAutofit/>
+          </a:bodyPr>
+          <a:lstStyle>
+            <a:lvl1pPr algn="l" defTabSz="1219200" rtl="0" eaLnBrk="1" latinLnBrk="1" hangingPunct="1">
+              <a:spcBef>
+                <a:spcPct val="0"/>
+              </a:spcBef>
+              <a:buNone/>
+              <a:defRPr sz="2665" b="1" kern="1200">
+                <a:solidFill>
+                  <a:schemeClr val="tx1"/>
+                </a:solidFill>
+                <a:latin typeface="+mj-lt"/>
+                <a:ea typeface="+mj-ea"/>
+                <a:cs typeface="+mj-cs"/>
+              </a:defRPr>
+            </a:lvl1pPr>
+          </a:lstStyle>
+          <a:p>
+            <a:pPr algn="ctr"/>
+            <a:r>
+              <a:rPr lang="en-US" sz="1800" b="0" dirty="0">
+                <a:latin typeface="Times New Roman" panose="02020603050405020304" pitchFamily="18" charset="0"/>
+                <a:cs typeface="Times New Roman" panose="02020603050405020304" pitchFamily="18" charset="0"/>
+              </a:rPr>
+              <a:t>Accumulator array</a:t>
+            </a:r>
+          </a:p>
+        </p:txBody>
+      </p:sp>
+      <p:sp>
+        <p:nvSpPr>
+          <p:cNvPr id="8" name="Title 1">
+            <a:extLst>
+              <a:ext uri="{FF2B5EF4-FFF2-40B4-BE49-F238E27FC236}">
+                <a16:creationId xmlns:a16="http://schemas.microsoft.com/office/drawing/2014/main" id="{CC27359D-BED9-79C6-BB24-34CC5C1B048A}"/>
+              </a:ext>
+            </a:extLst>
+          </p:cNvPr>
+          <p:cNvSpPr txBox="1">
+            <a:spLocks/>
+          </p:cNvSpPr>
+          <p:nvPr/>
+        </p:nvSpPr>
+        <p:spPr>
+          <a:xfrm>
+            <a:off x="9468135" y="3019051"/>
+            <a:ext cx="2067789" cy="369524"/>
+          </a:xfrm>
+          <a:prstGeom prst="rect">
+            <a:avLst/>
+          </a:prstGeom>
+        </p:spPr>
+        <p:txBody>
+          <a:bodyPr vert="horz" lIns="91440" tIns="45720" rIns="91440" bIns="45720" rtlCol="0" anchor="ctr">
+            <a:noAutofit/>
+          </a:bodyPr>
+          <a:lstStyle>
+            <a:lvl1pPr algn="l" defTabSz="1219200" rtl="0" eaLnBrk="1" latinLnBrk="1" hangingPunct="1">
+              <a:spcBef>
+                <a:spcPct val="0"/>
+              </a:spcBef>
+              <a:buNone/>
+              <a:defRPr sz="2665" b="1" kern="1200">
+                <a:solidFill>
+                  <a:schemeClr val="tx1"/>
+                </a:solidFill>
+                <a:latin typeface="+mj-lt"/>
+                <a:ea typeface="+mj-ea"/>
+                <a:cs typeface="+mj-cs"/>
+              </a:defRPr>
+            </a:lvl1pPr>
+          </a:lstStyle>
+          <a:p>
+            <a:pPr algn="ctr"/>
+            <a:r>
+              <a:rPr lang="en-US" sz="1800" b="0" dirty="0">
+                <a:latin typeface="Times New Roman" panose="02020603050405020304" pitchFamily="18" charset="0"/>
+                <a:cs typeface="Times New Roman" panose="02020603050405020304" pitchFamily="18" charset="0"/>
+              </a:rPr>
+              <a:t>Image</a:t>
+            </a:r>
+          </a:p>
+        </p:txBody>
+      </p:sp>
     </p:spTree>
     <p:extLst>
       <p:ext uri="{BB962C8B-B14F-4D97-AF65-F5344CB8AC3E}">
@@ -14088,457 +15389,6 @@
       </p:par>
     </p:tnLst>
   </p:timing>
-</p:sld>
-</file>
-
-<file path=ppt/slides/slide7.xml><?xml version="1.0" encoding="utf-8"?>
-<p:sld xmlns:a="http://schemas.openxmlformats.org/drawingml/2006/main" xmlns:r="http://schemas.openxmlformats.org/officeDocument/2006/relationships" xmlns:p="http://schemas.openxmlformats.org/presentationml/2006/main">
-  <p:cSld>
-    <p:spTree>
-      <p:nvGrpSpPr>
-        <p:cNvPr id="1" name=""/>
-        <p:cNvGrpSpPr/>
-        <p:nvPr/>
-      </p:nvGrpSpPr>
-      <p:grpSpPr>
-        <a:xfrm>
-          <a:off x="0" y="0"/>
-          <a:ext cx="0" cy="0"/>
-          <a:chOff x="0" y="0"/>
-          <a:chExt cx="0" cy="0"/>
-        </a:xfrm>
-      </p:grpSpPr>
-      <p:sp>
-        <p:nvSpPr>
-          <p:cNvPr id="2" name="Title 1">
-            <a:extLst>
-              <a:ext uri="{FF2B5EF4-FFF2-40B4-BE49-F238E27FC236}">
-                <a16:creationId xmlns:a16="http://schemas.microsoft.com/office/drawing/2014/main" id="{241A41C0-7C5C-7938-6262-F91A8464B921}"/>
-              </a:ext>
-            </a:extLst>
-          </p:cNvPr>
-          <p:cNvSpPr>
-            <a:spLocks noGrp="1"/>
-          </p:cNvSpPr>
-          <p:nvPr>
-            <p:ph type="title"/>
-          </p:nvPr>
-        </p:nvSpPr>
-        <p:spPr/>
-        <p:txBody>
-          <a:bodyPr/>
-          <a:lstStyle/>
-          <a:p>
-            <a:r>
-              <a:rPr lang="en-US" dirty="0"/>
-              <a:t>Multiple line detection</a:t>
-            </a:r>
-          </a:p>
-        </p:txBody>
-      </p:sp>
-      <p:pic>
-        <p:nvPicPr>
-          <p:cNvPr id="5" name="Picture 4" descr="A black lines with a white background&#10;&#10;AI-generated content may be incorrect.">
-            <a:extLst>
-              <a:ext uri="{FF2B5EF4-FFF2-40B4-BE49-F238E27FC236}">
-                <a16:creationId xmlns:a16="http://schemas.microsoft.com/office/drawing/2014/main" id="{3031578F-9012-199F-C6A6-A407A89C5F38}"/>
-              </a:ext>
-            </a:extLst>
-          </p:cNvPr>
-          <p:cNvPicPr>
-            <a:picLocks noChangeAspect="1"/>
-          </p:cNvPicPr>
-          <p:nvPr/>
-        </p:nvPicPr>
-        <p:blipFill>
-          <a:blip r:embed="rId2">
-            <a:extLst>
-              <a:ext uri="{BEBA8EAE-BF5A-486C-A8C5-ECC9F3942E4B}">
-                <a14:imgProps xmlns:a14="http://schemas.microsoft.com/office/drawing/2010/main">
-                  <a14:imgLayer r:embed="rId3">
-                    <a14:imgEffect>
-                      <a14:artisticPhotocopy/>
-                    </a14:imgEffect>
-                  </a14:imgLayer>
-                </a14:imgProps>
-              </a:ext>
-              <a:ext uri="{28A0092B-C50C-407E-A947-70E740481C1C}">
-                <a14:useLocalDpi xmlns:a14="http://schemas.microsoft.com/office/drawing/2010/main" val="0"/>
-              </a:ext>
-            </a:extLst>
-          </a:blip>
-          <a:stretch>
-            <a:fillRect/>
-          </a:stretch>
-        </p:blipFill>
-        <p:spPr>
-          <a:xfrm>
-            <a:off x="2392693" y="1618322"/>
-            <a:ext cx="7406613" cy="2833621"/>
-          </a:xfrm>
-          <a:prstGeom prst="rect">
-            <a:avLst/>
-          </a:prstGeom>
-        </p:spPr>
-      </p:pic>
-      <p:sp>
-        <p:nvSpPr>
-          <p:cNvPr id="6" name="Title 1">
-            <a:extLst>
-              <a:ext uri="{FF2B5EF4-FFF2-40B4-BE49-F238E27FC236}">
-                <a16:creationId xmlns:a16="http://schemas.microsoft.com/office/drawing/2014/main" id="{BDE9397A-6170-2219-764A-09BC5A34B7B9}"/>
-              </a:ext>
-            </a:extLst>
-          </p:cNvPr>
-          <p:cNvSpPr txBox="1">
-            <a:spLocks/>
-          </p:cNvSpPr>
-          <p:nvPr/>
-        </p:nvSpPr>
-        <p:spPr>
-          <a:xfrm>
-            <a:off x="2761987" y="4287486"/>
-            <a:ext cx="2327166" cy="581956"/>
-          </a:xfrm>
-          <a:prstGeom prst="rect">
-            <a:avLst/>
-          </a:prstGeom>
-        </p:spPr>
-        <p:txBody>
-          <a:bodyPr vert="horz" lIns="91440" tIns="45720" rIns="91440" bIns="45720" rtlCol="0" anchor="ctr">
-            <a:noAutofit/>
-          </a:bodyPr>
-          <a:lstStyle>
-            <a:lvl1pPr algn="l" defTabSz="1219200" rtl="0" eaLnBrk="1" latinLnBrk="1" hangingPunct="1">
-              <a:spcBef>
-                <a:spcPct val="0"/>
-              </a:spcBef>
-              <a:buNone/>
-              <a:defRPr sz="2665" b="1" kern="1200">
-                <a:solidFill>
-                  <a:schemeClr val="tx1"/>
-                </a:solidFill>
-                <a:latin typeface="+mj-lt"/>
-                <a:ea typeface="+mj-ea"/>
-                <a:cs typeface="+mj-cs"/>
-              </a:defRPr>
-            </a:lvl1pPr>
-          </a:lstStyle>
-          <a:p>
-            <a:pPr algn="ctr"/>
-            <a:r>
-              <a:rPr lang="en-US" sz="2000" b="0" dirty="0">
-                <a:solidFill>
-                  <a:schemeClr val="accent6">
-                    <a:lumMod val="75000"/>
-                  </a:schemeClr>
-                </a:solidFill>
-                <a:latin typeface="Times New Roman" panose="02020603050405020304" pitchFamily="18" charset="0"/>
-                <a:cs typeface="Times New Roman" panose="02020603050405020304" pitchFamily="18" charset="0"/>
-              </a:rPr>
-              <a:t>Image space</a:t>
-            </a:r>
-          </a:p>
-        </p:txBody>
-      </p:sp>
-      <p:sp>
-        <p:nvSpPr>
-          <p:cNvPr id="7" name="Title 1">
-            <a:extLst>
-              <a:ext uri="{FF2B5EF4-FFF2-40B4-BE49-F238E27FC236}">
-                <a16:creationId xmlns:a16="http://schemas.microsoft.com/office/drawing/2014/main" id="{1CF98396-F422-C699-C8CD-CC14201F2F10}"/>
-              </a:ext>
-            </a:extLst>
-          </p:cNvPr>
-          <p:cNvSpPr txBox="1">
-            <a:spLocks/>
-          </p:cNvSpPr>
-          <p:nvPr/>
-        </p:nvSpPr>
-        <p:spPr>
-          <a:xfrm>
-            <a:off x="6701526" y="4287486"/>
-            <a:ext cx="2327166" cy="581956"/>
-          </a:xfrm>
-          <a:prstGeom prst="rect">
-            <a:avLst/>
-          </a:prstGeom>
-        </p:spPr>
-        <p:txBody>
-          <a:bodyPr vert="horz" lIns="91440" tIns="45720" rIns="91440" bIns="45720" rtlCol="0" anchor="ctr">
-            <a:noAutofit/>
-          </a:bodyPr>
-          <a:lstStyle>
-            <a:lvl1pPr algn="l" defTabSz="1219200" rtl="0" eaLnBrk="1" latinLnBrk="1" hangingPunct="1">
-              <a:spcBef>
-                <a:spcPct val="0"/>
-              </a:spcBef>
-              <a:buNone/>
-              <a:defRPr sz="2665" b="1" kern="1200">
-                <a:solidFill>
-                  <a:schemeClr val="tx1"/>
-                </a:solidFill>
-                <a:latin typeface="+mj-lt"/>
-                <a:ea typeface="+mj-ea"/>
-                <a:cs typeface="+mj-cs"/>
-              </a:defRPr>
-            </a:lvl1pPr>
-          </a:lstStyle>
-          <a:p>
-            <a:pPr algn="ctr"/>
-            <a:r>
-              <a:rPr lang="en-US" sz="2000" b="0" dirty="0">
-                <a:solidFill>
-                  <a:schemeClr val="accent6">
-                    <a:lumMod val="75000"/>
-                  </a:schemeClr>
-                </a:solidFill>
-                <a:latin typeface="Times New Roman" panose="02020603050405020304" pitchFamily="18" charset="0"/>
-                <a:cs typeface="Times New Roman" panose="02020603050405020304" pitchFamily="18" charset="0"/>
-              </a:rPr>
-              <a:t>Parameter space</a:t>
-            </a:r>
-          </a:p>
-        </p:txBody>
-      </p:sp>
-      <p:sp>
-        <p:nvSpPr>
-          <p:cNvPr id="8" name="Oval 7">
-            <a:extLst>
-              <a:ext uri="{FF2B5EF4-FFF2-40B4-BE49-F238E27FC236}">
-                <a16:creationId xmlns:a16="http://schemas.microsoft.com/office/drawing/2014/main" id="{3C31F485-6C13-AE0A-3798-186AECB083D3}"/>
-              </a:ext>
-            </a:extLst>
-          </p:cNvPr>
-          <p:cNvSpPr/>
-          <p:nvPr/>
-        </p:nvSpPr>
-        <p:spPr>
-          <a:xfrm>
-            <a:off x="7323243" y="2420939"/>
-            <a:ext cx="80858" cy="82850"/>
-          </a:xfrm>
-          <a:prstGeom prst="ellipse">
-            <a:avLst/>
-          </a:prstGeom>
-          <a:solidFill>
-            <a:srgbClr val="F9B47C"/>
-          </a:solidFill>
-          <a:ln w="9525">
-            <a:solidFill>
-              <a:schemeClr val="tx1">
-                <a:lumMod val="85000"/>
-                <a:lumOff val="15000"/>
-              </a:schemeClr>
-            </a:solidFill>
-            <a:headEnd type="none" w="med" len="med"/>
-            <a:tailEnd type="none" w="med" len="med"/>
-          </a:ln>
-        </p:spPr>
-        <p:style>
-          <a:lnRef idx="2">
-            <a:schemeClr val="accent1"/>
-          </a:lnRef>
-          <a:fillRef idx="1">
-            <a:schemeClr val="lt1"/>
-          </a:fillRef>
-          <a:effectRef idx="0">
-            <a:schemeClr val="accent1"/>
-          </a:effectRef>
-          <a:fontRef idx="minor">
-            <a:schemeClr val="dk1"/>
-          </a:fontRef>
-        </p:style>
-        <p:txBody>
-          <a:bodyPr rtlCol="0" anchor="ctr"/>
-          <a:lstStyle/>
-          <a:p>
-            <a:pPr algn="ctr"/>
-            <a:endParaRPr lang="en-US"/>
-          </a:p>
-        </p:txBody>
-      </p:sp>
-      <p:sp>
-        <p:nvSpPr>
-          <p:cNvPr id="9" name="Oval 8">
-            <a:extLst>
-              <a:ext uri="{FF2B5EF4-FFF2-40B4-BE49-F238E27FC236}">
-                <a16:creationId xmlns:a16="http://schemas.microsoft.com/office/drawing/2014/main" id="{698CF8D7-072B-AAC9-388A-514CDE183A93}"/>
-              </a:ext>
-            </a:extLst>
-          </p:cNvPr>
-          <p:cNvSpPr/>
-          <p:nvPr/>
-        </p:nvSpPr>
-        <p:spPr>
-          <a:xfrm>
-            <a:off x="7263764" y="3600738"/>
-            <a:ext cx="80858" cy="82850"/>
-          </a:xfrm>
-          <a:prstGeom prst="ellipse">
-            <a:avLst/>
-          </a:prstGeom>
-          <a:solidFill>
-            <a:srgbClr val="F9B47C"/>
-          </a:solidFill>
-          <a:ln w="9525">
-            <a:solidFill>
-              <a:schemeClr val="tx1">
-                <a:lumMod val="85000"/>
-                <a:lumOff val="15000"/>
-              </a:schemeClr>
-            </a:solidFill>
-            <a:headEnd type="none" w="med" len="med"/>
-            <a:tailEnd type="none" w="med" len="med"/>
-          </a:ln>
-        </p:spPr>
-        <p:style>
-          <a:lnRef idx="2">
-            <a:schemeClr val="accent1"/>
-          </a:lnRef>
-          <a:fillRef idx="1">
-            <a:schemeClr val="lt1"/>
-          </a:fillRef>
-          <a:effectRef idx="0">
-            <a:schemeClr val="accent1"/>
-          </a:effectRef>
-          <a:fontRef idx="minor">
-            <a:schemeClr val="dk1"/>
-          </a:fontRef>
-        </p:style>
-        <p:txBody>
-          <a:bodyPr rtlCol="0" anchor="ctr"/>
-          <a:lstStyle/>
-          <a:p>
-            <a:pPr algn="ctr"/>
-            <a:endParaRPr lang="en-US"/>
-          </a:p>
-        </p:txBody>
-      </p:sp>
-      <p:sp>
-        <p:nvSpPr>
-          <p:cNvPr id="10" name="Oval 9">
-            <a:extLst>
-              <a:ext uri="{FF2B5EF4-FFF2-40B4-BE49-F238E27FC236}">
-                <a16:creationId xmlns:a16="http://schemas.microsoft.com/office/drawing/2014/main" id="{29EB1921-DADA-99F6-30ED-FCB36369AF93}"/>
-              </a:ext>
-            </a:extLst>
-          </p:cNvPr>
-          <p:cNvSpPr/>
-          <p:nvPr/>
-        </p:nvSpPr>
-        <p:spPr>
-          <a:xfrm>
-            <a:off x="8579160" y="3569276"/>
-            <a:ext cx="80858" cy="82850"/>
-          </a:xfrm>
-          <a:prstGeom prst="ellipse">
-            <a:avLst/>
-          </a:prstGeom>
-          <a:solidFill>
-            <a:srgbClr val="F9B47C"/>
-          </a:solidFill>
-          <a:ln w="9525">
-            <a:solidFill>
-              <a:schemeClr val="tx1">
-                <a:lumMod val="85000"/>
-                <a:lumOff val="15000"/>
-              </a:schemeClr>
-            </a:solidFill>
-            <a:headEnd type="none" w="med" len="med"/>
-            <a:tailEnd type="none" w="med" len="med"/>
-          </a:ln>
-        </p:spPr>
-        <p:style>
-          <a:lnRef idx="2">
-            <a:schemeClr val="accent1"/>
-          </a:lnRef>
-          <a:fillRef idx="1">
-            <a:schemeClr val="lt1"/>
-          </a:fillRef>
-          <a:effectRef idx="0">
-            <a:schemeClr val="accent1"/>
-          </a:effectRef>
-          <a:fontRef idx="minor">
-            <a:schemeClr val="dk1"/>
-          </a:fontRef>
-        </p:style>
-        <p:txBody>
-          <a:bodyPr rtlCol="0" anchor="ctr"/>
-          <a:lstStyle/>
-          <a:p>
-            <a:pPr algn="ctr"/>
-            <a:endParaRPr lang="en-US"/>
-          </a:p>
-        </p:txBody>
-      </p:sp>
-      <p:sp>
-        <p:nvSpPr>
-          <p:cNvPr id="11" name="Oval 10">
-            <a:extLst>
-              <a:ext uri="{FF2B5EF4-FFF2-40B4-BE49-F238E27FC236}">
-                <a16:creationId xmlns:a16="http://schemas.microsoft.com/office/drawing/2014/main" id="{D3A3FE2C-83F0-1B3C-5F68-A5E61DF6D429}"/>
-              </a:ext>
-            </a:extLst>
-          </p:cNvPr>
-          <p:cNvSpPr/>
-          <p:nvPr/>
-        </p:nvSpPr>
-        <p:spPr>
-          <a:xfrm>
-            <a:off x="8896660" y="2568065"/>
-            <a:ext cx="80858" cy="82850"/>
-          </a:xfrm>
-          <a:prstGeom prst="ellipse">
-            <a:avLst/>
-          </a:prstGeom>
-          <a:solidFill>
-            <a:srgbClr val="F9B47C"/>
-          </a:solidFill>
-          <a:ln w="9525">
-            <a:solidFill>
-              <a:schemeClr val="tx1">
-                <a:lumMod val="85000"/>
-                <a:lumOff val="15000"/>
-              </a:schemeClr>
-            </a:solidFill>
-            <a:headEnd type="none" w="med" len="med"/>
-            <a:tailEnd type="none" w="med" len="med"/>
-          </a:ln>
-        </p:spPr>
-        <p:style>
-          <a:lnRef idx="2">
-            <a:schemeClr val="accent1"/>
-          </a:lnRef>
-          <a:fillRef idx="1">
-            <a:schemeClr val="lt1"/>
-          </a:fillRef>
-          <a:effectRef idx="0">
-            <a:schemeClr val="accent1"/>
-          </a:effectRef>
-          <a:fontRef idx="minor">
-            <a:schemeClr val="dk1"/>
-          </a:fontRef>
-        </p:style>
-        <p:txBody>
-          <a:bodyPr rtlCol="0" anchor="ctr"/>
-          <a:lstStyle/>
-          <a:p>
-            <a:pPr algn="ctr"/>
-            <a:endParaRPr lang="en-US"/>
-          </a:p>
-        </p:txBody>
-      </p:sp>
-    </p:spTree>
-    <p:extLst>
-      <p:ext uri="{BB962C8B-B14F-4D97-AF65-F5344CB8AC3E}">
-        <p14:creationId xmlns:p14="http://schemas.microsoft.com/office/powerpoint/2010/main" val="588470503"/>
-      </p:ext>
-    </p:extLst>
-  </p:cSld>
-  <p:clrMapOvr>
-    <a:masterClrMapping/>
-  </p:clrMapOvr>
 </p:sld>
 </file>
 
@@ -14804,8 +15654,8 @@
           </a:p>
         </p:txBody>
       </p:sp>
-      <mc:AlternateContent xmlns:mc="http://schemas.openxmlformats.org/markup-compatibility/2006">
-        <mc:Choice xmlns:a14="http://schemas.microsoft.com/office/drawing/2010/main" Requires="a14">
+      <mc:AlternateContent xmlns:mc="http://schemas.openxmlformats.org/markup-compatibility/2006" xmlns:a14="http://schemas.microsoft.com/office/drawing/2010/main">
+        <mc:Choice Requires="a14">
           <p:sp>
             <p:nvSpPr>
               <p:cNvPr id="9" name="TextBox 8">
@@ -15085,7 +15935,7 @@
             </p:txBody>
           </p:sp>
         </mc:Choice>
-        <mc:Fallback>
+        <mc:Fallback xmlns="">
           <p:sp>
             <p:nvSpPr>
               <p:cNvPr id="9" name="TextBox 8">
@@ -15865,32 +16715,677 @@
           <a:bodyPr/>
           <a:lstStyle/>
           <a:p>
-            <a:endParaRPr lang="en-US"/>
+            <a:r>
+              <a:rPr lang="en-US" dirty="0"/>
+              <a:t>Result</a:t>
+            </a:r>
           </a:p>
         </p:txBody>
       </p:sp>
-      <p:sp>
-        <p:nvSpPr>
-          <p:cNvPr id="3" name="Text Placeholder 2">
+      <p:grpSp>
+        <p:nvGrpSpPr>
+          <p:cNvPr id="8" name="Group 7">
             <a:extLst>
               <a:ext uri="{FF2B5EF4-FFF2-40B4-BE49-F238E27FC236}">
-                <a16:creationId xmlns:a16="http://schemas.microsoft.com/office/drawing/2014/main" id="{4D439A65-C48C-8511-09FC-BB30D544A363}"/>
+                <a16:creationId xmlns:a16="http://schemas.microsoft.com/office/drawing/2014/main" id="{7E401622-6FF9-34AC-F832-482A8F9F9AD8}"/>
               </a:ext>
             </a:extLst>
           </p:cNvPr>
-          <p:cNvSpPr>
-            <a:spLocks noGrp="1"/>
-          </p:cNvSpPr>
-          <p:nvPr>
-            <p:ph type="body" sz="quarter" idx="13"/>
-          </p:nvPr>
+          <p:cNvGrpSpPr/>
+          <p:nvPr/>
+        </p:nvGrpSpPr>
+        <p:grpSpPr>
+          <a:xfrm>
+            <a:off x="335360" y="1967966"/>
+            <a:ext cx="2077640" cy="3331935"/>
+            <a:chOff x="335360" y="973365"/>
+            <a:chExt cx="2159002" cy="3350202"/>
+          </a:xfrm>
+        </p:grpSpPr>
+        <p:pic>
+          <p:nvPicPr>
+            <p:cNvPr id="5" name="Picture 4" descr="A close-up of a device&#10;&#10;AI-generated content may be incorrect.">
+              <a:extLst>
+                <a:ext uri="{FF2B5EF4-FFF2-40B4-BE49-F238E27FC236}">
+                  <a16:creationId xmlns:a16="http://schemas.microsoft.com/office/drawing/2014/main" id="{0CCB3D7B-83DC-3A71-7B38-C514CCC5EEFE}"/>
+                </a:ext>
+              </a:extLst>
+            </p:cNvPr>
+            <p:cNvPicPr>
+              <a:picLocks noChangeAspect="1"/>
+            </p:cNvPicPr>
+            <p:nvPr/>
+          </p:nvPicPr>
+          <p:blipFill>
+            <a:blip r:embed="rId2">
+              <a:extLst>
+                <a:ext uri="{28A0092B-C50C-407E-A947-70E740481C1C}">
+                  <a14:useLocalDpi xmlns:a14="http://schemas.microsoft.com/office/drawing/2010/main" val="0"/>
+                </a:ext>
+              </a:extLst>
+            </a:blip>
+            <a:stretch>
+              <a:fillRect/>
+            </a:stretch>
+          </p:blipFill>
+          <p:spPr>
+            <a:xfrm>
+              <a:off x="335360" y="973365"/>
+              <a:ext cx="2159002" cy="2980870"/>
+            </a:xfrm>
+            <a:prstGeom prst="rect">
+              <a:avLst/>
+            </a:prstGeom>
+          </p:spPr>
+        </p:pic>
+        <p:sp>
+          <p:nvSpPr>
+            <p:cNvPr id="6" name="Rectangle 5">
+              <a:extLst>
+                <a:ext uri="{FF2B5EF4-FFF2-40B4-BE49-F238E27FC236}">
+                  <a16:creationId xmlns:a16="http://schemas.microsoft.com/office/drawing/2014/main" id="{176AF5DA-5A19-AD89-B1DB-1BC319B92B2C}"/>
+                </a:ext>
+              </a:extLst>
+            </p:cNvPr>
+            <p:cNvSpPr/>
+            <p:nvPr/>
+          </p:nvSpPr>
+          <p:spPr>
+            <a:xfrm>
+              <a:off x="335360" y="973365"/>
+              <a:ext cx="2159002" cy="2980870"/>
+            </a:xfrm>
+            <a:prstGeom prst="rect">
+              <a:avLst/>
+            </a:prstGeom>
+            <a:noFill/>
+            <a:ln w="9525" cap="flat" cmpd="sng" algn="ctr">
+              <a:solidFill>
+                <a:schemeClr val="dk1"/>
+              </a:solidFill>
+              <a:prstDash val="solid"/>
+              <a:round/>
+              <a:headEnd type="none" w="med" len="med"/>
+              <a:tailEnd type="none" w="med" len="med"/>
+            </a:ln>
+          </p:spPr>
+          <p:style>
+            <a:lnRef idx="0">
+              <a:scrgbClr r="0" g="0" b="0"/>
+            </a:lnRef>
+            <a:fillRef idx="0">
+              <a:scrgbClr r="0" g="0" b="0"/>
+            </a:fillRef>
+            <a:effectRef idx="0">
+              <a:scrgbClr r="0" g="0" b="0"/>
+            </a:effectRef>
+            <a:fontRef idx="minor">
+              <a:schemeClr val="dk1"/>
+            </a:fontRef>
+          </p:style>
+          <p:txBody>
+            <a:bodyPr rtlCol="0" anchor="ctr"/>
+            <a:lstStyle/>
+            <a:p>
+              <a:pPr algn="ctr"/>
+              <a:endParaRPr lang="en-US"/>
+            </a:p>
+          </p:txBody>
+        </p:sp>
+        <p:sp>
+          <p:nvSpPr>
+            <p:cNvPr id="7" name="TextBox 6">
+              <a:extLst>
+                <a:ext uri="{FF2B5EF4-FFF2-40B4-BE49-F238E27FC236}">
+                  <a16:creationId xmlns:a16="http://schemas.microsoft.com/office/drawing/2014/main" id="{FE57ABE8-9DA3-58FF-0B16-4F5F6D446743}"/>
+                </a:ext>
+              </a:extLst>
+            </p:cNvPr>
+            <p:cNvSpPr txBox="1"/>
+            <p:nvPr/>
+          </p:nvSpPr>
+          <p:spPr>
+            <a:xfrm>
+              <a:off x="524358" y="3954235"/>
+              <a:ext cx="1781006" cy="369332"/>
+            </a:xfrm>
+            <a:prstGeom prst="rect">
+              <a:avLst/>
+            </a:prstGeom>
+            <a:noFill/>
+          </p:spPr>
+          <p:txBody>
+            <a:bodyPr wrap="square">
+              <a:spAutoFit/>
+            </a:bodyPr>
+            <a:lstStyle/>
+            <a:p>
+              <a:pPr algn="ctr"/>
+              <a:r>
+                <a:rPr lang="en-US" dirty="0">
+                  <a:latin typeface="Times New Roman" panose="02020603050405020304" pitchFamily="18" charset="0"/>
+                  <a:ea typeface="Tahoma" panose="020B0604030504040204" pitchFamily="34" charset="0"/>
+                  <a:cs typeface="Times New Roman" panose="02020603050405020304" pitchFamily="18" charset="0"/>
+                </a:rPr>
+                <a:t>Original Image</a:t>
+              </a:r>
+            </a:p>
+          </p:txBody>
+        </p:sp>
+      </p:grpSp>
+      <p:grpSp>
+        <p:nvGrpSpPr>
+          <p:cNvPr id="19" name="Group 18">
+            <a:extLst>
+              <a:ext uri="{FF2B5EF4-FFF2-40B4-BE49-F238E27FC236}">
+                <a16:creationId xmlns:a16="http://schemas.microsoft.com/office/drawing/2014/main" id="{5B895A22-341C-5122-6755-EDC1E32BE5CA}"/>
+              </a:ext>
+            </a:extLst>
+          </p:cNvPr>
+          <p:cNvGrpSpPr/>
+          <p:nvPr/>
+        </p:nvGrpSpPr>
+        <p:grpSpPr>
+          <a:xfrm>
+            <a:off x="3510196" y="1967965"/>
+            <a:ext cx="2166124" cy="2964617"/>
+            <a:chOff x="3184520" y="971810"/>
+            <a:chExt cx="2166124" cy="2964617"/>
+          </a:xfrm>
+        </p:grpSpPr>
+        <p:pic>
+          <p:nvPicPr>
+            <p:cNvPr id="15" name="Picture 14" descr="A close-up of a device&#10;&#10;AI-generated content may be incorrect.">
+              <a:extLst>
+                <a:ext uri="{FF2B5EF4-FFF2-40B4-BE49-F238E27FC236}">
+                  <a16:creationId xmlns:a16="http://schemas.microsoft.com/office/drawing/2014/main" id="{12771767-2603-355D-1038-B63FDF7B5B19}"/>
+                </a:ext>
+              </a:extLst>
+            </p:cNvPr>
+            <p:cNvPicPr>
+              <a:picLocks noChangeAspect="1"/>
+            </p:cNvPicPr>
+            <p:nvPr/>
+          </p:nvPicPr>
+          <p:blipFill>
+            <a:blip r:embed="rId3">
+              <a:extLst>
+                <a:ext uri="{28A0092B-C50C-407E-A947-70E740481C1C}">
+                  <a14:useLocalDpi xmlns:a14="http://schemas.microsoft.com/office/drawing/2010/main" val="0"/>
+                </a:ext>
+              </a:extLst>
+            </a:blip>
+            <a:stretch>
+              <a:fillRect/>
+            </a:stretch>
+          </p:blipFill>
+          <p:spPr>
+            <a:xfrm>
+              <a:off x="3189049" y="973771"/>
+              <a:ext cx="2161595" cy="2962656"/>
+            </a:xfrm>
+            <a:prstGeom prst="rect">
+              <a:avLst/>
+            </a:prstGeom>
+          </p:spPr>
+        </p:pic>
+        <p:sp>
+          <p:nvSpPr>
+            <p:cNvPr id="11" name="Rectangle 10">
+              <a:extLst>
+                <a:ext uri="{FF2B5EF4-FFF2-40B4-BE49-F238E27FC236}">
+                  <a16:creationId xmlns:a16="http://schemas.microsoft.com/office/drawing/2014/main" id="{F6928B1B-FEAB-FFB6-2C01-77B99A6732CC}"/>
+                </a:ext>
+              </a:extLst>
+            </p:cNvPr>
+            <p:cNvSpPr/>
+            <p:nvPr/>
+          </p:nvSpPr>
+          <p:spPr>
+            <a:xfrm>
+              <a:off x="3184520" y="971810"/>
+              <a:ext cx="2166124" cy="2964617"/>
+            </a:xfrm>
+            <a:prstGeom prst="rect">
+              <a:avLst/>
+            </a:prstGeom>
+            <a:noFill/>
+            <a:ln w="9525" cap="flat" cmpd="sng" algn="ctr">
+              <a:solidFill>
+                <a:schemeClr val="dk1"/>
+              </a:solidFill>
+              <a:prstDash val="solid"/>
+              <a:round/>
+              <a:headEnd type="none" w="med" len="med"/>
+              <a:tailEnd type="none" w="med" len="med"/>
+            </a:ln>
+          </p:spPr>
+          <p:style>
+            <a:lnRef idx="0">
+              <a:scrgbClr r="0" g="0" b="0"/>
+            </a:lnRef>
+            <a:fillRef idx="0">
+              <a:scrgbClr r="0" g="0" b="0"/>
+            </a:fillRef>
+            <a:effectRef idx="0">
+              <a:scrgbClr r="0" g="0" b="0"/>
+            </a:effectRef>
+            <a:fontRef idx="minor">
+              <a:schemeClr val="dk1"/>
+            </a:fontRef>
+          </p:style>
+          <p:txBody>
+            <a:bodyPr rtlCol="0" anchor="ctr"/>
+            <a:lstStyle/>
+            <a:p>
+              <a:pPr algn="ctr"/>
+              <a:endParaRPr lang="en-US"/>
+            </a:p>
+          </p:txBody>
+        </p:sp>
+      </p:grpSp>
+      <p:cxnSp>
+        <p:nvCxnSpPr>
+          <p:cNvPr id="18" name="Straight Arrow Connector 17">
+            <a:extLst>
+              <a:ext uri="{FF2B5EF4-FFF2-40B4-BE49-F238E27FC236}">
+                <a16:creationId xmlns:a16="http://schemas.microsoft.com/office/drawing/2014/main" id="{9E008A5C-40BE-9DBD-0D4F-64FA50690219}"/>
+              </a:ext>
+            </a:extLst>
+          </p:cNvPr>
+          <p:cNvCxnSpPr>
+            <a:stCxn id="6" idx="3"/>
+            <a:endCxn id="11" idx="1"/>
+          </p:cNvCxnSpPr>
+          <p:nvPr/>
+        </p:nvCxnSpPr>
+        <p:spPr>
+          <a:xfrm flipV="1">
+            <a:off x="2413000" y="3450274"/>
+            <a:ext cx="1097196" cy="1"/>
+          </a:xfrm>
+          <a:prstGeom prst="straightConnector1">
+            <a:avLst/>
+          </a:prstGeom>
+          <a:ln>
+            <a:tailEnd type="triangle"/>
+          </a:ln>
+        </p:spPr>
+        <p:style>
+          <a:lnRef idx="1">
+            <a:schemeClr val="accent1"/>
+          </a:lnRef>
+          <a:fillRef idx="0">
+            <a:schemeClr val="accent1"/>
+          </a:fillRef>
+          <a:effectRef idx="0">
+            <a:schemeClr val="accent1"/>
+          </a:effectRef>
+          <a:fontRef idx="minor">
+            <a:schemeClr val="tx1"/>
+          </a:fontRef>
+        </p:style>
+      </p:cxnSp>
+      <p:sp>
+        <p:nvSpPr>
+          <p:cNvPr id="21" name="TextBox 20">
+            <a:extLst>
+              <a:ext uri="{FF2B5EF4-FFF2-40B4-BE49-F238E27FC236}">
+                <a16:creationId xmlns:a16="http://schemas.microsoft.com/office/drawing/2014/main" id="{C226F798-A4E6-027E-246E-9B6277F64FB2}"/>
+              </a:ext>
+            </a:extLst>
+          </p:cNvPr>
+          <p:cNvSpPr txBox="1"/>
+          <p:nvPr/>
         </p:nvSpPr>
-        <p:spPr/>
+        <p:spPr>
+          <a:xfrm>
+            <a:off x="2104653" y="2803942"/>
+            <a:ext cx="1713889" cy="646331"/>
+          </a:xfrm>
+          <a:prstGeom prst="rect">
+            <a:avLst/>
+          </a:prstGeom>
+          <a:noFill/>
+        </p:spPr>
         <p:txBody>
-          <a:bodyPr/>
+          <a:bodyPr wrap="square">
+            <a:spAutoFit/>
+          </a:bodyPr>
           <a:lstStyle/>
           <a:p>
-            <a:endParaRPr lang="en-US"/>
+            <a:pPr algn="ctr"/>
+            <a:r>
+              <a:rPr lang="en-US" dirty="0">
+                <a:latin typeface="Times New Roman" panose="02020603050405020304" pitchFamily="18" charset="0"/>
+                <a:ea typeface="Tahoma" panose="020B0604030504040204" pitchFamily="34" charset="0"/>
+                <a:cs typeface="Times New Roman" panose="02020603050405020304" pitchFamily="18" charset="0"/>
+              </a:rPr>
+              <a:t>Bilateral</a:t>
+            </a:r>
+          </a:p>
+          <a:p>
+            <a:pPr algn="ctr"/>
+            <a:r>
+              <a:rPr lang="en-US" dirty="0">
+                <a:latin typeface="Times New Roman" panose="02020603050405020304" pitchFamily="18" charset="0"/>
+                <a:ea typeface="Tahoma" panose="020B0604030504040204" pitchFamily="34" charset="0"/>
+                <a:cs typeface="Times New Roman" panose="02020603050405020304" pitchFamily="18" charset="0"/>
+              </a:rPr>
+              <a:t>Filter</a:t>
+            </a:r>
+          </a:p>
+        </p:txBody>
+      </p:sp>
+      <p:grpSp>
+        <p:nvGrpSpPr>
+          <p:cNvPr id="28" name="Group 27">
+            <a:extLst>
+              <a:ext uri="{FF2B5EF4-FFF2-40B4-BE49-F238E27FC236}">
+                <a16:creationId xmlns:a16="http://schemas.microsoft.com/office/drawing/2014/main" id="{5FAA65FC-2223-FCED-2DCC-51FF3957D914}"/>
+              </a:ext>
+            </a:extLst>
+          </p:cNvPr>
+          <p:cNvGrpSpPr/>
+          <p:nvPr/>
+        </p:nvGrpSpPr>
+        <p:grpSpPr>
+          <a:xfrm>
+            <a:off x="6537543" y="1967964"/>
+            <a:ext cx="2166124" cy="2964617"/>
+            <a:chOff x="6483050" y="973363"/>
+            <a:chExt cx="2166124" cy="2964617"/>
+          </a:xfrm>
+        </p:grpSpPr>
+        <p:pic>
+          <p:nvPicPr>
+            <p:cNvPr id="23" name="Picture 22" descr="A close-up of a device&#10;&#10;AI-generated content may be incorrect.">
+              <a:extLst>
+                <a:ext uri="{FF2B5EF4-FFF2-40B4-BE49-F238E27FC236}">
+                  <a16:creationId xmlns:a16="http://schemas.microsoft.com/office/drawing/2014/main" id="{A189CF11-8E4F-EE3E-DF14-D103B8DD132B}"/>
+                </a:ext>
+              </a:extLst>
+            </p:cNvPr>
+            <p:cNvPicPr>
+              <a:picLocks noChangeAspect="1"/>
+            </p:cNvPicPr>
+            <p:nvPr/>
+          </p:nvPicPr>
+          <p:blipFill>
+            <a:blip r:embed="rId4">
+              <a:extLst>
+                <a:ext uri="{28A0092B-C50C-407E-A947-70E740481C1C}">
+                  <a14:useLocalDpi xmlns:a14="http://schemas.microsoft.com/office/drawing/2010/main" val="0"/>
+                </a:ext>
+              </a:extLst>
+            </a:blip>
+            <a:stretch>
+              <a:fillRect/>
+            </a:stretch>
+          </p:blipFill>
+          <p:spPr>
+            <a:xfrm>
+              <a:off x="6496264" y="975324"/>
+              <a:ext cx="2139696" cy="2962656"/>
+            </a:xfrm>
+            <a:prstGeom prst="rect">
+              <a:avLst/>
+            </a:prstGeom>
+          </p:spPr>
+        </p:pic>
+        <p:sp>
+          <p:nvSpPr>
+            <p:cNvPr id="26" name="Rectangle 25">
+              <a:extLst>
+                <a:ext uri="{FF2B5EF4-FFF2-40B4-BE49-F238E27FC236}">
+                  <a16:creationId xmlns:a16="http://schemas.microsoft.com/office/drawing/2014/main" id="{A05B75FA-3D75-A32C-AB46-1962554E81FC}"/>
+                </a:ext>
+              </a:extLst>
+            </p:cNvPr>
+            <p:cNvSpPr/>
+            <p:nvPr/>
+          </p:nvSpPr>
+          <p:spPr>
+            <a:xfrm>
+              <a:off x="6483050" y="973363"/>
+              <a:ext cx="2166124" cy="2964617"/>
+            </a:xfrm>
+            <a:prstGeom prst="rect">
+              <a:avLst/>
+            </a:prstGeom>
+            <a:noFill/>
+            <a:ln w="9525" cap="flat" cmpd="sng" algn="ctr">
+              <a:solidFill>
+                <a:schemeClr val="dk1"/>
+              </a:solidFill>
+              <a:prstDash val="solid"/>
+              <a:round/>
+              <a:headEnd type="none" w="med" len="med"/>
+              <a:tailEnd type="none" w="med" len="med"/>
+            </a:ln>
+          </p:spPr>
+          <p:style>
+            <a:lnRef idx="0">
+              <a:scrgbClr r="0" g="0" b="0"/>
+            </a:lnRef>
+            <a:fillRef idx="0">
+              <a:scrgbClr r="0" g="0" b="0"/>
+            </a:fillRef>
+            <a:effectRef idx="0">
+              <a:scrgbClr r="0" g="0" b="0"/>
+            </a:effectRef>
+            <a:fontRef idx="minor">
+              <a:schemeClr val="dk1"/>
+            </a:fontRef>
+          </p:style>
+          <p:txBody>
+            <a:bodyPr rtlCol="0" anchor="ctr"/>
+            <a:lstStyle/>
+            <a:p>
+              <a:pPr algn="ctr"/>
+              <a:endParaRPr lang="en-US"/>
+            </a:p>
+          </p:txBody>
+        </p:sp>
+      </p:grpSp>
+      <p:cxnSp>
+        <p:nvCxnSpPr>
+          <p:cNvPr id="27" name="Straight Arrow Connector 26">
+            <a:extLst>
+              <a:ext uri="{FF2B5EF4-FFF2-40B4-BE49-F238E27FC236}">
+                <a16:creationId xmlns:a16="http://schemas.microsoft.com/office/drawing/2014/main" id="{8173BFFA-8F69-0E37-50A9-61BCFF09A33F}"/>
+              </a:ext>
+            </a:extLst>
+          </p:cNvPr>
+          <p:cNvCxnSpPr>
+            <a:cxnSpLocks/>
+            <a:stCxn id="11" idx="3"/>
+            <a:endCxn id="23" idx="1"/>
+          </p:cNvCxnSpPr>
+          <p:nvPr/>
+        </p:nvCxnSpPr>
+        <p:spPr>
+          <a:xfrm>
+            <a:off x="5676320" y="3450274"/>
+            <a:ext cx="874437" cy="979"/>
+          </a:xfrm>
+          <a:prstGeom prst="straightConnector1">
+            <a:avLst/>
+          </a:prstGeom>
+          <a:ln>
+            <a:tailEnd type="triangle"/>
+          </a:ln>
+        </p:spPr>
+        <p:style>
+          <a:lnRef idx="1">
+            <a:schemeClr val="accent1"/>
+          </a:lnRef>
+          <a:fillRef idx="0">
+            <a:schemeClr val="accent1"/>
+          </a:fillRef>
+          <a:effectRef idx="0">
+            <a:schemeClr val="accent1"/>
+          </a:effectRef>
+          <a:fontRef idx="minor">
+            <a:schemeClr val="tx1"/>
+          </a:fontRef>
+        </p:style>
+      </p:cxnSp>
+      <p:sp>
+        <p:nvSpPr>
+          <p:cNvPr id="29" name="TextBox 28">
+            <a:extLst>
+              <a:ext uri="{FF2B5EF4-FFF2-40B4-BE49-F238E27FC236}">
+                <a16:creationId xmlns:a16="http://schemas.microsoft.com/office/drawing/2014/main" id="{327A0AB0-C462-ADA2-9BC9-942E970B557C}"/>
+              </a:ext>
+            </a:extLst>
+          </p:cNvPr>
+          <p:cNvSpPr txBox="1"/>
+          <p:nvPr/>
+        </p:nvSpPr>
+        <p:spPr>
+          <a:xfrm>
+            <a:off x="5220406" y="3080531"/>
+            <a:ext cx="1713889" cy="369332"/>
+          </a:xfrm>
+          <a:prstGeom prst="rect">
+            <a:avLst/>
+          </a:prstGeom>
+          <a:noFill/>
+        </p:spPr>
+        <p:txBody>
+          <a:bodyPr wrap="square">
+            <a:spAutoFit/>
+          </a:bodyPr>
+          <a:lstStyle/>
+          <a:p>
+            <a:pPr algn="ctr"/>
+            <a:r>
+              <a:rPr lang="en-US" dirty="0">
+                <a:latin typeface="Times New Roman" panose="02020603050405020304" pitchFamily="18" charset="0"/>
+                <a:ea typeface="Tahoma" panose="020B0604030504040204" pitchFamily="34" charset="0"/>
+                <a:cs typeface="Times New Roman" panose="02020603050405020304" pitchFamily="18" charset="0"/>
+              </a:rPr>
+              <a:t>CLAHE</a:t>
+            </a:r>
+          </a:p>
+        </p:txBody>
+      </p:sp>
+      <p:pic>
+        <p:nvPicPr>
+          <p:cNvPr id="31" name="Picture 30" descr="A black and white drawing of a device&#10;&#10;AI-generated content may be incorrect.">
+            <a:extLst>
+              <a:ext uri="{FF2B5EF4-FFF2-40B4-BE49-F238E27FC236}">
+                <a16:creationId xmlns:a16="http://schemas.microsoft.com/office/drawing/2014/main" id="{6A0DD348-30F1-7100-077F-288F3B3ED604}"/>
+              </a:ext>
+            </a:extLst>
+          </p:cNvPr>
+          <p:cNvPicPr>
+            <a:picLocks noChangeAspect="1"/>
+          </p:cNvPicPr>
+          <p:nvPr/>
+        </p:nvPicPr>
+        <p:blipFill>
+          <a:blip r:embed="rId5">
+            <a:extLst>
+              <a:ext uri="{28A0092B-C50C-407E-A947-70E740481C1C}">
+                <a14:useLocalDpi xmlns:a14="http://schemas.microsoft.com/office/drawing/2010/main" val="0"/>
+              </a:ext>
+            </a:extLst>
+          </a:blip>
+          <a:stretch>
+            <a:fillRect/>
+          </a:stretch>
+        </p:blipFill>
+        <p:spPr>
+          <a:xfrm>
+            <a:off x="9700062" y="1967964"/>
+            <a:ext cx="2156578" cy="2962656"/>
+          </a:xfrm>
+          <a:prstGeom prst="rect">
+            <a:avLst/>
+          </a:prstGeom>
+        </p:spPr>
+      </p:pic>
+      <p:cxnSp>
+        <p:nvCxnSpPr>
+          <p:cNvPr id="33" name="Straight Arrow Connector 32">
+            <a:extLst>
+              <a:ext uri="{FF2B5EF4-FFF2-40B4-BE49-F238E27FC236}">
+                <a16:creationId xmlns:a16="http://schemas.microsoft.com/office/drawing/2014/main" id="{959C3AC6-EE87-EB5E-6741-66670B6B488B}"/>
+              </a:ext>
+            </a:extLst>
+          </p:cNvPr>
+          <p:cNvCxnSpPr>
+            <a:cxnSpLocks/>
+            <a:endCxn id="31" idx="1"/>
+          </p:cNvCxnSpPr>
+          <p:nvPr/>
+        </p:nvCxnSpPr>
+        <p:spPr>
+          <a:xfrm>
+            <a:off x="8712352" y="3449292"/>
+            <a:ext cx="987710" cy="0"/>
+          </a:xfrm>
+          <a:prstGeom prst="straightConnector1">
+            <a:avLst/>
+          </a:prstGeom>
+          <a:ln>
+            <a:tailEnd type="triangle"/>
+          </a:ln>
+        </p:spPr>
+        <p:style>
+          <a:lnRef idx="1">
+            <a:schemeClr val="accent1"/>
+          </a:lnRef>
+          <a:fillRef idx="0">
+            <a:schemeClr val="accent1"/>
+          </a:fillRef>
+          <a:effectRef idx="0">
+            <a:schemeClr val="accent1"/>
+          </a:effectRef>
+          <a:fontRef idx="minor">
+            <a:schemeClr val="tx1"/>
+          </a:fontRef>
+        </p:style>
+      </p:cxnSp>
+      <p:sp>
+        <p:nvSpPr>
+          <p:cNvPr id="35" name="TextBox 34">
+            <a:extLst>
+              <a:ext uri="{FF2B5EF4-FFF2-40B4-BE49-F238E27FC236}">
+                <a16:creationId xmlns:a16="http://schemas.microsoft.com/office/drawing/2014/main" id="{651E69B4-B3E9-8959-2520-0FC685ADAE9B}"/>
+              </a:ext>
+            </a:extLst>
+          </p:cNvPr>
+          <p:cNvSpPr txBox="1"/>
+          <p:nvPr/>
+        </p:nvSpPr>
+        <p:spPr>
+          <a:xfrm>
+            <a:off x="8302125" y="3080531"/>
+            <a:ext cx="1713889" cy="369332"/>
+          </a:xfrm>
+          <a:prstGeom prst="rect">
+            <a:avLst/>
+          </a:prstGeom>
+          <a:noFill/>
+        </p:spPr>
+        <p:txBody>
+          <a:bodyPr wrap="square">
+            <a:spAutoFit/>
+          </a:bodyPr>
+          <a:lstStyle/>
+          <a:p>
+            <a:pPr algn="ctr"/>
+            <a:r>
+              <a:rPr lang="en-US" dirty="0">
+                <a:latin typeface="Times New Roman" panose="02020603050405020304" pitchFamily="18" charset="0"/>
+                <a:ea typeface="Tahoma" panose="020B0604030504040204" pitchFamily="34" charset="0"/>
+                <a:cs typeface="Times New Roman" panose="02020603050405020304" pitchFamily="18" charset="0"/>
+              </a:rPr>
+              <a:t>Canny</a:t>
+            </a:r>
           </a:p>
         </p:txBody>
       </p:sp>

--- a/Document/SlideWeek6/HoughTransform.pptx
+++ b/Document/SlideWeek6/HoughTransform.pptx
@@ -5,7 +5,7 @@
     <p:sldMasterId id="2147483648" r:id="rId1"/>
   </p:sldMasterIdLst>
   <p:notesMasterIdLst>
-    <p:notesMasterId r:id="rId13"/>
+    <p:notesMasterId r:id="rId16"/>
   </p:notesMasterIdLst>
   <p:sldIdLst>
     <p:sldId id="1225" r:id="rId2"/>
@@ -18,7 +18,10 @@
     <p:sldId id="1230" r:id="rId9"/>
     <p:sldId id="1231" r:id="rId10"/>
     <p:sldId id="1232" r:id="rId11"/>
-    <p:sldId id="1234" r:id="rId12"/>
+    <p:sldId id="1236" r:id="rId12"/>
+    <p:sldId id="1235" r:id="rId13"/>
+    <p:sldId id="1237" r:id="rId14"/>
+    <p:sldId id="1234" r:id="rId15"/>
   </p:sldIdLst>
   <p:sldSz cx="12192000" cy="6858000"/>
   <p:notesSz cx="6858000" cy="9144000"/>
@@ -132,6 +135,9 @@
             <p14:sldId id="1230"/>
             <p14:sldId id="1231"/>
             <p14:sldId id="1232"/>
+            <p14:sldId id="1236"/>
+            <p14:sldId id="1235"/>
+            <p14:sldId id="1237"/>
             <p14:sldId id="1234"/>
           </p14:sldIdLst>
         </p14:section>
@@ -1243,6 +1249,90 @@
     <p:extLst>
       <p:ext uri="{BB962C8B-B14F-4D97-AF65-F5344CB8AC3E}">
         <p14:creationId xmlns:p14="http://schemas.microsoft.com/office/powerpoint/2010/main" val="3692380441"/>
+      </p:ext>
+    </p:extLst>
+  </p:cSld>
+  <p:clrMapOvr>
+    <a:masterClrMapping/>
+  </p:clrMapOvr>
+</p:notes>
+</file>
+
+<file path=ppt/notesSlides/notesSlide7.xml><?xml version="1.0" encoding="utf-8"?>
+<p:notes xmlns:a="http://schemas.openxmlformats.org/drawingml/2006/main" xmlns:r="http://schemas.openxmlformats.org/officeDocument/2006/relationships" xmlns:p="http://schemas.openxmlformats.org/presentationml/2006/main">
+  <p:cSld>
+    <p:spTree>
+      <p:nvGrpSpPr>
+        <p:cNvPr id="1" name=""/>
+        <p:cNvGrpSpPr/>
+        <p:nvPr/>
+      </p:nvGrpSpPr>
+      <p:grpSpPr>
+        <a:xfrm>
+          <a:off x="0" y="0"/>
+          <a:ext cx="0" cy="0"/>
+          <a:chOff x="0" y="0"/>
+          <a:chExt cx="0" cy="0"/>
+        </a:xfrm>
+      </p:grpSpPr>
+      <p:sp>
+        <p:nvSpPr>
+          <p:cNvPr id="2" name="Chỗ dành sẵn cho Hình ảnh của Bản chiếu 1"/>
+          <p:cNvSpPr>
+            <a:spLocks noGrp="1" noRot="1" noChangeAspect="1"/>
+          </p:cNvSpPr>
+          <p:nvPr>
+            <p:ph type="sldImg"/>
+          </p:nvPr>
+        </p:nvSpPr>
+        <p:spPr/>
+      </p:sp>
+      <p:sp>
+        <p:nvSpPr>
+          <p:cNvPr id="3" name="Chỗ dành sẵn cho Ghi chú 2"/>
+          <p:cNvSpPr>
+            <a:spLocks noGrp="1"/>
+          </p:cNvSpPr>
+          <p:nvPr>
+            <p:ph type="body" idx="1"/>
+          </p:nvPr>
+        </p:nvSpPr>
+        <p:spPr/>
+        <p:txBody>
+          <a:bodyPr/>
+          <a:lstStyle/>
+          <a:p>
+            <a:endParaRPr lang="en-US" dirty="0"/>
+          </a:p>
+        </p:txBody>
+      </p:sp>
+      <p:sp>
+        <p:nvSpPr>
+          <p:cNvPr id="4" name="Chỗ dành sẵn cho Số hiệu Bản chiếu 3"/>
+          <p:cNvSpPr>
+            <a:spLocks noGrp="1"/>
+          </p:cNvSpPr>
+          <p:nvPr>
+            <p:ph type="sldNum" sz="quarter" idx="5"/>
+          </p:nvPr>
+        </p:nvSpPr>
+        <p:spPr/>
+        <p:txBody>
+          <a:bodyPr/>
+          <a:lstStyle/>
+          <a:p>
+            <a:fld id="{4BB17C66-5E86-48FA-A33E-66AB0EC7811B}" type="slidenum">
+              <a:rPr lang="en-US" smtClean="0"/>
+              <a:t>12</a:t>
+            </a:fld>
+            <a:endParaRPr lang="en-US"/>
+          </a:p>
+        </p:txBody>
+      </p:sp>
+    </p:spTree>
+    <p:extLst>
+      <p:ext uri="{BB962C8B-B14F-4D97-AF65-F5344CB8AC3E}">
+        <p14:creationId xmlns:p14="http://schemas.microsoft.com/office/powerpoint/2010/main" val="1161073500"/>
       </p:ext>
     </p:extLst>
   </p:cSld>
@@ -5492,6 +5582,9027 @@
 </file>
 
 <file path=ppt/slides/slide11.xml><?xml version="1.0" encoding="utf-8"?>
+<p:sld xmlns:a="http://schemas.openxmlformats.org/drawingml/2006/main" xmlns:r="http://schemas.openxmlformats.org/officeDocument/2006/relationships" xmlns:p="http://schemas.openxmlformats.org/presentationml/2006/main">
+  <p:cSld>
+    <p:spTree>
+      <p:nvGrpSpPr>
+        <p:cNvPr id="1" name=""/>
+        <p:cNvGrpSpPr/>
+        <p:nvPr/>
+      </p:nvGrpSpPr>
+      <p:grpSpPr>
+        <a:xfrm>
+          <a:off x="0" y="0"/>
+          <a:ext cx="0" cy="0"/>
+          <a:chOff x="0" y="0"/>
+          <a:chExt cx="0" cy="0"/>
+        </a:xfrm>
+      </p:grpSpPr>
+      <p:cxnSp>
+        <p:nvCxnSpPr>
+          <p:cNvPr id="33" name="Đường nối Thẳng 32">
+            <a:extLst>
+              <a:ext uri="{FF2B5EF4-FFF2-40B4-BE49-F238E27FC236}">
+                <a16:creationId xmlns:a16="http://schemas.microsoft.com/office/drawing/2014/main" id="{7D61E54C-5600-5F06-51F3-0E5EB3AD72E6}"/>
+              </a:ext>
+            </a:extLst>
+          </p:cNvPr>
+          <p:cNvCxnSpPr>
+            <a:cxnSpLocks/>
+            <a:stCxn id="14" idx="2"/>
+          </p:cNvCxnSpPr>
+          <p:nvPr/>
+        </p:nvCxnSpPr>
+        <p:spPr>
+          <a:xfrm flipH="1">
+            <a:off x="4038666" y="2752923"/>
+            <a:ext cx="1908357" cy="0"/>
+          </a:xfrm>
+          <a:prstGeom prst="line">
+            <a:avLst/>
+          </a:prstGeom>
+          <a:ln>
+            <a:prstDash val="dash"/>
+          </a:ln>
+        </p:spPr>
+        <p:style>
+          <a:lnRef idx="1">
+            <a:schemeClr val="accent1"/>
+          </a:lnRef>
+          <a:fillRef idx="0">
+            <a:schemeClr val="accent1"/>
+          </a:fillRef>
+          <a:effectRef idx="0">
+            <a:schemeClr val="accent1"/>
+          </a:effectRef>
+          <a:fontRef idx="minor">
+            <a:schemeClr val="tx1"/>
+          </a:fontRef>
+        </p:style>
+      </p:cxnSp>
+      <p:sp>
+        <p:nvSpPr>
+          <p:cNvPr id="2" name="Tiêu đề 1">
+            <a:extLst>
+              <a:ext uri="{FF2B5EF4-FFF2-40B4-BE49-F238E27FC236}">
+                <a16:creationId xmlns:a16="http://schemas.microsoft.com/office/drawing/2014/main" id="{1ACB6B59-C766-12AD-6C0F-E0C1A915CDC3}"/>
+              </a:ext>
+            </a:extLst>
+          </p:cNvPr>
+          <p:cNvSpPr>
+            <a:spLocks noGrp="1"/>
+          </p:cNvSpPr>
+          <p:nvPr>
+            <p:ph type="title"/>
+          </p:nvPr>
+        </p:nvSpPr>
+        <p:spPr/>
+        <p:txBody>
+          <a:bodyPr/>
+          <a:lstStyle/>
+          <a:p>
+            <a:r>
+              <a:rPr lang="en-US" sz="2670" i="0" dirty="0">
+                <a:solidFill>
+                  <a:srgbClr val="000000"/>
+                </a:solidFill>
+                <a:effectLst/>
+              </a:rPr>
+              <a:t>Hough Transform: Circle Detection</a:t>
+            </a:r>
+            <a:endParaRPr lang="en-US" sz="2670" dirty="0"/>
+          </a:p>
+        </p:txBody>
+      </p:sp>
+      <p:sp>
+        <p:nvSpPr>
+          <p:cNvPr id="6" name="Hộp Văn bản 5">
+            <a:extLst>
+              <a:ext uri="{FF2B5EF4-FFF2-40B4-BE49-F238E27FC236}">
+                <a16:creationId xmlns:a16="http://schemas.microsoft.com/office/drawing/2014/main" id="{831971B8-B012-5195-23DF-F0EFAA07986B}"/>
+              </a:ext>
+            </a:extLst>
+          </p:cNvPr>
+          <p:cNvSpPr txBox="1"/>
+          <p:nvPr/>
+        </p:nvSpPr>
+        <p:spPr>
+          <a:xfrm>
+            <a:off x="5063817" y="4711688"/>
+            <a:ext cx="1960793" cy="369332"/>
+          </a:xfrm>
+          <a:prstGeom prst="rect">
+            <a:avLst/>
+          </a:prstGeom>
+          <a:noFill/>
+        </p:spPr>
+        <p:txBody>
+          <a:bodyPr wrap="none" rtlCol="0">
+            <a:spAutoFit/>
+          </a:bodyPr>
+          <a:lstStyle/>
+          <a:p>
+            <a:r>
+              <a:rPr lang="en-US" dirty="0">
+                <a:latin typeface="Times New Roman" panose="02020603050405020304" pitchFamily="18" charset="0"/>
+                <a:cs typeface="Times New Roman" panose="02020603050405020304" pitchFamily="18" charset="0"/>
+              </a:rPr>
+              <a:t>Equation of circle: </a:t>
+            </a:r>
+          </a:p>
+        </p:txBody>
+      </p:sp>
+      <p:cxnSp>
+        <p:nvCxnSpPr>
+          <p:cNvPr id="8" name="Đường kết nối Mũi tên Thẳng 7">
+            <a:extLst>
+              <a:ext uri="{FF2B5EF4-FFF2-40B4-BE49-F238E27FC236}">
+                <a16:creationId xmlns:a16="http://schemas.microsoft.com/office/drawing/2014/main" id="{AC343AD6-F99C-0AE2-F1F8-FF98219609B0}"/>
+              </a:ext>
+            </a:extLst>
+          </p:cNvPr>
+          <p:cNvCxnSpPr/>
+          <p:nvPr/>
+        </p:nvCxnSpPr>
+        <p:spPr>
+          <a:xfrm flipV="1">
+            <a:off x="4027357" y="1184223"/>
+            <a:ext cx="0" cy="3237876"/>
+          </a:xfrm>
+          <a:prstGeom prst="straightConnector1">
+            <a:avLst/>
+          </a:prstGeom>
+          <a:ln w="19050">
+            <a:tailEnd type="triangle"/>
+          </a:ln>
+        </p:spPr>
+        <p:style>
+          <a:lnRef idx="1">
+            <a:schemeClr val="accent1"/>
+          </a:lnRef>
+          <a:fillRef idx="0">
+            <a:schemeClr val="accent1"/>
+          </a:fillRef>
+          <a:effectRef idx="0">
+            <a:schemeClr val="accent1"/>
+          </a:effectRef>
+          <a:fontRef idx="minor">
+            <a:schemeClr val="tx1"/>
+          </a:fontRef>
+        </p:style>
+      </p:cxnSp>
+      <p:cxnSp>
+        <p:nvCxnSpPr>
+          <p:cNvPr id="9" name="Đường kết nối Mũi tên Thẳng 8">
+            <a:extLst>
+              <a:ext uri="{FF2B5EF4-FFF2-40B4-BE49-F238E27FC236}">
+                <a16:creationId xmlns:a16="http://schemas.microsoft.com/office/drawing/2014/main" id="{3FA75722-C154-11E1-9656-F4C89D541B08}"/>
+              </a:ext>
+            </a:extLst>
+          </p:cNvPr>
+          <p:cNvCxnSpPr>
+            <a:cxnSpLocks/>
+          </p:cNvCxnSpPr>
+          <p:nvPr/>
+        </p:nvCxnSpPr>
+        <p:spPr>
+          <a:xfrm>
+            <a:off x="4027357" y="4422099"/>
+            <a:ext cx="4137286" cy="0"/>
+          </a:xfrm>
+          <a:prstGeom prst="straightConnector1">
+            <a:avLst/>
+          </a:prstGeom>
+          <a:ln w="19050">
+            <a:tailEnd type="triangle"/>
+          </a:ln>
+        </p:spPr>
+        <p:style>
+          <a:lnRef idx="1">
+            <a:schemeClr val="accent1"/>
+          </a:lnRef>
+          <a:fillRef idx="0">
+            <a:schemeClr val="accent1"/>
+          </a:fillRef>
+          <a:effectRef idx="0">
+            <a:schemeClr val="accent1"/>
+          </a:effectRef>
+          <a:fontRef idx="minor">
+            <a:schemeClr val="tx1"/>
+          </a:fontRef>
+        </p:style>
+      </p:cxnSp>
+      <p:sp>
+        <p:nvSpPr>
+          <p:cNvPr id="13" name="Hình Bầu dục 12">
+            <a:extLst>
+              <a:ext uri="{FF2B5EF4-FFF2-40B4-BE49-F238E27FC236}">
+                <a16:creationId xmlns:a16="http://schemas.microsoft.com/office/drawing/2014/main" id="{D8F8A41F-DEB9-EF60-9842-4254A994F71A}"/>
+              </a:ext>
+            </a:extLst>
+          </p:cNvPr>
+          <p:cNvSpPr/>
+          <p:nvPr/>
+        </p:nvSpPr>
+        <p:spPr>
+          <a:xfrm>
+            <a:off x="5211580" y="1963720"/>
+            <a:ext cx="1581912" cy="1578406"/>
+          </a:xfrm>
+          <a:prstGeom prst="ellipse">
+            <a:avLst/>
+          </a:prstGeom>
+          <a:noFill/>
+          <a:ln w="9525" cap="flat" cmpd="sng" algn="ctr">
+            <a:solidFill>
+              <a:schemeClr val="dk1"/>
+            </a:solidFill>
+            <a:prstDash val="sysDash"/>
+            <a:round/>
+            <a:headEnd type="none" w="med" len="med"/>
+            <a:tailEnd type="none" w="med" len="med"/>
+          </a:ln>
+        </p:spPr>
+        <p:style>
+          <a:lnRef idx="0">
+            <a:scrgbClr r="0" g="0" b="0"/>
+          </a:lnRef>
+          <a:fillRef idx="0">
+            <a:scrgbClr r="0" g="0" b="0"/>
+          </a:fillRef>
+          <a:effectRef idx="0">
+            <a:scrgbClr r="0" g="0" b="0"/>
+          </a:effectRef>
+          <a:fontRef idx="minor">
+            <a:schemeClr val="dk1"/>
+          </a:fontRef>
+        </p:style>
+        <p:txBody>
+          <a:bodyPr rtlCol="0" anchor="ctr"/>
+          <a:lstStyle/>
+          <a:p>
+            <a:pPr algn="ctr"/>
+            <a:endParaRPr lang="en-US"/>
+          </a:p>
+        </p:txBody>
+      </p:sp>
+      <p:sp>
+        <p:nvSpPr>
+          <p:cNvPr id="14" name="Hình Bầu dục 13">
+            <a:extLst>
+              <a:ext uri="{FF2B5EF4-FFF2-40B4-BE49-F238E27FC236}">
+                <a16:creationId xmlns:a16="http://schemas.microsoft.com/office/drawing/2014/main" id="{5ACF930E-4FCC-FE8F-3118-CA26A745900B}"/>
+              </a:ext>
+            </a:extLst>
+          </p:cNvPr>
+          <p:cNvSpPr/>
+          <p:nvPr/>
+        </p:nvSpPr>
+        <p:spPr>
+          <a:xfrm>
+            <a:off x="5947023" y="2707203"/>
+            <a:ext cx="91440" cy="91440"/>
+          </a:xfrm>
+          <a:prstGeom prst="ellipse">
+            <a:avLst/>
+          </a:prstGeom>
+          <a:solidFill>
+            <a:schemeClr val="accent6"/>
+          </a:solidFill>
+          <a:ln>
+            <a:noFill/>
+          </a:ln>
+        </p:spPr>
+        <p:style>
+          <a:lnRef idx="0">
+            <a:scrgbClr r="0" g="0" b="0"/>
+          </a:lnRef>
+          <a:fillRef idx="0">
+            <a:scrgbClr r="0" g="0" b="0"/>
+          </a:fillRef>
+          <a:effectRef idx="0">
+            <a:scrgbClr r="0" g="0" b="0"/>
+          </a:effectRef>
+          <a:fontRef idx="minor">
+            <a:schemeClr val="lt1"/>
+          </a:fontRef>
+        </p:style>
+        <p:txBody>
+          <a:bodyPr rtlCol="0" anchor="ctr"/>
+          <a:lstStyle/>
+          <a:p>
+            <a:pPr algn="ctr"/>
+            <a:endParaRPr lang="en-US"/>
+          </a:p>
+        </p:txBody>
+      </p:sp>
+      <p:sp>
+        <p:nvSpPr>
+          <p:cNvPr id="15" name="Hình Bầu dục 14">
+            <a:extLst>
+              <a:ext uri="{FF2B5EF4-FFF2-40B4-BE49-F238E27FC236}">
+                <a16:creationId xmlns:a16="http://schemas.microsoft.com/office/drawing/2014/main" id="{F73A7F42-FFA3-C365-74B7-86D7F23E554A}"/>
+              </a:ext>
+            </a:extLst>
+          </p:cNvPr>
+          <p:cNvSpPr/>
+          <p:nvPr/>
+        </p:nvSpPr>
+        <p:spPr>
+          <a:xfrm>
+            <a:off x="5211580" y="2210137"/>
+            <a:ext cx="182880" cy="182880"/>
+          </a:xfrm>
+          <a:prstGeom prst="ellipse">
+            <a:avLst/>
+          </a:prstGeom>
+          <a:solidFill>
+            <a:schemeClr val="tx1">
+              <a:lumMod val="50000"/>
+              <a:lumOff val="50000"/>
+            </a:schemeClr>
+          </a:solidFill>
+          <a:ln>
+            <a:noFill/>
+          </a:ln>
+        </p:spPr>
+        <p:style>
+          <a:lnRef idx="0">
+            <a:scrgbClr r="0" g="0" b="0"/>
+          </a:lnRef>
+          <a:fillRef idx="0">
+            <a:scrgbClr r="0" g="0" b="0"/>
+          </a:fillRef>
+          <a:effectRef idx="0">
+            <a:scrgbClr r="0" g="0" b="0"/>
+          </a:effectRef>
+          <a:fontRef idx="minor">
+            <a:schemeClr val="lt1"/>
+          </a:fontRef>
+        </p:style>
+        <p:txBody>
+          <a:bodyPr rtlCol="0" anchor="ctr"/>
+          <a:lstStyle/>
+          <a:p>
+            <a:pPr algn="ctr"/>
+            <a:endParaRPr lang="en-US"/>
+          </a:p>
+        </p:txBody>
+      </p:sp>
+      <p:sp>
+        <p:nvSpPr>
+          <p:cNvPr id="16" name="Hình Bầu dục 15">
+            <a:extLst>
+              <a:ext uri="{FF2B5EF4-FFF2-40B4-BE49-F238E27FC236}">
+                <a16:creationId xmlns:a16="http://schemas.microsoft.com/office/drawing/2014/main" id="{1956896A-0ECA-1285-6020-98D5302FAFCD}"/>
+              </a:ext>
+            </a:extLst>
+          </p:cNvPr>
+          <p:cNvSpPr/>
+          <p:nvPr/>
+        </p:nvSpPr>
+        <p:spPr>
+          <a:xfrm>
+            <a:off x="5120140" y="2584625"/>
+            <a:ext cx="182880" cy="182880"/>
+          </a:xfrm>
+          <a:prstGeom prst="ellipse">
+            <a:avLst/>
+          </a:prstGeom>
+          <a:solidFill>
+            <a:schemeClr val="tx1">
+              <a:lumMod val="50000"/>
+              <a:lumOff val="50000"/>
+            </a:schemeClr>
+          </a:solidFill>
+          <a:ln>
+            <a:noFill/>
+          </a:ln>
+        </p:spPr>
+        <p:style>
+          <a:lnRef idx="0">
+            <a:scrgbClr r="0" g="0" b="0"/>
+          </a:lnRef>
+          <a:fillRef idx="0">
+            <a:scrgbClr r="0" g="0" b="0"/>
+          </a:fillRef>
+          <a:effectRef idx="0">
+            <a:scrgbClr r="0" g="0" b="0"/>
+          </a:effectRef>
+          <a:fontRef idx="minor">
+            <a:schemeClr val="lt1"/>
+          </a:fontRef>
+        </p:style>
+        <p:txBody>
+          <a:bodyPr rtlCol="0" anchor="ctr"/>
+          <a:lstStyle/>
+          <a:p>
+            <a:pPr algn="ctr"/>
+            <a:endParaRPr lang="en-US"/>
+          </a:p>
+        </p:txBody>
+      </p:sp>
+      <p:sp>
+        <p:nvSpPr>
+          <p:cNvPr id="17" name="Hình Bầu dục 16">
+            <a:extLst>
+              <a:ext uri="{FF2B5EF4-FFF2-40B4-BE49-F238E27FC236}">
+                <a16:creationId xmlns:a16="http://schemas.microsoft.com/office/drawing/2014/main" id="{E6AA6094-F34A-59C0-29C9-61B0CEF18A5A}"/>
+              </a:ext>
+            </a:extLst>
+          </p:cNvPr>
+          <p:cNvSpPr/>
+          <p:nvPr/>
+        </p:nvSpPr>
+        <p:spPr>
+          <a:xfrm>
+            <a:off x="5243510" y="3133237"/>
+            <a:ext cx="182880" cy="182880"/>
+          </a:xfrm>
+          <a:prstGeom prst="ellipse">
+            <a:avLst/>
+          </a:prstGeom>
+          <a:solidFill>
+            <a:schemeClr val="tx1">
+              <a:lumMod val="50000"/>
+              <a:lumOff val="50000"/>
+            </a:schemeClr>
+          </a:solidFill>
+          <a:ln>
+            <a:noFill/>
+          </a:ln>
+        </p:spPr>
+        <p:style>
+          <a:lnRef idx="0">
+            <a:scrgbClr r="0" g="0" b="0"/>
+          </a:lnRef>
+          <a:fillRef idx="0">
+            <a:scrgbClr r="0" g="0" b="0"/>
+          </a:fillRef>
+          <a:effectRef idx="0">
+            <a:scrgbClr r="0" g="0" b="0"/>
+          </a:effectRef>
+          <a:fontRef idx="minor">
+            <a:schemeClr val="lt1"/>
+          </a:fontRef>
+        </p:style>
+        <p:txBody>
+          <a:bodyPr rtlCol="0" anchor="ctr"/>
+          <a:lstStyle/>
+          <a:p>
+            <a:pPr algn="ctr"/>
+            <a:endParaRPr lang="en-US"/>
+          </a:p>
+        </p:txBody>
+      </p:sp>
+      <p:sp>
+        <p:nvSpPr>
+          <p:cNvPr id="18" name="Hình Bầu dục 17">
+            <a:extLst>
+              <a:ext uri="{FF2B5EF4-FFF2-40B4-BE49-F238E27FC236}">
+                <a16:creationId xmlns:a16="http://schemas.microsoft.com/office/drawing/2014/main" id="{C3923E16-4038-96D3-5284-EF311290CC09}"/>
+              </a:ext>
+            </a:extLst>
+          </p:cNvPr>
+          <p:cNvSpPr/>
+          <p:nvPr/>
+        </p:nvSpPr>
+        <p:spPr>
+          <a:xfrm>
+            <a:off x="5688518" y="3450686"/>
+            <a:ext cx="182880" cy="182880"/>
+          </a:xfrm>
+          <a:prstGeom prst="ellipse">
+            <a:avLst/>
+          </a:prstGeom>
+          <a:solidFill>
+            <a:schemeClr val="tx1">
+              <a:lumMod val="50000"/>
+              <a:lumOff val="50000"/>
+            </a:schemeClr>
+          </a:solidFill>
+          <a:ln>
+            <a:noFill/>
+          </a:ln>
+        </p:spPr>
+        <p:style>
+          <a:lnRef idx="0">
+            <a:scrgbClr r="0" g="0" b="0"/>
+          </a:lnRef>
+          <a:fillRef idx="0">
+            <a:scrgbClr r="0" g="0" b="0"/>
+          </a:fillRef>
+          <a:effectRef idx="0">
+            <a:scrgbClr r="0" g="0" b="0"/>
+          </a:effectRef>
+          <a:fontRef idx="minor">
+            <a:schemeClr val="lt1"/>
+          </a:fontRef>
+        </p:style>
+        <p:txBody>
+          <a:bodyPr rtlCol="0" anchor="ctr"/>
+          <a:lstStyle/>
+          <a:p>
+            <a:pPr algn="ctr"/>
+            <a:endParaRPr lang="en-US"/>
+          </a:p>
+        </p:txBody>
+      </p:sp>
+      <p:sp>
+        <p:nvSpPr>
+          <p:cNvPr id="19" name="Hình Bầu dục 18">
+            <a:extLst>
+              <a:ext uri="{FF2B5EF4-FFF2-40B4-BE49-F238E27FC236}">
+                <a16:creationId xmlns:a16="http://schemas.microsoft.com/office/drawing/2014/main" id="{392212C2-6A13-163D-8808-56BF29E15052}"/>
+              </a:ext>
+            </a:extLst>
+          </p:cNvPr>
+          <p:cNvSpPr/>
+          <p:nvPr/>
+        </p:nvSpPr>
+        <p:spPr>
+          <a:xfrm>
+            <a:off x="6241005" y="3404966"/>
+            <a:ext cx="182880" cy="182880"/>
+          </a:xfrm>
+          <a:prstGeom prst="ellipse">
+            <a:avLst/>
+          </a:prstGeom>
+          <a:solidFill>
+            <a:schemeClr val="tx1">
+              <a:lumMod val="50000"/>
+              <a:lumOff val="50000"/>
+            </a:schemeClr>
+          </a:solidFill>
+          <a:ln>
+            <a:noFill/>
+          </a:ln>
+        </p:spPr>
+        <p:style>
+          <a:lnRef idx="0">
+            <a:scrgbClr r="0" g="0" b="0"/>
+          </a:lnRef>
+          <a:fillRef idx="0">
+            <a:scrgbClr r="0" g="0" b="0"/>
+          </a:fillRef>
+          <a:effectRef idx="0">
+            <a:scrgbClr r="0" g="0" b="0"/>
+          </a:effectRef>
+          <a:fontRef idx="minor">
+            <a:schemeClr val="lt1"/>
+          </a:fontRef>
+        </p:style>
+        <p:txBody>
+          <a:bodyPr rtlCol="0" anchor="ctr"/>
+          <a:lstStyle/>
+          <a:p>
+            <a:pPr algn="ctr"/>
+            <a:endParaRPr lang="en-US"/>
+          </a:p>
+        </p:txBody>
+      </p:sp>
+      <p:sp>
+        <p:nvSpPr>
+          <p:cNvPr id="20" name="Hình Bầu dục 19">
+            <a:extLst>
+              <a:ext uri="{FF2B5EF4-FFF2-40B4-BE49-F238E27FC236}">
+                <a16:creationId xmlns:a16="http://schemas.microsoft.com/office/drawing/2014/main" id="{A790B46B-69DB-CB31-3508-6F2A1B60F103}"/>
+              </a:ext>
+            </a:extLst>
+          </p:cNvPr>
+          <p:cNvSpPr/>
+          <p:nvPr/>
+        </p:nvSpPr>
+        <p:spPr>
+          <a:xfrm>
+            <a:off x="6002536" y="1852601"/>
+            <a:ext cx="182880" cy="182880"/>
+          </a:xfrm>
+          <a:prstGeom prst="ellipse">
+            <a:avLst/>
+          </a:prstGeom>
+          <a:solidFill>
+            <a:schemeClr val="tx1">
+              <a:lumMod val="50000"/>
+              <a:lumOff val="50000"/>
+            </a:schemeClr>
+          </a:solidFill>
+          <a:ln>
+            <a:noFill/>
+          </a:ln>
+        </p:spPr>
+        <p:style>
+          <a:lnRef idx="0">
+            <a:scrgbClr r="0" g="0" b="0"/>
+          </a:lnRef>
+          <a:fillRef idx="0">
+            <a:scrgbClr r="0" g="0" b="0"/>
+          </a:fillRef>
+          <a:effectRef idx="0">
+            <a:scrgbClr r="0" g="0" b="0"/>
+          </a:effectRef>
+          <a:fontRef idx="minor">
+            <a:schemeClr val="lt1"/>
+          </a:fontRef>
+        </p:style>
+        <p:txBody>
+          <a:bodyPr rtlCol="0" anchor="ctr"/>
+          <a:lstStyle/>
+          <a:p>
+            <a:pPr algn="ctr"/>
+            <a:endParaRPr lang="en-US"/>
+          </a:p>
+        </p:txBody>
+      </p:sp>
+      <p:sp>
+        <p:nvSpPr>
+          <p:cNvPr id="21" name="Hình Bầu dục 20">
+            <a:extLst>
+              <a:ext uri="{FF2B5EF4-FFF2-40B4-BE49-F238E27FC236}">
+                <a16:creationId xmlns:a16="http://schemas.microsoft.com/office/drawing/2014/main" id="{D513AC90-EA8F-77D1-3B3D-0600947B6146}"/>
+              </a:ext>
+            </a:extLst>
+          </p:cNvPr>
+          <p:cNvSpPr/>
+          <p:nvPr/>
+        </p:nvSpPr>
+        <p:spPr>
+          <a:xfrm>
+            <a:off x="6332445" y="1963720"/>
+            <a:ext cx="182880" cy="182880"/>
+          </a:xfrm>
+          <a:prstGeom prst="ellipse">
+            <a:avLst/>
+          </a:prstGeom>
+          <a:solidFill>
+            <a:schemeClr val="tx1">
+              <a:lumMod val="50000"/>
+              <a:lumOff val="50000"/>
+            </a:schemeClr>
+          </a:solidFill>
+          <a:ln>
+            <a:noFill/>
+          </a:ln>
+        </p:spPr>
+        <p:style>
+          <a:lnRef idx="0">
+            <a:scrgbClr r="0" g="0" b="0"/>
+          </a:lnRef>
+          <a:fillRef idx="0">
+            <a:scrgbClr r="0" g="0" b="0"/>
+          </a:fillRef>
+          <a:effectRef idx="0">
+            <a:scrgbClr r="0" g="0" b="0"/>
+          </a:effectRef>
+          <a:fontRef idx="minor">
+            <a:schemeClr val="lt1"/>
+          </a:fontRef>
+        </p:style>
+        <p:txBody>
+          <a:bodyPr rtlCol="0" anchor="ctr"/>
+          <a:lstStyle/>
+          <a:p>
+            <a:pPr algn="ctr"/>
+            <a:endParaRPr lang="en-US"/>
+          </a:p>
+        </p:txBody>
+      </p:sp>
+      <p:sp>
+        <p:nvSpPr>
+          <p:cNvPr id="22" name="Hình Bầu dục 21">
+            <a:extLst>
+              <a:ext uri="{FF2B5EF4-FFF2-40B4-BE49-F238E27FC236}">
+                <a16:creationId xmlns:a16="http://schemas.microsoft.com/office/drawing/2014/main" id="{22EFA54D-1392-DBE2-04BF-89DB86AA8FB7}"/>
+              </a:ext>
+            </a:extLst>
+          </p:cNvPr>
+          <p:cNvSpPr/>
+          <p:nvPr/>
+        </p:nvSpPr>
+        <p:spPr>
+          <a:xfrm>
+            <a:off x="6677618" y="2358040"/>
+            <a:ext cx="182880" cy="182880"/>
+          </a:xfrm>
+          <a:prstGeom prst="ellipse">
+            <a:avLst/>
+          </a:prstGeom>
+          <a:solidFill>
+            <a:schemeClr val="tx1">
+              <a:lumMod val="50000"/>
+              <a:lumOff val="50000"/>
+            </a:schemeClr>
+          </a:solidFill>
+          <a:ln>
+            <a:noFill/>
+          </a:ln>
+        </p:spPr>
+        <p:style>
+          <a:lnRef idx="0">
+            <a:scrgbClr r="0" g="0" b="0"/>
+          </a:lnRef>
+          <a:fillRef idx="0">
+            <a:scrgbClr r="0" g="0" b="0"/>
+          </a:fillRef>
+          <a:effectRef idx="0">
+            <a:scrgbClr r="0" g="0" b="0"/>
+          </a:effectRef>
+          <a:fontRef idx="minor">
+            <a:schemeClr val="lt1"/>
+          </a:fontRef>
+        </p:style>
+        <p:txBody>
+          <a:bodyPr rtlCol="0" anchor="ctr"/>
+          <a:lstStyle/>
+          <a:p>
+            <a:pPr algn="ctr"/>
+            <a:endParaRPr lang="en-US"/>
+          </a:p>
+        </p:txBody>
+      </p:sp>
+      <p:cxnSp>
+        <p:nvCxnSpPr>
+          <p:cNvPr id="25" name="Đường nối Thẳng 24">
+            <a:extLst>
+              <a:ext uri="{FF2B5EF4-FFF2-40B4-BE49-F238E27FC236}">
+                <a16:creationId xmlns:a16="http://schemas.microsoft.com/office/drawing/2014/main" id="{2657C25E-6372-4E92-112B-3B90D28C36EF}"/>
+              </a:ext>
+            </a:extLst>
+          </p:cNvPr>
+          <p:cNvCxnSpPr>
+            <a:cxnSpLocks/>
+            <a:stCxn id="14" idx="7"/>
+          </p:cNvCxnSpPr>
+          <p:nvPr/>
+        </p:nvCxnSpPr>
+        <p:spPr>
+          <a:xfrm flipV="1">
+            <a:off x="6025072" y="2301577"/>
+            <a:ext cx="615758" cy="419017"/>
+          </a:xfrm>
+          <a:prstGeom prst="line">
+            <a:avLst/>
+          </a:prstGeom>
+          <a:ln>
+            <a:prstDash val="dash"/>
+          </a:ln>
+        </p:spPr>
+        <p:style>
+          <a:lnRef idx="1">
+            <a:schemeClr val="accent1"/>
+          </a:lnRef>
+          <a:fillRef idx="0">
+            <a:schemeClr val="accent1"/>
+          </a:fillRef>
+          <a:effectRef idx="0">
+            <a:schemeClr val="accent1"/>
+          </a:effectRef>
+          <a:fontRef idx="minor">
+            <a:schemeClr val="tx1"/>
+          </a:fontRef>
+        </p:style>
+      </p:cxnSp>
+      <p:cxnSp>
+        <p:nvCxnSpPr>
+          <p:cNvPr id="30" name="Đường nối Thẳng 29">
+            <a:extLst>
+              <a:ext uri="{FF2B5EF4-FFF2-40B4-BE49-F238E27FC236}">
+                <a16:creationId xmlns:a16="http://schemas.microsoft.com/office/drawing/2014/main" id="{333D3202-B774-2B99-1A4A-CE60E7719F73}"/>
+              </a:ext>
+            </a:extLst>
+          </p:cNvPr>
+          <p:cNvCxnSpPr>
+            <a:cxnSpLocks/>
+            <a:stCxn id="14" idx="4"/>
+          </p:cNvCxnSpPr>
+          <p:nvPr/>
+        </p:nvCxnSpPr>
+        <p:spPr>
+          <a:xfrm>
+            <a:off x="5992743" y="2798643"/>
+            <a:ext cx="0" cy="1623456"/>
+          </a:xfrm>
+          <a:prstGeom prst="line">
+            <a:avLst/>
+          </a:prstGeom>
+          <a:ln>
+            <a:prstDash val="dash"/>
+          </a:ln>
+        </p:spPr>
+        <p:style>
+          <a:lnRef idx="1">
+            <a:schemeClr val="accent1"/>
+          </a:lnRef>
+          <a:fillRef idx="0">
+            <a:schemeClr val="accent1"/>
+          </a:fillRef>
+          <a:effectRef idx="0">
+            <a:schemeClr val="accent1"/>
+          </a:effectRef>
+          <a:fontRef idx="minor">
+            <a:schemeClr val="tx1"/>
+          </a:fontRef>
+        </p:style>
+      </p:cxnSp>
+      <p:sp>
+        <p:nvSpPr>
+          <p:cNvPr id="35" name="Hộp Văn bản 34">
+            <a:extLst>
+              <a:ext uri="{FF2B5EF4-FFF2-40B4-BE49-F238E27FC236}">
+                <a16:creationId xmlns:a16="http://schemas.microsoft.com/office/drawing/2014/main" id="{DE477ACA-2491-3152-6C89-68ED9D20D36D}"/>
+              </a:ext>
+            </a:extLst>
+          </p:cNvPr>
+          <p:cNvSpPr txBox="1"/>
+          <p:nvPr/>
+        </p:nvSpPr>
+        <p:spPr>
+          <a:xfrm>
+            <a:off x="5849114" y="4342355"/>
+            <a:ext cx="300082" cy="369332"/>
+          </a:xfrm>
+          <a:prstGeom prst="rect">
+            <a:avLst/>
+          </a:prstGeom>
+          <a:noFill/>
+        </p:spPr>
+        <p:txBody>
+          <a:bodyPr wrap="none" rtlCol="0">
+            <a:spAutoFit/>
+          </a:bodyPr>
+          <a:lstStyle/>
+          <a:p>
+            <a:r>
+              <a:rPr lang="en-US" i="1" dirty="0">
+                <a:latin typeface="Times New Roman" panose="02020603050405020304" pitchFamily="18" charset="0"/>
+                <a:cs typeface="Times New Roman" panose="02020603050405020304" pitchFamily="18" charset="0"/>
+              </a:rPr>
+              <a:t>a</a:t>
+            </a:r>
+          </a:p>
+        </p:txBody>
+      </p:sp>
+      <p:sp>
+        <p:nvSpPr>
+          <p:cNvPr id="36" name="Hộp Văn bản 35">
+            <a:extLst>
+              <a:ext uri="{FF2B5EF4-FFF2-40B4-BE49-F238E27FC236}">
+                <a16:creationId xmlns:a16="http://schemas.microsoft.com/office/drawing/2014/main" id="{A94835F8-D953-BE7F-898B-5C7F92749677}"/>
+              </a:ext>
+            </a:extLst>
+          </p:cNvPr>
+          <p:cNvSpPr txBox="1"/>
+          <p:nvPr/>
+        </p:nvSpPr>
+        <p:spPr>
+          <a:xfrm>
+            <a:off x="3660269" y="2568257"/>
+            <a:ext cx="300082" cy="369332"/>
+          </a:xfrm>
+          <a:prstGeom prst="rect">
+            <a:avLst/>
+          </a:prstGeom>
+          <a:noFill/>
+        </p:spPr>
+        <p:txBody>
+          <a:bodyPr wrap="none" rtlCol="0">
+            <a:spAutoFit/>
+          </a:bodyPr>
+          <a:lstStyle/>
+          <a:p>
+            <a:r>
+              <a:rPr lang="en-US" i="1" dirty="0">
+                <a:latin typeface="Times New Roman" panose="02020603050405020304" pitchFamily="18" charset="0"/>
+                <a:cs typeface="Times New Roman" panose="02020603050405020304" pitchFamily="18" charset="0"/>
+              </a:rPr>
+              <a:t>b</a:t>
+            </a:r>
+          </a:p>
+        </p:txBody>
+      </p:sp>
+      <p:sp>
+        <p:nvSpPr>
+          <p:cNvPr id="37" name="Hộp Văn bản 36">
+            <a:extLst>
+              <a:ext uri="{FF2B5EF4-FFF2-40B4-BE49-F238E27FC236}">
+                <a16:creationId xmlns:a16="http://schemas.microsoft.com/office/drawing/2014/main" id="{E84A616B-48DF-FC29-F92A-FCC68892D9A2}"/>
+              </a:ext>
+            </a:extLst>
+          </p:cNvPr>
+          <p:cNvSpPr txBox="1"/>
+          <p:nvPr/>
+        </p:nvSpPr>
+        <p:spPr>
+          <a:xfrm>
+            <a:off x="6057911" y="2178250"/>
+            <a:ext cx="274434" cy="369332"/>
+          </a:xfrm>
+          <a:prstGeom prst="rect">
+            <a:avLst/>
+          </a:prstGeom>
+          <a:noFill/>
+        </p:spPr>
+        <p:txBody>
+          <a:bodyPr wrap="none" rtlCol="0">
+            <a:spAutoFit/>
+          </a:bodyPr>
+          <a:lstStyle/>
+          <a:p>
+            <a:r>
+              <a:rPr lang="en-US" i="1" dirty="0">
+                <a:latin typeface="Times New Roman" panose="02020603050405020304" pitchFamily="18" charset="0"/>
+                <a:cs typeface="Times New Roman" panose="02020603050405020304" pitchFamily="18" charset="0"/>
+              </a:rPr>
+              <a:t>r</a:t>
+            </a:r>
+          </a:p>
+        </p:txBody>
+      </p:sp>
+      <p:sp>
+        <p:nvSpPr>
+          <p:cNvPr id="38" name="Hộp Văn bản 37">
+            <a:extLst>
+              <a:ext uri="{FF2B5EF4-FFF2-40B4-BE49-F238E27FC236}">
+                <a16:creationId xmlns:a16="http://schemas.microsoft.com/office/drawing/2014/main" id="{F87406BA-F533-45B3-2413-BAA210129CE3}"/>
+              </a:ext>
+            </a:extLst>
+          </p:cNvPr>
+          <p:cNvSpPr txBox="1"/>
+          <p:nvPr/>
+        </p:nvSpPr>
+        <p:spPr>
+          <a:xfrm>
+            <a:off x="7946068" y="4342355"/>
+            <a:ext cx="287258" cy="369332"/>
+          </a:xfrm>
+          <a:prstGeom prst="rect">
+            <a:avLst/>
+          </a:prstGeom>
+          <a:noFill/>
+        </p:spPr>
+        <p:txBody>
+          <a:bodyPr wrap="none" rtlCol="0">
+            <a:spAutoFit/>
+          </a:bodyPr>
+          <a:lstStyle/>
+          <a:p>
+            <a:r>
+              <a:rPr lang="en-US" i="1" dirty="0">
+                <a:latin typeface="Times New Roman" panose="02020603050405020304" pitchFamily="18" charset="0"/>
+                <a:cs typeface="Times New Roman" panose="02020603050405020304" pitchFamily="18" charset="0"/>
+              </a:rPr>
+              <a:t>x</a:t>
+            </a:r>
+          </a:p>
+        </p:txBody>
+      </p:sp>
+      <p:sp>
+        <p:nvSpPr>
+          <p:cNvPr id="39" name="Hộp Văn bản 38">
+            <a:extLst>
+              <a:ext uri="{FF2B5EF4-FFF2-40B4-BE49-F238E27FC236}">
+                <a16:creationId xmlns:a16="http://schemas.microsoft.com/office/drawing/2014/main" id="{F62B8FF7-7954-68C8-DCA8-93C1549B65BF}"/>
+              </a:ext>
+            </a:extLst>
+          </p:cNvPr>
+          <p:cNvSpPr txBox="1"/>
+          <p:nvPr/>
+        </p:nvSpPr>
+        <p:spPr>
+          <a:xfrm>
+            <a:off x="3660269" y="1054705"/>
+            <a:ext cx="287258" cy="369332"/>
+          </a:xfrm>
+          <a:prstGeom prst="rect">
+            <a:avLst/>
+          </a:prstGeom>
+          <a:noFill/>
+        </p:spPr>
+        <p:txBody>
+          <a:bodyPr wrap="none" rtlCol="0">
+            <a:spAutoFit/>
+          </a:bodyPr>
+          <a:lstStyle/>
+          <a:p>
+            <a:r>
+              <a:rPr lang="en-US" i="1" dirty="0">
+                <a:latin typeface="Times New Roman" panose="02020603050405020304" pitchFamily="18" charset="0"/>
+                <a:cs typeface="Times New Roman" panose="02020603050405020304" pitchFamily="18" charset="0"/>
+              </a:rPr>
+              <a:t>y</a:t>
+            </a:r>
+          </a:p>
+        </p:txBody>
+      </p:sp>
+    </p:spTree>
+    <p:extLst>
+      <p:ext uri="{BB962C8B-B14F-4D97-AF65-F5344CB8AC3E}">
+        <p14:creationId xmlns:p14="http://schemas.microsoft.com/office/powerpoint/2010/main" val="3874839643"/>
+      </p:ext>
+    </p:extLst>
+  </p:cSld>
+  <p:clrMapOvr>
+    <a:masterClrMapping/>
+  </p:clrMapOvr>
+</p:sld>
+</file>
+
+<file path=ppt/slides/slide12.xml><?xml version="1.0" encoding="utf-8"?>
+<p:sld xmlns:a="http://schemas.openxmlformats.org/drawingml/2006/main" xmlns:r="http://schemas.openxmlformats.org/officeDocument/2006/relationships" xmlns:p="http://schemas.openxmlformats.org/presentationml/2006/main">
+  <p:cSld>
+    <p:spTree>
+      <p:nvGrpSpPr>
+        <p:cNvPr id="1" name=""/>
+        <p:cNvGrpSpPr/>
+        <p:nvPr/>
+      </p:nvGrpSpPr>
+      <p:grpSpPr>
+        <a:xfrm>
+          <a:off x="0" y="0"/>
+          <a:ext cx="0" cy="0"/>
+          <a:chOff x="0" y="0"/>
+          <a:chExt cx="0" cy="0"/>
+        </a:xfrm>
+      </p:grpSpPr>
+      <p:sp>
+        <p:nvSpPr>
+          <p:cNvPr id="13" name="Hình Bầu dục 12">
+            <a:extLst>
+              <a:ext uri="{FF2B5EF4-FFF2-40B4-BE49-F238E27FC236}">
+                <a16:creationId xmlns:a16="http://schemas.microsoft.com/office/drawing/2014/main" id="{D8F8A41F-DEB9-EF60-9842-4254A994F71A}"/>
+              </a:ext>
+            </a:extLst>
+          </p:cNvPr>
+          <p:cNvSpPr/>
+          <p:nvPr/>
+        </p:nvSpPr>
+        <p:spPr>
+          <a:xfrm>
+            <a:off x="2212272" y="2743308"/>
+            <a:ext cx="1581912" cy="1578406"/>
+          </a:xfrm>
+          <a:prstGeom prst="ellipse">
+            <a:avLst/>
+          </a:prstGeom>
+          <a:noFill/>
+          <a:ln w="9525" cap="flat" cmpd="sng" algn="ctr">
+            <a:solidFill>
+              <a:schemeClr val="dk1"/>
+            </a:solidFill>
+            <a:prstDash val="sysDash"/>
+            <a:round/>
+            <a:headEnd type="none" w="med" len="med"/>
+            <a:tailEnd type="none" w="med" len="med"/>
+          </a:ln>
+        </p:spPr>
+        <p:style>
+          <a:lnRef idx="0">
+            <a:scrgbClr r="0" g="0" b="0"/>
+          </a:lnRef>
+          <a:fillRef idx="0">
+            <a:scrgbClr r="0" g="0" b="0"/>
+          </a:fillRef>
+          <a:effectRef idx="0">
+            <a:scrgbClr r="0" g="0" b="0"/>
+          </a:effectRef>
+          <a:fontRef idx="minor">
+            <a:schemeClr val="dk1"/>
+          </a:fontRef>
+        </p:style>
+        <p:txBody>
+          <a:bodyPr rtlCol="0" anchor="ctr"/>
+          <a:lstStyle/>
+          <a:p>
+            <a:pPr algn="ctr"/>
+            <a:endParaRPr lang="en-US"/>
+          </a:p>
+        </p:txBody>
+      </p:sp>
+      <p:sp>
+        <p:nvSpPr>
+          <p:cNvPr id="2" name="Tiêu đề 1">
+            <a:extLst>
+              <a:ext uri="{FF2B5EF4-FFF2-40B4-BE49-F238E27FC236}">
+                <a16:creationId xmlns:a16="http://schemas.microsoft.com/office/drawing/2014/main" id="{1ACB6B59-C766-12AD-6C0F-E0C1A915CDC3}"/>
+              </a:ext>
+            </a:extLst>
+          </p:cNvPr>
+          <p:cNvSpPr>
+            <a:spLocks noGrp="1"/>
+          </p:cNvSpPr>
+          <p:nvPr>
+            <p:ph type="title"/>
+          </p:nvPr>
+        </p:nvSpPr>
+        <p:spPr/>
+        <p:txBody>
+          <a:bodyPr/>
+          <a:lstStyle/>
+          <a:p>
+            <a:r>
+              <a:rPr lang="en-US" sz="2670" i="0" dirty="0">
+                <a:solidFill>
+                  <a:srgbClr val="000000"/>
+                </a:solidFill>
+                <a:effectLst/>
+              </a:rPr>
+              <a:t>Hough Transform: Circle Detection</a:t>
+            </a:r>
+            <a:endParaRPr lang="en-US" sz="2670" dirty="0"/>
+          </a:p>
+        </p:txBody>
+      </p:sp>
+      <p:sp>
+        <p:nvSpPr>
+          <p:cNvPr id="77" name="Hình Bầu dục 76">
+            <a:extLst>
+              <a:ext uri="{FF2B5EF4-FFF2-40B4-BE49-F238E27FC236}">
+                <a16:creationId xmlns:a16="http://schemas.microsoft.com/office/drawing/2014/main" id="{DBFEEE68-374C-332D-189D-4675EDE715A8}"/>
+              </a:ext>
+            </a:extLst>
+          </p:cNvPr>
+          <p:cNvSpPr/>
+          <p:nvPr/>
+        </p:nvSpPr>
+        <p:spPr>
+          <a:xfrm>
+            <a:off x="2218419" y="2744275"/>
+            <a:ext cx="1581912" cy="1578406"/>
+          </a:xfrm>
+          <a:prstGeom prst="ellipse">
+            <a:avLst/>
+          </a:prstGeom>
+          <a:noFill/>
+          <a:ln w="28575" cap="flat" cmpd="sng" algn="ctr">
+            <a:solidFill>
+              <a:schemeClr val="accent6"/>
+            </a:solidFill>
+            <a:prstDash val="solid"/>
+            <a:round/>
+            <a:headEnd type="none" w="med" len="med"/>
+            <a:tailEnd type="none" w="med" len="med"/>
+          </a:ln>
+        </p:spPr>
+        <p:style>
+          <a:lnRef idx="0">
+            <a:scrgbClr r="0" g="0" b="0"/>
+          </a:lnRef>
+          <a:fillRef idx="0">
+            <a:scrgbClr r="0" g="0" b="0"/>
+          </a:fillRef>
+          <a:effectRef idx="0">
+            <a:scrgbClr r="0" g="0" b="0"/>
+          </a:effectRef>
+          <a:fontRef idx="minor">
+            <a:schemeClr val="accent6"/>
+          </a:fontRef>
+        </p:style>
+        <p:txBody>
+          <a:bodyPr rtlCol="0" anchor="ctr"/>
+          <a:lstStyle/>
+          <a:p>
+            <a:pPr algn="ctr"/>
+            <a:endParaRPr lang="en-US"/>
+          </a:p>
+        </p:txBody>
+      </p:sp>
+      <p:sp>
+        <p:nvSpPr>
+          <p:cNvPr id="6" name="Hộp Văn bản 5">
+            <a:extLst>
+              <a:ext uri="{FF2B5EF4-FFF2-40B4-BE49-F238E27FC236}">
+                <a16:creationId xmlns:a16="http://schemas.microsoft.com/office/drawing/2014/main" id="{831971B8-B012-5195-23DF-F0EFAA07986B}"/>
+              </a:ext>
+            </a:extLst>
+          </p:cNvPr>
+          <p:cNvSpPr txBox="1"/>
+          <p:nvPr/>
+        </p:nvSpPr>
+        <p:spPr>
+          <a:xfrm>
+            <a:off x="334835" y="720349"/>
+            <a:ext cx="1877437" cy="369332"/>
+          </a:xfrm>
+          <a:prstGeom prst="rect">
+            <a:avLst/>
+          </a:prstGeom>
+          <a:noFill/>
+        </p:spPr>
+        <p:txBody>
+          <a:bodyPr wrap="none" rtlCol="0">
+            <a:spAutoFit/>
+          </a:bodyPr>
+          <a:lstStyle/>
+          <a:p>
+            <a:r>
+              <a:rPr lang="en-US" dirty="0">
+                <a:latin typeface="Times New Roman" panose="02020603050405020304" pitchFamily="18" charset="0"/>
+                <a:cs typeface="Times New Roman" panose="02020603050405020304" pitchFamily="18" charset="0"/>
+              </a:rPr>
+              <a:t>If radius r is know</a:t>
+            </a:r>
+          </a:p>
+        </p:txBody>
+      </p:sp>
+      <p:cxnSp>
+        <p:nvCxnSpPr>
+          <p:cNvPr id="8" name="Đường kết nối Mũi tên Thẳng 7">
+            <a:extLst>
+              <a:ext uri="{FF2B5EF4-FFF2-40B4-BE49-F238E27FC236}">
+                <a16:creationId xmlns:a16="http://schemas.microsoft.com/office/drawing/2014/main" id="{AC343AD6-F99C-0AE2-F1F8-FF98219609B0}"/>
+              </a:ext>
+            </a:extLst>
+          </p:cNvPr>
+          <p:cNvCxnSpPr/>
+          <p:nvPr/>
+        </p:nvCxnSpPr>
+        <p:spPr>
+          <a:xfrm flipV="1">
+            <a:off x="1041816" y="1956216"/>
+            <a:ext cx="0" cy="3237876"/>
+          </a:xfrm>
+          <a:prstGeom prst="straightConnector1">
+            <a:avLst/>
+          </a:prstGeom>
+          <a:ln w="19050">
+            <a:tailEnd type="triangle"/>
+          </a:ln>
+        </p:spPr>
+        <p:style>
+          <a:lnRef idx="1">
+            <a:schemeClr val="accent1"/>
+          </a:lnRef>
+          <a:fillRef idx="0">
+            <a:schemeClr val="accent1"/>
+          </a:fillRef>
+          <a:effectRef idx="0">
+            <a:schemeClr val="accent1"/>
+          </a:effectRef>
+          <a:fontRef idx="minor">
+            <a:schemeClr val="tx1"/>
+          </a:fontRef>
+        </p:style>
+      </p:cxnSp>
+      <p:cxnSp>
+        <p:nvCxnSpPr>
+          <p:cNvPr id="9" name="Đường kết nối Mũi tên Thẳng 8">
+            <a:extLst>
+              <a:ext uri="{FF2B5EF4-FFF2-40B4-BE49-F238E27FC236}">
+                <a16:creationId xmlns:a16="http://schemas.microsoft.com/office/drawing/2014/main" id="{3FA75722-C154-11E1-9656-F4C89D541B08}"/>
+              </a:ext>
+            </a:extLst>
+          </p:cNvPr>
+          <p:cNvCxnSpPr>
+            <a:cxnSpLocks/>
+          </p:cNvCxnSpPr>
+          <p:nvPr/>
+        </p:nvCxnSpPr>
+        <p:spPr>
+          <a:xfrm>
+            <a:off x="1041816" y="5194092"/>
+            <a:ext cx="4137286" cy="0"/>
+          </a:xfrm>
+          <a:prstGeom prst="straightConnector1">
+            <a:avLst/>
+          </a:prstGeom>
+          <a:ln w="19050">
+            <a:tailEnd type="triangle"/>
+          </a:ln>
+        </p:spPr>
+        <p:style>
+          <a:lnRef idx="1">
+            <a:schemeClr val="accent1"/>
+          </a:lnRef>
+          <a:fillRef idx="0">
+            <a:schemeClr val="accent1"/>
+          </a:fillRef>
+          <a:effectRef idx="0">
+            <a:schemeClr val="accent1"/>
+          </a:effectRef>
+          <a:fontRef idx="minor">
+            <a:schemeClr val="tx1"/>
+          </a:fontRef>
+        </p:style>
+      </p:cxnSp>
+      <p:cxnSp>
+        <p:nvCxnSpPr>
+          <p:cNvPr id="11" name="Đường kết nối Mũi tên Thẳng 10">
+            <a:extLst>
+              <a:ext uri="{FF2B5EF4-FFF2-40B4-BE49-F238E27FC236}">
+                <a16:creationId xmlns:a16="http://schemas.microsoft.com/office/drawing/2014/main" id="{F0F0B98D-BDD9-E134-80A6-53AEABDBA74B}"/>
+              </a:ext>
+            </a:extLst>
+          </p:cNvPr>
+          <p:cNvCxnSpPr/>
+          <p:nvPr/>
+        </p:nvCxnSpPr>
+        <p:spPr>
+          <a:xfrm flipV="1">
+            <a:off x="6708098" y="1956216"/>
+            <a:ext cx="0" cy="3237876"/>
+          </a:xfrm>
+          <a:prstGeom prst="straightConnector1">
+            <a:avLst/>
+          </a:prstGeom>
+          <a:ln w="19050">
+            <a:tailEnd type="triangle"/>
+          </a:ln>
+        </p:spPr>
+        <p:style>
+          <a:lnRef idx="1">
+            <a:schemeClr val="accent1"/>
+          </a:lnRef>
+          <a:fillRef idx="0">
+            <a:schemeClr val="accent1"/>
+          </a:fillRef>
+          <a:effectRef idx="0">
+            <a:schemeClr val="accent1"/>
+          </a:effectRef>
+          <a:fontRef idx="minor">
+            <a:schemeClr val="tx1"/>
+          </a:fontRef>
+        </p:style>
+      </p:cxnSp>
+      <p:cxnSp>
+        <p:nvCxnSpPr>
+          <p:cNvPr id="12" name="Đường kết nối Mũi tên Thẳng 11">
+            <a:extLst>
+              <a:ext uri="{FF2B5EF4-FFF2-40B4-BE49-F238E27FC236}">
+                <a16:creationId xmlns:a16="http://schemas.microsoft.com/office/drawing/2014/main" id="{04750D94-F7B4-05DC-4D30-40860F4CA60A}"/>
+              </a:ext>
+            </a:extLst>
+          </p:cNvPr>
+          <p:cNvCxnSpPr>
+            <a:cxnSpLocks/>
+          </p:cNvCxnSpPr>
+          <p:nvPr/>
+        </p:nvCxnSpPr>
+        <p:spPr>
+          <a:xfrm>
+            <a:off x="6708098" y="5194092"/>
+            <a:ext cx="4137286" cy="0"/>
+          </a:xfrm>
+          <a:prstGeom prst="straightConnector1">
+            <a:avLst/>
+          </a:prstGeom>
+          <a:ln w="19050">
+            <a:tailEnd type="triangle"/>
+          </a:ln>
+        </p:spPr>
+        <p:style>
+          <a:lnRef idx="1">
+            <a:schemeClr val="accent1"/>
+          </a:lnRef>
+          <a:fillRef idx="0">
+            <a:schemeClr val="accent1"/>
+          </a:fillRef>
+          <a:effectRef idx="0">
+            <a:schemeClr val="accent1"/>
+          </a:effectRef>
+          <a:fontRef idx="minor">
+            <a:schemeClr val="tx1"/>
+          </a:fontRef>
+        </p:style>
+      </p:cxnSp>
+      <p:sp>
+        <p:nvSpPr>
+          <p:cNvPr id="14" name="Hình Bầu dục 13">
+            <a:extLst>
+              <a:ext uri="{FF2B5EF4-FFF2-40B4-BE49-F238E27FC236}">
+                <a16:creationId xmlns:a16="http://schemas.microsoft.com/office/drawing/2014/main" id="{5ACF930E-4FCC-FE8F-3118-CA26A745900B}"/>
+              </a:ext>
+            </a:extLst>
+          </p:cNvPr>
+          <p:cNvSpPr/>
+          <p:nvPr/>
+        </p:nvSpPr>
+        <p:spPr>
+          <a:xfrm>
+            <a:off x="3625071" y="3752899"/>
+            <a:ext cx="182880" cy="182880"/>
+          </a:xfrm>
+          <a:prstGeom prst="ellipse">
+            <a:avLst/>
+          </a:prstGeom>
+        </p:spPr>
+        <p:style>
+          <a:lnRef idx="2">
+            <a:schemeClr val="accent1">
+              <a:shade val="15000"/>
+            </a:schemeClr>
+          </a:lnRef>
+          <a:fillRef idx="1">
+            <a:schemeClr val="accent1"/>
+          </a:fillRef>
+          <a:effectRef idx="0">
+            <a:schemeClr val="accent1"/>
+          </a:effectRef>
+          <a:fontRef idx="minor">
+            <a:schemeClr val="lt1"/>
+          </a:fontRef>
+        </p:style>
+        <p:txBody>
+          <a:bodyPr rtlCol="0" anchor="ctr"/>
+          <a:lstStyle/>
+          <a:p>
+            <a:pPr algn="ctr"/>
+            <a:endParaRPr lang="en-US"/>
+          </a:p>
+        </p:txBody>
+      </p:sp>
+      <p:sp>
+        <p:nvSpPr>
+          <p:cNvPr id="15" name="Hình Bầu dục 14">
+            <a:extLst>
+              <a:ext uri="{FF2B5EF4-FFF2-40B4-BE49-F238E27FC236}">
+                <a16:creationId xmlns:a16="http://schemas.microsoft.com/office/drawing/2014/main" id="{F73A7F42-FFA3-C365-74B7-86D7F23E554A}"/>
+              </a:ext>
+            </a:extLst>
+          </p:cNvPr>
+          <p:cNvSpPr/>
+          <p:nvPr/>
+        </p:nvSpPr>
+        <p:spPr>
+          <a:xfrm>
+            <a:off x="2226039" y="2982130"/>
+            <a:ext cx="182880" cy="182880"/>
+          </a:xfrm>
+          <a:prstGeom prst="ellipse">
+            <a:avLst/>
+          </a:prstGeom>
+          <a:solidFill>
+            <a:schemeClr val="tx1">
+              <a:lumMod val="50000"/>
+              <a:lumOff val="50000"/>
+            </a:schemeClr>
+          </a:solidFill>
+          <a:ln>
+            <a:noFill/>
+          </a:ln>
+        </p:spPr>
+        <p:style>
+          <a:lnRef idx="0">
+            <a:scrgbClr r="0" g="0" b="0"/>
+          </a:lnRef>
+          <a:fillRef idx="0">
+            <a:scrgbClr r="0" g="0" b="0"/>
+          </a:fillRef>
+          <a:effectRef idx="0">
+            <a:scrgbClr r="0" g="0" b="0"/>
+          </a:effectRef>
+          <a:fontRef idx="minor">
+            <a:schemeClr val="lt1"/>
+          </a:fontRef>
+        </p:style>
+        <p:txBody>
+          <a:bodyPr rtlCol="0" anchor="ctr"/>
+          <a:lstStyle/>
+          <a:p>
+            <a:pPr algn="ctr"/>
+            <a:endParaRPr lang="en-US"/>
+          </a:p>
+        </p:txBody>
+      </p:sp>
+      <p:sp>
+        <p:nvSpPr>
+          <p:cNvPr id="16" name="Hình Bầu dục 15">
+            <a:extLst>
+              <a:ext uri="{FF2B5EF4-FFF2-40B4-BE49-F238E27FC236}">
+                <a16:creationId xmlns:a16="http://schemas.microsoft.com/office/drawing/2014/main" id="{1956896A-0ECA-1285-6020-98D5302FAFCD}"/>
+              </a:ext>
+            </a:extLst>
+          </p:cNvPr>
+          <p:cNvSpPr/>
+          <p:nvPr/>
+        </p:nvSpPr>
+        <p:spPr>
+          <a:xfrm>
+            <a:off x="2134599" y="3356618"/>
+            <a:ext cx="182880" cy="182880"/>
+          </a:xfrm>
+          <a:prstGeom prst="ellipse">
+            <a:avLst/>
+          </a:prstGeom>
+          <a:solidFill>
+            <a:schemeClr val="tx1">
+              <a:lumMod val="50000"/>
+              <a:lumOff val="50000"/>
+            </a:schemeClr>
+          </a:solidFill>
+          <a:ln>
+            <a:noFill/>
+          </a:ln>
+        </p:spPr>
+        <p:style>
+          <a:lnRef idx="0">
+            <a:scrgbClr r="0" g="0" b="0"/>
+          </a:lnRef>
+          <a:fillRef idx="0">
+            <a:scrgbClr r="0" g="0" b="0"/>
+          </a:fillRef>
+          <a:effectRef idx="0">
+            <a:scrgbClr r="0" g="0" b="0"/>
+          </a:effectRef>
+          <a:fontRef idx="minor">
+            <a:schemeClr val="lt1"/>
+          </a:fontRef>
+        </p:style>
+        <p:txBody>
+          <a:bodyPr rtlCol="0" anchor="ctr"/>
+          <a:lstStyle/>
+          <a:p>
+            <a:pPr algn="ctr"/>
+            <a:endParaRPr lang="en-US"/>
+          </a:p>
+        </p:txBody>
+      </p:sp>
+      <p:sp>
+        <p:nvSpPr>
+          <p:cNvPr id="17" name="Hình Bầu dục 16">
+            <a:extLst>
+              <a:ext uri="{FF2B5EF4-FFF2-40B4-BE49-F238E27FC236}">
+                <a16:creationId xmlns:a16="http://schemas.microsoft.com/office/drawing/2014/main" id="{E6AA6094-F34A-59C0-29C9-61B0CEF18A5A}"/>
+              </a:ext>
+            </a:extLst>
+          </p:cNvPr>
+          <p:cNvSpPr/>
+          <p:nvPr/>
+        </p:nvSpPr>
+        <p:spPr>
+          <a:xfrm>
+            <a:off x="2257969" y="3905230"/>
+            <a:ext cx="182880" cy="182880"/>
+          </a:xfrm>
+          <a:prstGeom prst="ellipse">
+            <a:avLst/>
+          </a:prstGeom>
+          <a:solidFill>
+            <a:schemeClr val="tx1">
+              <a:lumMod val="50000"/>
+              <a:lumOff val="50000"/>
+            </a:schemeClr>
+          </a:solidFill>
+          <a:ln>
+            <a:noFill/>
+          </a:ln>
+        </p:spPr>
+        <p:style>
+          <a:lnRef idx="0">
+            <a:scrgbClr r="0" g="0" b="0"/>
+          </a:lnRef>
+          <a:fillRef idx="0">
+            <a:scrgbClr r="0" g="0" b="0"/>
+          </a:fillRef>
+          <a:effectRef idx="0">
+            <a:scrgbClr r="0" g="0" b="0"/>
+          </a:effectRef>
+          <a:fontRef idx="minor">
+            <a:schemeClr val="lt1"/>
+          </a:fontRef>
+        </p:style>
+        <p:txBody>
+          <a:bodyPr rtlCol="0" anchor="ctr"/>
+          <a:lstStyle/>
+          <a:p>
+            <a:pPr algn="ctr"/>
+            <a:endParaRPr lang="en-US"/>
+          </a:p>
+        </p:txBody>
+      </p:sp>
+      <p:sp>
+        <p:nvSpPr>
+          <p:cNvPr id="18" name="Hình Bầu dục 17">
+            <a:extLst>
+              <a:ext uri="{FF2B5EF4-FFF2-40B4-BE49-F238E27FC236}">
+                <a16:creationId xmlns:a16="http://schemas.microsoft.com/office/drawing/2014/main" id="{C3923E16-4038-96D3-5284-EF311290CC09}"/>
+              </a:ext>
+            </a:extLst>
+          </p:cNvPr>
+          <p:cNvSpPr/>
+          <p:nvPr/>
+        </p:nvSpPr>
+        <p:spPr>
+          <a:xfrm>
+            <a:off x="2702977" y="4222679"/>
+            <a:ext cx="182880" cy="182880"/>
+          </a:xfrm>
+          <a:prstGeom prst="ellipse">
+            <a:avLst/>
+          </a:prstGeom>
+          <a:solidFill>
+            <a:schemeClr val="tx1">
+              <a:lumMod val="50000"/>
+              <a:lumOff val="50000"/>
+            </a:schemeClr>
+          </a:solidFill>
+          <a:ln>
+            <a:noFill/>
+          </a:ln>
+        </p:spPr>
+        <p:style>
+          <a:lnRef idx="0">
+            <a:scrgbClr r="0" g="0" b="0"/>
+          </a:lnRef>
+          <a:fillRef idx="0">
+            <a:scrgbClr r="0" g="0" b="0"/>
+          </a:fillRef>
+          <a:effectRef idx="0">
+            <a:scrgbClr r="0" g="0" b="0"/>
+          </a:effectRef>
+          <a:fontRef idx="minor">
+            <a:schemeClr val="lt1"/>
+          </a:fontRef>
+        </p:style>
+        <p:txBody>
+          <a:bodyPr rtlCol="0" anchor="ctr"/>
+          <a:lstStyle/>
+          <a:p>
+            <a:pPr algn="ctr"/>
+            <a:endParaRPr lang="en-US"/>
+          </a:p>
+        </p:txBody>
+      </p:sp>
+      <p:sp>
+        <p:nvSpPr>
+          <p:cNvPr id="19" name="Hình Bầu dục 18">
+            <a:extLst>
+              <a:ext uri="{FF2B5EF4-FFF2-40B4-BE49-F238E27FC236}">
+                <a16:creationId xmlns:a16="http://schemas.microsoft.com/office/drawing/2014/main" id="{392212C2-6A13-163D-8808-56BF29E15052}"/>
+              </a:ext>
+            </a:extLst>
+          </p:cNvPr>
+          <p:cNvSpPr/>
+          <p:nvPr/>
+        </p:nvSpPr>
+        <p:spPr>
+          <a:xfrm>
+            <a:off x="3255464" y="4176959"/>
+            <a:ext cx="182880" cy="182880"/>
+          </a:xfrm>
+          <a:prstGeom prst="ellipse">
+            <a:avLst/>
+          </a:prstGeom>
+          <a:solidFill>
+            <a:schemeClr val="tx1">
+              <a:lumMod val="50000"/>
+              <a:lumOff val="50000"/>
+            </a:schemeClr>
+          </a:solidFill>
+          <a:ln>
+            <a:noFill/>
+          </a:ln>
+        </p:spPr>
+        <p:style>
+          <a:lnRef idx="0">
+            <a:scrgbClr r="0" g="0" b="0"/>
+          </a:lnRef>
+          <a:fillRef idx="0">
+            <a:scrgbClr r="0" g="0" b="0"/>
+          </a:fillRef>
+          <a:effectRef idx="0">
+            <a:scrgbClr r="0" g="0" b="0"/>
+          </a:effectRef>
+          <a:fontRef idx="minor">
+            <a:schemeClr val="lt1"/>
+          </a:fontRef>
+        </p:style>
+        <p:txBody>
+          <a:bodyPr rtlCol="0" anchor="ctr"/>
+          <a:lstStyle/>
+          <a:p>
+            <a:pPr algn="ctr"/>
+            <a:endParaRPr lang="en-US"/>
+          </a:p>
+        </p:txBody>
+      </p:sp>
+      <p:sp>
+        <p:nvSpPr>
+          <p:cNvPr id="20" name="Hình Bầu dục 19">
+            <a:extLst>
+              <a:ext uri="{FF2B5EF4-FFF2-40B4-BE49-F238E27FC236}">
+                <a16:creationId xmlns:a16="http://schemas.microsoft.com/office/drawing/2014/main" id="{A790B46B-69DB-CB31-3508-6F2A1B60F103}"/>
+              </a:ext>
+            </a:extLst>
+          </p:cNvPr>
+          <p:cNvSpPr/>
+          <p:nvPr/>
+        </p:nvSpPr>
+        <p:spPr>
+          <a:xfrm>
+            <a:off x="3016995" y="2624594"/>
+            <a:ext cx="182880" cy="182880"/>
+          </a:xfrm>
+          <a:prstGeom prst="ellipse">
+            <a:avLst/>
+          </a:prstGeom>
+          <a:solidFill>
+            <a:schemeClr val="tx1">
+              <a:lumMod val="50000"/>
+              <a:lumOff val="50000"/>
+            </a:schemeClr>
+          </a:solidFill>
+          <a:ln>
+            <a:noFill/>
+          </a:ln>
+        </p:spPr>
+        <p:style>
+          <a:lnRef idx="0">
+            <a:scrgbClr r="0" g="0" b="0"/>
+          </a:lnRef>
+          <a:fillRef idx="0">
+            <a:scrgbClr r="0" g="0" b="0"/>
+          </a:fillRef>
+          <a:effectRef idx="0">
+            <a:scrgbClr r="0" g="0" b="0"/>
+          </a:effectRef>
+          <a:fontRef idx="minor">
+            <a:schemeClr val="lt1"/>
+          </a:fontRef>
+        </p:style>
+        <p:txBody>
+          <a:bodyPr rtlCol="0" anchor="ctr"/>
+          <a:lstStyle/>
+          <a:p>
+            <a:pPr algn="ctr"/>
+            <a:endParaRPr lang="en-US"/>
+          </a:p>
+        </p:txBody>
+      </p:sp>
+      <p:sp>
+        <p:nvSpPr>
+          <p:cNvPr id="21" name="Hình Bầu dục 20">
+            <a:extLst>
+              <a:ext uri="{FF2B5EF4-FFF2-40B4-BE49-F238E27FC236}">
+                <a16:creationId xmlns:a16="http://schemas.microsoft.com/office/drawing/2014/main" id="{D513AC90-EA8F-77D1-3B3D-0600947B6146}"/>
+              </a:ext>
+            </a:extLst>
+          </p:cNvPr>
+          <p:cNvSpPr/>
+          <p:nvPr/>
+        </p:nvSpPr>
+        <p:spPr>
+          <a:xfrm>
+            <a:off x="3346904" y="2735713"/>
+            <a:ext cx="182880" cy="182880"/>
+          </a:xfrm>
+          <a:prstGeom prst="ellipse">
+            <a:avLst/>
+          </a:prstGeom>
+          <a:solidFill>
+            <a:schemeClr val="tx1">
+              <a:lumMod val="50000"/>
+              <a:lumOff val="50000"/>
+            </a:schemeClr>
+          </a:solidFill>
+          <a:ln>
+            <a:noFill/>
+          </a:ln>
+        </p:spPr>
+        <p:style>
+          <a:lnRef idx="0">
+            <a:scrgbClr r="0" g="0" b="0"/>
+          </a:lnRef>
+          <a:fillRef idx="0">
+            <a:scrgbClr r="0" g="0" b="0"/>
+          </a:fillRef>
+          <a:effectRef idx="0">
+            <a:scrgbClr r="0" g="0" b="0"/>
+          </a:effectRef>
+          <a:fontRef idx="minor">
+            <a:schemeClr val="lt1"/>
+          </a:fontRef>
+        </p:style>
+        <p:txBody>
+          <a:bodyPr rtlCol="0" anchor="ctr"/>
+          <a:lstStyle/>
+          <a:p>
+            <a:pPr algn="ctr"/>
+            <a:endParaRPr lang="en-US"/>
+          </a:p>
+        </p:txBody>
+      </p:sp>
+      <p:sp>
+        <p:nvSpPr>
+          <p:cNvPr id="22" name="Hình Bầu dục 21">
+            <a:extLst>
+              <a:ext uri="{FF2B5EF4-FFF2-40B4-BE49-F238E27FC236}">
+                <a16:creationId xmlns:a16="http://schemas.microsoft.com/office/drawing/2014/main" id="{22EFA54D-1392-DBE2-04BF-89DB86AA8FB7}"/>
+              </a:ext>
+            </a:extLst>
+          </p:cNvPr>
+          <p:cNvSpPr/>
+          <p:nvPr/>
+        </p:nvSpPr>
+        <p:spPr>
+          <a:xfrm>
+            <a:off x="3692077" y="3130033"/>
+            <a:ext cx="182880" cy="182880"/>
+          </a:xfrm>
+          <a:prstGeom prst="ellipse">
+            <a:avLst/>
+          </a:prstGeom>
+          <a:solidFill>
+            <a:schemeClr val="tx1">
+              <a:lumMod val="50000"/>
+              <a:lumOff val="50000"/>
+            </a:schemeClr>
+          </a:solidFill>
+          <a:ln>
+            <a:noFill/>
+          </a:ln>
+        </p:spPr>
+        <p:style>
+          <a:lnRef idx="0">
+            <a:scrgbClr r="0" g="0" b="0"/>
+          </a:lnRef>
+          <a:fillRef idx="0">
+            <a:scrgbClr r="0" g="0" b="0"/>
+          </a:fillRef>
+          <a:effectRef idx="0">
+            <a:scrgbClr r="0" g="0" b="0"/>
+          </a:effectRef>
+          <a:fontRef idx="minor">
+            <a:schemeClr val="lt1"/>
+          </a:fontRef>
+        </p:style>
+        <p:txBody>
+          <a:bodyPr rtlCol="0" anchor="ctr"/>
+          <a:lstStyle/>
+          <a:p>
+            <a:pPr algn="ctr"/>
+            <a:endParaRPr lang="en-US"/>
+          </a:p>
+        </p:txBody>
+      </p:sp>
+      <p:sp>
+        <p:nvSpPr>
+          <p:cNvPr id="23" name="Hình Bầu dục 22">
+            <a:extLst>
+              <a:ext uri="{FF2B5EF4-FFF2-40B4-BE49-F238E27FC236}">
+                <a16:creationId xmlns:a16="http://schemas.microsoft.com/office/drawing/2014/main" id="{F8DEFD5F-8CA0-6079-C1F4-616418480311}"/>
+              </a:ext>
+            </a:extLst>
+          </p:cNvPr>
+          <p:cNvSpPr/>
+          <p:nvPr/>
+        </p:nvSpPr>
+        <p:spPr>
+          <a:xfrm>
+            <a:off x="9104625" y="2735713"/>
+            <a:ext cx="1581912" cy="1578406"/>
+          </a:xfrm>
+          <a:prstGeom prst="ellipse">
+            <a:avLst/>
+          </a:prstGeom>
+          <a:noFill/>
+          <a:ln w="12700" cap="flat" cmpd="sng" algn="ctr">
+            <a:solidFill>
+              <a:schemeClr val="accent1"/>
+            </a:solidFill>
+            <a:prstDash val="solid"/>
+            <a:round/>
+            <a:headEnd type="none" w="med" len="med"/>
+            <a:tailEnd type="none" w="med" len="med"/>
+          </a:ln>
+        </p:spPr>
+        <p:style>
+          <a:lnRef idx="0">
+            <a:scrgbClr r="0" g="0" b="0"/>
+          </a:lnRef>
+          <a:fillRef idx="0">
+            <a:scrgbClr r="0" g="0" b="0"/>
+          </a:fillRef>
+          <a:effectRef idx="0">
+            <a:scrgbClr r="0" g="0" b="0"/>
+          </a:effectRef>
+          <a:fontRef idx="minor">
+            <a:schemeClr val="dk1"/>
+          </a:fontRef>
+        </p:style>
+        <p:txBody>
+          <a:bodyPr rtlCol="0" anchor="ctr"/>
+          <a:lstStyle/>
+          <a:p>
+            <a:pPr algn="ctr"/>
+            <a:endParaRPr lang="en-US"/>
+          </a:p>
+        </p:txBody>
+      </p:sp>
+      <p:sp>
+        <p:nvSpPr>
+          <p:cNvPr id="35" name="Hộp Văn bản 34">
+            <a:extLst>
+              <a:ext uri="{FF2B5EF4-FFF2-40B4-BE49-F238E27FC236}">
+                <a16:creationId xmlns:a16="http://schemas.microsoft.com/office/drawing/2014/main" id="{3A67D430-3628-864A-87AC-64B8EE043B76}"/>
+              </a:ext>
+            </a:extLst>
+          </p:cNvPr>
+          <p:cNvSpPr txBox="1"/>
+          <p:nvPr/>
+        </p:nvSpPr>
+        <p:spPr>
+          <a:xfrm>
+            <a:off x="2379908" y="1290773"/>
+            <a:ext cx="1332416" cy="369332"/>
+          </a:xfrm>
+          <a:prstGeom prst="rect">
+            <a:avLst/>
+          </a:prstGeom>
+          <a:noFill/>
+        </p:spPr>
+        <p:txBody>
+          <a:bodyPr wrap="none" rtlCol="0">
+            <a:spAutoFit/>
+          </a:bodyPr>
+          <a:lstStyle/>
+          <a:p>
+            <a:r>
+              <a:rPr lang="en-US" dirty="0">
+                <a:solidFill>
+                  <a:schemeClr val="accent6">
+                    <a:lumMod val="75000"/>
+                  </a:schemeClr>
+                </a:solidFill>
+                <a:latin typeface="Times New Roman" panose="02020603050405020304" pitchFamily="18" charset="0"/>
+                <a:cs typeface="Times New Roman" panose="02020603050405020304" pitchFamily="18" charset="0"/>
+              </a:rPr>
+              <a:t>Image space</a:t>
+            </a:r>
+          </a:p>
+        </p:txBody>
+      </p:sp>
+      <p:sp>
+        <p:nvSpPr>
+          <p:cNvPr id="36" name="Hộp Văn bản 35">
+            <a:extLst>
+              <a:ext uri="{FF2B5EF4-FFF2-40B4-BE49-F238E27FC236}">
+                <a16:creationId xmlns:a16="http://schemas.microsoft.com/office/drawing/2014/main" id="{4FF80D91-C176-39A0-123D-8E4909041573}"/>
+              </a:ext>
+            </a:extLst>
+          </p:cNvPr>
+          <p:cNvSpPr txBox="1"/>
+          <p:nvPr/>
+        </p:nvSpPr>
+        <p:spPr>
+          <a:xfrm>
+            <a:off x="8110533" y="1290773"/>
+            <a:ext cx="1691489" cy="369332"/>
+          </a:xfrm>
+          <a:prstGeom prst="rect">
+            <a:avLst/>
+          </a:prstGeom>
+          <a:noFill/>
+        </p:spPr>
+        <p:txBody>
+          <a:bodyPr wrap="none" rtlCol="0">
+            <a:spAutoFit/>
+          </a:bodyPr>
+          <a:lstStyle/>
+          <a:p>
+            <a:r>
+              <a:rPr lang="en-US" dirty="0">
+                <a:solidFill>
+                  <a:schemeClr val="accent6">
+                    <a:lumMod val="75000"/>
+                  </a:schemeClr>
+                </a:solidFill>
+                <a:latin typeface="Times New Roman" panose="02020603050405020304" pitchFamily="18" charset="0"/>
+                <a:cs typeface="Times New Roman" panose="02020603050405020304" pitchFamily="18" charset="0"/>
+              </a:rPr>
+              <a:t>Parameter space</a:t>
+            </a:r>
+          </a:p>
+        </p:txBody>
+      </p:sp>
+      <p:cxnSp>
+        <p:nvCxnSpPr>
+          <p:cNvPr id="38" name="Đường kết nối: Cong 37">
+            <a:extLst>
+              <a:ext uri="{FF2B5EF4-FFF2-40B4-BE49-F238E27FC236}">
+                <a16:creationId xmlns:a16="http://schemas.microsoft.com/office/drawing/2014/main" id="{6796B960-109C-B5DC-8896-4B166D24681E}"/>
+              </a:ext>
+            </a:extLst>
+          </p:cNvPr>
+          <p:cNvCxnSpPr>
+            <a:cxnSpLocks/>
+            <a:stCxn id="14" idx="5"/>
+            <a:endCxn id="23" idx="3"/>
+          </p:cNvCxnSpPr>
+          <p:nvPr/>
+        </p:nvCxnSpPr>
+        <p:spPr>
+          <a:xfrm rot="16200000" flipH="1">
+            <a:off x="6471745" y="1218421"/>
+            <a:ext cx="173970" cy="5555122"/>
+          </a:xfrm>
+          <a:prstGeom prst="curvedConnector3">
+            <a:avLst>
+              <a:gd name="adj1" fmla="val 420278"/>
+            </a:avLst>
+          </a:prstGeom>
+          <a:ln>
+            <a:prstDash val="dash"/>
+          </a:ln>
+        </p:spPr>
+        <p:style>
+          <a:lnRef idx="1">
+            <a:schemeClr val="accent3"/>
+          </a:lnRef>
+          <a:fillRef idx="0">
+            <a:schemeClr val="accent3"/>
+          </a:fillRef>
+          <a:effectRef idx="0">
+            <a:schemeClr val="accent3"/>
+          </a:effectRef>
+          <a:fontRef idx="minor">
+            <a:schemeClr val="tx1"/>
+          </a:fontRef>
+        </p:style>
+      </p:cxnSp>
+      <mc:AlternateContent xmlns:mc="http://schemas.openxmlformats.org/markup-compatibility/2006">
+        <mc:Choice xmlns:a14="http://schemas.microsoft.com/office/drawing/2010/main" Requires="a14">
+          <p:sp>
+            <p:nvSpPr>
+              <p:cNvPr id="43" name="Hộp Văn bản 42">
+                <a:extLst>
+                  <a:ext uri="{FF2B5EF4-FFF2-40B4-BE49-F238E27FC236}">
+                    <a16:creationId xmlns:a16="http://schemas.microsoft.com/office/drawing/2014/main" id="{4BDEE6AA-E8CE-6028-B30B-8E6F4247665E}"/>
+                  </a:ext>
+                </a:extLst>
+              </p:cNvPr>
+              <p:cNvSpPr txBox="1"/>
+              <p:nvPr/>
+            </p:nvSpPr>
+            <p:spPr>
+              <a:xfrm>
+                <a:off x="1492154" y="5379910"/>
+                <a:ext cx="3049681" cy="400110"/>
+              </a:xfrm>
+              <a:prstGeom prst="rect">
+                <a:avLst/>
+              </a:prstGeom>
+              <a:noFill/>
+            </p:spPr>
+            <p:txBody>
+              <a:bodyPr wrap="none" rtlCol="0">
+                <a:spAutoFit/>
+              </a:bodyPr>
+              <a:lstStyle/>
+              <a:p>
+                <a14:m>
+                  <m:oMath xmlns:m="http://schemas.openxmlformats.org/officeDocument/2006/math">
+                    <m:sSup>
+                      <m:sSupPr>
+                        <m:ctrlPr>
+                          <a:rPr lang="en-US" sz="2000" i="1" smtClean="0">
+                            <a:latin typeface="Cambria Math" panose="02040503050406030204" pitchFamily="18" charset="0"/>
+                          </a:rPr>
+                        </m:ctrlPr>
+                      </m:sSupPr>
+                      <m:e>
+                        <m:r>
+                          <a:rPr lang="en-US" sz="2000" b="0" i="1" smtClean="0">
+                            <a:latin typeface="Cambria Math" panose="02040503050406030204" pitchFamily="18" charset="0"/>
+                          </a:rPr>
+                          <m:t>(</m:t>
+                        </m:r>
+                        <m:sSub>
+                          <m:sSubPr>
+                            <m:ctrlPr>
+                              <a:rPr lang="en-US" sz="2000" i="1" smtClean="0">
+                                <a:solidFill>
+                                  <a:schemeClr val="accent6">
+                                    <a:lumMod val="75000"/>
+                                  </a:schemeClr>
+                                </a:solidFill>
+                                <a:latin typeface="Cambria Math" panose="02040503050406030204" pitchFamily="18" charset="0"/>
+                              </a:rPr>
+                            </m:ctrlPr>
+                          </m:sSubPr>
+                          <m:e>
+                            <m:r>
+                              <a:rPr lang="en-US" sz="2000" b="0" i="1" smtClean="0">
+                                <a:solidFill>
+                                  <a:schemeClr val="accent6">
+                                    <a:lumMod val="75000"/>
+                                  </a:schemeClr>
+                                </a:solidFill>
+                                <a:latin typeface="Cambria Math" panose="02040503050406030204" pitchFamily="18" charset="0"/>
+                              </a:rPr>
+                              <m:t>𝑥</m:t>
+                            </m:r>
+                          </m:e>
+                          <m:sub>
+                            <m:r>
+                              <a:rPr lang="en-US" sz="2000" b="0" i="1" smtClean="0">
+                                <a:solidFill>
+                                  <a:schemeClr val="accent6">
+                                    <a:lumMod val="75000"/>
+                                  </a:schemeClr>
+                                </a:solidFill>
+                                <a:latin typeface="Cambria Math" panose="02040503050406030204" pitchFamily="18" charset="0"/>
+                              </a:rPr>
+                              <m:t>𝑖</m:t>
+                            </m:r>
+                          </m:sub>
+                        </m:sSub>
+                        <m:r>
+                          <a:rPr lang="en-US" sz="2000" b="0" i="1" smtClean="0">
+                            <a:latin typeface="Cambria Math" panose="02040503050406030204" pitchFamily="18" charset="0"/>
+                          </a:rPr>
+                          <m:t>−</m:t>
+                        </m:r>
+                        <m:r>
+                          <a:rPr lang="en-US" sz="2000" b="0" i="1" smtClean="0">
+                            <a:latin typeface="Cambria Math" panose="02040503050406030204" pitchFamily="18" charset="0"/>
+                          </a:rPr>
+                          <m:t>𝑎</m:t>
+                        </m:r>
+                        <m:r>
+                          <a:rPr lang="en-US" sz="2000" b="0" i="1" smtClean="0">
+                            <a:latin typeface="Cambria Math" panose="02040503050406030204" pitchFamily="18" charset="0"/>
+                          </a:rPr>
+                          <m:t>)</m:t>
+                        </m:r>
+                      </m:e>
+                      <m:sup>
+                        <m:r>
+                          <a:rPr lang="en-US" sz="2000" b="0" i="1" smtClean="0">
+                            <a:latin typeface="Cambria Math" panose="02040503050406030204" pitchFamily="18" charset="0"/>
+                          </a:rPr>
+                          <m:t>2</m:t>
+                        </m:r>
+                      </m:sup>
+                    </m:sSup>
+                    <m:r>
+                      <a:rPr lang="en-US" sz="2000" b="0" i="1" smtClean="0">
+                        <a:latin typeface="Cambria Math" panose="02040503050406030204" pitchFamily="18" charset="0"/>
+                      </a:rPr>
+                      <m:t>+ </m:t>
+                    </m:r>
+                    <m:sSup>
+                      <m:sSupPr>
+                        <m:ctrlPr>
+                          <a:rPr lang="en-US" sz="2000" i="1">
+                            <a:latin typeface="Cambria Math" panose="02040503050406030204" pitchFamily="18" charset="0"/>
+                          </a:rPr>
+                        </m:ctrlPr>
+                      </m:sSupPr>
+                      <m:e>
+                        <m:r>
+                          <a:rPr lang="en-US" sz="2000" i="1">
+                            <a:latin typeface="Cambria Math" panose="02040503050406030204" pitchFamily="18" charset="0"/>
+                          </a:rPr>
+                          <m:t>(</m:t>
+                        </m:r>
+                        <m:sSub>
+                          <m:sSubPr>
+                            <m:ctrlPr>
+                              <a:rPr lang="en-US" sz="2000" i="1" smtClean="0">
+                                <a:solidFill>
+                                  <a:schemeClr val="accent6">
+                                    <a:lumMod val="75000"/>
+                                  </a:schemeClr>
+                                </a:solidFill>
+                                <a:latin typeface="Cambria Math" panose="02040503050406030204" pitchFamily="18" charset="0"/>
+                              </a:rPr>
+                            </m:ctrlPr>
+                          </m:sSubPr>
+                          <m:e>
+                            <m:r>
+                              <a:rPr lang="en-US" sz="2000" b="0" i="1" smtClean="0">
+                                <a:solidFill>
+                                  <a:schemeClr val="accent6">
+                                    <a:lumMod val="75000"/>
+                                  </a:schemeClr>
+                                </a:solidFill>
+                                <a:latin typeface="Cambria Math" panose="02040503050406030204" pitchFamily="18" charset="0"/>
+                              </a:rPr>
+                              <m:t>𝑦</m:t>
+                            </m:r>
+                          </m:e>
+                          <m:sub>
+                            <m:r>
+                              <a:rPr lang="en-US" sz="2000" i="1">
+                                <a:solidFill>
+                                  <a:schemeClr val="accent6">
+                                    <a:lumMod val="75000"/>
+                                  </a:schemeClr>
+                                </a:solidFill>
+                                <a:latin typeface="Cambria Math" panose="02040503050406030204" pitchFamily="18" charset="0"/>
+                              </a:rPr>
+                              <m:t>𝑖</m:t>
+                            </m:r>
+                          </m:sub>
+                        </m:sSub>
+                        <m:r>
+                          <a:rPr lang="en-US" sz="2000" i="1">
+                            <a:latin typeface="Cambria Math" panose="02040503050406030204" pitchFamily="18" charset="0"/>
+                          </a:rPr>
+                          <m:t>−</m:t>
+                        </m:r>
+                        <m:r>
+                          <a:rPr lang="en-US" sz="2000" b="0" i="1" smtClean="0">
+                            <a:latin typeface="Cambria Math" panose="02040503050406030204" pitchFamily="18" charset="0"/>
+                          </a:rPr>
+                          <m:t>𝑏</m:t>
+                        </m:r>
+                        <m:r>
+                          <a:rPr lang="en-US" sz="2000" i="1">
+                            <a:latin typeface="Cambria Math" panose="02040503050406030204" pitchFamily="18" charset="0"/>
+                          </a:rPr>
+                          <m:t>)</m:t>
+                        </m:r>
+                      </m:e>
+                      <m:sup>
+                        <m:r>
+                          <a:rPr lang="en-US" sz="2000" i="1">
+                            <a:latin typeface="Cambria Math" panose="02040503050406030204" pitchFamily="18" charset="0"/>
+                          </a:rPr>
+                          <m:t>2</m:t>
+                        </m:r>
+                      </m:sup>
+                    </m:sSup>
+                  </m:oMath>
+                </a14:m>
+                <a:r>
+                  <a:rPr lang="en-US" sz="2000" dirty="0"/>
+                  <a:t> = </a:t>
+                </a:r>
+                <a14:m>
+                  <m:oMath xmlns:m="http://schemas.openxmlformats.org/officeDocument/2006/math">
+                    <m:sSup>
+                      <m:sSupPr>
+                        <m:ctrlPr>
+                          <a:rPr lang="en-US" sz="2000" i="1">
+                            <a:latin typeface="Cambria Math" panose="02040503050406030204" pitchFamily="18" charset="0"/>
+                          </a:rPr>
+                        </m:ctrlPr>
+                      </m:sSupPr>
+                      <m:e>
+                        <m:r>
+                          <a:rPr lang="en-US" sz="2000" b="0" i="1" smtClean="0">
+                            <a:latin typeface="Cambria Math" panose="02040503050406030204" pitchFamily="18" charset="0"/>
+                          </a:rPr>
+                          <m:t>𝑟</m:t>
+                        </m:r>
+                      </m:e>
+                      <m:sup>
+                        <m:r>
+                          <a:rPr lang="en-US" sz="2000" i="1">
+                            <a:latin typeface="Cambria Math" panose="02040503050406030204" pitchFamily="18" charset="0"/>
+                          </a:rPr>
+                          <m:t>2</m:t>
+                        </m:r>
+                      </m:sup>
+                    </m:sSup>
+                  </m:oMath>
+                </a14:m>
+                <a:endParaRPr lang="en-US" sz="2000" dirty="0"/>
+              </a:p>
+            </p:txBody>
+          </p:sp>
+        </mc:Choice>
+        <mc:Fallback>
+          <p:sp>
+            <p:nvSpPr>
+              <p:cNvPr id="43" name="Hộp Văn bản 42">
+                <a:extLst>
+                  <a:ext uri="{FF2B5EF4-FFF2-40B4-BE49-F238E27FC236}">
+                    <a16:creationId xmlns:a16="http://schemas.microsoft.com/office/drawing/2014/main" id="{4BDEE6AA-E8CE-6028-B30B-8E6F4247665E}"/>
+                  </a:ext>
+                </a:extLst>
+              </p:cNvPr>
+              <p:cNvSpPr txBox="1">
+                <a:spLocks noRot="1" noChangeAspect="1" noMove="1" noResize="1" noEditPoints="1" noAdjustHandles="1" noChangeArrowheads="1" noChangeShapeType="1" noTextEdit="1"/>
+              </p:cNvSpPr>
+              <p:nvPr/>
+            </p:nvSpPr>
+            <p:spPr>
+              <a:xfrm>
+                <a:off x="1492154" y="5379910"/>
+                <a:ext cx="3049681" cy="400110"/>
+              </a:xfrm>
+              <a:prstGeom prst="rect">
+                <a:avLst/>
+              </a:prstGeom>
+              <a:blipFill>
+                <a:blip r:embed="rId3"/>
+                <a:stretch>
+                  <a:fillRect l="-1000" t="-9231" b="-27692"/>
+                </a:stretch>
+              </a:blipFill>
+            </p:spPr>
+            <p:txBody>
+              <a:bodyPr/>
+              <a:lstStyle/>
+              <a:p>
+                <a:r>
+                  <a:rPr lang="en-US">
+                    <a:noFill/>
+                  </a:rPr>
+                  <a:t> </a:t>
+                </a:r>
+              </a:p>
+            </p:txBody>
+          </p:sp>
+        </mc:Fallback>
+      </mc:AlternateContent>
+      <p:sp>
+        <p:nvSpPr>
+          <p:cNvPr id="44" name="Hộp Văn bản 43">
+            <a:extLst>
+              <a:ext uri="{FF2B5EF4-FFF2-40B4-BE49-F238E27FC236}">
+                <a16:creationId xmlns:a16="http://schemas.microsoft.com/office/drawing/2014/main" id="{5FD18B25-B0ED-20FC-2180-C11F9E504E97}"/>
+              </a:ext>
+            </a:extLst>
+          </p:cNvPr>
+          <p:cNvSpPr txBox="1"/>
+          <p:nvPr/>
+        </p:nvSpPr>
+        <p:spPr>
+          <a:xfrm>
+            <a:off x="4982557" y="5166365"/>
+            <a:ext cx="287258" cy="369332"/>
+          </a:xfrm>
+          <a:prstGeom prst="rect">
+            <a:avLst/>
+          </a:prstGeom>
+          <a:noFill/>
+        </p:spPr>
+        <p:txBody>
+          <a:bodyPr wrap="none" rtlCol="0">
+            <a:spAutoFit/>
+          </a:bodyPr>
+          <a:lstStyle/>
+          <a:p>
+            <a:r>
+              <a:rPr lang="en-US" i="1" dirty="0">
+                <a:latin typeface="Times New Roman" panose="02020603050405020304" pitchFamily="18" charset="0"/>
+                <a:cs typeface="Times New Roman" panose="02020603050405020304" pitchFamily="18" charset="0"/>
+              </a:rPr>
+              <a:t>x</a:t>
+            </a:r>
+          </a:p>
+        </p:txBody>
+      </p:sp>
+      <p:sp>
+        <p:nvSpPr>
+          <p:cNvPr id="45" name="Hộp Văn bản 44">
+            <a:extLst>
+              <a:ext uri="{FF2B5EF4-FFF2-40B4-BE49-F238E27FC236}">
+                <a16:creationId xmlns:a16="http://schemas.microsoft.com/office/drawing/2014/main" id="{8C00F8B6-1A41-8194-895E-72EED4A86B0E}"/>
+              </a:ext>
+            </a:extLst>
+          </p:cNvPr>
+          <p:cNvSpPr txBox="1"/>
+          <p:nvPr/>
+        </p:nvSpPr>
+        <p:spPr>
+          <a:xfrm>
+            <a:off x="696758" y="1878715"/>
+            <a:ext cx="287258" cy="369332"/>
+          </a:xfrm>
+          <a:prstGeom prst="rect">
+            <a:avLst/>
+          </a:prstGeom>
+          <a:noFill/>
+        </p:spPr>
+        <p:txBody>
+          <a:bodyPr wrap="none" rtlCol="0">
+            <a:spAutoFit/>
+          </a:bodyPr>
+          <a:lstStyle/>
+          <a:p>
+            <a:r>
+              <a:rPr lang="en-US" i="1" dirty="0">
+                <a:latin typeface="Times New Roman" panose="02020603050405020304" pitchFamily="18" charset="0"/>
+                <a:cs typeface="Times New Roman" panose="02020603050405020304" pitchFamily="18" charset="0"/>
+              </a:rPr>
+              <a:t>y</a:t>
+            </a:r>
+          </a:p>
+        </p:txBody>
+      </p:sp>
+      <p:sp>
+        <p:nvSpPr>
+          <p:cNvPr id="47" name="Hình Bầu dục 46">
+            <a:extLst>
+              <a:ext uri="{FF2B5EF4-FFF2-40B4-BE49-F238E27FC236}">
+                <a16:creationId xmlns:a16="http://schemas.microsoft.com/office/drawing/2014/main" id="{269DB646-9AFE-8FF1-45A0-FEBC2918D9D9}"/>
+              </a:ext>
+            </a:extLst>
+          </p:cNvPr>
+          <p:cNvSpPr/>
+          <p:nvPr/>
+        </p:nvSpPr>
+        <p:spPr>
+          <a:xfrm>
+            <a:off x="9866300" y="3493778"/>
+            <a:ext cx="91440" cy="91440"/>
+          </a:xfrm>
+          <a:prstGeom prst="ellipse">
+            <a:avLst/>
+          </a:prstGeom>
+          <a:solidFill>
+            <a:schemeClr val="accent6"/>
+          </a:solidFill>
+          <a:ln>
+            <a:noFill/>
+          </a:ln>
+        </p:spPr>
+        <p:style>
+          <a:lnRef idx="0">
+            <a:scrgbClr r="0" g="0" b="0"/>
+          </a:lnRef>
+          <a:fillRef idx="0">
+            <a:scrgbClr r="0" g="0" b="0"/>
+          </a:fillRef>
+          <a:effectRef idx="0">
+            <a:scrgbClr r="0" g="0" b="0"/>
+          </a:effectRef>
+          <a:fontRef idx="minor">
+            <a:schemeClr val="lt1"/>
+          </a:fontRef>
+        </p:style>
+        <p:txBody>
+          <a:bodyPr rtlCol="0" anchor="ctr"/>
+          <a:lstStyle/>
+          <a:p>
+            <a:pPr algn="ctr"/>
+            <a:endParaRPr lang="en-US"/>
+          </a:p>
+        </p:txBody>
+      </p:sp>
+      <mc:AlternateContent xmlns:mc="http://schemas.openxmlformats.org/markup-compatibility/2006">
+        <mc:Choice xmlns:a14="http://schemas.microsoft.com/office/drawing/2010/main" Requires="a14">
+          <p:sp>
+            <p:nvSpPr>
+              <p:cNvPr id="49" name="Hộp Văn bản 48">
+                <a:extLst>
+                  <a:ext uri="{FF2B5EF4-FFF2-40B4-BE49-F238E27FC236}">
+                    <a16:creationId xmlns:a16="http://schemas.microsoft.com/office/drawing/2014/main" id="{82048B18-4562-A0C7-E54C-F194CEDD92C5}"/>
+                  </a:ext>
+                </a:extLst>
+              </p:cNvPr>
+              <p:cNvSpPr txBox="1"/>
+              <p:nvPr/>
+            </p:nvSpPr>
+            <p:spPr>
+              <a:xfrm>
+                <a:off x="7431436" y="5379910"/>
+                <a:ext cx="3105787" cy="400110"/>
+              </a:xfrm>
+              <a:prstGeom prst="rect">
+                <a:avLst/>
+              </a:prstGeom>
+              <a:noFill/>
+            </p:spPr>
+            <p:txBody>
+              <a:bodyPr wrap="none" rtlCol="0">
+                <a:spAutoFit/>
+              </a:bodyPr>
+              <a:lstStyle/>
+              <a:p>
+                <a14:m>
+                  <m:oMath xmlns:m="http://schemas.openxmlformats.org/officeDocument/2006/math">
+                    <m:sSup>
+                      <m:sSupPr>
+                        <m:ctrlPr>
+                          <a:rPr lang="en-US" sz="2000" i="1" smtClean="0">
+                            <a:latin typeface="Cambria Math" panose="02040503050406030204" pitchFamily="18" charset="0"/>
+                          </a:rPr>
+                        </m:ctrlPr>
+                      </m:sSupPr>
+                      <m:e>
+                        <m:r>
+                          <a:rPr lang="en-US" sz="2000" b="0" i="1" smtClean="0">
+                            <a:latin typeface="Cambria Math" panose="02040503050406030204" pitchFamily="18" charset="0"/>
+                          </a:rPr>
+                          <m:t>(</m:t>
+                        </m:r>
+                        <m:sSub>
+                          <m:sSubPr>
+                            <m:ctrlPr>
+                              <a:rPr lang="en-US" sz="2000" i="1" smtClean="0">
+                                <a:solidFill>
+                                  <a:schemeClr val="accent6">
+                                    <a:lumMod val="75000"/>
+                                  </a:schemeClr>
+                                </a:solidFill>
+                                <a:latin typeface="Cambria Math" panose="02040503050406030204" pitchFamily="18" charset="0"/>
+                              </a:rPr>
+                            </m:ctrlPr>
+                          </m:sSubPr>
+                          <m:e>
+                            <m:r>
+                              <a:rPr lang="en-US" sz="2000" b="0" i="1" smtClean="0">
+                                <a:solidFill>
+                                  <a:schemeClr val="accent6">
+                                    <a:lumMod val="75000"/>
+                                  </a:schemeClr>
+                                </a:solidFill>
+                                <a:latin typeface="Cambria Math" panose="02040503050406030204" pitchFamily="18" charset="0"/>
+                              </a:rPr>
+                              <m:t>𝑎</m:t>
+                            </m:r>
+                            <m:r>
+                              <a:rPr lang="en-US" sz="2000" b="0" i="1" smtClean="0">
+                                <a:solidFill>
+                                  <a:schemeClr val="tx1"/>
+                                </a:solidFill>
+                                <a:latin typeface="Cambria Math" panose="02040503050406030204" pitchFamily="18" charset="0"/>
+                              </a:rPr>
+                              <m:t>−</m:t>
+                            </m:r>
+                            <m:r>
+                              <a:rPr lang="en-US" sz="2000" b="0" i="1" smtClean="0">
+                                <a:solidFill>
+                                  <a:schemeClr val="tx1"/>
+                                </a:solidFill>
+                                <a:latin typeface="Cambria Math" panose="02040503050406030204" pitchFamily="18" charset="0"/>
+                              </a:rPr>
+                              <m:t>𝑥</m:t>
+                            </m:r>
+                          </m:e>
+                          <m:sub>
+                            <m:r>
+                              <a:rPr lang="en-US" sz="2000" b="0" i="1" smtClean="0">
+                                <a:solidFill>
+                                  <a:schemeClr val="tx1"/>
+                                </a:solidFill>
+                                <a:latin typeface="Cambria Math" panose="02040503050406030204" pitchFamily="18" charset="0"/>
+                              </a:rPr>
+                              <m:t>𝑖</m:t>
+                            </m:r>
+                          </m:sub>
+                        </m:sSub>
+                        <m:r>
+                          <a:rPr lang="en-US" sz="2000" b="0" i="1" smtClean="0">
+                            <a:latin typeface="Cambria Math" panose="02040503050406030204" pitchFamily="18" charset="0"/>
+                          </a:rPr>
+                          <m:t>)</m:t>
+                        </m:r>
+                      </m:e>
+                      <m:sup>
+                        <m:r>
+                          <a:rPr lang="en-US" sz="2000" b="0" i="1" smtClean="0">
+                            <a:latin typeface="Cambria Math" panose="02040503050406030204" pitchFamily="18" charset="0"/>
+                          </a:rPr>
+                          <m:t>2</m:t>
+                        </m:r>
+                      </m:sup>
+                    </m:sSup>
+                    <m:r>
+                      <a:rPr lang="en-US" sz="2000" b="0" i="1" smtClean="0">
+                        <a:latin typeface="Cambria Math" panose="02040503050406030204" pitchFamily="18" charset="0"/>
+                      </a:rPr>
+                      <m:t>+ </m:t>
+                    </m:r>
+                    <m:sSup>
+                      <m:sSupPr>
+                        <m:ctrlPr>
+                          <a:rPr lang="en-US" sz="2000" i="1">
+                            <a:latin typeface="Cambria Math" panose="02040503050406030204" pitchFamily="18" charset="0"/>
+                          </a:rPr>
+                        </m:ctrlPr>
+                      </m:sSupPr>
+                      <m:e>
+                        <m:r>
+                          <a:rPr lang="en-US" sz="2000" i="1">
+                            <a:latin typeface="Cambria Math" panose="02040503050406030204" pitchFamily="18" charset="0"/>
+                          </a:rPr>
+                          <m:t>(</m:t>
+                        </m:r>
+                        <m:sSub>
+                          <m:sSubPr>
+                            <m:ctrlPr>
+                              <a:rPr lang="en-US" sz="2000" i="1" smtClean="0">
+                                <a:solidFill>
+                                  <a:schemeClr val="tx1"/>
+                                </a:solidFill>
+                                <a:latin typeface="Cambria Math" panose="02040503050406030204" pitchFamily="18" charset="0"/>
+                              </a:rPr>
+                            </m:ctrlPr>
+                          </m:sSubPr>
+                          <m:e>
+                            <m:r>
+                              <a:rPr lang="en-US" sz="2000" b="0" i="1" smtClean="0">
+                                <a:solidFill>
+                                  <a:schemeClr val="accent6">
+                                    <a:lumMod val="75000"/>
+                                  </a:schemeClr>
+                                </a:solidFill>
+                                <a:latin typeface="Cambria Math" panose="02040503050406030204" pitchFamily="18" charset="0"/>
+                              </a:rPr>
+                              <m:t>𝑏</m:t>
+                            </m:r>
+                            <m:r>
+                              <a:rPr lang="en-US" sz="2000" b="0" i="1" smtClean="0">
+                                <a:solidFill>
+                                  <a:schemeClr val="tx1"/>
+                                </a:solidFill>
+                                <a:latin typeface="Cambria Math" panose="02040503050406030204" pitchFamily="18" charset="0"/>
+                              </a:rPr>
+                              <m:t>−</m:t>
+                            </m:r>
+                            <m:r>
+                              <a:rPr lang="en-US" sz="2000" b="0" i="1" smtClean="0">
+                                <a:solidFill>
+                                  <a:schemeClr val="tx1"/>
+                                </a:solidFill>
+                                <a:latin typeface="Cambria Math" panose="02040503050406030204" pitchFamily="18" charset="0"/>
+                              </a:rPr>
+                              <m:t>𝑦</m:t>
+                            </m:r>
+                          </m:e>
+                          <m:sub>
+                            <m:r>
+                              <a:rPr lang="en-US" sz="2000" i="1">
+                                <a:solidFill>
+                                  <a:schemeClr val="tx1"/>
+                                </a:solidFill>
+                                <a:latin typeface="Cambria Math" panose="02040503050406030204" pitchFamily="18" charset="0"/>
+                              </a:rPr>
+                              <m:t>𝑖</m:t>
+                            </m:r>
+                          </m:sub>
+                        </m:sSub>
+                        <m:r>
+                          <a:rPr lang="en-US" sz="2000" i="1">
+                            <a:latin typeface="Cambria Math" panose="02040503050406030204" pitchFamily="18" charset="0"/>
+                          </a:rPr>
+                          <m:t>)</m:t>
+                        </m:r>
+                      </m:e>
+                      <m:sup>
+                        <m:r>
+                          <a:rPr lang="en-US" sz="2000" i="1">
+                            <a:latin typeface="Cambria Math" panose="02040503050406030204" pitchFamily="18" charset="0"/>
+                          </a:rPr>
+                          <m:t>2</m:t>
+                        </m:r>
+                      </m:sup>
+                    </m:sSup>
+                  </m:oMath>
+                </a14:m>
+                <a:r>
+                  <a:rPr lang="en-US" sz="2000" dirty="0"/>
+                  <a:t> = </a:t>
+                </a:r>
+                <a14:m>
+                  <m:oMath xmlns:m="http://schemas.openxmlformats.org/officeDocument/2006/math">
+                    <m:sSup>
+                      <m:sSupPr>
+                        <m:ctrlPr>
+                          <a:rPr lang="en-US" sz="2000" i="1">
+                            <a:latin typeface="Cambria Math" panose="02040503050406030204" pitchFamily="18" charset="0"/>
+                          </a:rPr>
+                        </m:ctrlPr>
+                      </m:sSupPr>
+                      <m:e>
+                        <m:r>
+                          <a:rPr lang="en-US" sz="2000" b="0" i="1" smtClean="0">
+                            <a:latin typeface="Cambria Math" panose="02040503050406030204" pitchFamily="18" charset="0"/>
+                          </a:rPr>
+                          <m:t>𝑟</m:t>
+                        </m:r>
+                      </m:e>
+                      <m:sup>
+                        <m:r>
+                          <a:rPr lang="en-US" sz="2000" i="1">
+                            <a:latin typeface="Cambria Math" panose="02040503050406030204" pitchFamily="18" charset="0"/>
+                          </a:rPr>
+                          <m:t>2</m:t>
+                        </m:r>
+                      </m:sup>
+                    </m:sSup>
+                  </m:oMath>
+                </a14:m>
+                <a:endParaRPr lang="en-US" sz="2000" dirty="0"/>
+              </a:p>
+            </p:txBody>
+          </p:sp>
+        </mc:Choice>
+        <mc:Fallback>
+          <p:sp>
+            <p:nvSpPr>
+              <p:cNvPr id="49" name="Hộp Văn bản 48">
+                <a:extLst>
+                  <a:ext uri="{FF2B5EF4-FFF2-40B4-BE49-F238E27FC236}">
+                    <a16:creationId xmlns:a16="http://schemas.microsoft.com/office/drawing/2014/main" id="{82048B18-4562-A0C7-E54C-F194CEDD92C5}"/>
+                  </a:ext>
+                </a:extLst>
+              </p:cNvPr>
+              <p:cNvSpPr txBox="1">
+                <a:spLocks noRot="1" noChangeAspect="1" noMove="1" noResize="1" noEditPoints="1" noAdjustHandles="1" noChangeArrowheads="1" noChangeShapeType="1" noTextEdit="1"/>
+              </p:cNvSpPr>
+              <p:nvPr/>
+            </p:nvSpPr>
+            <p:spPr>
+              <a:xfrm>
+                <a:off x="7431436" y="5379910"/>
+                <a:ext cx="3105787" cy="400110"/>
+              </a:xfrm>
+              <a:prstGeom prst="rect">
+                <a:avLst/>
+              </a:prstGeom>
+              <a:blipFill>
+                <a:blip r:embed="rId4"/>
+                <a:stretch>
+                  <a:fillRect l="-980" t="-9231" b="-27692"/>
+                </a:stretch>
+              </a:blipFill>
+            </p:spPr>
+            <p:txBody>
+              <a:bodyPr/>
+              <a:lstStyle/>
+              <a:p>
+                <a:r>
+                  <a:rPr lang="en-US">
+                    <a:noFill/>
+                  </a:rPr>
+                  <a:t> </a:t>
+                </a:r>
+              </a:p>
+            </p:txBody>
+          </p:sp>
+        </mc:Fallback>
+      </mc:AlternateContent>
+      <p:sp>
+        <p:nvSpPr>
+          <p:cNvPr id="51" name="Hình Bầu dục 50">
+            <a:extLst>
+              <a:ext uri="{FF2B5EF4-FFF2-40B4-BE49-F238E27FC236}">
+                <a16:creationId xmlns:a16="http://schemas.microsoft.com/office/drawing/2014/main" id="{F7044A43-2F63-46ED-9BDA-27A65CD7C116}"/>
+              </a:ext>
+            </a:extLst>
+          </p:cNvPr>
+          <p:cNvSpPr/>
+          <p:nvPr/>
+        </p:nvSpPr>
+        <p:spPr>
+          <a:xfrm>
+            <a:off x="3700671" y="3130033"/>
+            <a:ext cx="182880" cy="182880"/>
+          </a:xfrm>
+          <a:prstGeom prst="ellipse">
+            <a:avLst/>
+          </a:prstGeom>
+        </p:spPr>
+        <p:style>
+          <a:lnRef idx="2">
+            <a:schemeClr val="accent1">
+              <a:shade val="15000"/>
+            </a:schemeClr>
+          </a:lnRef>
+          <a:fillRef idx="1">
+            <a:schemeClr val="accent1"/>
+          </a:fillRef>
+          <a:effectRef idx="0">
+            <a:schemeClr val="accent1"/>
+          </a:effectRef>
+          <a:fontRef idx="minor">
+            <a:schemeClr val="lt1"/>
+          </a:fontRef>
+        </p:style>
+        <p:txBody>
+          <a:bodyPr rtlCol="0" anchor="ctr"/>
+          <a:lstStyle/>
+          <a:p>
+            <a:pPr algn="ctr"/>
+            <a:endParaRPr lang="en-US"/>
+          </a:p>
+        </p:txBody>
+      </p:sp>
+      <p:sp>
+        <p:nvSpPr>
+          <p:cNvPr id="53" name="Hình Bầu dục 52">
+            <a:extLst>
+              <a:ext uri="{FF2B5EF4-FFF2-40B4-BE49-F238E27FC236}">
+                <a16:creationId xmlns:a16="http://schemas.microsoft.com/office/drawing/2014/main" id="{E6B1B70B-CBBE-A9A4-35AF-996B8716757F}"/>
+              </a:ext>
+            </a:extLst>
+          </p:cNvPr>
+          <p:cNvSpPr/>
+          <p:nvPr/>
+        </p:nvSpPr>
+        <p:spPr>
+          <a:xfrm>
+            <a:off x="8776741" y="2056036"/>
+            <a:ext cx="1581912" cy="1578406"/>
+          </a:xfrm>
+          <a:prstGeom prst="ellipse">
+            <a:avLst/>
+          </a:prstGeom>
+          <a:noFill/>
+          <a:ln w="12700" cap="flat" cmpd="sng" algn="ctr">
+            <a:solidFill>
+              <a:schemeClr val="accent1"/>
+            </a:solidFill>
+            <a:prstDash val="solid"/>
+            <a:round/>
+            <a:headEnd type="none" w="med" len="med"/>
+            <a:tailEnd type="none" w="med" len="med"/>
+          </a:ln>
+        </p:spPr>
+        <p:style>
+          <a:lnRef idx="0">
+            <a:scrgbClr r="0" g="0" b="0"/>
+          </a:lnRef>
+          <a:fillRef idx="0">
+            <a:scrgbClr r="0" g="0" b="0"/>
+          </a:fillRef>
+          <a:effectRef idx="0">
+            <a:scrgbClr r="0" g="0" b="0"/>
+          </a:effectRef>
+          <a:fontRef idx="minor">
+            <a:schemeClr val="dk1"/>
+          </a:fontRef>
+        </p:style>
+        <p:txBody>
+          <a:bodyPr rtlCol="0" anchor="ctr"/>
+          <a:lstStyle/>
+          <a:p>
+            <a:pPr algn="ctr"/>
+            <a:endParaRPr lang="en-US"/>
+          </a:p>
+        </p:txBody>
+      </p:sp>
+      <p:sp>
+        <p:nvSpPr>
+          <p:cNvPr id="56" name="Hình Bầu dục 55">
+            <a:extLst>
+              <a:ext uri="{FF2B5EF4-FFF2-40B4-BE49-F238E27FC236}">
+                <a16:creationId xmlns:a16="http://schemas.microsoft.com/office/drawing/2014/main" id="{1AC2C1C0-43E4-E995-6C42-D87F29A1EE4C}"/>
+              </a:ext>
+            </a:extLst>
+          </p:cNvPr>
+          <p:cNvSpPr/>
+          <p:nvPr/>
+        </p:nvSpPr>
+        <p:spPr>
+          <a:xfrm>
+            <a:off x="3346903" y="2735713"/>
+            <a:ext cx="182880" cy="182880"/>
+          </a:xfrm>
+          <a:prstGeom prst="ellipse">
+            <a:avLst/>
+          </a:prstGeom>
+        </p:spPr>
+        <p:style>
+          <a:lnRef idx="2">
+            <a:schemeClr val="accent1">
+              <a:shade val="15000"/>
+            </a:schemeClr>
+          </a:lnRef>
+          <a:fillRef idx="1">
+            <a:schemeClr val="accent1"/>
+          </a:fillRef>
+          <a:effectRef idx="0">
+            <a:schemeClr val="accent1"/>
+          </a:effectRef>
+          <a:fontRef idx="minor">
+            <a:schemeClr val="lt1"/>
+          </a:fontRef>
+        </p:style>
+        <p:txBody>
+          <a:bodyPr rtlCol="0" anchor="ctr"/>
+          <a:lstStyle/>
+          <a:p>
+            <a:pPr algn="ctr"/>
+            <a:endParaRPr lang="en-US"/>
+          </a:p>
+        </p:txBody>
+      </p:sp>
+      <p:sp>
+        <p:nvSpPr>
+          <p:cNvPr id="57" name="Hình Bầu dục 56">
+            <a:extLst>
+              <a:ext uri="{FF2B5EF4-FFF2-40B4-BE49-F238E27FC236}">
+                <a16:creationId xmlns:a16="http://schemas.microsoft.com/office/drawing/2014/main" id="{A10A5D88-B558-BE29-1BA9-F67912981502}"/>
+              </a:ext>
+            </a:extLst>
+          </p:cNvPr>
+          <p:cNvSpPr/>
+          <p:nvPr/>
+        </p:nvSpPr>
+        <p:spPr>
+          <a:xfrm>
+            <a:off x="3016995" y="2624594"/>
+            <a:ext cx="182880" cy="182880"/>
+          </a:xfrm>
+          <a:prstGeom prst="ellipse">
+            <a:avLst/>
+          </a:prstGeom>
+        </p:spPr>
+        <p:style>
+          <a:lnRef idx="2">
+            <a:schemeClr val="accent1">
+              <a:shade val="15000"/>
+            </a:schemeClr>
+          </a:lnRef>
+          <a:fillRef idx="1">
+            <a:schemeClr val="accent1"/>
+          </a:fillRef>
+          <a:effectRef idx="0">
+            <a:schemeClr val="accent1"/>
+          </a:effectRef>
+          <a:fontRef idx="minor">
+            <a:schemeClr val="lt1"/>
+          </a:fontRef>
+        </p:style>
+        <p:txBody>
+          <a:bodyPr rtlCol="0" anchor="ctr"/>
+          <a:lstStyle/>
+          <a:p>
+            <a:pPr algn="ctr"/>
+            <a:endParaRPr lang="en-US"/>
+          </a:p>
+        </p:txBody>
+      </p:sp>
+      <p:sp>
+        <p:nvSpPr>
+          <p:cNvPr id="58" name="Hình Bầu dục 57">
+            <a:extLst>
+              <a:ext uri="{FF2B5EF4-FFF2-40B4-BE49-F238E27FC236}">
+                <a16:creationId xmlns:a16="http://schemas.microsoft.com/office/drawing/2014/main" id="{5FE6CFD7-86A5-B425-98C5-094B8C013F01}"/>
+              </a:ext>
+            </a:extLst>
+          </p:cNvPr>
+          <p:cNvSpPr/>
+          <p:nvPr/>
+        </p:nvSpPr>
+        <p:spPr>
+          <a:xfrm>
+            <a:off x="2212272" y="2974643"/>
+            <a:ext cx="182880" cy="182880"/>
+          </a:xfrm>
+          <a:prstGeom prst="ellipse">
+            <a:avLst/>
+          </a:prstGeom>
+        </p:spPr>
+        <p:style>
+          <a:lnRef idx="2">
+            <a:schemeClr val="accent1">
+              <a:shade val="15000"/>
+            </a:schemeClr>
+          </a:lnRef>
+          <a:fillRef idx="1">
+            <a:schemeClr val="accent1"/>
+          </a:fillRef>
+          <a:effectRef idx="0">
+            <a:schemeClr val="accent1"/>
+          </a:effectRef>
+          <a:fontRef idx="minor">
+            <a:schemeClr val="lt1"/>
+          </a:fontRef>
+        </p:style>
+        <p:txBody>
+          <a:bodyPr rtlCol="0" anchor="ctr"/>
+          <a:lstStyle/>
+          <a:p>
+            <a:pPr algn="ctr"/>
+            <a:endParaRPr lang="en-US"/>
+          </a:p>
+        </p:txBody>
+      </p:sp>
+      <p:sp>
+        <p:nvSpPr>
+          <p:cNvPr id="59" name="Hình Bầu dục 58">
+            <a:extLst>
+              <a:ext uri="{FF2B5EF4-FFF2-40B4-BE49-F238E27FC236}">
+                <a16:creationId xmlns:a16="http://schemas.microsoft.com/office/drawing/2014/main" id="{A39F5466-B7B6-E64C-D43B-E3774B7A36D4}"/>
+              </a:ext>
+            </a:extLst>
+          </p:cNvPr>
+          <p:cNvSpPr/>
+          <p:nvPr/>
+        </p:nvSpPr>
+        <p:spPr>
+          <a:xfrm>
+            <a:off x="2134599" y="3356602"/>
+            <a:ext cx="182880" cy="182880"/>
+          </a:xfrm>
+          <a:prstGeom prst="ellipse">
+            <a:avLst/>
+          </a:prstGeom>
+        </p:spPr>
+        <p:style>
+          <a:lnRef idx="2">
+            <a:schemeClr val="accent1">
+              <a:shade val="15000"/>
+            </a:schemeClr>
+          </a:lnRef>
+          <a:fillRef idx="1">
+            <a:schemeClr val="accent1"/>
+          </a:fillRef>
+          <a:effectRef idx="0">
+            <a:schemeClr val="accent1"/>
+          </a:effectRef>
+          <a:fontRef idx="minor">
+            <a:schemeClr val="lt1"/>
+          </a:fontRef>
+        </p:style>
+        <p:txBody>
+          <a:bodyPr rtlCol="0" anchor="ctr"/>
+          <a:lstStyle/>
+          <a:p>
+            <a:pPr algn="ctr"/>
+            <a:endParaRPr lang="en-US"/>
+          </a:p>
+        </p:txBody>
+      </p:sp>
+      <p:sp>
+        <p:nvSpPr>
+          <p:cNvPr id="60" name="Hình Bầu dục 59">
+            <a:extLst>
+              <a:ext uri="{FF2B5EF4-FFF2-40B4-BE49-F238E27FC236}">
+                <a16:creationId xmlns:a16="http://schemas.microsoft.com/office/drawing/2014/main" id="{C0B6F480-0173-1266-72F0-07EBA2015A92}"/>
+              </a:ext>
+            </a:extLst>
+          </p:cNvPr>
+          <p:cNvSpPr/>
+          <p:nvPr/>
+        </p:nvSpPr>
+        <p:spPr>
+          <a:xfrm>
+            <a:off x="2248043" y="3897743"/>
+            <a:ext cx="182880" cy="182880"/>
+          </a:xfrm>
+          <a:prstGeom prst="ellipse">
+            <a:avLst/>
+          </a:prstGeom>
+        </p:spPr>
+        <p:style>
+          <a:lnRef idx="2">
+            <a:schemeClr val="accent1">
+              <a:shade val="15000"/>
+            </a:schemeClr>
+          </a:lnRef>
+          <a:fillRef idx="1">
+            <a:schemeClr val="accent1"/>
+          </a:fillRef>
+          <a:effectRef idx="0">
+            <a:schemeClr val="accent1"/>
+          </a:effectRef>
+          <a:fontRef idx="minor">
+            <a:schemeClr val="lt1"/>
+          </a:fontRef>
+        </p:style>
+        <p:txBody>
+          <a:bodyPr rtlCol="0" anchor="ctr"/>
+          <a:lstStyle/>
+          <a:p>
+            <a:pPr algn="ctr"/>
+            <a:endParaRPr lang="en-US"/>
+          </a:p>
+        </p:txBody>
+      </p:sp>
+      <p:sp>
+        <p:nvSpPr>
+          <p:cNvPr id="61" name="Hình Bầu dục 60">
+            <a:extLst>
+              <a:ext uri="{FF2B5EF4-FFF2-40B4-BE49-F238E27FC236}">
+                <a16:creationId xmlns:a16="http://schemas.microsoft.com/office/drawing/2014/main" id="{E3F3455E-A128-72E3-F401-BE321F56B7A9}"/>
+              </a:ext>
+            </a:extLst>
+          </p:cNvPr>
+          <p:cNvSpPr/>
+          <p:nvPr/>
+        </p:nvSpPr>
+        <p:spPr>
+          <a:xfrm>
+            <a:off x="2689403" y="4210601"/>
+            <a:ext cx="182880" cy="182880"/>
+          </a:xfrm>
+          <a:prstGeom prst="ellipse">
+            <a:avLst/>
+          </a:prstGeom>
+        </p:spPr>
+        <p:style>
+          <a:lnRef idx="2">
+            <a:schemeClr val="accent1">
+              <a:shade val="15000"/>
+            </a:schemeClr>
+          </a:lnRef>
+          <a:fillRef idx="1">
+            <a:schemeClr val="accent1"/>
+          </a:fillRef>
+          <a:effectRef idx="0">
+            <a:schemeClr val="accent1"/>
+          </a:effectRef>
+          <a:fontRef idx="minor">
+            <a:schemeClr val="lt1"/>
+          </a:fontRef>
+        </p:style>
+        <p:txBody>
+          <a:bodyPr rtlCol="0" anchor="ctr"/>
+          <a:lstStyle/>
+          <a:p>
+            <a:pPr algn="ctr"/>
+            <a:endParaRPr lang="en-US"/>
+          </a:p>
+        </p:txBody>
+      </p:sp>
+      <p:sp>
+        <p:nvSpPr>
+          <p:cNvPr id="62" name="Hình Bầu dục 61">
+            <a:extLst>
+              <a:ext uri="{FF2B5EF4-FFF2-40B4-BE49-F238E27FC236}">
+                <a16:creationId xmlns:a16="http://schemas.microsoft.com/office/drawing/2014/main" id="{0145FF1C-A36D-1895-3D3F-8BCEFCB4AD51}"/>
+              </a:ext>
+            </a:extLst>
+          </p:cNvPr>
+          <p:cNvSpPr/>
+          <p:nvPr/>
+        </p:nvSpPr>
+        <p:spPr>
+          <a:xfrm>
+            <a:off x="3255464" y="4176959"/>
+            <a:ext cx="182880" cy="182880"/>
+          </a:xfrm>
+          <a:prstGeom prst="ellipse">
+            <a:avLst/>
+          </a:prstGeom>
+        </p:spPr>
+        <p:style>
+          <a:lnRef idx="2">
+            <a:schemeClr val="accent1">
+              <a:shade val="15000"/>
+            </a:schemeClr>
+          </a:lnRef>
+          <a:fillRef idx="1">
+            <a:schemeClr val="accent1"/>
+          </a:fillRef>
+          <a:effectRef idx="0">
+            <a:schemeClr val="accent1"/>
+          </a:effectRef>
+          <a:fontRef idx="minor">
+            <a:schemeClr val="lt1"/>
+          </a:fontRef>
+        </p:style>
+        <p:txBody>
+          <a:bodyPr rtlCol="0" anchor="ctr"/>
+          <a:lstStyle/>
+          <a:p>
+            <a:pPr algn="ctr"/>
+            <a:endParaRPr lang="en-US"/>
+          </a:p>
+        </p:txBody>
+      </p:sp>
+      <p:sp>
+        <p:nvSpPr>
+          <p:cNvPr id="63" name="Hình Bầu dục 62">
+            <a:extLst>
+              <a:ext uri="{FF2B5EF4-FFF2-40B4-BE49-F238E27FC236}">
+                <a16:creationId xmlns:a16="http://schemas.microsoft.com/office/drawing/2014/main" id="{D164265B-859D-3BCA-8CDF-1CE57496B911}"/>
+              </a:ext>
+            </a:extLst>
+          </p:cNvPr>
+          <p:cNvSpPr/>
+          <p:nvPr/>
+        </p:nvSpPr>
+        <p:spPr>
+          <a:xfrm>
+            <a:off x="7866506" y="2031821"/>
+            <a:ext cx="1581912" cy="1578406"/>
+          </a:xfrm>
+          <a:prstGeom prst="ellipse">
+            <a:avLst/>
+          </a:prstGeom>
+          <a:noFill/>
+          <a:ln w="12700" cap="flat" cmpd="sng" algn="ctr">
+            <a:solidFill>
+              <a:schemeClr val="accent1"/>
+            </a:solidFill>
+            <a:prstDash val="solid"/>
+            <a:round/>
+            <a:headEnd type="none" w="med" len="med"/>
+            <a:tailEnd type="none" w="med" len="med"/>
+          </a:ln>
+        </p:spPr>
+        <p:style>
+          <a:lnRef idx="0">
+            <a:scrgbClr r="0" g="0" b="0"/>
+          </a:lnRef>
+          <a:fillRef idx="0">
+            <a:scrgbClr r="0" g="0" b="0"/>
+          </a:fillRef>
+          <a:effectRef idx="0">
+            <a:scrgbClr r="0" g="0" b="0"/>
+          </a:effectRef>
+          <a:fontRef idx="minor">
+            <a:schemeClr val="dk1"/>
+          </a:fontRef>
+        </p:style>
+        <p:txBody>
+          <a:bodyPr rtlCol="0" anchor="ctr"/>
+          <a:lstStyle/>
+          <a:p>
+            <a:pPr algn="ctr"/>
+            <a:endParaRPr lang="en-US"/>
+          </a:p>
+        </p:txBody>
+      </p:sp>
+      <p:sp>
+        <p:nvSpPr>
+          <p:cNvPr id="64" name="Hình Bầu dục 63">
+            <a:extLst>
+              <a:ext uri="{FF2B5EF4-FFF2-40B4-BE49-F238E27FC236}">
+                <a16:creationId xmlns:a16="http://schemas.microsoft.com/office/drawing/2014/main" id="{3DC16510-0E45-EE09-C624-6F604FDF69B5}"/>
+              </a:ext>
+            </a:extLst>
+          </p:cNvPr>
+          <p:cNvSpPr/>
+          <p:nvPr/>
+        </p:nvSpPr>
+        <p:spPr>
+          <a:xfrm>
+            <a:off x="7635812" y="2287188"/>
+            <a:ext cx="1581912" cy="1578406"/>
+          </a:xfrm>
+          <a:prstGeom prst="ellipse">
+            <a:avLst/>
+          </a:prstGeom>
+          <a:noFill/>
+          <a:ln w="12700" cap="flat" cmpd="sng" algn="ctr">
+            <a:solidFill>
+              <a:schemeClr val="accent1"/>
+            </a:solidFill>
+            <a:prstDash val="solid"/>
+            <a:round/>
+            <a:headEnd type="none" w="med" len="med"/>
+            <a:tailEnd type="none" w="med" len="med"/>
+          </a:ln>
+        </p:spPr>
+        <p:style>
+          <a:lnRef idx="0">
+            <a:scrgbClr r="0" g="0" b="0"/>
+          </a:lnRef>
+          <a:fillRef idx="0">
+            <a:scrgbClr r="0" g="0" b="0"/>
+          </a:fillRef>
+          <a:effectRef idx="0">
+            <a:scrgbClr r="0" g="0" b="0"/>
+          </a:effectRef>
+          <a:fontRef idx="minor">
+            <a:schemeClr val="dk1"/>
+          </a:fontRef>
+        </p:style>
+        <p:txBody>
+          <a:bodyPr rtlCol="0" anchor="ctr"/>
+          <a:lstStyle/>
+          <a:p>
+            <a:pPr algn="ctr"/>
+            <a:endParaRPr lang="en-US"/>
+          </a:p>
+        </p:txBody>
+      </p:sp>
+      <p:sp>
+        <p:nvSpPr>
+          <p:cNvPr id="65" name="Hình Bầu dục 64">
+            <a:extLst>
+              <a:ext uri="{FF2B5EF4-FFF2-40B4-BE49-F238E27FC236}">
+                <a16:creationId xmlns:a16="http://schemas.microsoft.com/office/drawing/2014/main" id="{AF39B56A-E2B0-98D3-8DDD-22944FFD263C}"/>
+              </a:ext>
+            </a:extLst>
+          </p:cNvPr>
+          <p:cNvSpPr/>
+          <p:nvPr/>
+        </p:nvSpPr>
+        <p:spPr>
+          <a:xfrm>
+            <a:off x="7579263" y="2982130"/>
+            <a:ext cx="1581912" cy="1578406"/>
+          </a:xfrm>
+          <a:prstGeom prst="ellipse">
+            <a:avLst/>
+          </a:prstGeom>
+          <a:noFill/>
+          <a:ln w="12700" cap="flat" cmpd="sng" algn="ctr">
+            <a:solidFill>
+              <a:schemeClr val="accent1"/>
+            </a:solidFill>
+            <a:prstDash val="solid"/>
+            <a:round/>
+            <a:headEnd type="none" w="med" len="med"/>
+            <a:tailEnd type="none" w="med" len="med"/>
+          </a:ln>
+        </p:spPr>
+        <p:style>
+          <a:lnRef idx="0">
+            <a:scrgbClr r="0" g="0" b="0"/>
+          </a:lnRef>
+          <a:fillRef idx="0">
+            <a:scrgbClr r="0" g="0" b="0"/>
+          </a:fillRef>
+          <a:effectRef idx="0">
+            <a:scrgbClr r="0" g="0" b="0"/>
+          </a:effectRef>
+          <a:fontRef idx="minor">
+            <a:schemeClr val="dk1"/>
+          </a:fontRef>
+        </p:style>
+        <p:txBody>
+          <a:bodyPr rtlCol="0" anchor="ctr"/>
+          <a:lstStyle/>
+          <a:p>
+            <a:pPr algn="ctr"/>
+            <a:endParaRPr lang="en-US"/>
+          </a:p>
+        </p:txBody>
+      </p:sp>
+      <p:sp>
+        <p:nvSpPr>
+          <p:cNvPr id="69" name="Hình Bầu dục 68">
+            <a:extLst>
+              <a:ext uri="{FF2B5EF4-FFF2-40B4-BE49-F238E27FC236}">
+                <a16:creationId xmlns:a16="http://schemas.microsoft.com/office/drawing/2014/main" id="{A840E5E7-9093-8FE6-28D4-61DB04EB4725}"/>
+              </a:ext>
+            </a:extLst>
+          </p:cNvPr>
+          <p:cNvSpPr/>
+          <p:nvPr/>
+        </p:nvSpPr>
+        <p:spPr>
+          <a:xfrm>
+            <a:off x="7823001" y="3307543"/>
+            <a:ext cx="1581912" cy="1578406"/>
+          </a:xfrm>
+          <a:prstGeom prst="ellipse">
+            <a:avLst/>
+          </a:prstGeom>
+          <a:noFill/>
+          <a:ln w="12700" cap="flat" cmpd="sng" algn="ctr">
+            <a:solidFill>
+              <a:schemeClr val="accent1"/>
+            </a:solidFill>
+            <a:prstDash val="solid"/>
+            <a:round/>
+            <a:headEnd type="none" w="med" len="med"/>
+            <a:tailEnd type="none" w="med" len="med"/>
+          </a:ln>
+        </p:spPr>
+        <p:style>
+          <a:lnRef idx="0">
+            <a:scrgbClr r="0" g="0" b="0"/>
+          </a:lnRef>
+          <a:fillRef idx="0">
+            <a:scrgbClr r="0" g="0" b="0"/>
+          </a:fillRef>
+          <a:effectRef idx="0">
+            <a:scrgbClr r="0" g="0" b="0"/>
+          </a:effectRef>
+          <a:fontRef idx="minor">
+            <a:schemeClr val="dk1"/>
+          </a:fontRef>
+        </p:style>
+        <p:txBody>
+          <a:bodyPr rtlCol="0" anchor="ctr"/>
+          <a:lstStyle/>
+          <a:p>
+            <a:pPr algn="ctr"/>
+            <a:endParaRPr lang="en-US"/>
+          </a:p>
+        </p:txBody>
+      </p:sp>
+      <p:sp>
+        <p:nvSpPr>
+          <p:cNvPr id="70" name="Hình Bầu dục 69">
+            <a:extLst>
+              <a:ext uri="{FF2B5EF4-FFF2-40B4-BE49-F238E27FC236}">
+                <a16:creationId xmlns:a16="http://schemas.microsoft.com/office/drawing/2014/main" id="{2BD514DA-5F60-440D-12F7-63F6C4340D80}"/>
+              </a:ext>
+            </a:extLst>
+          </p:cNvPr>
+          <p:cNvSpPr/>
+          <p:nvPr/>
+        </p:nvSpPr>
+        <p:spPr>
+          <a:xfrm>
+            <a:off x="8588824" y="3433476"/>
+            <a:ext cx="1581912" cy="1578406"/>
+          </a:xfrm>
+          <a:prstGeom prst="ellipse">
+            <a:avLst/>
+          </a:prstGeom>
+          <a:noFill/>
+          <a:ln w="12700" cap="flat" cmpd="sng" algn="ctr">
+            <a:solidFill>
+              <a:schemeClr val="accent1"/>
+            </a:solidFill>
+            <a:prstDash val="solid"/>
+            <a:round/>
+            <a:headEnd type="none" w="med" len="med"/>
+            <a:tailEnd type="none" w="med" len="med"/>
+          </a:ln>
+        </p:spPr>
+        <p:style>
+          <a:lnRef idx="0">
+            <a:scrgbClr r="0" g="0" b="0"/>
+          </a:lnRef>
+          <a:fillRef idx="0">
+            <a:scrgbClr r="0" g="0" b="0"/>
+          </a:fillRef>
+          <a:effectRef idx="0">
+            <a:scrgbClr r="0" g="0" b="0"/>
+          </a:effectRef>
+          <a:fontRef idx="minor">
+            <a:schemeClr val="dk1"/>
+          </a:fontRef>
+        </p:style>
+        <p:txBody>
+          <a:bodyPr rtlCol="0" anchor="ctr"/>
+          <a:lstStyle/>
+          <a:p>
+            <a:pPr algn="ctr"/>
+            <a:endParaRPr lang="en-US"/>
+          </a:p>
+        </p:txBody>
+      </p:sp>
+      <p:sp>
+        <p:nvSpPr>
+          <p:cNvPr id="71" name="Hình Bầu dục 70">
+            <a:extLst>
+              <a:ext uri="{FF2B5EF4-FFF2-40B4-BE49-F238E27FC236}">
+                <a16:creationId xmlns:a16="http://schemas.microsoft.com/office/drawing/2014/main" id="{5ED11AAF-2989-1267-8E89-99175F231F1B}"/>
+              </a:ext>
+            </a:extLst>
+          </p:cNvPr>
+          <p:cNvSpPr/>
+          <p:nvPr/>
+        </p:nvSpPr>
+        <p:spPr>
+          <a:xfrm>
+            <a:off x="8886020" y="3239098"/>
+            <a:ext cx="1581912" cy="1578406"/>
+          </a:xfrm>
+          <a:prstGeom prst="ellipse">
+            <a:avLst/>
+          </a:prstGeom>
+          <a:noFill/>
+          <a:ln w="12700" cap="flat" cmpd="sng" algn="ctr">
+            <a:solidFill>
+              <a:schemeClr val="accent1"/>
+            </a:solidFill>
+            <a:prstDash val="solid"/>
+            <a:round/>
+            <a:headEnd type="none" w="med" len="med"/>
+            <a:tailEnd type="none" w="med" len="med"/>
+          </a:ln>
+        </p:spPr>
+        <p:style>
+          <a:lnRef idx="0">
+            <a:scrgbClr r="0" g="0" b="0"/>
+          </a:lnRef>
+          <a:fillRef idx="0">
+            <a:scrgbClr r="0" g="0" b="0"/>
+          </a:fillRef>
+          <a:effectRef idx="0">
+            <a:scrgbClr r="0" g="0" b="0"/>
+          </a:effectRef>
+          <a:fontRef idx="minor">
+            <a:schemeClr val="dk1"/>
+          </a:fontRef>
+        </p:style>
+        <p:txBody>
+          <a:bodyPr rtlCol="0" anchor="ctr"/>
+          <a:lstStyle/>
+          <a:p>
+            <a:pPr algn="ctr"/>
+            <a:endParaRPr lang="en-US"/>
+          </a:p>
+        </p:txBody>
+      </p:sp>
+      <p:sp>
+        <p:nvSpPr>
+          <p:cNvPr id="73" name="Hình Bầu dục 72">
+            <a:extLst>
+              <a:ext uri="{FF2B5EF4-FFF2-40B4-BE49-F238E27FC236}">
+                <a16:creationId xmlns:a16="http://schemas.microsoft.com/office/drawing/2014/main" id="{5060D8F8-160F-3F00-4B6A-59D62AC80489}"/>
+              </a:ext>
+            </a:extLst>
+          </p:cNvPr>
+          <p:cNvSpPr/>
+          <p:nvPr/>
+        </p:nvSpPr>
+        <p:spPr>
+          <a:xfrm>
+            <a:off x="2939385" y="3448042"/>
+            <a:ext cx="182880" cy="182880"/>
+          </a:xfrm>
+          <a:prstGeom prst="ellipse">
+            <a:avLst/>
+          </a:prstGeom>
+          <a:solidFill>
+            <a:schemeClr val="accent3"/>
+          </a:solidFill>
+          <a:ln>
+            <a:noFill/>
+          </a:ln>
+        </p:spPr>
+        <p:style>
+          <a:lnRef idx="0">
+            <a:scrgbClr r="0" g="0" b="0"/>
+          </a:lnRef>
+          <a:fillRef idx="0">
+            <a:scrgbClr r="0" g="0" b="0"/>
+          </a:fillRef>
+          <a:effectRef idx="0">
+            <a:scrgbClr r="0" g="0" b="0"/>
+          </a:effectRef>
+          <a:fontRef idx="minor">
+            <a:schemeClr val="lt1"/>
+          </a:fontRef>
+        </p:style>
+        <p:txBody>
+          <a:bodyPr rtlCol="0" anchor="ctr"/>
+          <a:lstStyle/>
+          <a:p>
+            <a:pPr algn="ctr"/>
+            <a:endParaRPr lang="en-US"/>
+          </a:p>
+        </p:txBody>
+      </p:sp>
+      <p:sp>
+        <p:nvSpPr>
+          <p:cNvPr id="74" name="Hình Bầu dục 73">
+            <a:extLst>
+              <a:ext uri="{FF2B5EF4-FFF2-40B4-BE49-F238E27FC236}">
+                <a16:creationId xmlns:a16="http://schemas.microsoft.com/office/drawing/2014/main" id="{6E6B4B91-B59B-B531-EEED-6B4E683CBE7C}"/>
+              </a:ext>
+            </a:extLst>
+          </p:cNvPr>
+          <p:cNvSpPr/>
+          <p:nvPr/>
+        </p:nvSpPr>
+        <p:spPr>
+          <a:xfrm>
+            <a:off x="9008724" y="3402338"/>
+            <a:ext cx="182880" cy="182880"/>
+          </a:xfrm>
+          <a:prstGeom prst="ellipse">
+            <a:avLst/>
+          </a:prstGeom>
+          <a:solidFill>
+            <a:schemeClr val="accent3"/>
+          </a:solidFill>
+          <a:ln>
+            <a:noFill/>
+          </a:ln>
+        </p:spPr>
+        <p:style>
+          <a:lnRef idx="0">
+            <a:scrgbClr r="0" g="0" b="0"/>
+          </a:lnRef>
+          <a:fillRef idx="0">
+            <a:scrgbClr r="0" g="0" b="0"/>
+          </a:fillRef>
+          <a:effectRef idx="0">
+            <a:scrgbClr r="0" g="0" b="0"/>
+          </a:effectRef>
+          <a:fontRef idx="minor">
+            <a:schemeClr val="lt1"/>
+          </a:fontRef>
+        </p:style>
+        <p:txBody>
+          <a:bodyPr rtlCol="0" anchor="ctr"/>
+          <a:lstStyle/>
+          <a:p>
+            <a:pPr algn="ctr"/>
+            <a:endParaRPr lang="en-US"/>
+          </a:p>
+        </p:txBody>
+      </p:sp>
+      <mc:AlternateContent xmlns:mc="http://schemas.openxmlformats.org/markup-compatibility/2006">
+        <mc:Choice xmlns:a14="http://schemas.microsoft.com/office/drawing/2010/main" Requires="a14">
+          <p:sp>
+            <p:nvSpPr>
+              <p:cNvPr id="75" name="Hộp Văn bản 74">
+                <a:extLst>
+                  <a:ext uri="{FF2B5EF4-FFF2-40B4-BE49-F238E27FC236}">
+                    <a16:creationId xmlns:a16="http://schemas.microsoft.com/office/drawing/2014/main" id="{233AB00C-15E8-C41C-D180-ADE877772123}"/>
+                  </a:ext>
+                </a:extLst>
+              </p:cNvPr>
+              <p:cNvSpPr txBox="1"/>
+              <p:nvPr/>
+            </p:nvSpPr>
+            <p:spPr>
+              <a:xfrm>
+                <a:off x="9470276" y="3508773"/>
+                <a:ext cx="866519" cy="369332"/>
+              </a:xfrm>
+              <a:prstGeom prst="rect">
+                <a:avLst/>
+              </a:prstGeom>
+              <a:noFill/>
+            </p:spPr>
+            <p:txBody>
+              <a:bodyPr wrap="none" rtlCol="0">
+                <a:spAutoFit/>
+              </a:bodyPr>
+              <a:lstStyle/>
+              <a:p>
+                <a14:m>
+                  <m:oMath xmlns:m="http://schemas.openxmlformats.org/officeDocument/2006/math">
+                    <m:r>
+                      <a:rPr lang="en-US" sz="1800" b="0" i="0" smtClean="0">
+                        <a:latin typeface="Cambria Math" panose="02040503050406030204" pitchFamily="18" charset="0"/>
+                        <a:cs typeface="Times New Roman" panose="02020603050405020304" pitchFamily="18" charset="0"/>
+                      </a:rPr>
+                      <m:t>(</m:t>
+                    </m:r>
+                    <m:sSub>
+                      <m:sSubPr>
+                        <m:ctrlPr>
+                          <a:rPr lang="en-US" sz="1800" b="0" i="1">
+                            <a:latin typeface="Cambria Math" panose="02040503050406030204" pitchFamily="18" charset="0"/>
+                            <a:cs typeface="Times New Roman" panose="02020603050405020304" pitchFamily="18" charset="0"/>
+                          </a:rPr>
+                        </m:ctrlPr>
+                      </m:sSubPr>
+                      <m:e>
+                        <m:r>
+                          <a:rPr lang="en-US" sz="1800" b="0" i="1">
+                            <a:latin typeface="Cambria Math" panose="02040503050406030204" pitchFamily="18" charset="0"/>
+                            <a:cs typeface="Times New Roman" panose="02020603050405020304" pitchFamily="18" charset="0"/>
+                          </a:rPr>
+                          <m:t>𝑥</m:t>
+                        </m:r>
+                      </m:e>
+                      <m:sub>
+                        <m:r>
+                          <a:rPr lang="en-US" sz="1800" b="0" i="1">
+                            <a:latin typeface="Cambria Math" panose="02040503050406030204" pitchFamily="18" charset="0"/>
+                            <a:cs typeface="Times New Roman" panose="02020603050405020304" pitchFamily="18" charset="0"/>
+                          </a:rPr>
+                          <m:t>𝑖</m:t>
+                        </m:r>
+                      </m:sub>
+                    </m:sSub>
+                  </m:oMath>
+                </a14:m>
+                <a:r>
+                  <a:rPr lang="en-US" sz="1800" b="0" i="0" dirty="0">
+                    <a:solidFill>
+                      <a:srgbClr val="000000"/>
+                    </a:solidFill>
+                    <a:effectLst/>
+                    <a:latin typeface="Times New Roman" panose="02020603050405020304" pitchFamily="18" charset="0"/>
+                    <a:cs typeface="Times New Roman" panose="02020603050405020304" pitchFamily="18" charset="0"/>
+                  </a:rPr>
+                  <a:t>, </a:t>
+                </a:r>
+                <a14:m>
+                  <m:oMath xmlns:m="http://schemas.openxmlformats.org/officeDocument/2006/math">
+                    <m:sSub>
+                      <m:sSubPr>
+                        <m:ctrlPr>
+                          <a:rPr lang="en-US" sz="1800" b="0" i="1" smtClean="0">
+                            <a:latin typeface="Cambria Math" panose="02040503050406030204" pitchFamily="18" charset="0"/>
+                            <a:cs typeface="Times New Roman" panose="02020603050405020304" pitchFamily="18" charset="0"/>
+                          </a:rPr>
+                        </m:ctrlPr>
+                      </m:sSubPr>
+                      <m:e>
+                        <m:r>
+                          <a:rPr lang="en-US" sz="1800" b="0" i="1" smtClean="0">
+                            <a:latin typeface="Cambria Math" panose="02040503050406030204" pitchFamily="18" charset="0"/>
+                            <a:cs typeface="Times New Roman" panose="02020603050405020304" pitchFamily="18" charset="0"/>
+                          </a:rPr>
+                          <m:t>𝑦</m:t>
+                        </m:r>
+                      </m:e>
+                      <m:sub>
+                        <m:r>
+                          <a:rPr lang="en-US" sz="1800" b="0" i="1" smtClean="0">
+                            <a:latin typeface="Cambria Math" panose="02040503050406030204" pitchFamily="18" charset="0"/>
+                            <a:cs typeface="Times New Roman" panose="02020603050405020304" pitchFamily="18" charset="0"/>
+                          </a:rPr>
+                          <m:t>𝑖</m:t>
+                        </m:r>
+                      </m:sub>
+                    </m:sSub>
+                  </m:oMath>
+                </a14:m>
+                <a:r>
+                  <a:rPr lang="en-US" sz="1800" b="0" i="1" dirty="0">
+                    <a:latin typeface="Times New Roman" panose="02020603050405020304" pitchFamily="18" charset="0"/>
+                    <a:cs typeface="Times New Roman" panose="02020603050405020304" pitchFamily="18" charset="0"/>
+                  </a:rPr>
+                  <a:t>)</a:t>
+                </a:r>
+                <a:endParaRPr lang="en-US" i="1" dirty="0">
+                  <a:latin typeface="Times New Roman" panose="02020603050405020304" pitchFamily="18" charset="0"/>
+                  <a:cs typeface="Times New Roman" panose="02020603050405020304" pitchFamily="18" charset="0"/>
+                </a:endParaRPr>
+              </a:p>
+            </p:txBody>
+          </p:sp>
+        </mc:Choice>
+        <mc:Fallback>
+          <p:sp>
+            <p:nvSpPr>
+              <p:cNvPr id="75" name="Hộp Văn bản 74">
+                <a:extLst>
+                  <a:ext uri="{FF2B5EF4-FFF2-40B4-BE49-F238E27FC236}">
+                    <a16:creationId xmlns:a16="http://schemas.microsoft.com/office/drawing/2014/main" id="{233AB00C-15E8-C41C-D180-ADE877772123}"/>
+                  </a:ext>
+                </a:extLst>
+              </p:cNvPr>
+              <p:cNvSpPr txBox="1">
+                <a:spLocks noRot="1" noChangeAspect="1" noMove="1" noResize="1" noEditPoints="1" noAdjustHandles="1" noChangeArrowheads="1" noChangeShapeType="1" noTextEdit="1"/>
+              </p:cNvSpPr>
+              <p:nvPr/>
+            </p:nvSpPr>
+            <p:spPr>
+              <a:xfrm>
+                <a:off x="9470276" y="3508773"/>
+                <a:ext cx="866519" cy="369332"/>
+              </a:xfrm>
+              <a:prstGeom prst="rect">
+                <a:avLst/>
+              </a:prstGeom>
+              <a:blipFill>
+                <a:blip r:embed="rId5"/>
+                <a:stretch>
+                  <a:fillRect l="-2113" t="-10000" r="-4225" b="-26667"/>
+                </a:stretch>
+              </a:blipFill>
+            </p:spPr>
+            <p:txBody>
+              <a:bodyPr/>
+              <a:lstStyle/>
+              <a:p>
+                <a:r>
+                  <a:rPr lang="en-US">
+                    <a:noFill/>
+                  </a:rPr>
+                  <a:t> </a:t>
+                </a:r>
+              </a:p>
+            </p:txBody>
+          </p:sp>
+        </mc:Fallback>
+      </mc:AlternateContent>
+      <mc:AlternateContent xmlns:mc="http://schemas.openxmlformats.org/markup-compatibility/2006">
+        <mc:Choice xmlns:a14="http://schemas.microsoft.com/office/drawing/2010/main" Requires="a14">
+          <p:sp>
+            <p:nvSpPr>
+              <p:cNvPr id="76" name="Hộp Văn bản 75">
+                <a:extLst>
+                  <a:ext uri="{FF2B5EF4-FFF2-40B4-BE49-F238E27FC236}">
+                    <a16:creationId xmlns:a16="http://schemas.microsoft.com/office/drawing/2014/main" id="{4B509D6B-C325-E60B-9CBD-679A3CECBC43}"/>
+                  </a:ext>
+                </a:extLst>
+              </p:cNvPr>
+              <p:cNvSpPr txBox="1"/>
+              <p:nvPr/>
+            </p:nvSpPr>
+            <p:spPr>
+              <a:xfrm>
+                <a:off x="3837549" y="3659673"/>
+                <a:ext cx="866519" cy="369332"/>
+              </a:xfrm>
+              <a:prstGeom prst="rect">
+                <a:avLst/>
+              </a:prstGeom>
+              <a:noFill/>
+            </p:spPr>
+            <p:txBody>
+              <a:bodyPr wrap="none" rtlCol="0">
+                <a:spAutoFit/>
+              </a:bodyPr>
+              <a:lstStyle/>
+              <a:p>
+                <a14:m>
+                  <m:oMath xmlns:m="http://schemas.openxmlformats.org/officeDocument/2006/math">
+                    <m:r>
+                      <a:rPr lang="en-US" sz="1800" b="0" i="0" smtClean="0">
+                        <a:latin typeface="Cambria Math" panose="02040503050406030204" pitchFamily="18" charset="0"/>
+                        <a:cs typeface="Times New Roman" panose="02020603050405020304" pitchFamily="18" charset="0"/>
+                      </a:rPr>
+                      <m:t>(</m:t>
+                    </m:r>
+                    <m:sSub>
+                      <m:sSubPr>
+                        <m:ctrlPr>
+                          <a:rPr lang="en-US" sz="1800" b="0" i="1">
+                            <a:latin typeface="Cambria Math" panose="02040503050406030204" pitchFamily="18" charset="0"/>
+                            <a:cs typeface="Times New Roman" panose="02020603050405020304" pitchFamily="18" charset="0"/>
+                          </a:rPr>
+                        </m:ctrlPr>
+                      </m:sSubPr>
+                      <m:e>
+                        <m:r>
+                          <a:rPr lang="en-US" sz="1800" b="0" i="1">
+                            <a:latin typeface="Cambria Math" panose="02040503050406030204" pitchFamily="18" charset="0"/>
+                            <a:cs typeface="Times New Roman" panose="02020603050405020304" pitchFamily="18" charset="0"/>
+                          </a:rPr>
+                          <m:t>𝑥</m:t>
+                        </m:r>
+                      </m:e>
+                      <m:sub>
+                        <m:r>
+                          <a:rPr lang="en-US" sz="1800" b="0" i="1">
+                            <a:latin typeface="Cambria Math" panose="02040503050406030204" pitchFamily="18" charset="0"/>
+                            <a:cs typeface="Times New Roman" panose="02020603050405020304" pitchFamily="18" charset="0"/>
+                          </a:rPr>
+                          <m:t>𝑖</m:t>
+                        </m:r>
+                      </m:sub>
+                    </m:sSub>
+                  </m:oMath>
+                </a14:m>
+                <a:r>
+                  <a:rPr lang="en-US" sz="1800" b="0" i="0" dirty="0">
+                    <a:solidFill>
+                      <a:srgbClr val="000000"/>
+                    </a:solidFill>
+                    <a:effectLst/>
+                    <a:latin typeface="Times New Roman" panose="02020603050405020304" pitchFamily="18" charset="0"/>
+                    <a:cs typeface="Times New Roman" panose="02020603050405020304" pitchFamily="18" charset="0"/>
+                  </a:rPr>
+                  <a:t>, </a:t>
+                </a:r>
+                <a14:m>
+                  <m:oMath xmlns:m="http://schemas.openxmlformats.org/officeDocument/2006/math">
+                    <m:sSub>
+                      <m:sSubPr>
+                        <m:ctrlPr>
+                          <a:rPr lang="en-US" sz="1800" b="0" i="1" smtClean="0">
+                            <a:latin typeface="Cambria Math" panose="02040503050406030204" pitchFamily="18" charset="0"/>
+                            <a:cs typeface="Times New Roman" panose="02020603050405020304" pitchFamily="18" charset="0"/>
+                          </a:rPr>
+                        </m:ctrlPr>
+                      </m:sSubPr>
+                      <m:e>
+                        <m:r>
+                          <a:rPr lang="en-US" sz="1800" b="0" i="1" smtClean="0">
+                            <a:latin typeface="Cambria Math" panose="02040503050406030204" pitchFamily="18" charset="0"/>
+                            <a:cs typeface="Times New Roman" panose="02020603050405020304" pitchFamily="18" charset="0"/>
+                          </a:rPr>
+                          <m:t>𝑦</m:t>
+                        </m:r>
+                      </m:e>
+                      <m:sub>
+                        <m:r>
+                          <a:rPr lang="en-US" sz="1800" b="0" i="1" smtClean="0">
+                            <a:latin typeface="Cambria Math" panose="02040503050406030204" pitchFamily="18" charset="0"/>
+                            <a:cs typeface="Times New Roman" panose="02020603050405020304" pitchFamily="18" charset="0"/>
+                          </a:rPr>
+                          <m:t>𝑖</m:t>
+                        </m:r>
+                      </m:sub>
+                    </m:sSub>
+                  </m:oMath>
+                </a14:m>
+                <a:r>
+                  <a:rPr lang="en-US" sz="1800" b="0" i="1" dirty="0">
+                    <a:latin typeface="Times New Roman" panose="02020603050405020304" pitchFamily="18" charset="0"/>
+                    <a:cs typeface="Times New Roman" panose="02020603050405020304" pitchFamily="18" charset="0"/>
+                  </a:rPr>
+                  <a:t>)</a:t>
+                </a:r>
+                <a:endParaRPr lang="en-US" i="1" dirty="0">
+                  <a:latin typeface="Times New Roman" panose="02020603050405020304" pitchFamily="18" charset="0"/>
+                  <a:cs typeface="Times New Roman" panose="02020603050405020304" pitchFamily="18" charset="0"/>
+                </a:endParaRPr>
+              </a:p>
+            </p:txBody>
+          </p:sp>
+        </mc:Choice>
+        <mc:Fallback>
+          <p:sp>
+            <p:nvSpPr>
+              <p:cNvPr id="76" name="Hộp Văn bản 75">
+                <a:extLst>
+                  <a:ext uri="{FF2B5EF4-FFF2-40B4-BE49-F238E27FC236}">
+                    <a16:creationId xmlns:a16="http://schemas.microsoft.com/office/drawing/2014/main" id="{4B509D6B-C325-E60B-9CBD-679A3CECBC43}"/>
+                  </a:ext>
+                </a:extLst>
+              </p:cNvPr>
+              <p:cNvSpPr txBox="1">
+                <a:spLocks noRot="1" noChangeAspect="1" noMove="1" noResize="1" noEditPoints="1" noAdjustHandles="1" noChangeArrowheads="1" noChangeShapeType="1" noTextEdit="1"/>
+              </p:cNvSpPr>
+              <p:nvPr/>
+            </p:nvSpPr>
+            <p:spPr>
+              <a:xfrm>
+                <a:off x="3837549" y="3659673"/>
+                <a:ext cx="866519" cy="369332"/>
+              </a:xfrm>
+              <a:prstGeom prst="rect">
+                <a:avLst/>
+              </a:prstGeom>
+              <a:blipFill>
+                <a:blip r:embed="rId6"/>
+                <a:stretch>
+                  <a:fillRect l="-2113" t="-8197" r="-4225" b="-24590"/>
+                </a:stretch>
+              </a:blipFill>
+            </p:spPr>
+            <p:txBody>
+              <a:bodyPr/>
+              <a:lstStyle/>
+              <a:p>
+                <a:r>
+                  <a:rPr lang="en-US">
+                    <a:noFill/>
+                  </a:rPr>
+                  <a:t> </a:t>
+                </a:r>
+              </a:p>
+            </p:txBody>
+          </p:sp>
+        </mc:Fallback>
+      </mc:AlternateContent>
+    </p:spTree>
+    <p:extLst>
+      <p:ext uri="{BB962C8B-B14F-4D97-AF65-F5344CB8AC3E}">
+        <p14:creationId xmlns:p14="http://schemas.microsoft.com/office/powerpoint/2010/main" val="3824494698"/>
+      </p:ext>
+    </p:extLst>
+  </p:cSld>
+  <p:clrMapOvr>
+    <a:masterClrMapping/>
+  </p:clrMapOvr>
+  <p:timing>
+    <p:tnLst>
+      <p:par>
+        <p:cTn id="1" dur="indefinite" restart="never" nodeType="tmRoot">
+          <p:childTnLst>
+            <p:seq concurrent="1" nextAc="seek">
+              <p:cTn id="2" dur="indefinite" nodeType="mainSeq">
+                <p:childTnLst>
+                  <p:par>
+                    <p:cTn id="3" fill="hold">
+                      <p:stCondLst>
+                        <p:cond delay="indefinite"/>
+                      </p:stCondLst>
+                      <p:childTnLst>
+                        <p:par>
+                          <p:cTn id="4" fill="hold">
+                            <p:stCondLst>
+                              <p:cond delay="0"/>
+                            </p:stCondLst>
+                            <p:childTnLst>
+                              <p:par>
+                                <p:cTn id="5" presetID="10" presetClass="entr" presetSubtype="0" fill="hold" grpId="0" nodeType="clickEffect">
+                                  <p:stCondLst>
+                                    <p:cond delay="0"/>
+                                  </p:stCondLst>
+                                  <p:childTnLst>
+                                    <p:set>
+                                      <p:cBhvr>
+                                        <p:cTn id="6" dur="1" fill="hold">
+                                          <p:stCondLst>
+                                            <p:cond delay="0"/>
+                                          </p:stCondLst>
+                                        </p:cTn>
+                                        <p:tgtEl>
+                                          <p:spTgt spid="53"/>
+                                        </p:tgtEl>
+                                        <p:attrNameLst>
+                                          <p:attrName>style.visibility</p:attrName>
+                                        </p:attrNameLst>
+                                      </p:cBhvr>
+                                      <p:to>
+                                        <p:strVal val="visible"/>
+                                      </p:to>
+                                    </p:set>
+                                    <p:animEffect transition="in" filter="fade">
+                                      <p:cBhvr>
+                                        <p:cTn id="7" dur="500"/>
+                                        <p:tgtEl>
+                                          <p:spTgt spid="53"/>
+                                        </p:tgtEl>
+                                      </p:cBhvr>
+                                    </p:animEffect>
+                                  </p:childTnLst>
+                                </p:cTn>
+                              </p:par>
+                              <p:par>
+                                <p:cTn id="8" presetID="10" presetClass="entr" presetSubtype="0" fill="hold" grpId="0" nodeType="withEffect">
+                                  <p:stCondLst>
+                                    <p:cond delay="0"/>
+                                  </p:stCondLst>
+                                  <p:childTnLst>
+                                    <p:set>
+                                      <p:cBhvr>
+                                        <p:cTn id="9" dur="1" fill="hold">
+                                          <p:stCondLst>
+                                            <p:cond delay="0"/>
+                                          </p:stCondLst>
+                                        </p:cTn>
+                                        <p:tgtEl>
+                                          <p:spTgt spid="51"/>
+                                        </p:tgtEl>
+                                        <p:attrNameLst>
+                                          <p:attrName>style.visibility</p:attrName>
+                                        </p:attrNameLst>
+                                      </p:cBhvr>
+                                      <p:to>
+                                        <p:strVal val="visible"/>
+                                      </p:to>
+                                    </p:set>
+                                    <p:animEffect transition="in" filter="fade">
+                                      <p:cBhvr>
+                                        <p:cTn id="10" dur="500"/>
+                                        <p:tgtEl>
+                                          <p:spTgt spid="51"/>
+                                        </p:tgtEl>
+                                      </p:cBhvr>
+                                    </p:animEffect>
+                                  </p:childTnLst>
+                                </p:cTn>
+                              </p:par>
+                              <p:par>
+                                <p:cTn id="11" presetID="1" presetClass="exit" presetSubtype="0" fill="hold" grpId="0" nodeType="withEffect">
+                                  <p:stCondLst>
+                                    <p:cond delay="0"/>
+                                  </p:stCondLst>
+                                  <p:childTnLst>
+                                    <p:set>
+                                      <p:cBhvr>
+                                        <p:cTn id="12" dur="1" fill="hold">
+                                          <p:stCondLst>
+                                            <p:cond delay="0"/>
+                                          </p:stCondLst>
+                                        </p:cTn>
+                                        <p:tgtEl>
+                                          <p:spTgt spid="47"/>
+                                        </p:tgtEl>
+                                        <p:attrNameLst>
+                                          <p:attrName>style.visibility</p:attrName>
+                                        </p:attrNameLst>
+                                      </p:cBhvr>
+                                      <p:to>
+                                        <p:strVal val="hidden"/>
+                                      </p:to>
+                                    </p:set>
+                                  </p:childTnLst>
+                                </p:cTn>
+                              </p:par>
+                              <p:par>
+                                <p:cTn id="13" presetID="1" presetClass="exit" presetSubtype="0" fill="hold" nodeType="withEffect">
+                                  <p:stCondLst>
+                                    <p:cond delay="0"/>
+                                  </p:stCondLst>
+                                  <p:childTnLst>
+                                    <p:set>
+                                      <p:cBhvr>
+                                        <p:cTn id="14" dur="1" fill="hold">
+                                          <p:stCondLst>
+                                            <p:cond delay="0"/>
+                                          </p:stCondLst>
+                                        </p:cTn>
+                                        <p:tgtEl>
+                                          <p:spTgt spid="38"/>
+                                        </p:tgtEl>
+                                        <p:attrNameLst>
+                                          <p:attrName>style.visibility</p:attrName>
+                                        </p:attrNameLst>
+                                      </p:cBhvr>
+                                      <p:to>
+                                        <p:strVal val="hidden"/>
+                                      </p:to>
+                                    </p:set>
+                                  </p:childTnLst>
+                                </p:cTn>
+                              </p:par>
+                              <p:par>
+                                <p:cTn id="15" presetID="1" presetClass="exit" presetSubtype="0" fill="hold" grpId="0" nodeType="withEffect">
+                                  <p:stCondLst>
+                                    <p:cond delay="0"/>
+                                  </p:stCondLst>
+                                  <p:childTnLst>
+                                    <p:set>
+                                      <p:cBhvr>
+                                        <p:cTn id="16" dur="1" fill="hold">
+                                          <p:stCondLst>
+                                            <p:cond delay="0"/>
+                                          </p:stCondLst>
+                                        </p:cTn>
+                                        <p:tgtEl>
+                                          <p:spTgt spid="75"/>
+                                        </p:tgtEl>
+                                        <p:attrNameLst>
+                                          <p:attrName>style.visibility</p:attrName>
+                                        </p:attrNameLst>
+                                      </p:cBhvr>
+                                      <p:to>
+                                        <p:strVal val="hidden"/>
+                                      </p:to>
+                                    </p:set>
+                                  </p:childTnLst>
+                                </p:cTn>
+                              </p:par>
+                              <p:par>
+                                <p:cTn id="17" presetID="1" presetClass="exit" presetSubtype="0" fill="hold" grpId="0" nodeType="withEffect">
+                                  <p:stCondLst>
+                                    <p:cond delay="0"/>
+                                  </p:stCondLst>
+                                  <p:childTnLst>
+                                    <p:set>
+                                      <p:cBhvr>
+                                        <p:cTn id="18" dur="1" fill="hold">
+                                          <p:stCondLst>
+                                            <p:cond delay="0"/>
+                                          </p:stCondLst>
+                                        </p:cTn>
+                                        <p:tgtEl>
+                                          <p:spTgt spid="76"/>
+                                        </p:tgtEl>
+                                        <p:attrNameLst>
+                                          <p:attrName>style.visibility</p:attrName>
+                                        </p:attrNameLst>
+                                      </p:cBhvr>
+                                      <p:to>
+                                        <p:strVal val="hidden"/>
+                                      </p:to>
+                                    </p:set>
+                                  </p:childTnLst>
+                                </p:cTn>
+                              </p:par>
+                            </p:childTnLst>
+                          </p:cTn>
+                        </p:par>
+                      </p:childTnLst>
+                    </p:cTn>
+                  </p:par>
+                  <p:par>
+                    <p:cTn id="19" fill="hold">
+                      <p:stCondLst>
+                        <p:cond delay="indefinite"/>
+                      </p:stCondLst>
+                      <p:childTnLst>
+                        <p:par>
+                          <p:cTn id="20" fill="hold">
+                            <p:stCondLst>
+                              <p:cond delay="0"/>
+                            </p:stCondLst>
+                            <p:childTnLst>
+                              <p:par>
+                                <p:cTn id="21" presetID="10" presetClass="entr" presetSubtype="0" fill="hold" grpId="0" nodeType="clickEffect">
+                                  <p:stCondLst>
+                                    <p:cond delay="0"/>
+                                  </p:stCondLst>
+                                  <p:childTnLst>
+                                    <p:set>
+                                      <p:cBhvr>
+                                        <p:cTn id="22" dur="1" fill="hold">
+                                          <p:stCondLst>
+                                            <p:cond delay="0"/>
+                                          </p:stCondLst>
+                                        </p:cTn>
+                                        <p:tgtEl>
+                                          <p:spTgt spid="63"/>
+                                        </p:tgtEl>
+                                        <p:attrNameLst>
+                                          <p:attrName>style.visibility</p:attrName>
+                                        </p:attrNameLst>
+                                      </p:cBhvr>
+                                      <p:to>
+                                        <p:strVal val="visible"/>
+                                      </p:to>
+                                    </p:set>
+                                    <p:animEffect transition="in" filter="fade">
+                                      <p:cBhvr>
+                                        <p:cTn id="23" dur="500"/>
+                                        <p:tgtEl>
+                                          <p:spTgt spid="63"/>
+                                        </p:tgtEl>
+                                      </p:cBhvr>
+                                    </p:animEffect>
+                                  </p:childTnLst>
+                                </p:cTn>
+                              </p:par>
+                              <p:par>
+                                <p:cTn id="24" presetID="10" presetClass="entr" presetSubtype="0" fill="hold" grpId="0" nodeType="withEffect">
+                                  <p:stCondLst>
+                                    <p:cond delay="0"/>
+                                  </p:stCondLst>
+                                  <p:childTnLst>
+                                    <p:set>
+                                      <p:cBhvr>
+                                        <p:cTn id="25" dur="1" fill="hold">
+                                          <p:stCondLst>
+                                            <p:cond delay="0"/>
+                                          </p:stCondLst>
+                                        </p:cTn>
+                                        <p:tgtEl>
+                                          <p:spTgt spid="64"/>
+                                        </p:tgtEl>
+                                        <p:attrNameLst>
+                                          <p:attrName>style.visibility</p:attrName>
+                                        </p:attrNameLst>
+                                      </p:cBhvr>
+                                      <p:to>
+                                        <p:strVal val="visible"/>
+                                      </p:to>
+                                    </p:set>
+                                    <p:animEffect transition="in" filter="fade">
+                                      <p:cBhvr>
+                                        <p:cTn id="26" dur="500"/>
+                                        <p:tgtEl>
+                                          <p:spTgt spid="64"/>
+                                        </p:tgtEl>
+                                      </p:cBhvr>
+                                    </p:animEffect>
+                                  </p:childTnLst>
+                                </p:cTn>
+                              </p:par>
+                              <p:par>
+                                <p:cTn id="27" presetID="10" presetClass="entr" presetSubtype="0" fill="hold" grpId="0" nodeType="withEffect">
+                                  <p:stCondLst>
+                                    <p:cond delay="0"/>
+                                  </p:stCondLst>
+                                  <p:childTnLst>
+                                    <p:set>
+                                      <p:cBhvr>
+                                        <p:cTn id="28" dur="1" fill="hold">
+                                          <p:stCondLst>
+                                            <p:cond delay="0"/>
+                                          </p:stCondLst>
+                                        </p:cTn>
+                                        <p:tgtEl>
+                                          <p:spTgt spid="65"/>
+                                        </p:tgtEl>
+                                        <p:attrNameLst>
+                                          <p:attrName>style.visibility</p:attrName>
+                                        </p:attrNameLst>
+                                      </p:cBhvr>
+                                      <p:to>
+                                        <p:strVal val="visible"/>
+                                      </p:to>
+                                    </p:set>
+                                    <p:animEffect transition="in" filter="fade">
+                                      <p:cBhvr>
+                                        <p:cTn id="29" dur="500"/>
+                                        <p:tgtEl>
+                                          <p:spTgt spid="65"/>
+                                        </p:tgtEl>
+                                      </p:cBhvr>
+                                    </p:animEffect>
+                                  </p:childTnLst>
+                                </p:cTn>
+                              </p:par>
+                              <p:par>
+                                <p:cTn id="30" presetID="10" presetClass="entr" presetSubtype="0" fill="hold" grpId="0" nodeType="withEffect">
+                                  <p:stCondLst>
+                                    <p:cond delay="0"/>
+                                  </p:stCondLst>
+                                  <p:childTnLst>
+                                    <p:set>
+                                      <p:cBhvr>
+                                        <p:cTn id="31" dur="1" fill="hold">
+                                          <p:stCondLst>
+                                            <p:cond delay="0"/>
+                                          </p:stCondLst>
+                                        </p:cTn>
+                                        <p:tgtEl>
+                                          <p:spTgt spid="69"/>
+                                        </p:tgtEl>
+                                        <p:attrNameLst>
+                                          <p:attrName>style.visibility</p:attrName>
+                                        </p:attrNameLst>
+                                      </p:cBhvr>
+                                      <p:to>
+                                        <p:strVal val="visible"/>
+                                      </p:to>
+                                    </p:set>
+                                    <p:animEffect transition="in" filter="fade">
+                                      <p:cBhvr>
+                                        <p:cTn id="32" dur="500"/>
+                                        <p:tgtEl>
+                                          <p:spTgt spid="69"/>
+                                        </p:tgtEl>
+                                      </p:cBhvr>
+                                    </p:animEffect>
+                                  </p:childTnLst>
+                                </p:cTn>
+                              </p:par>
+                              <p:par>
+                                <p:cTn id="33" presetID="10" presetClass="entr" presetSubtype="0" fill="hold" grpId="0" nodeType="withEffect">
+                                  <p:stCondLst>
+                                    <p:cond delay="0"/>
+                                  </p:stCondLst>
+                                  <p:childTnLst>
+                                    <p:set>
+                                      <p:cBhvr>
+                                        <p:cTn id="34" dur="1" fill="hold">
+                                          <p:stCondLst>
+                                            <p:cond delay="0"/>
+                                          </p:stCondLst>
+                                        </p:cTn>
+                                        <p:tgtEl>
+                                          <p:spTgt spid="70"/>
+                                        </p:tgtEl>
+                                        <p:attrNameLst>
+                                          <p:attrName>style.visibility</p:attrName>
+                                        </p:attrNameLst>
+                                      </p:cBhvr>
+                                      <p:to>
+                                        <p:strVal val="visible"/>
+                                      </p:to>
+                                    </p:set>
+                                    <p:animEffect transition="in" filter="fade">
+                                      <p:cBhvr>
+                                        <p:cTn id="35" dur="500"/>
+                                        <p:tgtEl>
+                                          <p:spTgt spid="70"/>
+                                        </p:tgtEl>
+                                      </p:cBhvr>
+                                    </p:animEffect>
+                                  </p:childTnLst>
+                                </p:cTn>
+                              </p:par>
+                              <p:par>
+                                <p:cTn id="36" presetID="10" presetClass="entr" presetSubtype="0" fill="hold" grpId="0" nodeType="withEffect">
+                                  <p:stCondLst>
+                                    <p:cond delay="0"/>
+                                  </p:stCondLst>
+                                  <p:childTnLst>
+                                    <p:set>
+                                      <p:cBhvr>
+                                        <p:cTn id="37" dur="1" fill="hold">
+                                          <p:stCondLst>
+                                            <p:cond delay="0"/>
+                                          </p:stCondLst>
+                                        </p:cTn>
+                                        <p:tgtEl>
+                                          <p:spTgt spid="71"/>
+                                        </p:tgtEl>
+                                        <p:attrNameLst>
+                                          <p:attrName>style.visibility</p:attrName>
+                                        </p:attrNameLst>
+                                      </p:cBhvr>
+                                      <p:to>
+                                        <p:strVal val="visible"/>
+                                      </p:to>
+                                    </p:set>
+                                    <p:animEffect transition="in" filter="fade">
+                                      <p:cBhvr>
+                                        <p:cTn id="38" dur="500"/>
+                                        <p:tgtEl>
+                                          <p:spTgt spid="71"/>
+                                        </p:tgtEl>
+                                      </p:cBhvr>
+                                    </p:animEffect>
+                                  </p:childTnLst>
+                                </p:cTn>
+                              </p:par>
+                              <p:par>
+                                <p:cTn id="39" presetID="10" presetClass="entr" presetSubtype="0" fill="hold" grpId="0" nodeType="withEffect">
+                                  <p:stCondLst>
+                                    <p:cond delay="0"/>
+                                  </p:stCondLst>
+                                  <p:childTnLst>
+                                    <p:set>
+                                      <p:cBhvr>
+                                        <p:cTn id="40" dur="1" fill="hold">
+                                          <p:stCondLst>
+                                            <p:cond delay="0"/>
+                                          </p:stCondLst>
+                                        </p:cTn>
+                                        <p:tgtEl>
+                                          <p:spTgt spid="56"/>
+                                        </p:tgtEl>
+                                        <p:attrNameLst>
+                                          <p:attrName>style.visibility</p:attrName>
+                                        </p:attrNameLst>
+                                      </p:cBhvr>
+                                      <p:to>
+                                        <p:strVal val="visible"/>
+                                      </p:to>
+                                    </p:set>
+                                    <p:animEffect transition="in" filter="fade">
+                                      <p:cBhvr>
+                                        <p:cTn id="41" dur="500"/>
+                                        <p:tgtEl>
+                                          <p:spTgt spid="56"/>
+                                        </p:tgtEl>
+                                      </p:cBhvr>
+                                    </p:animEffect>
+                                  </p:childTnLst>
+                                </p:cTn>
+                              </p:par>
+                              <p:par>
+                                <p:cTn id="42" presetID="10" presetClass="entr" presetSubtype="0" fill="hold" grpId="0" nodeType="withEffect">
+                                  <p:stCondLst>
+                                    <p:cond delay="0"/>
+                                  </p:stCondLst>
+                                  <p:childTnLst>
+                                    <p:set>
+                                      <p:cBhvr>
+                                        <p:cTn id="43" dur="1" fill="hold">
+                                          <p:stCondLst>
+                                            <p:cond delay="0"/>
+                                          </p:stCondLst>
+                                        </p:cTn>
+                                        <p:tgtEl>
+                                          <p:spTgt spid="57"/>
+                                        </p:tgtEl>
+                                        <p:attrNameLst>
+                                          <p:attrName>style.visibility</p:attrName>
+                                        </p:attrNameLst>
+                                      </p:cBhvr>
+                                      <p:to>
+                                        <p:strVal val="visible"/>
+                                      </p:to>
+                                    </p:set>
+                                    <p:animEffect transition="in" filter="fade">
+                                      <p:cBhvr>
+                                        <p:cTn id="44" dur="500"/>
+                                        <p:tgtEl>
+                                          <p:spTgt spid="57"/>
+                                        </p:tgtEl>
+                                      </p:cBhvr>
+                                    </p:animEffect>
+                                  </p:childTnLst>
+                                </p:cTn>
+                              </p:par>
+                              <p:par>
+                                <p:cTn id="45" presetID="10" presetClass="entr" presetSubtype="0" fill="hold" grpId="0" nodeType="withEffect">
+                                  <p:stCondLst>
+                                    <p:cond delay="0"/>
+                                  </p:stCondLst>
+                                  <p:childTnLst>
+                                    <p:set>
+                                      <p:cBhvr>
+                                        <p:cTn id="46" dur="1" fill="hold">
+                                          <p:stCondLst>
+                                            <p:cond delay="0"/>
+                                          </p:stCondLst>
+                                        </p:cTn>
+                                        <p:tgtEl>
+                                          <p:spTgt spid="58"/>
+                                        </p:tgtEl>
+                                        <p:attrNameLst>
+                                          <p:attrName>style.visibility</p:attrName>
+                                        </p:attrNameLst>
+                                      </p:cBhvr>
+                                      <p:to>
+                                        <p:strVal val="visible"/>
+                                      </p:to>
+                                    </p:set>
+                                    <p:animEffect transition="in" filter="fade">
+                                      <p:cBhvr>
+                                        <p:cTn id="47" dur="500"/>
+                                        <p:tgtEl>
+                                          <p:spTgt spid="58"/>
+                                        </p:tgtEl>
+                                      </p:cBhvr>
+                                    </p:animEffect>
+                                  </p:childTnLst>
+                                </p:cTn>
+                              </p:par>
+                              <p:par>
+                                <p:cTn id="48" presetID="10" presetClass="entr" presetSubtype="0" fill="hold" grpId="0" nodeType="withEffect">
+                                  <p:stCondLst>
+                                    <p:cond delay="0"/>
+                                  </p:stCondLst>
+                                  <p:childTnLst>
+                                    <p:set>
+                                      <p:cBhvr>
+                                        <p:cTn id="49" dur="1" fill="hold">
+                                          <p:stCondLst>
+                                            <p:cond delay="0"/>
+                                          </p:stCondLst>
+                                        </p:cTn>
+                                        <p:tgtEl>
+                                          <p:spTgt spid="60"/>
+                                        </p:tgtEl>
+                                        <p:attrNameLst>
+                                          <p:attrName>style.visibility</p:attrName>
+                                        </p:attrNameLst>
+                                      </p:cBhvr>
+                                      <p:to>
+                                        <p:strVal val="visible"/>
+                                      </p:to>
+                                    </p:set>
+                                    <p:animEffect transition="in" filter="fade">
+                                      <p:cBhvr>
+                                        <p:cTn id="50" dur="500"/>
+                                        <p:tgtEl>
+                                          <p:spTgt spid="60"/>
+                                        </p:tgtEl>
+                                      </p:cBhvr>
+                                    </p:animEffect>
+                                  </p:childTnLst>
+                                </p:cTn>
+                              </p:par>
+                              <p:par>
+                                <p:cTn id="51" presetID="10" presetClass="entr" presetSubtype="0" fill="hold" grpId="0" nodeType="withEffect">
+                                  <p:stCondLst>
+                                    <p:cond delay="0"/>
+                                  </p:stCondLst>
+                                  <p:childTnLst>
+                                    <p:set>
+                                      <p:cBhvr>
+                                        <p:cTn id="52" dur="1" fill="hold">
+                                          <p:stCondLst>
+                                            <p:cond delay="0"/>
+                                          </p:stCondLst>
+                                        </p:cTn>
+                                        <p:tgtEl>
+                                          <p:spTgt spid="59"/>
+                                        </p:tgtEl>
+                                        <p:attrNameLst>
+                                          <p:attrName>style.visibility</p:attrName>
+                                        </p:attrNameLst>
+                                      </p:cBhvr>
+                                      <p:to>
+                                        <p:strVal val="visible"/>
+                                      </p:to>
+                                    </p:set>
+                                    <p:animEffect transition="in" filter="fade">
+                                      <p:cBhvr>
+                                        <p:cTn id="53" dur="500"/>
+                                        <p:tgtEl>
+                                          <p:spTgt spid="59"/>
+                                        </p:tgtEl>
+                                      </p:cBhvr>
+                                    </p:animEffect>
+                                  </p:childTnLst>
+                                </p:cTn>
+                              </p:par>
+                              <p:par>
+                                <p:cTn id="54" presetID="10" presetClass="entr" presetSubtype="0" fill="hold" grpId="0" nodeType="withEffect">
+                                  <p:stCondLst>
+                                    <p:cond delay="0"/>
+                                  </p:stCondLst>
+                                  <p:childTnLst>
+                                    <p:set>
+                                      <p:cBhvr>
+                                        <p:cTn id="55" dur="1" fill="hold">
+                                          <p:stCondLst>
+                                            <p:cond delay="0"/>
+                                          </p:stCondLst>
+                                        </p:cTn>
+                                        <p:tgtEl>
+                                          <p:spTgt spid="61"/>
+                                        </p:tgtEl>
+                                        <p:attrNameLst>
+                                          <p:attrName>style.visibility</p:attrName>
+                                        </p:attrNameLst>
+                                      </p:cBhvr>
+                                      <p:to>
+                                        <p:strVal val="visible"/>
+                                      </p:to>
+                                    </p:set>
+                                    <p:animEffect transition="in" filter="fade">
+                                      <p:cBhvr>
+                                        <p:cTn id="56" dur="500"/>
+                                        <p:tgtEl>
+                                          <p:spTgt spid="61"/>
+                                        </p:tgtEl>
+                                      </p:cBhvr>
+                                    </p:animEffect>
+                                  </p:childTnLst>
+                                </p:cTn>
+                              </p:par>
+                              <p:par>
+                                <p:cTn id="57" presetID="10" presetClass="entr" presetSubtype="0" fill="hold" grpId="0" nodeType="withEffect">
+                                  <p:stCondLst>
+                                    <p:cond delay="0"/>
+                                  </p:stCondLst>
+                                  <p:childTnLst>
+                                    <p:set>
+                                      <p:cBhvr>
+                                        <p:cTn id="58" dur="1" fill="hold">
+                                          <p:stCondLst>
+                                            <p:cond delay="0"/>
+                                          </p:stCondLst>
+                                        </p:cTn>
+                                        <p:tgtEl>
+                                          <p:spTgt spid="62"/>
+                                        </p:tgtEl>
+                                        <p:attrNameLst>
+                                          <p:attrName>style.visibility</p:attrName>
+                                        </p:attrNameLst>
+                                      </p:cBhvr>
+                                      <p:to>
+                                        <p:strVal val="visible"/>
+                                      </p:to>
+                                    </p:set>
+                                    <p:animEffect transition="in" filter="fade">
+                                      <p:cBhvr>
+                                        <p:cTn id="59" dur="500"/>
+                                        <p:tgtEl>
+                                          <p:spTgt spid="62"/>
+                                        </p:tgtEl>
+                                      </p:cBhvr>
+                                    </p:animEffect>
+                                  </p:childTnLst>
+                                </p:cTn>
+                              </p:par>
+                            </p:childTnLst>
+                          </p:cTn>
+                        </p:par>
+                      </p:childTnLst>
+                    </p:cTn>
+                  </p:par>
+                  <p:par>
+                    <p:cTn id="60" fill="hold">
+                      <p:stCondLst>
+                        <p:cond delay="indefinite"/>
+                      </p:stCondLst>
+                      <p:childTnLst>
+                        <p:par>
+                          <p:cTn id="61" fill="hold">
+                            <p:stCondLst>
+                              <p:cond delay="0"/>
+                            </p:stCondLst>
+                            <p:childTnLst>
+                              <p:par>
+                                <p:cTn id="62" presetID="10" presetClass="entr" presetSubtype="0" fill="hold" grpId="0" nodeType="clickEffect">
+                                  <p:stCondLst>
+                                    <p:cond delay="0"/>
+                                  </p:stCondLst>
+                                  <p:childTnLst>
+                                    <p:set>
+                                      <p:cBhvr>
+                                        <p:cTn id="63" dur="1" fill="hold">
+                                          <p:stCondLst>
+                                            <p:cond delay="0"/>
+                                          </p:stCondLst>
+                                        </p:cTn>
+                                        <p:tgtEl>
+                                          <p:spTgt spid="73"/>
+                                        </p:tgtEl>
+                                        <p:attrNameLst>
+                                          <p:attrName>style.visibility</p:attrName>
+                                        </p:attrNameLst>
+                                      </p:cBhvr>
+                                      <p:to>
+                                        <p:strVal val="visible"/>
+                                      </p:to>
+                                    </p:set>
+                                    <p:animEffect transition="in" filter="fade">
+                                      <p:cBhvr>
+                                        <p:cTn id="64" dur="500"/>
+                                        <p:tgtEl>
+                                          <p:spTgt spid="73"/>
+                                        </p:tgtEl>
+                                      </p:cBhvr>
+                                    </p:animEffect>
+                                  </p:childTnLst>
+                                </p:cTn>
+                              </p:par>
+                              <p:par>
+                                <p:cTn id="65" presetID="10" presetClass="entr" presetSubtype="0" fill="hold" grpId="0" nodeType="withEffect">
+                                  <p:stCondLst>
+                                    <p:cond delay="0"/>
+                                  </p:stCondLst>
+                                  <p:childTnLst>
+                                    <p:set>
+                                      <p:cBhvr>
+                                        <p:cTn id="66" dur="1" fill="hold">
+                                          <p:stCondLst>
+                                            <p:cond delay="0"/>
+                                          </p:stCondLst>
+                                        </p:cTn>
+                                        <p:tgtEl>
+                                          <p:spTgt spid="74"/>
+                                        </p:tgtEl>
+                                        <p:attrNameLst>
+                                          <p:attrName>style.visibility</p:attrName>
+                                        </p:attrNameLst>
+                                      </p:cBhvr>
+                                      <p:to>
+                                        <p:strVal val="visible"/>
+                                      </p:to>
+                                    </p:set>
+                                    <p:animEffect transition="in" filter="fade">
+                                      <p:cBhvr>
+                                        <p:cTn id="67" dur="500"/>
+                                        <p:tgtEl>
+                                          <p:spTgt spid="74"/>
+                                        </p:tgtEl>
+                                      </p:cBhvr>
+                                    </p:animEffect>
+                                  </p:childTnLst>
+                                </p:cTn>
+                              </p:par>
+                            </p:childTnLst>
+                          </p:cTn>
+                        </p:par>
+                      </p:childTnLst>
+                    </p:cTn>
+                  </p:par>
+                  <p:par>
+                    <p:cTn id="68" fill="hold">
+                      <p:stCondLst>
+                        <p:cond delay="indefinite"/>
+                      </p:stCondLst>
+                      <p:childTnLst>
+                        <p:par>
+                          <p:cTn id="69" fill="hold">
+                            <p:stCondLst>
+                              <p:cond delay="0"/>
+                            </p:stCondLst>
+                            <p:childTnLst>
+                              <p:par>
+                                <p:cTn id="70" presetID="1" presetClass="entr" presetSubtype="0" fill="hold" grpId="0" nodeType="clickEffect">
+                                  <p:stCondLst>
+                                    <p:cond delay="0"/>
+                                  </p:stCondLst>
+                                  <p:childTnLst>
+                                    <p:set>
+                                      <p:cBhvr>
+                                        <p:cTn id="71" dur="1" fill="hold">
+                                          <p:stCondLst>
+                                            <p:cond delay="0"/>
+                                          </p:stCondLst>
+                                        </p:cTn>
+                                        <p:tgtEl>
+                                          <p:spTgt spid="77"/>
+                                        </p:tgtEl>
+                                        <p:attrNameLst>
+                                          <p:attrName>style.visibility</p:attrName>
+                                        </p:attrNameLst>
+                                      </p:cBhvr>
+                                      <p:to>
+                                        <p:strVal val="visible"/>
+                                      </p:to>
+                                    </p:set>
+                                  </p:childTnLst>
+                                </p:cTn>
+                              </p:par>
+                            </p:childTnLst>
+                          </p:cTn>
+                        </p:par>
+                      </p:childTnLst>
+                    </p:cTn>
+                  </p:par>
+                </p:childTnLst>
+              </p:cTn>
+              <p:prevCondLst>
+                <p:cond evt="onPrev" delay="0">
+                  <p:tgtEl>
+                    <p:sldTgt/>
+                  </p:tgtEl>
+                </p:cond>
+              </p:prevCondLst>
+              <p:nextCondLst>
+                <p:cond evt="onNext" delay="0">
+                  <p:tgtEl>
+                    <p:sldTgt/>
+                  </p:tgtEl>
+                </p:cond>
+              </p:nextCondLst>
+            </p:seq>
+          </p:childTnLst>
+        </p:cTn>
+      </p:par>
+    </p:tnLst>
+    <p:bldLst>
+      <p:bldP spid="77" grpId="0" animBg="1"/>
+      <p:bldP spid="47" grpId="0" animBg="1"/>
+      <p:bldP spid="51" grpId="0" animBg="1"/>
+      <p:bldP spid="53" grpId="0" animBg="1"/>
+      <p:bldP spid="56" grpId="0" animBg="1"/>
+      <p:bldP spid="57" grpId="0" animBg="1"/>
+      <p:bldP spid="58" grpId="0" animBg="1"/>
+      <p:bldP spid="59" grpId="0" animBg="1"/>
+      <p:bldP spid="60" grpId="0" animBg="1"/>
+      <p:bldP spid="61" grpId="0" animBg="1"/>
+      <p:bldP spid="62" grpId="0" animBg="1"/>
+      <p:bldP spid="63" grpId="0" animBg="1"/>
+      <p:bldP spid="64" grpId="0" animBg="1"/>
+      <p:bldP spid="65" grpId="0" animBg="1"/>
+      <p:bldP spid="69" grpId="0" animBg="1"/>
+      <p:bldP spid="70" grpId="0" animBg="1"/>
+      <p:bldP spid="71" grpId="0" animBg="1"/>
+      <p:bldP spid="73" grpId="0" animBg="1"/>
+      <p:bldP spid="74" grpId="0" animBg="1"/>
+      <p:bldP spid="75" grpId="0"/>
+      <p:bldP spid="76" grpId="0"/>
+    </p:bldLst>
+  </p:timing>
+</p:sld>
+</file>
+
+<file path=ppt/slides/slide13.xml><?xml version="1.0" encoding="utf-8"?>
+<p:sld xmlns:a="http://schemas.openxmlformats.org/drawingml/2006/main" xmlns:r="http://schemas.openxmlformats.org/officeDocument/2006/relationships" xmlns:p="http://schemas.openxmlformats.org/presentationml/2006/main">
+  <p:cSld>
+    <p:spTree>
+      <p:nvGrpSpPr>
+        <p:cNvPr id="1" name=""/>
+        <p:cNvGrpSpPr/>
+        <p:nvPr/>
+      </p:nvGrpSpPr>
+      <p:grpSpPr>
+        <a:xfrm>
+          <a:off x="0" y="0"/>
+          <a:ext cx="0" cy="0"/>
+          <a:chOff x="0" y="0"/>
+          <a:chExt cx="0" cy="0"/>
+        </a:xfrm>
+      </p:grpSpPr>
+      <p:sp>
+        <p:nvSpPr>
+          <p:cNvPr id="2" name="Tiêu đề 1">
+            <a:extLst>
+              <a:ext uri="{FF2B5EF4-FFF2-40B4-BE49-F238E27FC236}">
+                <a16:creationId xmlns:a16="http://schemas.microsoft.com/office/drawing/2014/main" id="{1ACB6B59-C766-12AD-6C0F-E0C1A915CDC3}"/>
+              </a:ext>
+            </a:extLst>
+          </p:cNvPr>
+          <p:cNvSpPr>
+            <a:spLocks noGrp="1"/>
+          </p:cNvSpPr>
+          <p:nvPr>
+            <p:ph type="title"/>
+          </p:nvPr>
+        </p:nvSpPr>
+        <p:spPr/>
+        <p:txBody>
+          <a:bodyPr/>
+          <a:lstStyle/>
+          <a:p>
+            <a:r>
+              <a:rPr lang="en-US" sz="2670" i="0" dirty="0">
+                <a:solidFill>
+                  <a:srgbClr val="000000"/>
+                </a:solidFill>
+                <a:effectLst/>
+              </a:rPr>
+              <a:t>Using Gradient Information</a:t>
+            </a:r>
+            <a:endParaRPr lang="en-US" sz="2670" dirty="0"/>
+          </a:p>
+        </p:txBody>
+      </p:sp>
+      <mc:AlternateContent xmlns:mc="http://schemas.openxmlformats.org/markup-compatibility/2006">
+        <mc:Choice xmlns:a14="http://schemas.microsoft.com/office/drawing/2010/main" Requires="a14">
+          <p:sp>
+            <p:nvSpPr>
+              <p:cNvPr id="6" name="Hộp Văn bản 5">
+                <a:extLst>
+                  <a:ext uri="{FF2B5EF4-FFF2-40B4-BE49-F238E27FC236}">
+                    <a16:creationId xmlns:a16="http://schemas.microsoft.com/office/drawing/2014/main" id="{831971B8-B012-5195-23DF-F0EFAA07986B}"/>
+                  </a:ext>
+                </a:extLst>
+              </p:cNvPr>
+              <p:cNvSpPr txBox="1"/>
+              <p:nvPr/>
+            </p:nvSpPr>
+            <p:spPr>
+              <a:xfrm>
+                <a:off x="334835" y="720349"/>
+                <a:ext cx="4686411" cy="369332"/>
+              </a:xfrm>
+              <a:prstGeom prst="rect">
+                <a:avLst/>
+              </a:prstGeom>
+              <a:noFill/>
+            </p:spPr>
+            <p:txBody>
+              <a:bodyPr wrap="none" rtlCol="0">
+                <a:spAutoFit/>
+              </a:bodyPr>
+              <a:lstStyle/>
+              <a:p>
+                <a:r>
+                  <a:rPr lang="en-US" dirty="0">
+                    <a:latin typeface="Times New Roman" panose="02020603050405020304" pitchFamily="18" charset="0"/>
+                    <a:cs typeface="Times New Roman" panose="02020603050405020304" pitchFamily="18" charset="0"/>
+                  </a:rPr>
+                  <a:t>Given edge location </a:t>
+                </a:r>
+                <a14:m>
+                  <m:oMath xmlns:m="http://schemas.openxmlformats.org/officeDocument/2006/math">
+                    <m:r>
+                      <a:rPr lang="en-US">
+                        <a:latin typeface="Cambria Math" panose="02040503050406030204" pitchFamily="18" charset="0"/>
+                        <a:cs typeface="Times New Roman" panose="02020603050405020304" pitchFamily="18" charset="0"/>
+                      </a:rPr>
+                      <m:t>(</m:t>
+                    </m:r>
+                    <m:sSub>
+                      <m:sSubPr>
+                        <m:ctrlPr>
+                          <a:rPr lang="en-US" i="1">
+                            <a:latin typeface="Cambria Math" panose="02040503050406030204" pitchFamily="18" charset="0"/>
+                            <a:cs typeface="Times New Roman" panose="02020603050405020304" pitchFamily="18" charset="0"/>
+                          </a:rPr>
+                        </m:ctrlPr>
+                      </m:sSubPr>
+                      <m:e>
+                        <m:r>
+                          <a:rPr lang="en-US" i="1">
+                            <a:latin typeface="Cambria Math" panose="02040503050406030204" pitchFamily="18" charset="0"/>
+                            <a:cs typeface="Times New Roman" panose="02020603050405020304" pitchFamily="18" charset="0"/>
+                          </a:rPr>
+                          <m:t>𝑥</m:t>
+                        </m:r>
+                      </m:e>
+                      <m:sub>
+                        <m:r>
+                          <a:rPr lang="en-US" i="1">
+                            <a:latin typeface="Cambria Math" panose="02040503050406030204" pitchFamily="18" charset="0"/>
+                            <a:cs typeface="Times New Roman" panose="02020603050405020304" pitchFamily="18" charset="0"/>
+                          </a:rPr>
+                          <m:t>𝑖</m:t>
+                        </m:r>
+                      </m:sub>
+                    </m:sSub>
+                  </m:oMath>
+                </a14:m>
+                <a:r>
+                  <a:rPr lang="en-US" dirty="0">
+                    <a:solidFill>
+                      <a:srgbClr val="000000"/>
+                    </a:solidFill>
+                    <a:latin typeface="Times New Roman" panose="02020603050405020304" pitchFamily="18" charset="0"/>
+                    <a:cs typeface="Times New Roman" panose="02020603050405020304" pitchFamily="18" charset="0"/>
+                  </a:rPr>
+                  <a:t>, </a:t>
+                </a:r>
+                <a14:m>
+                  <m:oMath xmlns:m="http://schemas.openxmlformats.org/officeDocument/2006/math">
+                    <m:sSub>
+                      <m:sSubPr>
+                        <m:ctrlPr>
+                          <a:rPr lang="en-US" i="1">
+                            <a:latin typeface="Cambria Math" panose="02040503050406030204" pitchFamily="18" charset="0"/>
+                            <a:cs typeface="Times New Roman" panose="02020603050405020304" pitchFamily="18" charset="0"/>
+                          </a:rPr>
+                        </m:ctrlPr>
+                      </m:sSubPr>
+                      <m:e>
+                        <m:r>
+                          <a:rPr lang="en-US" i="1">
+                            <a:latin typeface="Cambria Math" panose="02040503050406030204" pitchFamily="18" charset="0"/>
+                            <a:cs typeface="Times New Roman" panose="02020603050405020304" pitchFamily="18" charset="0"/>
+                          </a:rPr>
+                          <m:t>𝑦</m:t>
+                        </m:r>
+                      </m:e>
+                      <m:sub>
+                        <m:r>
+                          <a:rPr lang="en-US" i="1">
+                            <a:latin typeface="Cambria Math" panose="02040503050406030204" pitchFamily="18" charset="0"/>
+                            <a:cs typeface="Times New Roman" panose="02020603050405020304" pitchFamily="18" charset="0"/>
+                          </a:rPr>
+                          <m:t>𝑖</m:t>
+                        </m:r>
+                      </m:sub>
+                    </m:sSub>
+                  </m:oMath>
+                </a14:m>
+                <a:r>
+                  <a:rPr lang="en-US" i="1" dirty="0">
+                    <a:latin typeface="Times New Roman" panose="02020603050405020304" pitchFamily="18" charset="0"/>
+                    <a:cs typeface="Times New Roman" panose="02020603050405020304" pitchFamily="18" charset="0"/>
+                  </a:rPr>
+                  <a:t>)</a:t>
+                </a:r>
+                <a:r>
+                  <a:rPr lang="en-US" dirty="0">
+                    <a:latin typeface="Times New Roman" panose="02020603050405020304" pitchFamily="18" charset="0"/>
+                    <a:cs typeface="Times New Roman" panose="02020603050405020304" pitchFamily="18" charset="0"/>
+                  </a:rPr>
+                  <a:t>, Edge direction </a:t>
+                </a:r>
+                <a14:m>
+                  <m:oMath xmlns:m="http://schemas.openxmlformats.org/officeDocument/2006/math">
+                    <m:sSub>
+                      <m:sSubPr>
+                        <m:ctrlPr>
+                          <a:rPr lang="en-US" i="1" smtClean="0">
+                            <a:latin typeface="Cambria Math" panose="02040503050406030204" pitchFamily="18" charset="0"/>
+                            <a:cs typeface="Times New Roman" panose="02020603050405020304" pitchFamily="18" charset="0"/>
+                          </a:rPr>
+                        </m:ctrlPr>
+                      </m:sSubPr>
+                      <m:e/>
+                      <m:sub/>
+                    </m:sSub>
+                  </m:oMath>
+                </a14:m>
+                <a:endParaRPr lang="en-US" i="1" dirty="0">
+                  <a:latin typeface="Times New Roman" panose="02020603050405020304" pitchFamily="18" charset="0"/>
+                  <a:cs typeface="Times New Roman" panose="02020603050405020304" pitchFamily="18" charset="0"/>
+                </a:endParaRPr>
+              </a:p>
+            </p:txBody>
+          </p:sp>
+        </mc:Choice>
+        <mc:Fallback>
+          <p:sp>
+            <p:nvSpPr>
+              <p:cNvPr id="6" name="Hộp Văn bản 5">
+                <a:extLst>
+                  <a:ext uri="{FF2B5EF4-FFF2-40B4-BE49-F238E27FC236}">
+                    <a16:creationId xmlns:a16="http://schemas.microsoft.com/office/drawing/2014/main" id="{831971B8-B012-5195-23DF-F0EFAA07986B}"/>
+                  </a:ext>
+                </a:extLst>
+              </p:cNvPr>
+              <p:cNvSpPr txBox="1">
+                <a:spLocks noRot="1" noChangeAspect="1" noMove="1" noResize="1" noEditPoints="1" noAdjustHandles="1" noChangeArrowheads="1" noChangeShapeType="1" noTextEdit="1"/>
+              </p:cNvSpPr>
+              <p:nvPr/>
+            </p:nvSpPr>
+            <p:spPr>
+              <a:xfrm>
+                <a:off x="334835" y="720349"/>
+                <a:ext cx="4686411" cy="369332"/>
+              </a:xfrm>
+              <a:prstGeom prst="rect">
+                <a:avLst/>
+              </a:prstGeom>
+              <a:blipFill>
+                <a:blip r:embed="rId2"/>
+                <a:stretch>
+                  <a:fillRect l="-1170" t="-8197" b="-24590"/>
+                </a:stretch>
+              </a:blipFill>
+            </p:spPr>
+            <p:txBody>
+              <a:bodyPr/>
+              <a:lstStyle/>
+              <a:p>
+                <a:r>
+                  <a:rPr lang="en-US">
+                    <a:noFill/>
+                  </a:rPr>
+                  <a:t> </a:t>
+                </a:r>
+              </a:p>
+            </p:txBody>
+          </p:sp>
+        </mc:Fallback>
+      </mc:AlternateContent>
+      <p:cxnSp>
+        <p:nvCxnSpPr>
+          <p:cNvPr id="8" name="Đường kết nối Mũi tên Thẳng 7">
+            <a:extLst>
+              <a:ext uri="{FF2B5EF4-FFF2-40B4-BE49-F238E27FC236}">
+                <a16:creationId xmlns:a16="http://schemas.microsoft.com/office/drawing/2014/main" id="{AC343AD6-F99C-0AE2-F1F8-FF98219609B0}"/>
+              </a:ext>
+            </a:extLst>
+          </p:cNvPr>
+          <p:cNvCxnSpPr/>
+          <p:nvPr/>
+        </p:nvCxnSpPr>
+        <p:spPr>
+          <a:xfrm flipV="1">
+            <a:off x="1041816" y="1956216"/>
+            <a:ext cx="0" cy="3237876"/>
+          </a:xfrm>
+          <a:prstGeom prst="straightConnector1">
+            <a:avLst/>
+          </a:prstGeom>
+          <a:ln w="19050">
+            <a:tailEnd type="triangle"/>
+          </a:ln>
+        </p:spPr>
+        <p:style>
+          <a:lnRef idx="1">
+            <a:schemeClr val="accent1"/>
+          </a:lnRef>
+          <a:fillRef idx="0">
+            <a:schemeClr val="accent1"/>
+          </a:fillRef>
+          <a:effectRef idx="0">
+            <a:schemeClr val="accent1"/>
+          </a:effectRef>
+          <a:fontRef idx="minor">
+            <a:schemeClr val="tx1"/>
+          </a:fontRef>
+        </p:style>
+      </p:cxnSp>
+      <p:cxnSp>
+        <p:nvCxnSpPr>
+          <p:cNvPr id="9" name="Đường kết nối Mũi tên Thẳng 8">
+            <a:extLst>
+              <a:ext uri="{FF2B5EF4-FFF2-40B4-BE49-F238E27FC236}">
+                <a16:creationId xmlns:a16="http://schemas.microsoft.com/office/drawing/2014/main" id="{3FA75722-C154-11E1-9656-F4C89D541B08}"/>
+              </a:ext>
+            </a:extLst>
+          </p:cNvPr>
+          <p:cNvCxnSpPr>
+            <a:cxnSpLocks/>
+          </p:cNvCxnSpPr>
+          <p:nvPr/>
+        </p:nvCxnSpPr>
+        <p:spPr>
+          <a:xfrm>
+            <a:off x="1041816" y="5194092"/>
+            <a:ext cx="4137286" cy="0"/>
+          </a:xfrm>
+          <a:prstGeom prst="straightConnector1">
+            <a:avLst/>
+          </a:prstGeom>
+          <a:ln w="19050">
+            <a:tailEnd type="triangle"/>
+          </a:ln>
+        </p:spPr>
+        <p:style>
+          <a:lnRef idx="1">
+            <a:schemeClr val="accent1"/>
+          </a:lnRef>
+          <a:fillRef idx="0">
+            <a:schemeClr val="accent1"/>
+          </a:fillRef>
+          <a:effectRef idx="0">
+            <a:schemeClr val="accent1"/>
+          </a:effectRef>
+          <a:fontRef idx="minor">
+            <a:schemeClr val="tx1"/>
+          </a:fontRef>
+        </p:style>
+      </p:cxnSp>
+      <p:cxnSp>
+        <p:nvCxnSpPr>
+          <p:cNvPr id="11" name="Đường kết nối Mũi tên Thẳng 10">
+            <a:extLst>
+              <a:ext uri="{FF2B5EF4-FFF2-40B4-BE49-F238E27FC236}">
+                <a16:creationId xmlns:a16="http://schemas.microsoft.com/office/drawing/2014/main" id="{F0F0B98D-BDD9-E134-80A6-53AEABDBA74B}"/>
+              </a:ext>
+            </a:extLst>
+          </p:cNvPr>
+          <p:cNvCxnSpPr/>
+          <p:nvPr/>
+        </p:nvCxnSpPr>
+        <p:spPr>
+          <a:xfrm flipV="1">
+            <a:off x="6708098" y="1956216"/>
+            <a:ext cx="0" cy="3237876"/>
+          </a:xfrm>
+          <a:prstGeom prst="straightConnector1">
+            <a:avLst/>
+          </a:prstGeom>
+          <a:ln w="19050">
+            <a:tailEnd type="triangle"/>
+          </a:ln>
+        </p:spPr>
+        <p:style>
+          <a:lnRef idx="1">
+            <a:schemeClr val="accent1"/>
+          </a:lnRef>
+          <a:fillRef idx="0">
+            <a:schemeClr val="accent1"/>
+          </a:fillRef>
+          <a:effectRef idx="0">
+            <a:schemeClr val="accent1"/>
+          </a:effectRef>
+          <a:fontRef idx="minor">
+            <a:schemeClr val="tx1"/>
+          </a:fontRef>
+        </p:style>
+      </p:cxnSp>
+      <p:cxnSp>
+        <p:nvCxnSpPr>
+          <p:cNvPr id="12" name="Đường kết nối Mũi tên Thẳng 11">
+            <a:extLst>
+              <a:ext uri="{FF2B5EF4-FFF2-40B4-BE49-F238E27FC236}">
+                <a16:creationId xmlns:a16="http://schemas.microsoft.com/office/drawing/2014/main" id="{04750D94-F7B4-05DC-4D30-40860F4CA60A}"/>
+              </a:ext>
+            </a:extLst>
+          </p:cNvPr>
+          <p:cNvCxnSpPr>
+            <a:cxnSpLocks/>
+          </p:cNvCxnSpPr>
+          <p:nvPr/>
+        </p:nvCxnSpPr>
+        <p:spPr>
+          <a:xfrm>
+            <a:off x="6708098" y="5194092"/>
+            <a:ext cx="4137286" cy="0"/>
+          </a:xfrm>
+          <a:prstGeom prst="straightConnector1">
+            <a:avLst/>
+          </a:prstGeom>
+          <a:ln w="19050">
+            <a:tailEnd type="triangle"/>
+          </a:ln>
+        </p:spPr>
+        <p:style>
+          <a:lnRef idx="1">
+            <a:schemeClr val="accent1"/>
+          </a:lnRef>
+          <a:fillRef idx="0">
+            <a:schemeClr val="accent1"/>
+          </a:fillRef>
+          <a:effectRef idx="0">
+            <a:schemeClr val="accent1"/>
+          </a:effectRef>
+          <a:fontRef idx="minor">
+            <a:schemeClr val="tx1"/>
+          </a:fontRef>
+        </p:style>
+      </p:cxnSp>
+      <p:sp>
+        <p:nvSpPr>
+          <p:cNvPr id="13" name="Hình Bầu dục 12">
+            <a:extLst>
+              <a:ext uri="{FF2B5EF4-FFF2-40B4-BE49-F238E27FC236}">
+                <a16:creationId xmlns:a16="http://schemas.microsoft.com/office/drawing/2014/main" id="{D8F8A41F-DEB9-EF60-9842-4254A994F71A}"/>
+              </a:ext>
+            </a:extLst>
+          </p:cNvPr>
+          <p:cNvSpPr/>
+          <p:nvPr/>
+        </p:nvSpPr>
+        <p:spPr>
+          <a:xfrm>
+            <a:off x="2226039" y="2735713"/>
+            <a:ext cx="1581912" cy="1578406"/>
+          </a:xfrm>
+          <a:prstGeom prst="ellipse">
+            <a:avLst/>
+          </a:prstGeom>
+          <a:ln>
+            <a:headEnd type="none" w="med" len="med"/>
+            <a:tailEnd type="none" w="med" len="med"/>
+          </a:ln>
+        </p:spPr>
+        <p:style>
+          <a:lnRef idx="2">
+            <a:schemeClr val="accent6"/>
+          </a:lnRef>
+          <a:fillRef idx="1">
+            <a:schemeClr val="lt1"/>
+          </a:fillRef>
+          <a:effectRef idx="0">
+            <a:schemeClr val="accent6"/>
+          </a:effectRef>
+          <a:fontRef idx="minor">
+            <a:schemeClr val="dk1"/>
+          </a:fontRef>
+        </p:style>
+        <p:txBody>
+          <a:bodyPr rtlCol="0" anchor="ctr"/>
+          <a:lstStyle/>
+          <a:p>
+            <a:pPr algn="ctr"/>
+            <a:endParaRPr lang="en-US"/>
+          </a:p>
+        </p:txBody>
+      </p:sp>
+      <p:sp>
+        <p:nvSpPr>
+          <p:cNvPr id="14" name="Hình Bầu dục 13">
+            <a:extLst>
+              <a:ext uri="{FF2B5EF4-FFF2-40B4-BE49-F238E27FC236}">
+                <a16:creationId xmlns:a16="http://schemas.microsoft.com/office/drawing/2014/main" id="{5ACF930E-4FCC-FE8F-3118-CA26A745900B}"/>
+              </a:ext>
+            </a:extLst>
+          </p:cNvPr>
+          <p:cNvSpPr/>
+          <p:nvPr/>
+        </p:nvSpPr>
+        <p:spPr>
+          <a:xfrm>
+            <a:off x="3625071" y="3752899"/>
+            <a:ext cx="182880" cy="182880"/>
+          </a:xfrm>
+          <a:prstGeom prst="ellipse">
+            <a:avLst/>
+          </a:prstGeom>
+          <a:solidFill>
+            <a:schemeClr val="tx1">
+              <a:lumMod val="50000"/>
+              <a:lumOff val="50000"/>
+            </a:schemeClr>
+          </a:solidFill>
+          <a:ln>
+            <a:noFill/>
+          </a:ln>
+        </p:spPr>
+        <p:style>
+          <a:lnRef idx="0">
+            <a:scrgbClr r="0" g="0" b="0"/>
+          </a:lnRef>
+          <a:fillRef idx="0">
+            <a:scrgbClr r="0" g="0" b="0"/>
+          </a:fillRef>
+          <a:effectRef idx="0">
+            <a:scrgbClr r="0" g="0" b="0"/>
+          </a:effectRef>
+          <a:fontRef idx="minor">
+            <a:schemeClr val="lt1"/>
+          </a:fontRef>
+        </p:style>
+        <p:txBody>
+          <a:bodyPr rtlCol="0" anchor="ctr"/>
+          <a:lstStyle/>
+          <a:p>
+            <a:pPr algn="ctr"/>
+            <a:endParaRPr lang="en-US"/>
+          </a:p>
+        </p:txBody>
+      </p:sp>
+      <p:sp>
+        <p:nvSpPr>
+          <p:cNvPr id="15" name="Hình Bầu dục 14">
+            <a:extLst>
+              <a:ext uri="{FF2B5EF4-FFF2-40B4-BE49-F238E27FC236}">
+                <a16:creationId xmlns:a16="http://schemas.microsoft.com/office/drawing/2014/main" id="{F73A7F42-FFA3-C365-74B7-86D7F23E554A}"/>
+              </a:ext>
+            </a:extLst>
+          </p:cNvPr>
+          <p:cNvSpPr/>
+          <p:nvPr/>
+        </p:nvSpPr>
+        <p:spPr>
+          <a:xfrm>
+            <a:off x="2226039" y="2982130"/>
+            <a:ext cx="182880" cy="182880"/>
+          </a:xfrm>
+          <a:prstGeom prst="ellipse">
+            <a:avLst/>
+          </a:prstGeom>
+          <a:solidFill>
+            <a:schemeClr val="tx1">
+              <a:lumMod val="50000"/>
+              <a:lumOff val="50000"/>
+            </a:schemeClr>
+          </a:solidFill>
+          <a:ln>
+            <a:noFill/>
+          </a:ln>
+        </p:spPr>
+        <p:style>
+          <a:lnRef idx="0">
+            <a:scrgbClr r="0" g="0" b="0"/>
+          </a:lnRef>
+          <a:fillRef idx="0">
+            <a:scrgbClr r="0" g="0" b="0"/>
+          </a:fillRef>
+          <a:effectRef idx="0">
+            <a:scrgbClr r="0" g="0" b="0"/>
+          </a:effectRef>
+          <a:fontRef idx="minor">
+            <a:schemeClr val="lt1"/>
+          </a:fontRef>
+        </p:style>
+        <p:txBody>
+          <a:bodyPr rtlCol="0" anchor="ctr"/>
+          <a:lstStyle/>
+          <a:p>
+            <a:pPr algn="ctr"/>
+            <a:endParaRPr lang="en-US"/>
+          </a:p>
+        </p:txBody>
+      </p:sp>
+      <p:sp>
+        <p:nvSpPr>
+          <p:cNvPr id="16" name="Hình Bầu dục 15">
+            <a:extLst>
+              <a:ext uri="{FF2B5EF4-FFF2-40B4-BE49-F238E27FC236}">
+                <a16:creationId xmlns:a16="http://schemas.microsoft.com/office/drawing/2014/main" id="{1956896A-0ECA-1285-6020-98D5302FAFCD}"/>
+              </a:ext>
+            </a:extLst>
+          </p:cNvPr>
+          <p:cNvSpPr/>
+          <p:nvPr/>
+        </p:nvSpPr>
+        <p:spPr>
+          <a:xfrm>
+            <a:off x="2134599" y="3356618"/>
+            <a:ext cx="182880" cy="182880"/>
+          </a:xfrm>
+          <a:prstGeom prst="ellipse">
+            <a:avLst/>
+          </a:prstGeom>
+          <a:solidFill>
+            <a:schemeClr val="tx1">
+              <a:lumMod val="50000"/>
+              <a:lumOff val="50000"/>
+            </a:schemeClr>
+          </a:solidFill>
+          <a:ln>
+            <a:noFill/>
+          </a:ln>
+        </p:spPr>
+        <p:style>
+          <a:lnRef idx="0">
+            <a:scrgbClr r="0" g="0" b="0"/>
+          </a:lnRef>
+          <a:fillRef idx="0">
+            <a:scrgbClr r="0" g="0" b="0"/>
+          </a:fillRef>
+          <a:effectRef idx="0">
+            <a:scrgbClr r="0" g="0" b="0"/>
+          </a:effectRef>
+          <a:fontRef idx="minor">
+            <a:schemeClr val="lt1"/>
+          </a:fontRef>
+        </p:style>
+        <p:txBody>
+          <a:bodyPr rtlCol="0" anchor="ctr"/>
+          <a:lstStyle/>
+          <a:p>
+            <a:pPr algn="ctr"/>
+            <a:endParaRPr lang="en-US"/>
+          </a:p>
+        </p:txBody>
+      </p:sp>
+      <p:sp>
+        <p:nvSpPr>
+          <p:cNvPr id="17" name="Hình Bầu dục 16">
+            <a:extLst>
+              <a:ext uri="{FF2B5EF4-FFF2-40B4-BE49-F238E27FC236}">
+                <a16:creationId xmlns:a16="http://schemas.microsoft.com/office/drawing/2014/main" id="{E6AA6094-F34A-59C0-29C9-61B0CEF18A5A}"/>
+              </a:ext>
+            </a:extLst>
+          </p:cNvPr>
+          <p:cNvSpPr/>
+          <p:nvPr/>
+        </p:nvSpPr>
+        <p:spPr>
+          <a:xfrm>
+            <a:off x="2257969" y="3905230"/>
+            <a:ext cx="182880" cy="182880"/>
+          </a:xfrm>
+          <a:prstGeom prst="ellipse">
+            <a:avLst/>
+          </a:prstGeom>
+          <a:solidFill>
+            <a:schemeClr val="tx1">
+              <a:lumMod val="50000"/>
+              <a:lumOff val="50000"/>
+            </a:schemeClr>
+          </a:solidFill>
+          <a:ln>
+            <a:noFill/>
+          </a:ln>
+        </p:spPr>
+        <p:style>
+          <a:lnRef idx="0">
+            <a:scrgbClr r="0" g="0" b="0"/>
+          </a:lnRef>
+          <a:fillRef idx="0">
+            <a:scrgbClr r="0" g="0" b="0"/>
+          </a:fillRef>
+          <a:effectRef idx="0">
+            <a:scrgbClr r="0" g="0" b="0"/>
+          </a:effectRef>
+          <a:fontRef idx="minor">
+            <a:schemeClr val="lt1"/>
+          </a:fontRef>
+        </p:style>
+        <p:txBody>
+          <a:bodyPr rtlCol="0" anchor="ctr"/>
+          <a:lstStyle/>
+          <a:p>
+            <a:pPr algn="ctr"/>
+            <a:endParaRPr lang="en-US"/>
+          </a:p>
+        </p:txBody>
+      </p:sp>
+      <p:sp>
+        <p:nvSpPr>
+          <p:cNvPr id="18" name="Hình Bầu dục 17">
+            <a:extLst>
+              <a:ext uri="{FF2B5EF4-FFF2-40B4-BE49-F238E27FC236}">
+                <a16:creationId xmlns:a16="http://schemas.microsoft.com/office/drawing/2014/main" id="{C3923E16-4038-96D3-5284-EF311290CC09}"/>
+              </a:ext>
+            </a:extLst>
+          </p:cNvPr>
+          <p:cNvSpPr/>
+          <p:nvPr/>
+        </p:nvSpPr>
+        <p:spPr>
+          <a:xfrm>
+            <a:off x="2702977" y="4222679"/>
+            <a:ext cx="182880" cy="182880"/>
+          </a:xfrm>
+          <a:prstGeom prst="ellipse">
+            <a:avLst/>
+          </a:prstGeom>
+          <a:solidFill>
+            <a:schemeClr val="tx1">
+              <a:lumMod val="50000"/>
+              <a:lumOff val="50000"/>
+            </a:schemeClr>
+          </a:solidFill>
+          <a:ln>
+            <a:noFill/>
+          </a:ln>
+        </p:spPr>
+        <p:style>
+          <a:lnRef idx="0">
+            <a:scrgbClr r="0" g="0" b="0"/>
+          </a:lnRef>
+          <a:fillRef idx="0">
+            <a:scrgbClr r="0" g="0" b="0"/>
+          </a:fillRef>
+          <a:effectRef idx="0">
+            <a:scrgbClr r="0" g="0" b="0"/>
+          </a:effectRef>
+          <a:fontRef idx="minor">
+            <a:schemeClr val="lt1"/>
+          </a:fontRef>
+        </p:style>
+        <p:txBody>
+          <a:bodyPr rtlCol="0" anchor="ctr"/>
+          <a:lstStyle/>
+          <a:p>
+            <a:pPr algn="ctr"/>
+            <a:endParaRPr lang="en-US"/>
+          </a:p>
+        </p:txBody>
+      </p:sp>
+      <p:sp>
+        <p:nvSpPr>
+          <p:cNvPr id="19" name="Hình Bầu dục 18">
+            <a:extLst>
+              <a:ext uri="{FF2B5EF4-FFF2-40B4-BE49-F238E27FC236}">
+                <a16:creationId xmlns:a16="http://schemas.microsoft.com/office/drawing/2014/main" id="{392212C2-6A13-163D-8808-56BF29E15052}"/>
+              </a:ext>
+            </a:extLst>
+          </p:cNvPr>
+          <p:cNvSpPr/>
+          <p:nvPr/>
+        </p:nvSpPr>
+        <p:spPr>
+          <a:xfrm>
+            <a:off x="3255464" y="4176959"/>
+            <a:ext cx="182880" cy="182880"/>
+          </a:xfrm>
+          <a:prstGeom prst="ellipse">
+            <a:avLst/>
+          </a:prstGeom>
+          <a:solidFill>
+            <a:schemeClr val="tx1">
+              <a:lumMod val="50000"/>
+              <a:lumOff val="50000"/>
+            </a:schemeClr>
+          </a:solidFill>
+          <a:ln>
+            <a:noFill/>
+          </a:ln>
+        </p:spPr>
+        <p:style>
+          <a:lnRef idx="0">
+            <a:scrgbClr r="0" g="0" b="0"/>
+          </a:lnRef>
+          <a:fillRef idx="0">
+            <a:scrgbClr r="0" g="0" b="0"/>
+          </a:fillRef>
+          <a:effectRef idx="0">
+            <a:scrgbClr r="0" g="0" b="0"/>
+          </a:effectRef>
+          <a:fontRef idx="minor">
+            <a:schemeClr val="lt1"/>
+          </a:fontRef>
+        </p:style>
+        <p:txBody>
+          <a:bodyPr rtlCol="0" anchor="ctr"/>
+          <a:lstStyle/>
+          <a:p>
+            <a:pPr algn="ctr"/>
+            <a:endParaRPr lang="en-US"/>
+          </a:p>
+        </p:txBody>
+      </p:sp>
+      <p:sp>
+        <p:nvSpPr>
+          <p:cNvPr id="20" name="Hình Bầu dục 19">
+            <a:extLst>
+              <a:ext uri="{FF2B5EF4-FFF2-40B4-BE49-F238E27FC236}">
+                <a16:creationId xmlns:a16="http://schemas.microsoft.com/office/drawing/2014/main" id="{A790B46B-69DB-CB31-3508-6F2A1B60F103}"/>
+              </a:ext>
+            </a:extLst>
+          </p:cNvPr>
+          <p:cNvSpPr/>
+          <p:nvPr/>
+        </p:nvSpPr>
+        <p:spPr>
+          <a:xfrm>
+            <a:off x="3016995" y="2624594"/>
+            <a:ext cx="182880" cy="182880"/>
+          </a:xfrm>
+          <a:prstGeom prst="ellipse">
+            <a:avLst/>
+          </a:prstGeom>
+          <a:solidFill>
+            <a:schemeClr val="tx1">
+              <a:lumMod val="50000"/>
+              <a:lumOff val="50000"/>
+            </a:schemeClr>
+          </a:solidFill>
+          <a:ln>
+            <a:noFill/>
+          </a:ln>
+        </p:spPr>
+        <p:style>
+          <a:lnRef idx="0">
+            <a:scrgbClr r="0" g="0" b="0"/>
+          </a:lnRef>
+          <a:fillRef idx="0">
+            <a:scrgbClr r="0" g="0" b="0"/>
+          </a:fillRef>
+          <a:effectRef idx="0">
+            <a:scrgbClr r="0" g="0" b="0"/>
+          </a:effectRef>
+          <a:fontRef idx="minor">
+            <a:schemeClr val="lt1"/>
+          </a:fontRef>
+        </p:style>
+        <p:txBody>
+          <a:bodyPr rtlCol="0" anchor="ctr"/>
+          <a:lstStyle/>
+          <a:p>
+            <a:pPr algn="ctr"/>
+            <a:endParaRPr lang="en-US"/>
+          </a:p>
+        </p:txBody>
+      </p:sp>
+      <p:sp>
+        <p:nvSpPr>
+          <p:cNvPr id="21" name="Hình Bầu dục 20">
+            <a:extLst>
+              <a:ext uri="{FF2B5EF4-FFF2-40B4-BE49-F238E27FC236}">
+                <a16:creationId xmlns:a16="http://schemas.microsoft.com/office/drawing/2014/main" id="{D513AC90-EA8F-77D1-3B3D-0600947B6146}"/>
+              </a:ext>
+            </a:extLst>
+          </p:cNvPr>
+          <p:cNvSpPr/>
+          <p:nvPr/>
+        </p:nvSpPr>
+        <p:spPr>
+          <a:xfrm>
+            <a:off x="3346904" y="2735713"/>
+            <a:ext cx="182880" cy="182880"/>
+          </a:xfrm>
+          <a:prstGeom prst="ellipse">
+            <a:avLst/>
+          </a:prstGeom>
+          <a:solidFill>
+            <a:schemeClr val="tx1">
+              <a:lumMod val="50000"/>
+              <a:lumOff val="50000"/>
+            </a:schemeClr>
+          </a:solidFill>
+          <a:ln>
+            <a:noFill/>
+          </a:ln>
+        </p:spPr>
+        <p:style>
+          <a:lnRef idx="0">
+            <a:scrgbClr r="0" g="0" b="0"/>
+          </a:lnRef>
+          <a:fillRef idx="0">
+            <a:scrgbClr r="0" g="0" b="0"/>
+          </a:fillRef>
+          <a:effectRef idx="0">
+            <a:scrgbClr r="0" g="0" b="0"/>
+          </a:effectRef>
+          <a:fontRef idx="minor">
+            <a:schemeClr val="lt1"/>
+          </a:fontRef>
+        </p:style>
+        <p:txBody>
+          <a:bodyPr rtlCol="0" anchor="ctr"/>
+          <a:lstStyle/>
+          <a:p>
+            <a:pPr algn="ctr"/>
+            <a:endParaRPr lang="en-US"/>
+          </a:p>
+        </p:txBody>
+      </p:sp>
+      <p:sp>
+        <p:nvSpPr>
+          <p:cNvPr id="22" name="Hình Bầu dục 21">
+            <a:extLst>
+              <a:ext uri="{FF2B5EF4-FFF2-40B4-BE49-F238E27FC236}">
+                <a16:creationId xmlns:a16="http://schemas.microsoft.com/office/drawing/2014/main" id="{22EFA54D-1392-DBE2-04BF-89DB86AA8FB7}"/>
+              </a:ext>
+            </a:extLst>
+          </p:cNvPr>
+          <p:cNvSpPr/>
+          <p:nvPr/>
+        </p:nvSpPr>
+        <p:spPr>
+          <a:xfrm>
+            <a:off x="3692077" y="3130033"/>
+            <a:ext cx="182880" cy="182880"/>
+          </a:xfrm>
+          <a:prstGeom prst="ellipse">
+            <a:avLst/>
+          </a:prstGeom>
+          <a:solidFill>
+            <a:schemeClr val="tx1">
+              <a:lumMod val="50000"/>
+              <a:lumOff val="50000"/>
+            </a:schemeClr>
+          </a:solidFill>
+          <a:ln>
+            <a:noFill/>
+          </a:ln>
+        </p:spPr>
+        <p:style>
+          <a:lnRef idx="0">
+            <a:scrgbClr r="0" g="0" b="0"/>
+          </a:lnRef>
+          <a:fillRef idx="0">
+            <a:scrgbClr r="0" g="0" b="0"/>
+          </a:fillRef>
+          <a:effectRef idx="0">
+            <a:scrgbClr r="0" g="0" b="0"/>
+          </a:effectRef>
+          <a:fontRef idx="minor">
+            <a:schemeClr val="lt1"/>
+          </a:fontRef>
+        </p:style>
+        <p:txBody>
+          <a:bodyPr rtlCol="0" anchor="ctr"/>
+          <a:lstStyle/>
+          <a:p>
+            <a:pPr algn="ctr"/>
+            <a:endParaRPr lang="en-US"/>
+          </a:p>
+        </p:txBody>
+      </p:sp>
+      <p:grpSp>
+        <p:nvGrpSpPr>
+          <p:cNvPr id="48" name="Nhóm 47">
+            <a:extLst>
+              <a:ext uri="{FF2B5EF4-FFF2-40B4-BE49-F238E27FC236}">
+                <a16:creationId xmlns:a16="http://schemas.microsoft.com/office/drawing/2014/main" id="{D2D6A8DA-C185-479D-8050-B2192DA0E1FB}"/>
+              </a:ext>
+            </a:extLst>
+          </p:cNvPr>
+          <p:cNvGrpSpPr/>
+          <p:nvPr/>
+        </p:nvGrpSpPr>
+        <p:grpSpPr>
+          <a:xfrm>
+            <a:off x="10500988" y="2285520"/>
+            <a:ext cx="1581912" cy="1578406"/>
+            <a:chOff x="9121064" y="2750295"/>
+            <a:chExt cx="1581912" cy="1578406"/>
+          </a:xfrm>
+        </p:grpSpPr>
+        <p:cxnSp>
+          <p:nvCxnSpPr>
+            <p:cNvPr id="33" name="Đường nối Thẳng 32">
+              <a:extLst>
+                <a:ext uri="{FF2B5EF4-FFF2-40B4-BE49-F238E27FC236}">
+                  <a16:creationId xmlns:a16="http://schemas.microsoft.com/office/drawing/2014/main" id="{76B397B2-21D7-5822-0D01-A809ECA8E632}"/>
+                </a:ext>
+              </a:extLst>
+            </p:cNvPr>
+            <p:cNvCxnSpPr/>
+            <p:nvPr/>
+          </p:nvCxnSpPr>
+          <p:spPr>
+            <a:xfrm>
+              <a:off x="9912020" y="2750295"/>
+              <a:ext cx="0" cy="1578406"/>
+            </a:xfrm>
+            <a:prstGeom prst="line">
+              <a:avLst/>
+            </a:prstGeom>
+          </p:spPr>
+          <p:style>
+            <a:lnRef idx="1">
+              <a:schemeClr val="accent1"/>
+            </a:lnRef>
+            <a:fillRef idx="0">
+              <a:schemeClr val="accent1"/>
+            </a:fillRef>
+            <a:effectRef idx="0">
+              <a:schemeClr val="accent1"/>
+            </a:effectRef>
+            <a:fontRef idx="minor">
+              <a:schemeClr val="tx1"/>
+            </a:fontRef>
+          </p:style>
+        </p:cxnSp>
+        <p:cxnSp>
+          <p:nvCxnSpPr>
+            <p:cNvPr id="34" name="Đường nối Thẳng 33">
+              <a:extLst>
+                <a:ext uri="{FF2B5EF4-FFF2-40B4-BE49-F238E27FC236}">
+                  <a16:creationId xmlns:a16="http://schemas.microsoft.com/office/drawing/2014/main" id="{A6F6833C-4BD2-3C65-8FBC-934D89ABA99D}"/>
+                </a:ext>
+              </a:extLst>
+            </p:cNvPr>
+            <p:cNvCxnSpPr>
+              <a:cxnSpLocks/>
+            </p:cNvCxnSpPr>
+            <p:nvPr/>
+          </p:nvCxnSpPr>
+          <p:spPr>
+            <a:xfrm>
+              <a:off x="9121064" y="3539498"/>
+              <a:ext cx="1581912" cy="0"/>
+            </a:xfrm>
+            <a:prstGeom prst="line">
+              <a:avLst/>
+            </a:prstGeom>
+          </p:spPr>
+          <p:style>
+            <a:lnRef idx="1">
+              <a:schemeClr val="accent1"/>
+            </a:lnRef>
+            <a:fillRef idx="0">
+              <a:schemeClr val="accent1"/>
+            </a:fillRef>
+            <a:effectRef idx="0">
+              <a:schemeClr val="accent1"/>
+            </a:effectRef>
+            <a:fontRef idx="minor">
+              <a:schemeClr val="tx1"/>
+            </a:fontRef>
+          </p:style>
+        </p:cxnSp>
+      </p:grpSp>
+      <p:sp>
+        <p:nvSpPr>
+          <p:cNvPr id="35" name="Hộp Văn bản 34">
+            <a:extLst>
+              <a:ext uri="{FF2B5EF4-FFF2-40B4-BE49-F238E27FC236}">
+                <a16:creationId xmlns:a16="http://schemas.microsoft.com/office/drawing/2014/main" id="{3A67D430-3628-864A-87AC-64B8EE043B76}"/>
+              </a:ext>
+            </a:extLst>
+          </p:cNvPr>
+          <p:cNvSpPr txBox="1"/>
+          <p:nvPr/>
+        </p:nvSpPr>
+        <p:spPr>
+          <a:xfrm>
+            <a:off x="2379908" y="1290773"/>
+            <a:ext cx="1332416" cy="369332"/>
+          </a:xfrm>
+          <a:prstGeom prst="rect">
+            <a:avLst/>
+          </a:prstGeom>
+          <a:noFill/>
+        </p:spPr>
+        <p:txBody>
+          <a:bodyPr wrap="none" rtlCol="0">
+            <a:spAutoFit/>
+          </a:bodyPr>
+          <a:lstStyle/>
+          <a:p>
+            <a:r>
+              <a:rPr lang="en-US" dirty="0">
+                <a:solidFill>
+                  <a:schemeClr val="accent6">
+                    <a:lumMod val="75000"/>
+                  </a:schemeClr>
+                </a:solidFill>
+                <a:latin typeface="Times New Roman" panose="02020603050405020304" pitchFamily="18" charset="0"/>
+                <a:cs typeface="Times New Roman" panose="02020603050405020304" pitchFamily="18" charset="0"/>
+              </a:rPr>
+              <a:t>Image space</a:t>
+            </a:r>
+          </a:p>
+        </p:txBody>
+      </p:sp>
+      <p:sp>
+        <p:nvSpPr>
+          <p:cNvPr id="36" name="Hộp Văn bản 35">
+            <a:extLst>
+              <a:ext uri="{FF2B5EF4-FFF2-40B4-BE49-F238E27FC236}">
+                <a16:creationId xmlns:a16="http://schemas.microsoft.com/office/drawing/2014/main" id="{4FF80D91-C176-39A0-123D-8E4909041573}"/>
+              </a:ext>
+            </a:extLst>
+          </p:cNvPr>
+          <p:cNvSpPr txBox="1"/>
+          <p:nvPr/>
+        </p:nvSpPr>
+        <p:spPr>
+          <a:xfrm>
+            <a:off x="8110533" y="1290773"/>
+            <a:ext cx="1691489" cy="369332"/>
+          </a:xfrm>
+          <a:prstGeom prst="rect">
+            <a:avLst/>
+          </a:prstGeom>
+          <a:noFill/>
+        </p:spPr>
+        <p:txBody>
+          <a:bodyPr wrap="none" rtlCol="0">
+            <a:spAutoFit/>
+          </a:bodyPr>
+          <a:lstStyle/>
+          <a:p>
+            <a:r>
+              <a:rPr lang="en-US" dirty="0">
+                <a:solidFill>
+                  <a:schemeClr val="accent6">
+                    <a:lumMod val="75000"/>
+                  </a:schemeClr>
+                </a:solidFill>
+                <a:latin typeface="Times New Roman" panose="02020603050405020304" pitchFamily="18" charset="0"/>
+                <a:cs typeface="Times New Roman" panose="02020603050405020304" pitchFamily="18" charset="0"/>
+              </a:rPr>
+              <a:t>Parameter space</a:t>
+            </a:r>
+          </a:p>
+        </p:txBody>
+      </p:sp>
+      <mc:AlternateContent xmlns:mc="http://schemas.openxmlformats.org/markup-compatibility/2006">
+        <mc:Choice xmlns:a14="http://schemas.microsoft.com/office/drawing/2010/main" Requires="a14">
+          <p:sp>
+            <p:nvSpPr>
+              <p:cNvPr id="43" name="Hộp Văn bản 42">
+                <a:extLst>
+                  <a:ext uri="{FF2B5EF4-FFF2-40B4-BE49-F238E27FC236}">
+                    <a16:creationId xmlns:a16="http://schemas.microsoft.com/office/drawing/2014/main" id="{4BDEE6AA-E8CE-6028-B30B-8E6F4247665E}"/>
+                  </a:ext>
+                </a:extLst>
+              </p:cNvPr>
+              <p:cNvSpPr txBox="1"/>
+              <p:nvPr/>
+            </p:nvSpPr>
+            <p:spPr>
+              <a:xfrm>
+                <a:off x="1492154" y="5379910"/>
+                <a:ext cx="3049681" cy="400110"/>
+              </a:xfrm>
+              <a:prstGeom prst="rect">
+                <a:avLst/>
+              </a:prstGeom>
+              <a:noFill/>
+            </p:spPr>
+            <p:txBody>
+              <a:bodyPr wrap="none" rtlCol="0">
+                <a:spAutoFit/>
+              </a:bodyPr>
+              <a:lstStyle/>
+              <a:p>
+                <a14:m>
+                  <m:oMath xmlns:m="http://schemas.openxmlformats.org/officeDocument/2006/math">
+                    <m:sSup>
+                      <m:sSupPr>
+                        <m:ctrlPr>
+                          <a:rPr lang="en-US" sz="2000" i="1" smtClean="0">
+                            <a:latin typeface="Cambria Math" panose="02040503050406030204" pitchFamily="18" charset="0"/>
+                          </a:rPr>
+                        </m:ctrlPr>
+                      </m:sSupPr>
+                      <m:e>
+                        <m:r>
+                          <a:rPr lang="en-US" sz="2000" b="0" i="1" smtClean="0">
+                            <a:latin typeface="Cambria Math" panose="02040503050406030204" pitchFamily="18" charset="0"/>
+                          </a:rPr>
+                          <m:t>(</m:t>
+                        </m:r>
+                        <m:sSub>
+                          <m:sSubPr>
+                            <m:ctrlPr>
+                              <a:rPr lang="en-US" sz="2000" i="1" smtClean="0">
+                                <a:solidFill>
+                                  <a:schemeClr val="accent6">
+                                    <a:lumMod val="75000"/>
+                                  </a:schemeClr>
+                                </a:solidFill>
+                                <a:latin typeface="Cambria Math" panose="02040503050406030204" pitchFamily="18" charset="0"/>
+                              </a:rPr>
+                            </m:ctrlPr>
+                          </m:sSubPr>
+                          <m:e>
+                            <m:r>
+                              <a:rPr lang="en-US" sz="2000" b="0" i="1" smtClean="0">
+                                <a:solidFill>
+                                  <a:schemeClr val="accent6">
+                                    <a:lumMod val="75000"/>
+                                  </a:schemeClr>
+                                </a:solidFill>
+                                <a:latin typeface="Cambria Math" panose="02040503050406030204" pitchFamily="18" charset="0"/>
+                              </a:rPr>
+                              <m:t>𝑥</m:t>
+                            </m:r>
+                          </m:e>
+                          <m:sub>
+                            <m:r>
+                              <a:rPr lang="en-US" sz="2000" b="0" i="1" smtClean="0">
+                                <a:solidFill>
+                                  <a:schemeClr val="accent6">
+                                    <a:lumMod val="75000"/>
+                                  </a:schemeClr>
+                                </a:solidFill>
+                                <a:latin typeface="Cambria Math" panose="02040503050406030204" pitchFamily="18" charset="0"/>
+                              </a:rPr>
+                              <m:t>𝑖</m:t>
+                            </m:r>
+                          </m:sub>
+                        </m:sSub>
+                        <m:r>
+                          <a:rPr lang="en-US" sz="2000" b="0" i="1" smtClean="0">
+                            <a:latin typeface="Cambria Math" panose="02040503050406030204" pitchFamily="18" charset="0"/>
+                          </a:rPr>
+                          <m:t>−</m:t>
+                        </m:r>
+                        <m:r>
+                          <a:rPr lang="en-US" sz="2000" b="0" i="1" smtClean="0">
+                            <a:latin typeface="Cambria Math" panose="02040503050406030204" pitchFamily="18" charset="0"/>
+                          </a:rPr>
+                          <m:t>𝑎</m:t>
+                        </m:r>
+                        <m:r>
+                          <a:rPr lang="en-US" sz="2000" b="0" i="1" smtClean="0">
+                            <a:latin typeface="Cambria Math" panose="02040503050406030204" pitchFamily="18" charset="0"/>
+                          </a:rPr>
+                          <m:t>)</m:t>
+                        </m:r>
+                      </m:e>
+                      <m:sup>
+                        <m:r>
+                          <a:rPr lang="en-US" sz="2000" b="0" i="1" smtClean="0">
+                            <a:latin typeface="Cambria Math" panose="02040503050406030204" pitchFamily="18" charset="0"/>
+                          </a:rPr>
+                          <m:t>2</m:t>
+                        </m:r>
+                      </m:sup>
+                    </m:sSup>
+                    <m:r>
+                      <a:rPr lang="en-US" sz="2000" b="0" i="1" smtClean="0">
+                        <a:latin typeface="Cambria Math" panose="02040503050406030204" pitchFamily="18" charset="0"/>
+                      </a:rPr>
+                      <m:t>+ </m:t>
+                    </m:r>
+                    <m:sSup>
+                      <m:sSupPr>
+                        <m:ctrlPr>
+                          <a:rPr lang="en-US" sz="2000" i="1">
+                            <a:latin typeface="Cambria Math" panose="02040503050406030204" pitchFamily="18" charset="0"/>
+                          </a:rPr>
+                        </m:ctrlPr>
+                      </m:sSupPr>
+                      <m:e>
+                        <m:r>
+                          <a:rPr lang="en-US" sz="2000" i="1">
+                            <a:latin typeface="Cambria Math" panose="02040503050406030204" pitchFamily="18" charset="0"/>
+                          </a:rPr>
+                          <m:t>(</m:t>
+                        </m:r>
+                        <m:sSub>
+                          <m:sSubPr>
+                            <m:ctrlPr>
+                              <a:rPr lang="en-US" sz="2000" i="1" smtClean="0">
+                                <a:solidFill>
+                                  <a:schemeClr val="accent6">
+                                    <a:lumMod val="75000"/>
+                                  </a:schemeClr>
+                                </a:solidFill>
+                                <a:latin typeface="Cambria Math" panose="02040503050406030204" pitchFamily="18" charset="0"/>
+                              </a:rPr>
+                            </m:ctrlPr>
+                          </m:sSubPr>
+                          <m:e>
+                            <m:r>
+                              <a:rPr lang="en-US" sz="2000" b="0" i="1" smtClean="0">
+                                <a:solidFill>
+                                  <a:schemeClr val="accent6">
+                                    <a:lumMod val="75000"/>
+                                  </a:schemeClr>
+                                </a:solidFill>
+                                <a:latin typeface="Cambria Math" panose="02040503050406030204" pitchFamily="18" charset="0"/>
+                              </a:rPr>
+                              <m:t>𝑦</m:t>
+                            </m:r>
+                          </m:e>
+                          <m:sub>
+                            <m:r>
+                              <a:rPr lang="en-US" sz="2000" i="1">
+                                <a:solidFill>
+                                  <a:schemeClr val="accent6">
+                                    <a:lumMod val="75000"/>
+                                  </a:schemeClr>
+                                </a:solidFill>
+                                <a:latin typeface="Cambria Math" panose="02040503050406030204" pitchFamily="18" charset="0"/>
+                              </a:rPr>
+                              <m:t>𝑖</m:t>
+                            </m:r>
+                          </m:sub>
+                        </m:sSub>
+                        <m:r>
+                          <a:rPr lang="en-US" sz="2000" i="1">
+                            <a:latin typeface="Cambria Math" panose="02040503050406030204" pitchFamily="18" charset="0"/>
+                          </a:rPr>
+                          <m:t>−</m:t>
+                        </m:r>
+                        <m:r>
+                          <a:rPr lang="en-US" sz="2000" b="0" i="1" smtClean="0">
+                            <a:latin typeface="Cambria Math" panose="02040503050406030204" pitchFamily="18" charset="0"/>
+                          </a:rPr>
+                          <m:t>𝑏</m:t>
+                        </m:r>
+                        <m:r>
+                          <a:rPr lang="en-US" sz="2000" i="1">
+                            <a:latin typeface="Cambria Math" panose="02040503050406030204" pitchFamily="18" charset="0"/>
+                          </a:rPr>
+                          <m:t>)</m:t>
+                        </m:r>
+                      </m:e>
+                      <m:sup>
+                        <m:r>
+                          <a:rPr lang="en-US" sz="2000" i="1">
+                            <a:latin typeface="Cambria Math" panose="02040503050406030204" pitchFamily="18" charset="0"/>
+                          </a:rPr>
+                          <m:t>2</m:t>
+                        </m:r>
+                      </m:sup>
+                    </m:sSup>
+                  </m:oMath>
+                </a14:m>
+                <a:r>
+                  <a:rPr lang="en-US" sz="2000" dirty="0"/>
+                  <a:t> = </a:t>
+                </a:r>
+                <a14:m>
+                  <m:oMath xmlns:m="http://schemas.openxmlformats.org/officeDocument/2006/math">
+                    <m:sSup>
+                      <m:sSupPr>
+                        <m:ctrlPr>
+                          <a:rPr lang="en-US" sz="2000" i="1">
+                            <a:latin typeface="Cambria Math" panose="02040503050406030204" pitchFamily="18" charset="0"/>
+                          </a:rPr>
+                        </m:ctrlPr>
+                      </m:sSupPr>
+                      <m:e>
+                        <m:r>
+                          <a:rPr lang="en-US" sz="2000" b="0" i="1" smtClean="0">
+                            <a:latin typeface="Cambria Math" panose="02040503050406030204" pitchFamily="18" charset="0"/>
+                          </a:rPr>
+                          <m:t>𝑟</m:t>
+                        </m:r>
+                      </m:e>
+                      <m:sup>
+                        <m:r>
+                          <a:rPr lang="en-US" sz="2000" i="1">
+                            <a:latin typeface="Cambria Math" panose="02040503050406030204" pitchFamily="18" charset="0"/>
+                          </a:rPr>
+                          <m:t>2</m:t>
+                        </m:r>
+                      </m:sup>
+                    </m:sSup>
+                  </m:oMath>
+                </a14:m>
+                <a:endParaRPr lang="en-US" sz="2000" dirty="0"/>
+              </a:p>
+            </p:txBody>
+          </p:sp>
+        </mc:Choice>
+        <mc:Fallback>
+          <p:sp>
+            <p:nvSpPr>
+              <p:cNvPr id="43" name="Hộp Văn bản 42">
+                <a:extLst>
+                  <a:ext uri="{FF2B5EF4-FFF2-40B4-BE49-F238E27FC236}">
+                    <a16:creationId xmlns:a16="http://schemas.microsoft.com/office/drawing/2014/main" id="{4BDEE6AA-E8CE-6028-B30B-8E6F4247665E}"/>
+                  </a:ext>
+                </a:extLst>
+              </p:cNvPr>
+              <p:cNvSpPr txBox="1">
+                <a:spLocks noRot="1" noChangeAspect="1" noMove="1" noResize="1" noEditPoints="1" noAdjustHandles="1" noChangeArrowheads="1" noChangeShapeType="1" noTextEdit="1"/>
+              </p:cNvSpPr>
+              <p:nvPr/>
+            </p:nvSpPr>
+            <p:spPr>
+              <a:xfrm>
+                <a:off x="1492154" y="5379910"/>
+                <a:ext cx="3049681" cy="400110"/>
+              </a:xfrm>
+              <a:prstGeom prst="rect">
+                <a:avLst/>
+              </a:prstGeom>
+              <a:blipFill>
+                <a:blip r:embed="rId3"/>
+                <a:stretch>
+                  <a:fillRect l="-1000" t="-9231" b="-27692"/>
+                </a:stretch>
+              </a:blipFill>
+            </p:spPr>
+            <p:txBody>
+              <a:bodyPr/>
+              <a:lstStyle/>
+              <a:p>
+                <a:r>
+                  <a:rPr lang="en-US">
+                    <a:noFill/>
+                  </a:rPr>
+                  <a:t> </a:t>
+                </a:r>
+              </a:p>
+            </p:txBody>
+          </p:sp>
+        </mc:Fallback>
+      </mc:AlternateContent>
+      <p:sp>
+        <p:nvSpPr>
+          <p:cNvPr id="44" name="Hộp Văn bản 43">
+            <a:extLst>
+              <a:ext uri="{FF2B5EF4-FFF2-40B4-BE49-F238E27FC236}">
+                <a16:creationId xmlns:a16="http://schemas.microsoft.com/office/drawing/2014/main" id="{5FD18B25-B0ED-20FC-2180-C11F9E504E97}"/>
+              </a:ext>
+            </a:extLst>
+          </p:cNvPr>
+          <p:cNvSpPr txBox="1"/>
+          <p:nvPr/>
+        </p:nvSpPr>
+        <p:spPr>
+          <a:xfrm>
+            <a:off x="4982557" y="5166365"/>
+            <a:ext cx="287258" cy="369332"/>
+          </a:xfrm>
+          <a:prstGeom prst="rect">
+            <a:avLst/>
+          </a:prstGeom>
+          <a:noFill/>
+        </p:spPr>
+        <p:txBody>
+          <a:bodyPr wrap="none" rtlCol="0">
+            <a:spAutoFit/>
+          </a:bodyPr>
+          <a:lstStyle/>
+          <a:p>
+            <a:r>
+              <a:rPr lang="en-US" i="1" dirty="0">
+                <a:latin typeface="Times New Roman" panose="02020603050405020304" pitchFamily="18" charset="0"/>
+                <a:cs typeface="Times New Roman" panose="02020603050405020304" pitchFamily="18" charset="0"/>
+              </a:rPr>
+              <a:t>x</a:t>
+            </a:r>
+          </a:p>
+        </p:txBody>
+      </p:sp>
+      <p:sp>
+        <p:nvSpPr>
+          <p:cNvPr id="45" name="Hộp Văn bản 44">
+            <a:extLst>
+              <a:ext uri="{FF2B5EF4-FFF2-40B4-BE49-F238E27FC236}">
+                <a16:creationId xmlns:a16="http://schemas.microsoft.com/office/drawing/2014/main" id="{8C00F8B6-1A41-8194-895E-72EED4A86B0E}"/>
+              </a:ext>
+            </a:extLst>
+          </p:cNvPr>
+          <p:cNvSpPr txBox="1"/>
+          <p:nvPr/>
+        </p:nvSpPr>
+        <p:spPr>
+          <a:xfrm>
+            <a:off x="696758" y="1878715"/>
+            <a:ext cx="287258" cy="369332"/>
+          </a:xfrm>
+          <a:prstGeom prst="rect">
+            <a:avLst/>
+          </a:prstGeom>
+          <a:noFill/>
+        </p:spPr>
+        <p:txBody>
+          <a:bodyPr wrap="none" rtlCol="0">
+            <a:spAutoFit/>
+          </a:bodyPr>
+          <a:lstStyle/>
+          <a:p>
+            <a:r>
+              <a:rPr lang="en-US" i="1" dirty="0">
+                <a:latin typeface="Times New Roman" panose="02020603050405020304" pitchFamily="18" charset="0"/>
+                <a:cs typeface="Times New Roman" panose="02020603050405020304" pitchFamily="18" charset="0"/>
+              </a:rPr>
+              <a:t>y</a:t>
+            </a:r>
+          </a:p>
+        </p:txBody>
+      </p:sp>
+      <mc:AlternateContent xmlns:mc="http://schemas.openxmlformats.org/markup-compatibility/2006">
+        <mc:Choice xmlns:a14="http://schemas.microsoft.com/office/drawing/2010/main" Requires="a14">
+          <p:sp>
+            <p:nvSpPr>
+              <p:cNvPr id="49" name="Hộp Văn bản 48">
+                <a:extLst>
+                  <a:ext uri="{FF2B5EF4-FFF2-40B4-BE49-F238E27FC236}">
+                    <a16:creationId xmlns:a16="http://schemas.microsoft.com/office/drawing/2014/main" id="{82048B18-4562-A0C7-E54C-F194CEDD92C5}"/>
+                  </a:ext>
+                </a:extLst>
+              </p:cNvPr>
+              <p:cNvSpPr txBox="1"/>
+              <p:nvPr/>
+            </p:nvSpPr>
+            <p:spPr>
+              <a:xfrm>
+                <a:off x="7431436" y="5379910"/>
+                <a:ext cx="3105787" cy="400110"/>
+              </a:xfrm>
+              <a:prstGeom prst="rect">
+                <a:avLst/>
+              </a:prstGeom>
+              <a:noFill/>
+            </p:spPr>
+            <p:txBody>
+              <a:bodyPr wrap="none" rtlCol="0">
+                <a:spAutoFit/>
+              </a:bodyPr>
+              <a:lstStyle/>
+              <a:p>
+                <a14:m>
+                  <m:oMath xmlns:m="http://schemas.openxmlformats.org/officeDocument/2006/math">
+                    <m:sSup>
+                      <m:sSupPr>
+                        <m:ctrlPr>
+                          <a:rPr lang="en-US" sz="2000" i="1" smtClean="0">
+                            <a:latin typeface="Cambria Math" panose="02040503050406030204" pitchFamily="18" charset="0"/>
+                          </a:rPr>
+                        </m:ctrlPr>
+                      </m:sSupPr>
+                      <m:e>
+                        <m:r>
+                          <a:rPr lang="en-US" sz="2000" b="0" i="1" smtClean="0">
+                            <a:latin typeface="Cambria Math" panose="02040503050406030204" pitchFamily="18" charset="0"/>
+                          </a:rPr>
+                          <m:t>(</m:t>
+                        </m:r>
+                        <m:sSub>
+                          <m:sSubPr>
+                            <m:ctrlPr>
+                              <a:rPr lang="en-US" sz="2000" i="1" smtClean="0">
+                                <a:solidFill>
+                                  <a:schemeClr val="accent6">
+                                    <a:lumMod val="75000"/>
+                                  </a:schemeClr>
+                                </a:solidFill>
+                                <a:latin typeface="Cambria Math" panose="02040503050406030204" pitchFamily="18" charset="0"/>
+                              </a:rPr>
+                            </m:ctrlPr>
+                          </m:sSubPr>
+                          <m:e>
+                            <m:r>
+                              <a:rPr lang="en-US" sz="2000" b="0" i="1" smtClean="0">
+                                <a:solidFill>
+                                  <a:schemeClr val="accent6">
+                                    <a:lumMod val="75000"/>
+                                  </a:schemeClr>
+                                </a:solidFill>
+                                <a:latin typeface="Cambria Math" panose="02040503050406030204" pitchFamily="18" charset="0"/>
+                              </a:rPr>
+                              <m:t>𝑎</m:t>
+                            </m:r>
+                            <m:r>
+                              <a:rPr lang="en-US" sz="2000" b="0" i="1" smtClean="0">
+                                <a:solidFill>
+                                  <a:schemeClr val="tx1"/>
+                                </a:solidFill>
+                                <a:latin typeface="Cambria Math" panose="02040503050406030204" pitchFamily="18" charset="0"/>
+                              </a:rPr>
+                              <m:t>−</m:t>
+                            </m:r>
+                            <m:r>
+                              <a:rPr lang="en-US" sz="2000" b="0" i="1" smtClean="0">
+                                <a:solidFill>
+                                  <a:schemeClr val="tx1"/>
+                                </a:solidFill>
+                                <a:latin typeface="Cambria Math" panose="02040503050406030204" pitchFamily="18" charset="0"/>
+                              </a:rPr>
+                              <m:t>𝑥</m:t>
+                            </m:r>
+                          </m:e>
+                          <m:sub>
+                            <m:r>
+                              <a:rPr lang="en-US" sz="2000" b="0" i="1" smtClean="0">
+                                <a:solidFill>
+                                  <a:schemeClr val="tx1"/>
+                                </a:solidFill>
+                                <a:latin typeface="Cambria Math" panose="02040503050406030204" pitchFamily="18" charset="0"/>
+                              </a:rPr>
+                              <m:t>𝑖</m:t>
+                            </m:r>
+                          </m:sub>
+                        </m:sSub>
+                        <m:r>
+                          <a:rPr lang="en-US" sz="2000" b="0" i="1" smtClean="0">
+                            <a:latin typeface="Cambria Math" panose="02040503050406030204" pitchFamily="18" charset="0"/>
+                          </a:rPr>
+                          <m:t>)</m:t>
+                        </m:r>
+                      </m:e>
+                      <m:sup>
+                        <m:r>
+                          <a:rPr lang="en-US" sz="2000" b="0" i="1" smtClean="0">
+                            <a:latin typeface="Cambria Math" panose="02040503050406030204" pitchFamily="18" charset="0"/>
+                          </a:rPr>
+                          <m:t>2</m:t>
+                        </m:r>
+                      </m:sup>
+                    </m:sSup>
+                    <m:r>
+                      <a:rPr lang="en-US" sz="2000" b="0" i="1" smtClean="0">
+                        <a:latin typeface="Cambria Math" panose="02040503050406030204" pitchFamily="18" charset="0"/>
+                      </a:rPr>
+                      <m:t>+ </m:t>
+                    </m:r>
+                    <m:sSup>
+                      <m:sSupPr>
+                        <m:ctrlPr>
+                          <a:rPr lang="en-US" sz="2000" i="1">
+                            <a:latin typeface="Cambria Math" panose="02040503050406030204" pitchFamily="18" charset="0"/>
+                          </a:rPr>
+                        </m:ctrlPr>
+                      </m:sSupPr>
+                      <m:e>
+                        <m:r>
+                          <a:rPr lang="en-US" sz="2000" i="1">
+                            <a:latin typeface="Cambria Math" panose="02040503050406030204" pitchFamily="18" charset="0"/>
+                          </a:rPr>
+                          <m:t>(</m:t>
+                        </m:r>
+                        <m:sSub>
+                          <m:sSubPr>
+                            <m:ctrlPr>
+                              <a:rPr lang="en-US" sz="2000" i="1" smtClean="0">
+                                <a:solidFill>
+                                  <a:schemeClr val="tx1"/>
+                                </a:solidFill>
+                                <a:latin typeface="Cambria Math" panose="02040503050406030204" pitchFamily="18" charset="0"/>
+                              </a:rPr>
+                            </m:ctrlPr>
+                          </m:sSubPr>
+                          <m:e>
+                            <m:r>
+                              <a:rPr lang="en-US" sz="2000" b="0" i="1" smtClean="0">
+                                <a:solidFill>
+                                  <a:schemeClr val="accent6">
+                                    <a:lumMod val="75000"/>
+                                  </a:schemeClr>
+                                </a:solidFill>
+                                <a:latin typeface="Cambria Math" panose="02040503050406030204" pitchFamily="18" charset="0"/>
+                              </a:rPr>
+                              <m:t>𝑏</m:t>
+                            </m:r>
+                            <m:r>
+                              <a:rPr lang="en-US" sz="2000" b="0" i="1" smtClean="0">
+                                <a:solidFill>
+                                  <a:schemeClr val="tx1"/>
+                                </a:solidFill>
+                                <a:latin typeface="Cambria Math" panose="02040503050406030204" pitchFamily="18" charset="0"/>
+                              </a:rPr>
+                              <m:t>−</m:t>
+                            </m:r>
+                            <m:r>
+                              <a:rPr lang="en-US" sz="2000" b="0" i="1" smtClean="0">
+                                <a:solidFill>
+                                  <a:schemeClr val="tx1"/>
+                                </a:solidFill>
+                                <a:latin typeface="Cambria Math" panose="02040503050406030204" pitchFamily="18" charset="0"/>
+                              </a:rPr>
+                              <m:t>𝑦</m:t>
+                            </m:r>
+                          </m:e>
+                          <m:sub>
+                            <m:r>
+                              <a:rPr lang="en-US" sz="2000" i="1">
+                                <a:solidFill>
+                                  <a:schemeClr val="tx1"/>
+                                </a:solidFill>
+                                <a:latin typeface="Cambria Math" panose="02040503050406030204" pitchFamily="18" charset="0"/>
+                              </a:rPr>
+                              <m:t>𝑖</m:t>
+                            </m:r>
+                          </m:sub>
+                        </m:sSub>
+                        <m:r>
+                          <a:rPr lang="en-US" sz="2000" i="1">
+                            <a:latin typeface="Cambria Math" panose="02040503050406030204" pitchFamily="18" charset="0"/>
+                          </a:rPr>
+                          <m:t>)</m:t>
+                        </m:r>
+                      </m:e>
+                      <m:sup>
+                        <m:r>
+                          <a:rPr lang="en-US" sz="2000" i="1">
+                            <a:latin typeface="Cambria Math" panose="02040503050406030204" pitchFamily="18" charset="0"/>
+                          </a:rPr>
+                          <m:t>2</m:t>
+                        </m:r>
+                      </m:sup>
+                    </m:sSup>
+                  </m:oMath>
+                </a14:m>
+                <a:r>
+                  <a:rPr lang="en-US" sz="2000" dirty="0"/>
+                  <a:t> = </a:t>
+                </a:r>
+                <a14:m>
+                  <m:oMath xmlns:m="http://schemas.openxmlformats.org/officeDocument/2006/math">
+                    <m:sSup>
+                      <m:sSupPr>
+                        <m:ctrlPr>
+                          <a:rPr lang="en-US" sz="2000" i="1">
+                            <a:latin typeface="Cambria Math" panose="02040503050406030204" pitchFamily="18" charset="0"/>
+                          </a:rPr>
+                        </m:ctrlPr>
+                      </m:sSupPr>
+                      <m:e>
+                        <m:r>
+                          <a:rPr lang="en-US" sz="2000" b="0" i="1" smtClean="0">
+                            <a:latin typeface="Cambria Math" panose="02040503050406030204" pitchFamily="18" charset="0"/>
+                          </a:rPr>
+                          <m:t>𝑟</m:t>
+                        </m:r>
+                      </m:e>
+                      <m:sup>
+                        <m:r>
+                          <a:rPr lang="en-US" sz="2000" i="1">
+                            <a:latin typeface="Cambria Math" panose="02040503050406030204" pitchFamily="18" charset="0"/>
+                          </a:rPr>
+                          <m:t>2</m:t>
+                        </m:r>
+                      </m:sup>
+                    </m:sSup>
+                  </m:oMath>
+                </a14:m>
+                <a:endParaRPr lang="en-US" sz="2000" dirty="0"/>
+              </a:p>
+            </p:txBody>
+          </p:sp>
+        </mc:Choice>
+        <mc:Fallback>
+          <p:sp>
+            <p:nvSpPr>
+              <p:cNvPr id="49" name="Hộp Văn bản 48">
+                <a:extLst>
+                  <a:ext uri="{FF2B5EF4-FFF2-40B4-BE49-F238E27FC236}">
+                    <a16:creationId xmlns:a16="http://schemas.microsoft.com/office/drawing/2014/main" id="{82048B18-4562-A0C7-E54C-F194CEDD92C5}"/>
+                  </a:ext>
+                </a:extLst>
+              </p:cNvPr>
+              <p:cNvSpPr txBox="1">
+                <a:spLocks noRot="1" noChangeAspect="1" noMove="1" noResize="1" noEditPoints="1" noAdjustHandles="1" noChangeArrowheads="1" noChangeShapeType="1" noTextEdit="1"/>
+              </p:cNvSpPr>
+              <p:nvPr/>
+            </p:nvSpPr>
+            <p:spPr>
+              <a:xfrm>
+                <a:off x="7431436" y="5379910"/>
+                <a:ext cx="3105787" cy="400110"/>
+              </a:xfrm>
+              <a:prstGeom prst="rect">
+                <a:avLst/>
+              </a:prstGeom>
+              <a:blipFill>
+                <a:blip r:embed="rId4"/>
+                <a:stretch>
+                  <a:fillRect l="-980" t="-9231" b="-27692"/>
+                </a:stretch>
+              </a:blipFill>
+            </p:spPr>
+            <p:txBody>
+              <a:bodyPr/>
+              <a:lstStyle/>
+              <a:p>
+                <a:r>
+                  <a:rPr lang="en-US">
+                    <a:noFill/>
+                  </a:rPr>
+                  <a:t> </a:t>
+                </a:r>
+              </a:p>
+            </p:txBody>
+          </p:sp>
+        </mc:Fallback>
+      </mc:AlternateContent>
+      <p:sp>
+        <p:nvSpPr>
+          <p:cNvPr id="51" name="Hình Bầu dục 50">
+            <a:extLst>
+              <a:ext uri="{FF2B5EF4-FFF2-40B4-BE49-F238E27FC236}">
+                <a16:creationId xmlns:a16="http://schemas.microsoft.com/office/drawing/2014/main" id="{F7044A43-2F63-46ED-9BDA-27A65CD7C116}"/>
+              </a:ext>
+            </a:extLst>
+          </p:cNvPr>
+          <p:cNvSpPr/>
+          <p:nvPr/>
+        </p:nvSpPr>
+        <p:spPr>
+          <a:xfrm>
+            <a:off x="3700671" y="3130033"/>
+            <a:ext cx="182880" cy="182880"/>
+          </a:xfrm>
+          <a:prstGeom prst="ellipse">
+            <a:avLst/>
+          </a:prstGeom>
+          <a:solidFill>
+            <a:schemeClr val="tx1">
+              <a:lumMod val="50000"/>
+              <a:lumOff val="50000"/>
+            </a:schemeClr>
+          </a:solidFill>
+          <a:ln>
+            <a:noFill/>
+          </a:ln>
+        </p:spPr>
+        <p:style>
+          <a:lnRef idx="0">
+            <a:scrgbClr r="0" g="0" b="0"/>
+          </a:lnRef>
+          <a:fillRef idx="0">
+            <a:scrgbClr r="0" g="0" b="0"/>
+          </a:fillRef>
+          <a:effectRef idx="0">
+            <a:scrgbClr r="0" g="0" b="0"/>
+          </a:effectRef>
+          <a:fontRef idx="minor">
+            <a:schemeClr val="lt1"/>
+          </a:fontRef>
+        </p:style>
+        <p:txBody>
+          <a:bodyPr rtlCol="0" anchor="ctr"/>
+          <a:lstStyle/>
+          <a:p>
+            <a:pPr algn="ctr"/>
+            <a:endParaRPr lang="en-US"/>
+          </a:p>
+        </p:txBody>
+      </p:sp>
+      <p:sp>
+        <p:nvSpPr>
+          <p:cNvPr id="56" name="Hình Bầu dục 55">
+            <a:extLst>
+              <a:ext uri="{FF2B5EF4-FFF2-40B4-BE49-F238E27FC236}">
+                <a16:creationId xmlns:a16="http://schemas.microsoft.com/office/drawing/2014/main" id="{1AC2C1C0-43E4-E995-6C42-D87F29A1EE4C}"/>
+              </a:ext>
+            </a:extLst>
+          </p:cNvPr>
+          <p:cNvSpPr/>
+          <p:nvPr/>
+        </p:nvSpPr>
+        <p:spPr>
+          <a:xfrm>
+            <a:off x="3346903" y="2735713"/>
+            <a:ext cx="182880" cy="182880"/>
+          </a:xfrm>
+          <a:prstGeom prst="ellipse">
+            <a:avLst/>
+          </a:prstGeom>
+          <a:solidFill>
+            <a:srgbClr val="4F81BD"/>
+          </a:solidFill>
+          <a:ln>
+            <a:solidFill>
+              <a:srgbClr val="4F81BD"/>
+            </a:solidFill>
+          </a:ln>
+        </p:spPr>
+        <p:style>
+          <a:lnRef idx="2">
+            <a:schemeClr val="accent1">
+              <a:shade val="15000"/>
+            </a:schemeClr>
+          </a:lnRef>
+          <a:fillRef idx="1">
+            <a:schemeClr val="accent1"/>
+          </a:fillRef>
+          <a:effectRef idx="0">
+            <a:schemeClr val="accent1"/>
+          </a:effectRef>
+          <a:fontRef idx="minor">
+            <a:schemeClr val="lt1"/>
+          </a:fontRef>
+        </p:style>
+        <p:txBody>
+          <a:bodyPr rtlCol="0" anchor="ctr"/>
+          <a:lstStyle/>
+          <a:p>
+            <a:pPr algn="ctr"/>
+            <a:endParaRPr lang="en-US"/>
+          </a:p>
+        </p:txBody>
+      </p:sp>
+      <p:sp>
+        <p:nvSpPr>
+          <p:cNvPr id="57" name="Hình Bầu dục 56">
+            <a:extLst>
+              <a:ext uri="{FF2B5EF4-FFF2-40B4-BE49-F238E27FC236}">
+                <a16:creationId xmlns:a16="http://schemas.microsoft.com/office/drawing/2014/main" id="{A10A5D88-B558-BE29-1BA9-F67912981502}"/>
+              </a:ext>
+            </a:extLst>
+          </p:cNvPr>
+          <p:cNvSpPr/>
+          <p:nvPr/>
+        </p:nvSpPr>
+        <p:spPr>
+          <a:xfrm>
+            <a:off x="3016995" y="2624594"/>
+            <a:ext cx="182880" cy="182880"/>
+          </a:xfrm>
+          <a:prstGeom prst="ellipse">
+            <a:avLst/>
+          </a:prstGeom>
+          <a:solidFill>
+            <a:schemeClr val="tx1">
+              <a:lumMod val="50000"/>
+              <a:lumOff val="50000"/>
+            </a:schemeClr>
+          </a:solidFill>
+          <a:ln>
+            <a:noFill/>
+          </a:ln>
+        </p:spPr>
+        <p:style>
+          <a:lnRef idx="0">
+            <a:scrgbClr r="0" g="0" b="0"/>
+          </a:lnRef>
+          <a:fillRef idx="0">
+            <a:scrgbClr r="0" g="0" b="0"/>
+          </a:fillRef>
+          <a:effectRef idx="0">
+            <a:scrgbClr r="0" g="0" b="0"/>
+          </a:effectRef>
+          <a:fontRef idx="minor">
+            <a:schemeClr val="lt1"/>
+          </a:fontRef>
+        </p:style>
+        <p:txBody>
+          <a:bodyPr rtlCol="0" anchor="ctr"/>
+          <a:lstStyle/>
+          <a:p>
+            <a:pPr algn="ctr"/>
+            <a:endParaRPr lang="en-US"/>
+          </a:p>
+        </p:txBody>
+      </p:sp>
+      <p:sp>
+        <p:nvSpPr>
+          <p:cNvPr id="58" name="Hình Bầu dục 57">
+            <a:extLst>
+              <a:ext uri="{FF2B5EF4-FFF2-40B4-BE49-F238E27FC236}">
+                <a16:creationId xmlns:a16="http://schemas.microsoft.com/office/drawing/2014/main" id="{5FE6CFD7-86A5-B425-98C5-094B8C013F01}"/>
+              </a:ext>
+            </a:extLst>
+          </p:cNvPr>
+          <p:cNvSpPr/>
+          <p:nvPr/>
+        </p:nvSpPr>
+        <p:spPr>
+          <a:xfrm>
+            <a:off x="2212272" y="2974643"/>
+            <a:ext cx="182880" cy="182880"/>
+          </a:xfrm>
+          <a:prstGeom prst="ellipse">
+            <a:avLst/>
+          </a:prstGeom>
+          <a:solidFill>
+            <a:schemeClr val="tx1">
+              <a:lumMod val="50000"/>
+              <a:lumOff val="50000"/>
+            </a:schemeClr>
+          </a:solidFill>
+          <a:ln>
+            <a:noFill/>
+          </a:ln>
+        </p:spPr>
+        <p:style>
+          <a:lnRef idx="0">
+            <a:scrgbClr r="0" g="0" b="0"/>
+          </a:lnRef>
+          <a:fillRef idx="0">
+            <a:scrgbClr r="0" g="0" b="0"/>
+          </a:fillRef>
+          <a:effectRef idx="0">
+            <a:scrgbClr r="0" g="0" b="0"/>
+          </a:effectRef>
+          <a:fontRef idx="minor">
+            <a:schemeClr val="lt1"/>
+          </a:fontRef>
+        </p:style>
+        <p:txBody>
+          <a:bodyPr rtlCol="0" anchor="ctr"/>
+          <a:lstStyle/>
+          <a:p>
+            <a:pPr algn="ctr"/>
+            <a:endParaRPr lang="en-US"/>
+          </a:p>
+        </p:txBody>
+      </p:sp>
+      <p:sp>
+        <p:nvSpPr>
+          <p:cNvPr id="59" name="Hình Bầu dục 58">
+            <a:extLst>
+              <a:ext uri="{FF2B5EF4-FFF2-40B4-BE49-F238E27FC236}">
+                <a16:creationId xmlns:a16="http://schemas.microsoft.com/office/drawing/2014/main" id="{A39F5466-B7B6-E64C-D43B-E3774B7A36D4}"/>
+              </a:ext>
+            </a:extLst>
+          </p:cNvPr>
+          <p:cNvSpPr/>
+          <p:nvPr/>
+        </p:nvSpPr>
+        <p:spPr>
+          <a:xfrm>
+            <a:off x="2134599" y="3356602"/>
+            <a:ext cx="182880" cy="182880"/>
+          </a:xfrm>
+          <a:prstGeom prst="ellipse">
+            <a:avLst/>
+          </a:prstGeom>
+          <a:solidFill>
+            <a:schemeClr val="tx1">
+              <a:lumMod val="50000"/>
+              <a:lumOff val="50000"/>
+            </a:schemeClr>
+          </a:solidFill>
+          <a:ln>
+            <a:noFill/>
+          </a:ln>
+        </p:spPr>
+        <p:style>
+          <a:lnRef idx="0">
+            <a:scrgbClr r="0" g="0" b="0"/>
+          </a:lnRef>
+          <a:fillRef idx="0">
+            <a:scrgbClr r="0" g="0" b="0"/>
+          </a:fillRef>
+          <a:effectRef idx="0">
+            <a:scrgbClr r="0" g="0" b="0"/>
+          </a:effectRef>
+          <a:fontRef idx="minor">
+            <a:schemeClr val="lt1"/>
+          </a:fontRef>
+        </p:style>
+        <p:txBody>
+          <a:bodyPr rtlCol="0" anchor="ctr"/>
+          <a:lstStyle/>
+          <a:p>
+            <a:pPr algn="ctr"/>
+            <a:endParaRPr lang="en-US"/>
+          </a:p>
+        </p:txBody>
+      </p:sp>
+      <p:sp>
+        <p:nvSpPr>
+          <p:cNvPr id="60" name="Hình Bầu dục 59">
+            <a:extLst>
+              <a:ext uri="{FF2B5EF4-FFF2-40B4-BE49-F238E27FC236}">
+                <a16:creationId xmlns:a16="http://schemas.microsoft.com/office/drawing/2014/main" id="{C0B6F480-0173-1266-72F0-07EBA2015A92}"/>
+              </a:ext>
+            </a:extLst>
+          </p:cNvPr>
+          <p:cNvSpPr/>
+          <p:nvPr/>
+        </p:nvSpPr>
+        <p:spPr>
+          <a:xfrm>
+            <a:off x="2248043" y="3897743"/>
+            <a:ext cx="182880" cy="182880"/>
+          </a:xfrm>
+          <a:prstGeom prst="ellipse">
+            <a:avLst/>
+          </a:prstGeom>
+          <a:solidFill>
+            <a:schemeClr val="tx1">
+              <a:lumMod val="50000"/>
+              <a:lumOff val="50000"/>
+            </a:schemeClr>
+          </a:solidFill>
+          <a:ln>
+            <a:noFill/>
+          </a:ln>
+        </p:spPr>
+        <p:style>
+          <a:lnRef idx="0">
+            <a:scrgbClr r="0" g="0" b="0"/>
+          </a:lnRef>
+          <a:fillRef idx="0">
+            <a:scrgbClr r="0" g="0" b="0"/>
+          </a:fillRef>
+          <a:effectRef idx="0">
+            <a:scrgbClr r="0" g="0" b="0"/>
+          </a:effectRef>
+          <a:fontRef idx="minor">
+            <a:schemeClr val="lt1"/>
+          </a:fontRef>
+        </p:style>
+        <p:txBody>
+          <a:bodyPr rtlCol="0" anchor="ctr"/>
+          <a:lstStyle/>
+          <a:p>
+            <a:pPr algn="ctr"/>
+            <a:endParaRPr lang="en-US"/>
+          </a:p>
+        </p:txBody>
+      </p:sp>
+      <p:sp>
+        <p:nvSpPr>
+          <p:cNvPr id="61" name="Hình Bầu dục 60">
+            <a:extLst>
+              <a:ext uri="{FF2B5EF4-FFF2-40B4-BE49-F238E27FC236}">
+                <a16:creationId xmlns:a16="http://schemas.microsoft.com/office/drawing/2014/main" id="{E3F3455E-A128-72E3-F401-BE321F56B7A9}"/>
+              </a:ext>
+            </a:extLst>
+          </p:cNvPr>
+          <p:cNvSpPr/>
+          <p:nvPr/>
+        </p:nvSpPr>
+        <p:spPr>
+          <a:xfrm>
+            <a:off x="2689403" y="4210601"/>
+            <a:ext cx="182880" cy="182880"/>
+          </a:xfrm>
+          <a:prstGeom prst="ellipse">
+            <a:avLst/>
+          </a:prstGeom>
+          <a:solidFill>
+            <a:schemeClr val="tx1">
+              <a:lumMod val="50000"/>
+              <a:lumOff val="50000"/>
+            </a:schemeClr>
+          </a:solidFill>
+          <a:ln>
+            <a:noFill/>
+          </a:ln>
+        </p:spPr>
+        <p:style>
+          <a:lnRef idx="0">
+            <a:scrgbClr r="0" g="0" b="0"/>
+          </a:lnRef>
+          <a:fillRef idx="0">
+            <a:scrgbClr r="0" g="0" b="0"/>
+          </a:fillRef>
+          <a:effectRef idx="0">
+            <a:scrgbClr r="0" g="0" b="0"/>
+          </a:effectRef>
+          <a:fontRef idx="minor">
+            <a:schemeClr val="lt1"/>
+          </a:fontRef>
+        </p:style>
+        <p:txBody>
+          <a:bodyPr rtlCol="0" anchor="ctr"/>
+          <a:lstStyle/>
+          <a:p>
+            <a:pPr algn="ctr"/>
+            <a:endParaRPr lang="en-US"/>
+          </a:p>
+        </p:txBody>
+      </p:sp>
+      <p:sp>
+        <p:nvSpPr>
+          <p:cNvPr id="62" name="Hình Bầu dục 61">
+            <a:extLst>
+              <a:ext uri="{FF2B5EF4-FFF2-40B4-BE49-F238E27FC236}">
+                <a16:creationId xmlns:a16="http://schemas.microsoft.com/office/drawing/2014/main" id="{0145FF1C-A36D-1895-3D3F-8BCEFCB4AD51}"/>
+              </a:ext>
+            </a:extLst>
+          </p:cNvPr>
+          <p:cNvSpPr/>
+          <p:nvPr/>
+        </p:nvSpPr>
+        <p:spPr>
+          <a:xfrm>
+            <a:off x="3255464" y="4176959"/>
+            <a:ext cx="182880" cy="182880"/>
+          </a:xfrm>
+          <a:prstGeom prst="ellipse">
+            <a:avLst/>
+          </a:prstGeom>
+          <a:solidFill>
+            <a:schemeClr val="tx1">
+              <a:lumMod val="50000"/>
+              <a:lumOff val="50000"/>
+            </a:schemeClr>
+          </a:solidFill>
+          <a:ln>
+            <a:noFill/>
+          </a:ln>
+        </p:spPr>
+        <p:style>
+          <a:lnRef idx="0">
+            <a:scrgbClr r="0" g="0" b="0"/>
+          </a:lnRef>
+          <a:fillRef idx="0">
+            <a:scrgbClr r="0" g="0" b="0"/>
+          </a:fillRef>
+          <a:effectRef idx="0">
+            <a:scrgbClr r="0" g="0" b="0"/>
+          </a:effectRef>
+          <a:fontRef idx="minor">
+            <a:schemeClr val="lt1"/>
+          </a:fontRef>
+        </p:style>
+        <p:txBody>
+          <a:bodyPr rtlCol="0" anchor="ctr"/>
+          <a:lstStyle/>
+          <a:p>
+            <a:pPr algn="ctr"/>
+            <a:endParaRPr lang="en-US"/>
+          </a:p>
+        </p:txBody>
+      </p:sp>
+      <p:sp>
+        <p:nvSpPr>
+          <p:cNvPr id="73" name="Hình Bầu dục 72">
+            <a:extLst>
+              <a:ext uri="{FF2B5EF4-FFF2-40B4-BE49-F238E27FC236}">
+                <a16:creationId xmlns:a16="http://schemas.microsoft.com/office/drawing/2014/main" id="{5060D8F8-160F-3F00-4B6A-59D62AC80489}"/>
+              </a:ext>
+            </a:extLst>
+          </p:cNvPr>
+          <p:cNvSpPr/>
+          <p:nvPr/>
+        </p:nvSpPr>
+        <p:spPr>
+          <a:xfrm>
+            <a:off x="2939385" y="3448042"/>
+            <a:ext cx="182880" cy="182880"/>
+          </a:xfrm>
+          <a:prstGeom prst="ellipse">
+            <a:avLst/>
+          </a:prstGeom>
+          <a:solidFill>
+            <a:schemeClr val="accent3"/>
+          </a:solidFill>
+          <a:ln>
+            <a:noFill/>
+          </a:ln>
+        </p:spPr>
+        <p:style>
+          <a:lnRef idx="0">
+            <a:scrgbClr r="0" g="0" b="0"/>
+          </a:lnRef>
+          <a:fillRef idx="0">
+            <a:scrgbClr r="0" g="0" b="0"/>
+          </a:fillRef>
+          <a:effectRef idx="0">
+            <a:scrgbClr r="0" g="0" b="0"/>
+          </a:effectRef>
+          <a:fontRef idx="minor">
+            <a:schemeClr val="lt1"/>
+          </a:fontRef>
+        </p:style>
+        <p:txBody>
+          <a:bodyPr rtlCol="0" anchor="ctr"/>
+          <a:lstStyle/>
+          <a:p>
+            <a:pPr algn="ctr"/>
+            <a:endParaRPr lang="en-US"/>
+          </a:p>
+        </p:txBody>
+      </p:sp>
+      <mc:AlternateContent xmlns:mc="http://schemas.openxmlformats.org/markup-compatibility/2006">
+        <mc:Choice xmlns:a14="http://schemas.microsoft.com/office/drawing/2010/main" Requires="a14">
+          <p:sp>
+            <p:nvSpPr>
+              <p:cNvPr id="76" name="Hộp Văn bản 75">
+                <a:extLst>
+                  <a:ext uri="{FF2B5EF4-FFF2-40B4-BE49-F238E27FC236}">
+                    <a16:creationId xmlns:a16="http://schemas.microsoft.com/office/drawing/2014/main" id="{4B509D6B-C325-E60B-9CBD-679A3CECBC43}"/>
+                  </a:ext>
+                </a:extLst>
+              </p:cNvPr>
+              <p:cNvSpPr txBox="1"/>
+              <p:nvPr/>
+            </p:nvSpPr>
+            <p:spPr>
+              <a:xfrm>
+                <a:off x="3837549" y="3659673"/>
+                <a:ext cx="866519" cy="369332"/>
+              </a:xfrm>
+              <a:prstGeom prst="rect">
+                <a:avLst/>
+              </a:prstGeom>
+              <a:noFill/>
+            </p:spPr>
+            <p:txBody>
+              <a:bodyPr wrap="none" rtlCol="0">
+                <a:spAutoFit/>
+              </a:bodyPr>
+              <a:lstStyle/>
+              <a:p>
+                <a14:m>
+                  <m:oMath xmlns:m="http://schemas.openxmlformats.org/officeDocument/2006/math">
+                    <m:r>
+                      <a:rPr lang="en-US" sz="1800" b="0" i="0" smtClean="0">
+                        <a:latin typeface="Cambria Math" panose="02040503050406030204" pitchFamily="18" charset="0"/>
+                        <a:cs typeface="Times New Roman" panose="02020603050405020304" pitchFamily="18" charset="0"/>
+                      </a:rPr>
+                      <m:t>(</m:t>
+                    </m:r>
+                    <m:sSub>
+                      <m:sSubPr>
+                        <m:ctrlPr>
+                          <a:rPr lang="en-US" sz="1800" b="0" i="1">
+                            <a:latin typeface="Cambria Math" panose="02040503050406030204" pitchFamily="18" charset="0"/>
+                            <a:cs typeface="Times New Roman" panose="02020603050405020304" pitchFamily="18" charset="0"/>
+                          </a:rPr>
+                        </m:ctrlPr>
+                      </m:sSubPr>
+                      <m:e>
+                        <m:r>
+                          <a:rPr lang="en-US" sz="1800" b="0" i="1">
+                            <a:latin typeface="Cambria Math" panose="02040503050406030204" pitchFamily="18" charset="0"/>
+                            <a:cs typeface="Times New Roman" panose="02020603050405020304" pitchFamily="18" charset="0"/>
+                          </a:rPr>
+                          <m:t>𝑥</m:t>
+                        </m:r>
+                      </m:e>
+                      <m:sub>
+                        <m:r>
+                          <a:rPr lang="en-US" sz="1800" b="0" i="1">
+                            <a:latin typeface="Cambria Math" panose="02040503050406030204" pitchFamily="18" charset="0"/>
+                            <a:cs typeface="Times New Roman" panose="02020603050405020304" pitchFamily="18" charset="0"/>
+                          </a:rPr>
+                          <m:t>𝑖</m:t>
+                        </m:r>
+                      </m:sub>
+                    </m:sSub>
+                  </m:oMath>
+                </a14:m>
+                <a:r>
+                  <a:rPr lang="en-US" sz="1800" b="0" i="0" dirty="0">
+                    <a:solidFill>
+                      <a:srgbClr val="000000"/>
+                    </a:solidFill>
+                    <a:effectLst/>
+                    <a:latin typeface="Times New Roman" panose="02020603050405020304" pitchFamily="18" charset="0"/>
+                    <a:cs typeface="Times New Roman" panose="02020603050405020304" pitchFamily="18" charset="0"/>
+                  </a:rPr>
+                  <a:t>, </a:t>
+                </a:r>
+                <a14:m>
+                  <m:oMath xmlns:m="http://schemas.openxmlformats.org/officeDocument/2006/math">
+                    <m:sSub>
+                      <m:sSubPr>
+                        <m:ctrlPr>
+                          <a:rPr lang="en-US" sz="1800" b="0" i="1" smtClean="0">
+                            <a:latin typeface="Cambria Math" panose="02040503050406030204" pitchFamily="18" charset="0"/>
+                            <a:cs typeface="Times New Roman" panose="02020603050405020304" pitchFamily="18" charset="0"/>
+                          </a:rPr>
+                        </m:ctrlPr>
+                      </m:sSubPr>
+                      <m:e>
+                        <m:r>
+                          <a:rPr lang="en-US" sz="1800" b="0" i="1" smtClean="0">
+                            <a:latin typeface="Cambria Math" panose="02040503050406030204" pitchFamily="18" charset="0"/>
+                            <a:cs typeface="Times New Roman" panose="02020603050405020304" pitchFamily="18" charset="0"/>
+                          </a:rPr>
+                          <m:t>𝑦</m:t>
+                        </m:r>
+                      </m:e>
+                      <m:sub>
+                        <m:r>
+                          <a:rPr lang="en-US" sz="1800" b="0" i="1" smtClean="0">
+                            <a:latin typeface="Cambria Math" panose="02040503050406030204" pitchFamily="18" charset="0"/>
+                            <a:cs typeface="Times New Roman" panose="02020603050405020304" pitchFamily="18" charset="0"/>
+                          </a:rPr>
+                          <m:t>𝑖</m:t>
+                        </m:r>
+                      </m:sub>
+                    </m:sSub>
+                  </m:oMath>
+                </a14:m>
+                <a:r>
+                  <a:rPr lang="en-US" sz="1800" b="0" i="1" dirty="0">
+                    <a:latin typeface="Times New Roman" panose="02020603050405020304" pitchFamily="18" charset="0"/>
+                    <a:cs typeface="Times New Roman" panose="02020603050405020304" pitchFamily="18" charset="0"/>
+                  </a:rPr>
+                  <a:t>)</a:t>
+                </a:r>
+                <a:endParaRPr lang="en-US" i="1" dirty="0">
+                  <a:latin typeface="Times New Roman" panose="02020603050405020304" pitchFamily="18" charset="0"/>
+                  <a:cs typeface="Times New Roman" panose="02020603050405020304" pitchFamily="18" charset="0"/>
+                </a:endParaRPr>
+              </a:p>
+            </p:txBody>
+          </p:sp>
+        </mc:Choice>
+        <mc:Fallback>
+          <p:sp>
+            <p:nvSpPr>
+              <p:cNvPr id="76" name="Hộp Văn bản 75">
+                <a:extLst>
+                  <a:ext uri="{FF2B5EF4-FFF2-40B4-BE49-F238E27FC236}">
+                    <a16:creationId xmlns:a16="http://schemas.microsoft.com/office/drawing/2014/main" id="{4B509D6B-C325-E60B-9CBD-679A3CECBC43}"/>
+                  </a:ext>
+                </a:extLst>
+              </p:cNvPr>
+              <p:cNvSpPr txBox="1">
+                <a:spLocks noRot="1" noChangeAspect="1" noMove="1" noResize="1" noEditPoints="1" noAdjustHandles="1" noChangeArrowheads="1" noChangeShapeType="1" noTextEdit="1"/>
+              </p:cNvSpPr>
+              <p:nvPr/>
+            </p:nvSpPr>
+            <p:spPr>
+              <a:xfrm>
+                <a:off x="3837549" y="3659673"/>
+                <a:ext cx="866519" cy="369332"/>
+              </a:xfrm>
+              <a:prstGeom prst="rect">
+                <a:avLst/>
+              </a:prstGeom>
+              <a:blipFill>
+                <a:blip r:embed="rId5"/>
+                <a:stretch>
+                  <a:fillRect l="-2113" t="-8197" r="-4225" b="-24590"/>
+                </a:stretch>
+              </a:blipFill>
+            </p:spPr>
+            <p:txBody>
+              <a:bodyPr/>
+              <a:lstStyle/>
+              <a:p>
+                <a:r>
+                  <a:rPr lang="en-US">
+                    <a:noFill/>
+                  </a:rPr>
+                  <a:t> </a:t>
+                </a:r>
+              </a:p>
+            </p:txBody>
+          </p:sp>
+        </mc:Fallback>
+      </mc:AlternateContent>
+      <p:sp>
+        <p:nvSpPr>
+          <p:cNvPr id="3" name="Hình Bầu dục 2">
+            <a:extLst>
+              <a:ext uri="{FF2B5EF4-FFF2-40B4-BE49-F238E27FC236}">
+                <a16:creationId xmlns:a16="http://schemas.microsoft.com/office/drawing/2014/main" id="{7474E496-D864-2B5D-B5CC-FDDC34C0E7B6}"/>
+              </a:ext>
+            </a:extLst>
+          </p:cNvPr>
+          <p:cNvSpPr/>
+          <p:nvPr/>
+        </p:nvSpPr>
+        <p:spPr>
+          <a:xfrm>
+            <a:off x="8220110" y="2735713"/>
+            <a:ext cx="1581912" cy="1578406"/>
+          </a:xfrm>
+          <a:prstGeom prst="ellipse">
+            <a:avLst/>
+          </a:prstGeom>
+          <a:ln>
+            <a:prstDash val="dash"/>
+            <a:headEnd type="none" w="med" len="med"/>
+            <a:tailEnd type="none" w="med" len="med"/>
+          </a:ln>
+        </p:spPr>
+        <p:style>
+          <a:lnRef idx="2">
+            <a:schemeClr val="accent6"/>
+          </a:lnRef>
+          <a:fillRef idx="1">
+            <a:schemeClr val="lt1"/>
+          </a:fillRef>
+          <a:effectRef idx="0">
+            <a:schemeClr val="accent6"/>
+          </a:effectRef>
+          <a:fontRef idx="minor">
+            <a:schemeClr val="dk1"/>
+          </a:fontRef>
+        </p:style>
+        <p:txBody>
+          <a:bodyPr rtlCol="0" anchor="ctr"/>
+          <a:lstStyle/>
+          <a:p>
+            <a:pPr algn="ctr"/>
+            <a:endParaRPr lang="en-US"/>
+          </a:p>
+        </p:txBody>
+      </p:sp>
+      <p:sp>
+        <p:nvSpPr>
+          <p:cNvPr id="4" name="Hình Bầu dục 3">
+            <a:extLst>
+              <a:ext uri="{FF2B5EF4-FFF2-40B4-BE49-F238E27FC236}">
+                <a16:creationId xmlns:a16="http://schemas.microsoft.com/office/drawing/2014/main" id="{14278C5E-870F-8EBE-CEA1-98A8D2044A69}"/>
+              </a:ext>
+            </a:extLst>
+          </p:cNvPr>
+          <p:cNvSpPr/>
+          <p:nvPr/>
+        </p:nvSpPr>
+        <p:spPr>
+          <a:xfrm>
+            <a:off x="9619142" y="3752899"/>
+            <a:ext cx="182880" cy="182880"/>
+          </a:xfrm>
+          <a:prstGeom prst="ellipse">
+            <a:avLst/>
+          </a:prstGeom>
+          <a:solidFill>
+            <a:schemeClr val="accent1"/>
+          </a:solidFill>
+          <a:ln>
+            <a:noFill/>
+          </a:ln>
+        </p:spPr>
+        <p:style>
+          <a:lnRef idx="0">
+            <a:scrgbClr r="0" g="0" b="0"/>
+          </a:lnRef>
+          <a:fillRef idx="0">
+            <a:scrgbClr r="0" g="0" b="0"/>
+          </a:fillRef>
+          <a:effectRef idx="0">
+            <a:scrgbClr r="0" g="0" b="0"/>
+          </a:effectRef>
+          <a:fontRef idx="minor">
+            <a:schemeClr val="lt1"/>
+          </a:fontRef>
+        </p:style>
+        <p:txBody>
+          <a:bodyPr rtlCol="0" anchor="ctr"/>
+          <a:lstStyle/>
+          <a:p>
+            <a:pPr algn="ctr"/>
+            <a:endParaRPr lang="en-US"/>
+          </a:p>
+        </p:txBody>
+      </p:sp>
+      <p:sp>
+        <p:nvSpPr>
+          <p:cNvPr id="5" name="Hình Bầu dục 4">
+            <a:extLst>
+              <a:ext uri="{FF2B5EF4-FFF2-40B4-BE49-F238E27FC236}">
+                <a16:creationId xmlns:a16="http://schemas.microsoft.com/office/drawing/2014/main" id="{9C3EC9C4-DB4B-A306-0513-F1EB28F5C49A}"/>
+              </a:ext>
+            </a:extLst>
+          </p:cNvPr>
+          <p:cNvSpPr/>
+          <p:nvPr/>
+        </p:nvSpPr>
+        <p:spPr>
+          <a:xfrm>
+            <a:off x="8220110" y="2982130"/>
+            <a:ext cx="182880" cy="182880"/>
+          </a:xfrm>
+          <a:prstGeom prst="ellipse">
+            <a:avLst/>
+          </a:prstGeom>
+          <a:solidFill>
+            <a:schemeClr val="tx1">
+              <a:lumMod val="50000"/>
+              <a:lumOff val="50000"/>
+            </a:schemeClr>
+          </a:solidFill>
+          <a:ln>
+            <a:noFill/>
+          </a:ln>
+        </p:spPr>
+        <p:style>
+          <a:lnRef idx="0">
+            <a:scrgbClr r="0" g="0" b="0"/>
+          </a:lnRef>
+          <a:fillRef idx="0">
+            <a:scrgbClr r="0" g="0" b="0"/>
+          </a:fillRef>
+          <a:effectRef idx="0">
+            <a:scrgbClr r="0" g="0" b="0"/>
+          </a:effectRef>
+          <a:fontRef idx="minor">
+            <a:schemeClr val="lt1"/>
+          </a:fontRef>
+        </p:style>
+        <p:txBody>
+          <a:bodyPr rtlCol="0" anchor="ctr"/>
+          <a:lstStyle/>
+          <a:p>
+            <a:pPr algn="ctr"/>
+            <a:endParaRPr lang="en-US"/>
+          </a:p>
+        </p:txBody>
+      </p:sp>
+      <p:sp>
+        <p:nvSpPr>
+          <p:cNvPr id="7" name="Hình Bầu dục 6">
+            <a:extLst>
+              <a:ext uri="{FF2B5EF4-FFF2-40B4-BE49-F238E27FC236}">
+                <a16:creationId xmlns:a16="http://schemas.microsoft.com/office/drawing/2014/main" id="{9FF2139F-E941-31C8-A147-53E425B0610D}"/>
+              </a:ext>
+            </a:extLst>
+          </p:cNvPr>
+          <p:cNvSpPr/>
+          <p:nvPr/>
+        </p:nvSpPr>
+        <p:spPr>
+          <a:xfrm>
+            <a:off x="8128670" y="3356618"/>
+            <a:ext cx="182880" cy="182880"/>
+          </a:xfrm>
+          <a:prstGeom prst="ellipse">
+            <a:avLst/>
+          </a:prstGeom>
+          <a:solidFill>
+            <a:schemeClr val="tx1">
+              <a:lumMod val="50000"/>
+              <a:lumOff val="50000"/>
+            </a:schemeClr>
+          </a:solidFill>
+          <a:ln>
+            <a:noFill/>
+          </a:ln>
+        </p:spPr>
+        <p:style>
+          <a:lnRef idx="0">
+            <a:scrgbClr r="0" g="0" b="0"/>
+          </a:lnRef>
+          <a:fillRef idx="0">
+            <a:scrgbClr r="0" g="0" b="0"/>
+          </a:fillRef>
+          <a:effectRef idx="0">
+            <a:scrgbClr r="0" g="0" b="0"/>
+          </a:effectRef>
+          <a:fontRef idx="minor">
+            <a:schemeClr val="lt1"/>
+          </a:fontRef>
+        </p:style>
+        <p:txBody>
+          <a:bodyPr rtlCol="0" anchor="ctr"/>
+          <a:lstStyle/>
+          <a:p>
+            <a:pPr algn="ctr"/>
+            <a:endParaRPr lang="en-US"/>
+          </a:p>
+        </p:txBody>
+      </p:sp>
+      <p:sp>
+        <p:nvSpPr>
+          <p:cNvPr id="10" name="Hình Bầu dục 9">
+            <a:extLst>
+              <a:ext uri="{FF2B5EF4-FFF2-40B4-BE49-F238E27FC236}">
+                <a16:creationId xmlns:a16="http://schemas.microsoft.com/office/drawing/2014/main" id="{9E03712C-D363-1E41-CB26-414264832258}"/>
+              </a:ext>
+            </a:extLst>
+          </p:cNvPr>
+          <p:cNvSpPr/>
+          <p:nvPr/>
+        </p:nvSpPr>
+        <p:spPr>
+          <a:xfrm>
+            <a:off x="8252040" y="3905230"/>
+            <a:ext cx="182880" cy="182880"/>
+          </a:xfrm>
+          <a:prstGeom prst="ellipse">
+            <a:avLst/>
+          </a:prstGeom>
+          <a:solidFill>
+            <a:schemeClr val="tx1">
+              <a:lumMod val="50000"/>
+              <a:lumOff val="50000"/>
+            </a:schemeClr>
+          </a:solidFill>
+          <a:ln>
+            <a:noFill/>
+          </a:ln>
+        </p:spPr>
+        <p:style>
+          <a:lnRef idx="0">
+            <a:scrgbClr r="0" g="0" b="0"/>
+          </a:lnRef>
+          <a:fillRef idx="0">
+            <a:scrgbClr r="0" g="0" b="0"/>
+          </a:fillRef>
+          <a:effectRef idx="0">
+            <a:scrgbClr r="0" g="0" b="0"/>
+          </a:effectRef>
+          <a:fontRef idx="minor">
+            <a:schemeClr val="lt1"/>
+          </a:fontRef>
+        </p:style>
+        <p:txBody>
+          <a:bodyPr rtlCol="0" anchor="ctr"/>
+          <a:lstStyle/>
+          <a:p>
+            <a:pPr algn="ctr"/>
+            <a:endParaRPr lang="en-US"/>
+          </a:p>
+        </p:txBody>
+      </p:sp>
+      <p:sp>
+        <p:nvSpPr>
+          <p:cNvPr id="24" name="Hình Bầu dục 23">
+            <a:extLst>
+              <a:ext uri="{FF2B5EF4-FFF2-40B4-BE49-F238E27FC236}">
+                <a16:creationId xmlns:a16="http://schemas.microsoft.com/office/drawing/2014/main" id="{31B6543E-3418-93A1-3C09-F5859374A399}"/>
+              </a:ext>
+            </a:extLst>
+          </p:cNvPr>
+          <p:cNvSpPr/>
+          <p:nvPr/>
+        </p:nvSpPr>
+        <p:spPr>
+          <a:xfrm>
+            <a:off x="8697048" y="4222679"/>
+            <a:ext cx="182880" cy="182880"/>
+          </a:xfrm>
+          <a:prstGeom prst="ellipse">
+            <a:avLst/>
+          </a:prstGeom>
+          <a:solidFill>
+            <a:schemeClr val="tx1">
+              <a:lumMod val="50000"/>
+              <a:lumOff val="50000"/>
+            </a:schemeClr>
+          </a:solidFill>
+          <a:ln>
+            <a:noFill/>
+          </a:ln>
+        </p:spPr>
+        <p:style>
+          <a:lnRef idx="0">
+            <a:scrgbClr r="0" g="0" b="0"/>
+          </a:lnRef>
+          <a:fillRef idx="0">
+            <a:scrgbClr r="0" g="0" b="0"/>
+          </a:fillRef>
+          <a:effectRef idx="0">
+            <a:scrgbClr r="0" g="0" b="0"/>
+          </a:effectRef>
+          <a:fontRef idx="minor">
+            <a:schemeClr val="lt1"/>
+          </a:fontRef>
+        </p:style>
+        <p:txBody>
+          <a:bodyPr rtlCol="0" anchor="ctr"/>
+          <a:lstStyle/>
+          <a:p>
+            <a:pPr algn="ctr"/>
+            <a:endParaRPr lang="en-US"/>
+          </a:p>
+        </p:txBody>
+      </p:sp>
+      <p:sp>
+        <p:nvSpPr>
+          <p:cNvPr id="25" name="Hình Bầu dục 24">
+            <a:extLst>
+              <a:ext uri="{FF2B5EF4-FFF2-40B4-BE49-F238E27FC236}">
+                <a16:creationId xmlns:a16="http://schemas.microsoft.com/office/drawing/2014/main" id="{D30AFD3D-3992-A355-D0EA-8FEF7BB73B8E}"/>
+              </a:ext>
+            </a:extLst>
+          </p:cNvPr>
+          <p:cNvSpPr/>
+          <p:nvPr/>
+        </p:nvSpPr>
+        <p:spPr>
+          <a:xfrm>
+            <a:off x="9249535" y="4176959"/>
+            <a:ext cx="182880" cy="182880"/>
+          </a:xfrm>
+          <a:prstGeom prst="ellipse">
+            <a:avLst/>
+          </a:prstGeom>
+          <a:solidFill>
+            <a:schemeClr val="tx1">
+              <a:lumMod val="50000"/>
+              <a:lumOff val="50000"/>
+            </a:schemeClr>
+          </a:solidFill>
+          <a:ln>
+            <a:noFill/>
+          </a:ln>
+        </p:spPr>
+        <p:style>
+          <a:lnRef idx="0">
+            <a:scrgbClr r="0" g="0" b="0"/>
+          </a:lnRef>
+          <a:fillRef idx="0">
+            <a:scrgbClr r="0" g="0" b="0"/>
+          </a:fillRef>
+          <a:effectRef idx="0">
+            <a:scrgbClr r="0" g="0" b="0"/>
+          </a:effectRef>
+          <a:fontRef idx="minor">
+            <a:schemeClr val="lt1"/>
+          </a:fontRef>
+        </p:style>
+        <p:txBody>
+          <a:bodyPr rtlCol="0" anchor="ctr"/>
+          <a:lstStyle/>
+          <a:p>
+            <a:pPr algn="ctr"/>
+            <a:endParaRPr lang="en-US"/>
+          </a:p>
+        </p:txBody>
+      </p:sp>
+      <p:sp>
+        <p:nvSpPr>
+          <p:cNvPr id="26" name="Hình Bầu dục 25">
+            <a:extLst>
+              <a:ext uri="{FF2B5EF4-FFF2-40B4-BE49-F238E27FC236}">
+                <a16:creationId xmlns:a16="http://schemas.microsoft.com/office/drawing/2014/main" id="{D38C8528-4E59-49F8-78B3-F3FBA13C0D2F}"/>
+              </a:ext>
+            </a:extLst>
+          </p:cNvPr>
+          <p:cNvSpPr/>
+          <p:nvPr/>
+        </p:nvSpPr>
+        <p:spPr>
+          <a:xfrm>
+            <a:off x="9011066" y="2624594"/>
+            <a:ext cx="182880" cy="182880"/>
+          </a:xfrm>
+          <a:prstGeom prst="ellipse">
+            <a:avLst/>
+          </a:prstGeom>
+          <a:solidFill>
+            <a:schemeClr val="tx1">
+              <a:lumMod val="50000"/>
+              <a:lumOff val="50000"/>
+            </a:schemeClr>
+          </a:solidFill>
+          <a:ln>
+            <a:noFill/>
+          </a:ln>
+        </p:spPr>
+        <p:style>
+          <a:lnRef idx="0">
+            <a:scrgbClr r="0" g="0" b="0"/>
+          </a:lnRef>
+          <a:fillRef idx="0">
+            <a:scrgbClr r="0" g="0" b="0"/>
+          </a:fillRef>
+          <a:effectRef idx="0">
+            <a:scrgbClr r="0" g="0" b="0"/>
+          </a:effectRef>
+          <a:fontRef idx="minor">
+            <a:schemeClr val="lt1"/>
+          </a:fontRef>
+        </p:style>
+        <p:txBody>
+          <a:bodyPr rtlCol="0" anchor="ctr"/>
+          <a:lstStyle/>
+          <a:p>
+            <a:pPr algn="ctr"/>
+            <a:endParaRPr lang="en-US"/>
+          </a:p>
+        </p:txBody>
+      </p:sp>
+      <p:sp>
+        <p:nvSpPr>
+          <p:cNvPr id="27" name="Hình Bầu dục 26">
+            <a:extLst>
+              <a:ext uri="{FF2B5EF4-FFF2-40B4-BE49-F238E27FC236}">
+                <a16:creationId xmlns:a16="http://schemas.microsoft.com/office/drawing/2014/main" id="{0DD7D724-D8C8-DBE2-3719-B1915166CA05}"/>
+              </a:ext>
+            </a:extLst>
+          </p:cNvPr>
+          <p:cNvSpPr/>
+          <p:nvPr/>
+        </p:nvSpPr>
+        <p:spPr>
+          <a:xfrm>
+            <a:off x="9340975" y="2735713"/>
+            <a:ext cx="182880" cy="182880"/>
+          </a:xfrm>
+          <a:prstGeom prst="ellipse">
+            <a:avLst/>
+          </a:prstGeom>
+          <a:solidFill>
+            <a:schemeClr val="tx1">
+              <a:lumMod val="50000"/>
+              <a:lumOff val="50000"/>
+            </a:schemeClr>
+          </a:solidFill>
+          <a:ln>
+            <a:noFill/>
+          </a:ln>
+        </p:spPr>
+        <p:style>
+          <a:lnRef idx="0">
+            <a:scrgbClr r="0" g="0" b="0"/>
+          </a:lnRef>
+          <a:fillRef idx="0">
+            <a:scrgbClr r="0" g="0" b="0"/>
+          </a:fillRef>
+          <a:effectRef idx="0">
+            <a:scrgbClr r="0" g="0" b="0"/>
+          </a:effectRef>
+          <a:fontRef idx="minor">
+            <a:schemeClr val="lt1"/>
+          </a:fontRef>
+        </p:style>
+        <p:txBody>
+          <a:bodyPr rtlCol="0" anchor="ctr"/>
+          <a:lstStyle/>
+          <a:p>
+            <a:pPr algn="ctr"/>
+            <a:endParaRPr lang="en-US"/>
+          </a:p>
+        </p:txBody>
+      </p:sp>
+      <p:sp>
+        <p:nvSpPr>
+          <p:cNvPr id="28" name="Hình Bầu dục 27">
+            <a:extLst>
+              <a:ext uri="{FF2B5EF4-FFF2-40B4-BE49-F238E27FC236}">
+                <a16:creationId xmlns:a16="http://schemas.microsoft.com/office/drawing/2014/main" id="{12E4A90B-8FDA-724C-9949-E50AB5C0369E}"/>
+              </a:ext>
+            </a:extLst>
+          </p:cNvPr>
+          <p:cNvSpPr/>
+          <p:nvPr/>
+        </p:nvSpPr>
+        <p:spPr>
+          <a:xfrm>
+            <a:off x="9686148" y="3130033"/>
+            <a:ext cx="182880" cy="182880"/>
+          </a:xfrm>
+          <a:prstGeom prst="ellipse">
+            <a:avLst/>
+          </a:prstGeom>
+          <a:solidFill>
+            <a:schemeClr val="tx1">
+              <a:lumMod val="50000"/>
+              <a:lumOff val="50000"/>
+            </a:schemeClr>
+          </a:solidFill>
+          <a:ln>
+            <a:noFill/>
+          </a:ln>
+        </p:spPr>
+        <p:style>
+          <a:lnRef idx="0">
+            <a:scrgbClr r="0" g="0" b="0"/>
+          </a:lnRef>
+          <a:fillRef idx="0">
+            <a:scrgbClr r="0" g="0" b="0"/>
+          </a:fillRef>
+          <a:effectRef idx="0">
+            <a:scrgbClr r="0" g="0" b="0"/>
+          </a:effectRef>
+          <a:fontRef idx="minor">
+            <a:schemeClr val="lt1"/>
+          </a:fontRef>
+        </p:style>
+        <p:txBody>
+          <a:bodyPr rtlCol="0" anchor="ctr"/>
+          <a:lstStyle/>
+          <a:p>
+            <a:pPr algn="ctr"/>
+            <a:endParaRPr lang="en-US"/>
+          </a:p>
+        </p:txBody>
+      </p:sp>
+      <p:sp>
+        <p:nvSpPr>
+          <p:cNvPr id="29" name="Hình Bầu dục 28">
+            <a:extLst>
+              <a:ext uri="{FF2B5EF4-FFF2-40B4-BE49-F238E27FC236}">
+                <a16:creationId xmlns:a16="http://schemas.microsoft.com/office/drawing/2014/main" id="{FDB52D20-CE6A-51A4-DED4-3F93CF50320D}"/>
+              </a:ext>
+            </a:extLst>
+          </p:cNvPr>
+          <p:cNvSpPr/>
+          <p:nvPr/>
+        </p:nvSpPr>
+        <p:spPr>
+          <a:xfrm>
+            <a:off x="9694742" y="3130033"/>
+            <a:ext cx="182880" cy="182880"/>
+          </a:xfrm>
+          <a:prstGeom prst="ellipse">
+            <a:avLst/>
+          </a:prstGeom>
+          <a:solidFill>
+            <a:schemeClr val="accent1"/>
+          </a:solidFill>
+          <a:ln>
+            <a:noFill/>
+          </a:ln>
+        </p:spPr>
+        <p:style>
+          <a:lnRef idx="0">
+            <a:scrgbClr r="0" g="0" b="0"/>
+          </a:lnRef>
+          <a:fillRef idx="0">
+            <a:scrgbClr r="0" g="0" b="0"/>
+          </a:fillRef>
+          <a:effectRef idx="0">
+            <a:scrgbClr r="0" g="0" b="0"/>
+          </a:effectRef>
+          <a:fontRef idx="minor">
+            <a:schemeClr val="lt1"/>
+          </a:fontRef>
+        </p:style>
+        <p:txBody>
+          <a:bodyPr rtlCol="0" anchor="ctr"/>
+          <a:lstStyle/>
+          <a:p>
+            <a:pPr algn="ctr"/>
+            <a:endParaRPr lang="en-US"/>
+          </a:p>
+        </p:txBody>
+      </p:sp>
+      <p:sp>
+        <p:nvSpPr>
+          <p:cNvPr id="30" name="Hình Bầu dục 29">
+            <a:extLst>
+              <a:ext uri="{FF2B5EF4-FFF2-40B4-BE49-F238E27FC236}">
+                <a16:creationId xmlns:a16="http://schemas.microsoft.com/office/drawing/2014/main" id="{55484322-A340-E109-014B-0AA5FBF13BF2}"/>
+              </a:ext>
+            </a:extLst>
+          </p:cNvPr>
+          <p:cNvSpPr/>
+          <p:nvPr/>
+        </p:nvSpPr>
+        <p:spPr>
+          <a:xfrm>
+            <a:off x="9340974" y="2735713"/>
+            <a:ext cx="182880" cy="182880"/>
+          </a:xfrm>
+          <a:prstGeom prst="ellipse">
+            <a:avLst/>
+          </a:prstGeom>
+          <a:solidFill>
+            <a:schemeClr val="accent1"/>
+          </a:solidFill>
+          <a:ln>
+            <a:noFill/>
+          </a:ln>
+        </p:spPr>
+        <p:style>
+          <a:lnRef idx="0">
+            <a:scrgbClr r="0" g="0" b="0"/>
+          </a:lnRef>
+          <a:fillRef idx="0">
+            <a:scrgbClr r="0" g="0" b="0"/>
+          </a:fillRef>
+          <a:effectRef idx="0">
+            <a:scrgbClr r="0" g="0" b="0"/>
+          </a:effectRef>
+          <a:fontRef idx="minor">
+            <a:schemeClr val="lt1"/>
+          </a:fontRef>
+        </p:style>
+        <p:txBody>
+          <a:bodyPr rtlCol="0" anchor="ctr"/>
+          <a:lstStyle/>
+          <a:p>
+            <a:pPr algn="ctr"/>
+            <a:endParaRPr lang="en-US"/>
+          </a:p>
+        </p:txBody>
+      </p:sp>
+      <p:sp>
+        <p:nvSpPr>
+          <p:cNvPr id="31" name="Hình Bầu dục 30">
+            <a:extLst>
+              <a:ext uri="{FF2B5EF4-FFF2-40B4-BE49-F238E27FC236}">
+                <a16:creationId xmlns:a16="http://schemas.microsoft.com/office/drawing/2014/main" id="{DED3EDEB-C7CE-A5C3-81C6-15F02CEE551E}"/>
+              </a:ext>
+            </a:extLst>
+          </p:cNvPr>
+          <p:cNvSpPr/>
+          <p:nvPr/>
+        </p:nvSpPr>
+        <p:spPr>
+          <a:xfrm>
+            <a:off x="9011066" y="2624594"/>
+            <a:ext cx="182880" cy="182880"/>
+          </a:xfrm>
+          <a:prstGeom prst="ellipse">
+            <a:avLst/>
+          </a:prstGeom>
+          <a:solidFill>
+            <a:schemeClr val="accent1"/>
+          </a:solidFill>
+          <a:ln>
+            <a:noFill/>
+          </a:ln>
+        </p:spPr>
+        <p:style>
+          <a:lnRef idx="0">
+            <a:scrgbClr r="0" g="0" b="0"/>
+          </a:lnRef>
+          <a:fillRef idx="0">
+            <a:scrgbClr r="0" g="0" b="0"/>
+          </a:fillRef>
+          <a:effectRef idx="0">
+            <a:scrgbClr r="0" g="0" b="0"/>
+          </a:effectRef>
+          <a:fontRef idx="minor">
+            <a:schemeClr val="lt1"/>
+          </a:fontRef>
+        </p:style>
+        <p:txBody>
+          <a:bodyPr rtlCol="0" anchor="ctr"/>
+          <a:lstStyle/>
+          <a:p>
+            <a:pPr algn="ctr"/>
+            <a:endParaRPr lang="en-US"/>
+          </a:p>
+        </p:txBody>
+      </p:sp>
+      <p:sp>
+        <p:nvSpPr>
+          <p:cNvPr id="32" name="Hình Bầu dục 31">
+            <a:extLst>
+              <a:ext uri="{FF2B5EF4-FFF2-40B4-BE49-F238E27FC236}">
+                <a16:creationId xmlns:a16="http://schemas.microsoft.com/office/drawing/2014/main" id="{2903BBE7-B2A6-49F9-4768-2356D43FCC20}"/>
+              </a:ext>
+            </a:extLst>
+          </p:cNvPr>
+          <p:cNvSpPr/>
+          <p:nvPr/>
+        </p:nvSpPr>
+        <p:spPr>
+          <a:xfrm>
+            <a:off x="8206343" y="2974643"/>
+            <a:ext cx="182880" cy="182880"/>
+          </a:xfrm>
+          <a:prstGeom prst="ellipse">
+            <a:avLst/>
+          </a:prstGeom>
+          <a:solidFill>
+            <a:schemeClr val="accent1"/>
+          </a:solidFill>
+          <a:ln>
+            <a:noFill/>
+          </a:ln>
+        </p:spPr>
+        <p:style>
+          <a:lnRef idx="0">
+            <a:scrgbClr r="0" g="0" b="0"/>
+          </a:lnRef>
+          <a:fillRef idx="0">
+            <a:scrgbClr r="0" g="0" b="0"/>
+          </a:fillRef>
+          <a:effectRef idx="0">
+            <a:scrgbClr r="0" g="0" b="0"/>
+          </a:effectRef>
+          <a:fontRef idx="minor">
+            <a:schemeClr val="lt1"/>
+          </a:fontRef>
+        </p:style>
+        <p:txBody>
+          <a:bodyPr rtlCol="0" anchor="ctr"/>
+          <a:lstStyle/>
+          <a:p>
+            <a:pPr algn="ctr"/>
+            <a:endParaRPr lang="en-US"/>
+          </a:p>
+        </p:txBody>
+      </p:sp>
+      <p:sp>
+        <p:nvSpPr>
+          <p:cNvPr id="37" name="Hình Bầu dục 36">
+            <a:extLst>
+              <a:ext uri="{FF2B5EF4-FFF2-40B4-BE49-F238E27FC236}">
+                <a16:creationId xmlns:a16="http://schemas.microsoft.com/office/drawing/2014/main" id="{762C11AC-F6F5-81D5-868C-D11616CDB8AE}"/>
+              </a:ext>
+            </a:extLst>
+          </p:cNvPr>
+          <p:cNvSpPr/>
+          <p:nvPr/>
+        </p:nvSpPr>
+        <p:spPr>
+          <a:xfrm>
+            <a:off x="8128670" y="3356602"/>
+            <a:ext cx="182880" cy="182880"/>
+          </a:xfrm>
+          <a:prstGeom prst="ellipse">
+            <a:avLst/>
+          </a:prstGeom>
+          <a:solidFill>
+            <a:schemeClr val="accent1"/>
+          </a:solidFill>
+          <a:ln>
+            <a:noFill/>
+          </a:ln>
+        </p:spPr>
+        <p:style>
+          <a:lnRef idx="0">
+            <a:scrgbClr r="0" g="0" b="0"/>
+          </a:lnRef>
+          <a:fillRef idx="0">
+            <a:scrgbClr r="0" g="0" b="0"/>
+          </a:fillRef>
+          <a:effectRef idx="0">
+            <a:scrgbClr r="0" g="0" b="0"/>
+          </a:effectRef>
+          <a:fontRef idx="minor">
+            <a:schemeClr val="lt1"/>
+          </a:fontRef>
+        </p:style>
+        <p:txBody>
+          <a:bodyPr rtlCol="0" anchor="ctr"/>
+          <a:lstStyle/>
+          <a:p>
+            <a:pPr algn="ctr"/>
+            <a:endParaRPr lang="en-US"/>
+          </a:p>
+        </p:txBody>
+      </p:sp>
+      <p:sp>
+        <p:nvSpPr>
+          <p:cNvPr id="39" name="Hình Bầu dục 38">
+            <a:extLst>
+              <a:ext uri="{FF2B5EF4-FFF2-40B4-BE49-F238E27FC236}">
+                <a16:creationId xmlns:a16="http://schemas.microsoft.com/office/drawing/2014/main" id="{E8B280C0-3F39-4B21-4462-CFD5C480591E}"/>
+              </a:ext>
+            </a:extLst>
+          </p:cNvPr>
+          <p:cNvSpPr/>
+          <p:nvPr/>
+        </p:nvSpPr>
+        <p:spPr>
+          <a:xfrm>
+            <a:off x="8242114" y="3897743"/>
+            <a:ext cx="182880" cy="182880"/>
+          </a:xfrm>
+          <a:prstGeom prst="ellipse">
+            <a:avLst/>
+          </a:prstGeom>
+          <a:solidFill>
+            <a:schemeClr val="accent1"/>
+          </a:solidFill>
+          <a:ln>
+            <a:noFill/>
+          </a:ln>
+        </p:spPr>
+        <p:style>
+          <a:lnRef idx="0">
+            <a:scrgbClr r="0" g="0" b="0"/>
+          </a:lnRef>
+          <a:fillRef idx="0">
+            <a:scrgbClr r="0" g="0" b="0"/>
+          </a:fillRef>
+          <a:effectRef idx="0">
+            <a:scrgbClr r="0" g="0" b="0"/>
+          </a:effectRef>
+          <a:fontRef idx="minor">
+            <a:schemeClr val="lt1"/>
+          </a:fontRef>
+        </p:style>
+        <p:txBody>
+          <a:bodyPr rtlCol="0" anchor="ctr"/>
+          <a:lstStyle/>
+          <a:p>
+            <a:pPr algn="ctr"/>
+            <a:endParaRPr lang="en-US"/>
+          </a:p>
+        </p:txBody>
+      </p:sp>
+      <p:sp>
+        <p:nvSpPr>
+          <p:cNvPr id="40" name="Hình Bầu dục 39">
+            <a:extLst>
+              <a:ext uri="{FF2B5EF4-FFF2-40B4-BE49-F238E27FC236}">
+                <a16:creationId xmlns:a16="http://schemas.microsoft.com/office/drawing/2014/main" id="{8742703C-53DF-7709-5BCD-FA5F3BFF6FFA}"/>
+              </a:ext>
+            </a:extLst>
+          </p:cNvPr>
+          <p:cNvSpPr/>
+          <p:nvPr/>
+        </p:nvSpPr>
+        <p:spPr>
+          <a:xfrm>
+            <a:off x="8683474" y="4210601"/>
+            <a:ext cx="182880" cy="182880"/>
+          </a:xfrm>
+          <a:prstGeom prst="ellipse">
+            <a:avLst/>
+          </a:prstGeom>
+          <a:solidFill>
+            <a:schemeClr val="accent1"/>
+          </a:solidFill>
+          <a:ln>
+            <a:noFill/>
+          </a:ln>
+        </p:spPr>
+        <p:style>
+          <a:lnRef idx="0">
+            <a:scrgbClr r="0" g="0" b="0"/>
+          </a:lnRef>
+          <a:fillRef idx="0">
+            <a:scrgbClr r="0" g="0" b="0"/>
+          </a:fillRef>
+          <a:effectRef idx="0">
+            <a:scrgbClr r="0" g="0" b="0"/>
+          </a:effectRef>
+          <a:fontRef idx="minor">
+            <a:schemeClr val="lt1"/>
+          </a:fontRef>
+        </p:style>
+        <p:txBody>
+          <a:bodyPr rtlCol="0" anchor="ctr"/>
+          <a:lstStyle/>
+          <a:p>
+            <a:pPr algn="ctr"/>
+            <a:endParaRPr lang="en-US"/>
+          </a:p>
+        </p:txBody>
+      </p:sp>
+      <p:sp>
+        <p:nvSpPr>
+          <p:cNvPr id="41" name="Hình Bầu dục 40">
+            <a:extLst>
+              <a:ext uri="{FF2B5EF4-FFF2-40B4-BE49-F238E27FC236}">
+                <a16:creationId xmlns:a16="http://schemas.microsoft.com/office/drawing/2014/main" id="{7B9C401F-B327-AE8D-41AB-DD20DE975F70}"/>
+              </a:ext>
+            </a:extLst>
+          </p:cNvPr>
+          <p:cNvSpPr/>
+          <p:nvPr/>
+        </p:nvSpPr>
+        <p:spPr>
+          <a:xfrm>
+            <a:off x="9249535" y="4176959"/>
+            <a:ext cx="182880" cy="182880"/>
+          </a:xfrm>
+          <a:prstGeom prst="ellipse">
+            <a:avLst/>
+          </a:prstGeom>
+          <a:solidFill>
+            <a:schemeClr val="accent1"/>
+          </a:solidFill>
+          <a:ln>
+            <a:noFill/>
+          </a:ln>
+        </p:spPr>
+        <p:style>
+          <a:lnRef idx="0">
+            <a:scrgbClr r="0" g="0" b="0"/>
+          </a:lnRef>
+          <a:fillRef idx="0">
+            <a:scrgbClr r="0" g="0" b="0"/>
+          </a:fillRef>
+          <a:effectRef idx="0">
+            <a:scrgbClr r="0" g="0" b="0"/>
+          </a:effectRef>
+          <a:fontRef idx="minor">
+            <a:schemeClr val="lt1"/>
+          </a:fontRef>
+        </p:style>
+        <p:txBody>
+          <a:bodyPr rtlCol="0" anchor="ctr"/>
+          <a:lstStyle/>
+          <a:p>
+            <a:pPr algn="ctr"/>
+            <a:endParaRPr lang="en-US"/>
+          </a:p>
+        </p:txBody>
+      </p:sp>
+      <mc:AlternateContent xmlns:mc="http://schemas.openxmlformats.org/markup-compatibility/2006">
+        <mc:Choice xmlns:a14="http://schemas.microsoft.com/office/drawing/2010/main" Requires="a14">
+          <p:sp>
+            <p:nvSpPr>
+              <p:cNvPr id="46" name="Hộp Văn bản 45">
+                <a:extLst>
+                  <a:ext uri="{FF2B5EF4-FFF2-40B4-BE49-F238E27FC236}">
+                    <a16:creationId xmlns:a16="http://schemas.microsoft.com/office/drawing/2014/main" id="{FB1EF2BC-A026-6179-9E1D-B76B1F7BD30C}"/>
+                  </a:ext>
+                </a:extLst>
+              </p:cNvPr>
+              <p:cNvSpPr txBox="1"/>
+              <p:nvPr/>
+            </p:nvSpPr>
+            <p:spPr>
+              <a:xfrm>
+                <a:off x="9831620" y="3659673"/>
+                <a:ext cx="866519" cy="369332"/>
+              </a:xfrm>
+              <a:prstGeom prst="rect">
+                <a:avLst/>
+              </a:prstGeom>
+              <a:noFill/>
+            </p:spPr>
+            <p:txBody>
+              <a:bodyPr wrap="none" rtlCol="0">
+                <a:spAutoFit/>
+              </a:bodyPr>
+              <a:lstStyle/>
+              <a:p>
+                <a14:m>
+                  <m:oMath xmlns:m="http://schemas.openxmlformats.org/officeDocument/2006/math">
+                    <m:r>
+                      <a:rPr lang="en-US" sz="1800" b="0" i="0" smtClean="0">
+                        <a:latin typeface="Cambria Math" panose="02040503050406030204" pitchFamily="18" charset="0"/>
+                        <a:cs typeface="Times New Roman" panose="02020603050405020304" pitchFamily="18" charset="0"/>
+                      </a:rPr>
+                      <m:t>(</m:t>
+                    </m:r>
+                    <m:sSub>
+                      <m:sSubPr>
+                        <m:ctrlPr>
+                          <a:rPr lang="en-US" sz="1800" b="0" i="1">
+                            <a:latin typeface="Cambria Math" panose="02040503050406030204" pitchFamily="18" charset="0"/>
+                            <a:cs typeface="Times New Roman" panose="02020603050405020304" pitchFamily="18" charset="0"/>
+                          </a:rPr>
+                        </m:ctrlPr>
+                      </m:sSubPr>
+                      <m:e>
+                        <m:r>
+                          <a:rPr lang="en-US" sz="1800" b="0" i="1">
+                            <a:latin typeface="Cambria Math" panose="02040503050406030204" pitchFamily="18" charset="0"/>
+                            <a:cs typeface="Times New Roman" panose="02020603050405020304" pitchFamily="18" charset="0"/>
+                          </a:rPr>
+                          <m:t>𝑥</m:t>
+                        </m:r>
+                      </m:e>
+                      <m:sub>
+                        <m:r>
+                          <a:rPr lang="en-US" sz="1800" b="0" i="1">
+                            <a:latin typeface="Cambria Math" panose="02040503050406030204" pitchFamily="18" charset="0"/>
+                            <a:cs typeface="Times New Roman" panose="02020603050405020304" pitchFamily="18" charset="0"/>
+                          </a:rPr>
+                          <m:t>𝑖</m:t>
+                        </m:r>
+                      </m:sub>
+                    </m:sSub>
+                  </m:oMath>
+                </a14:m>
+                <a:r>
+                  <a:rPr lang="en-US" sz="1800" b="0" i="0" dirty="0">
+                    <a:solidFill>
+                      <a:srgbClr val="000000"/>
+                    </a:solidFill>
+                    <a:effectLst/>
+                    <a:latin typeface="Times New Roman" panose="02020603050405020304" pitchFamily="18" charset="0"/>
+                    <a:cs typeface="Times New Roman" panose="02020603050405020304" pitchFamily="18" charset="0"/>
+                  </a:rPr>
+                  <a:t>, </a:t>
+                </a:r>
+                <a14:m>
+                  <m:oMath xmlns:m="http://schemas.openxmlformats.org/officeDocument/2006/math">
+                    <m:sSub>
+                      <m:sSubPr>
+                        <m:ctrlPr>
+                          <a:rPr lang="en-US" sz="1800" b="0" i="1" smtClean="0">
+                            <a:latin typeface="Cambria Math" panose="02040503050406030204" pitchFamily="18" charset="0"/>
+                            <a:cs typeface="Times New Roman" panose="02020603050405020304" pitchFamily="18" charset="0"/>
+                          </a:rPr>
+                        </m:ctrlPr>
+                      </m:sSubPr>
+                      <m:e>
+                        <m:r>
+                          <a:rPr lang="en-US" sz="1800" b="0" i="1" smtClean="0">
+                            <a:latin typeface="Cambria Math" panose="02040503050406030204" pitchFamily="18" charset="0"/>
+                            <a:cs typeface="Times New Roman" panose="02020603050405020304" pitchFamily="18" charset="0"/>
+                          </a:rPr>
+                          <m:t>𝑦</m:t>
+                        </m:r>
+                      </m:e>
+                      <m:sub>
+                        <m:r>
+                          <a:rPr lang="en-US" sz="1800" b="0" i="1" smtClean="0">
+                            <a:latin typeface="Cambria Math" panose="02040503050406030204" pitchFamily="18" charset="0"/>
+                            <a:cs typeface="Times New Roman" panose="02020603050405020304" pitchFamily="18" charset="0"/>
+                          </a:rPr>
+                          <m:t>𝑖</m:t>
+                        </m:r>
+                      </m:sub>
+                    </m:sSub>
+                  </m:oMath>
+                </a14:m>
+                <a:r>
+                  <a:rPr lang="en-US" sz="1800" b="0" i="1" dirty="0">
+                    <a:latin typeface="Times New Roman" panose="02020603050405020304" pitchFamily="18" charset="0"/>
+                    <a:cs typeface="Times New Roman" panose="02020603050405020304" pitchFamily="18" charset="0"/>
+                  </a:rPr>
+                  <a:t>)</a:t>
+                </a:r>
+                <a:endParaRPr lang="en-US" i="1" dirty="0">
+                  <a:latin typeface="Times New Roman" panose="02020603050405020304" pitchFamily="18" charset="0"/>
+                  <a:cs typeface="Times New Roman" panose="02020603050405020304" pitchFamily="18" charset="0"/>
+                </a:endParaRPr>
+              </a:p>
+            </p:txBody>
+          </p:sp>
+        </mc:Choice>
+        <mc:Fallback>
+          <p:sp>
+            <p:nvSpPr>
+              <p:cNvPr id="46" name="Hộp Văn bản 45">
+                <a:extLst>
+                  <a:ext uri="{FF2B5EF4-FFF2-40B4-BE49-F238E27FC236}">
+                    <a16:creationId xmlns:a16="http://schemas.microsoft.com/office/drawing/2014/main" id="{FB1EF2BC-A026-6179-9E1D-B76B1F7BD30C}"/>
+                  </a:ext>
+                </a:extLst>
+              </p:cNvPr>
+              <p:cNvSpPr txBox="1">
+                <a:spLocks noRot="1" noChangeAspect="1" noMove="1" noResize="1" noEditPoints="1" noAdjustHandles="1" noChangeArrowheads="1" noChangeShapeType="1" noTextEdit="1"/>
+              </p:cNvSpPr>
+              <p:nvPr/>
+            </p:nvSpPr>
+            <p:spPr>
+              <a:xfrm>
+                <a:off x="9831620" y="3659673"/>
+                <a:ext cx="866519" cy="369332"/>
+              </a:xfrm>
+              <a:prstGeom prst="rect">
+                <a:avLst/>
+              </a:prstGeom>
+              <a:blipFill>
+                <a:blip r:embed="rId6"/>
+                <a:stretch>
+                  <a:fillRect l="-2113" t="-8197" r="-4225" b="-24590"/>
+                </a:stretch>
+              </a:blipFill>
+            </p:spPr>
+            <p:txBody>
+              <a:bodyPr/>
+              <a:lstStyle/>
+              <a:p>
+                <a:r>
+                  <a:rPr lang="en-US">
+                    <a:noFill/>
+                  </a:rPr>
+                  <a:t> </a:t>
+                </a:r>
+              </a:p>
+            </p:txBody>
+          </p:sp>
+        </mc:Fallback>
+      </mc:AlternateContent>
+      <p:cxnSp>
+        <p:nvCxnSpPr>
+          <p:cNvPr id="52" name="Đường kết nối Mũi tên Thẳng 51">
+            <a:extLst>
+              <a:ext uri="{FF2B5EF4-FFF2-40B4-BE49-F238E27FC236}">
+                <a16:creationId xmlns:a16="http://schemas.microsoft.com/office/drawing/2014/main" id="{2571C3AE-15EC-086C-80B5-E1DA41AD0594}"/>
+              </a:ext>
+            </a:extLst>
+          </p:cNvPr>
+          <p:cNvCxnSpPr>
+            <a:cxnSpLocks/>
+          </p:cNvCxnSpPr>
+          <p:nvPr/>
+        </p:nvCxnSpPr>
+        <p:spPr>
+          <a:xfrm flipH="1">
+            <a:off x="3244779" y="2767295"/>
+            <a:ext cx="227108" cy="381959"/>
+          </a:xfrm>
+          <a:prstGeom prst="straightConnector1">
+            <a:avLst/>
+          </a:prstGeom>
+          <a:ln>
+            <a:solidFill>
+              <a:srgbClr val="4F81BD"/>
+            </a:solidFill>
+            <a:tailEnd type="triangle"/>
+          </a:ln>
+        </p:spPr>
+        <p:style>
+          <a:lnRef idx="1">
+            <a:schemeClr val="accent1"/>
+          </a:lnRef>
+          <a:fillRef idx="0">
+            <a:schemeClr val="accent1"/>
+          </a:fillRef>
+          <a:effectRef idx="0">
+            <a:schemeClr val="accent1"/>
+          </a:effectRef>
+          <a:fontRef idx="minor">
+            <a:schemeClr val="tx1"/>
+          </a:fontRef>
+        </p:style>
+      </p:cxnSp>
+      <p:cxnSp>
+        <p:nvCxnSpPr>
+          <p:cNvPr id="66" name="Đường kết nối Mũi tên Thẳng 65">
+            <a:extLst>
+              <a:ext uri="{FF2B5EF4-FFF2-40B4-BE49-F238E27FC236}">
+                <a16:creationId xmlns:a16="http://schemas.microsoft.com/office/drawing/2014/main" id="{1511BE6C-15F8-6EA1-2A6E-8D914030EE4E}"/>
+              </a:ext>
+            </a:extLst>
+          </p:cNvPr>
+          <p:cNvCxnSpPr>
+            <a:cxnSpLocks/>
+          </p:cNvCxnSpPr>
+          <p:nvPr/>
+        </p:nvCxnSpPr>
+        <p:spPr>
+          <a:xfrm flipH="1">
+            <a:off x="3093003" y="2726076"/>
+            <a:ext cx="15432" cy="366677"/>
+          </a:xfrm>
+          <a:prstGeom prst="straightConnector1">
+            <a:avLst/>
+          </a:prstGeom>
+          <a:ln>
+            <a:solidFill>
+              <a:srgbClr val="7F7F7F"/>
+            </a:solidFill>
+            <a:tailEnd type="triangle"/>
+          </a:ln>
+        </p:spPr>
+        <p:style>
+          <a:lnRef idx="1">
+            <a:schemeClr val="accent1"/>
+          </a:lnRef>
+          <a:fillRef idx="0">
+            <a:schemeClr val="accent1"/>
+          </a:fillRef>
+          <a:effectRef idx="0">
+            <a:schemeClr val="accent1"/>
+          </a:effectRef>
+          <a:fontRef idx="minor">
+            <a:schemeClr val="tx1"/>
+          </a:fontRef>
+        </p:style>
+      </p:cxnSp>
+      <p:cxnSp>
+        <p:nvCxnSpPr>
+          <p:cNvPr id="80" name="Đường kết nối Mũi tên Thẳng 79">
+            <a:extLst>
+              <a:ext uri="{FF2B5EF4-FFF2-40B4-BE49-F238E27FC236}">
+                <a16:creationId xmlns:a16="http://schemas.microsoft.com/office/drawing/2014/main" id="{A2C08718-E865-ED19-F3DE-7DD62B653CBD}"/>
+              </a:ext>
+            </a:extLst>
+          </p:cNvPr>
+          <p:cNvCxnSpPr>
+            <a:cxnSpLocks/>
+          </p:cNvCxnSpPr>
+          <p:nvPr/>
+        </p:nvCxnSpPr>
+        <p:spPr>
+          <a:xfrm>
+            <a:off x="2249920" y="3042493"/>
+            <a:ext cx="411551" cy="260008"/>
+          </a:xfrm>
+          <a:prstGeom prst="straightConnector1">
+            <a:avLst/>
+          </a:prstGeom>
+          <a:ln>
+            <a:solidFill>
+              <a:srgbClr val="7F7F7F"/>
+            </a:solidFill>
+            <a:tailEnd type="triangle"/>
+          </a:ln>
+        </p:spPr>
+        <p:style>
+          <a:lnRef idx="1">
+            <a:schemeClr val="accent1"/>
+          </a:lnRef>
+          <a:fillRef idx="0">
+            <a:schemeClr val="accent1"/>
+          </a:fillRef>
+          <a:effectRef idx="0">
+            <a:schemeClr val="accent1"/>
+          </a:effectRef>
+          <a:fontRef idx="minor">
+            <a:schemeClr val="tx1"/>
+          </a:fontRef>
+        </p:style>
+      </p:cxnSp>
+      <p:cxnSp>
+        <p:nvCxnSpPr>
+          <p:cNvPr id="84" name="Đường kết nối Mũi tên Thẳng 83">
+            <a:extLst>
+              <a:ext uri="{FF2B5EF4-FFF2-40B4-BE49-F238E27FC236}">
+                <a16:creationId xmlns:a16="http://schemas.microsoft.com/office/drawing/2014/main" id="{C5BD97B4-4CC8-14A8-BB8E-FB93BBD359A8}"/>
+              </a:ext>
+            </a:extLst>
+          </p:cNvPr>
+          <p:cNvCxnSpPr>
+            <a:cxnSpLocks/>
+          </p:cNvCxnSpPr>
+          <p:nvPr/>
+        </p:nvCxnSpPr>
+        <p:spPr>
+          <a:xfrm>
+            <a:off x="2159033" y="3447552"/>
+            <a:ext cx="470747" cy="41907"/>
+          </a:xfrm>
+          <a:prstGeom prst="straightConnector1">
+            <a:avLst/>
+          </a:prstGeom>
+          <a:ln>
+            <a:solidFill>
+              <a:srgbClr val="7F7F7F"/>
+            </a:solidFill>
+            <a:tailEnd type="triangle"/>
+          </a:ln>
+        </p:spPr>
+        <p:style>
+          <a:lnRef idx="1">
+            <a:schemeClr val="accent1"/>
+          </a:lnRef>
+          <a:fillRef idx="0">
+            <a:schemeClr val="accent1"/>
+          </a:fillRef>
+          <a:effectRef idx="0">
+            <a:schemeClr val="accent1"/>
+          </a:effectRef>
+          <a:fontRef idx="minor">
+            <a:schemeClr val="tx1"/>
+          </a:fontRef>
+        </p:style>
+      </p:cxnSp>
+      <p:cxnSp>
+        <p:nvCxnSpPr>
+          <p:cNvPr id="88" name="Đường kết nối Mũi tên Thẳng 87">
+            <a:extLst>
+              <a:ext uri="{FF2B5EF4-FFF2-40B4-BE49-F238E27FC236}">
+                <a16:creationId xmlns:a16="http://schemas.microsoft.com/office/drawing/2014/main" id="{B3A9BA62-4A7B-E2F1-5987-41F0369D0100}"/>
+              </a:ext>
+            </a:extLst>
+          </p:cNvPr>
+          <p:cNvCxnSpPr>
+            <a:cxnSpLocks/>
+          </p:cNvCxnSpPr>
+          <p:nvPr/>
+        </p:nvCxnSpPr>
+        <p:spPr>
+          <a:xfrm flipV="1">
+            <a:off x="2289898" y="3807453"/>
+            <a:ext cx="363429" cy="226753"/>
+          </a:xfrm>
+          <a:prstGeom prst="straightConnector1">
+            <a:avLst/>
+          </a:prstGeom>
+          <a:ln>
+            <a:solidFill>
+              <a:srgbClr val="7F7F7F"/>
+            </a:solidFill>
+            <a:tailEnd type="triangle"/>
+          </a:ln>
+        </p:spPr>
+        <p:style>
+          <a:lnRef idx="1">
+            <a:schemeClr val="accent1"/>
+          </a:lnRef>
+          <a:fillRef idx="0">
+            <a:schemeClr val="accent1"/>
+          </a:fillRef>
+          <a:effectRef idx="0">
+            <a:schemeClr val="accent1"/>
+          </a:effectRef>
+          <a:fontRef idx="minor">
+            <a:schemeClr val="tx1"/>
+          </a:fontRef>
+        </p:style>
+      </p:cxnSp>
+      <p:cxnSp>
+        <p:nvCxnSpPr>
+          <p:cNvPr id="92" name="Đường kết nối Mũi tên Thẳng 91">
+            <a:extLst>
+              <a:ext uri="{FF2B5EF4-FFF2-40B4-BE49-F238E27FC236}">
+                <a16:creationId xmlns:a16="http://schemas.microsoft.com/office/drawing/2014/main" id="{8004C877-8E55-8F8A-2F1B-0D014F053914}"/>
+              </a:ext>
+            </a:extLst>
+          </p:cNvPr>
+          <p:cNvCxnSpPr>
+            <a:cxnSpLocks/>
+          </p:cNvCxnSpPr>
+          <p:nvPr/>
+        </p:nvCxnSpPr>
+        <p:spPr>
+          <a:xfrm flipV="1">
+            <a:off x="2772720" y="3995081"/>
+            <a:ext cx="124250" cy="351457"/>
+          </a:xfrm>
+          <a:prstGeom prst="straightConnector1">
+            <a:avLst/>
+          </a:prstGeom>
+          <a:ln>
+            <a:solidFill>
+              <a:srgbClr val="7F7F7F"/>
+            </a:solidFill>
+            <a:tailEnd type="triangle"/>
+          </a:ln>
+        </p:spPr>
+        <p:style>
+          <a:lnRef idx="1">
+            <a:schemeClr val="accent1"/>
+          </a:lnRef>
+          <a:fillRef idx="0">
+            <a:schemeClr val="accent1"/>
+          </a:fillRef>
+          <a:effectRef idx="0">
+            <a:schemeClr val="accent1"/>
+          </a:effectRef>
+          <a:fontRef idx="minor">
+            <a:schemeClr val="tx1"/>
+          </a:fontRef>
+        </p:style>
+      </p:cxnSp>
+      <p:cxnSp>
+        <p:nvCxnSpPr>
+          <p:cNvPr id="96" name="Đường kết nối Mũi tên Thẳng 95">
+            <a:extLst>
+              <a:ext uri="{FF2B5EF4-FFF2-40B4-BE49-F238E27FC236}">
+                <a16:creationId xmlns:a16="http://schemas.microsoft.com/office/drawing/2014/main" id="{1E4B1048-40CF-AB71-62D8-A3CCD3ECAA75}"/>
+              </a:ext>
+            </a:extLst>
+          </p:cNvPr>
+          <p:cNvCxnSpPr>
+            <a:cxnSpLocks/>
+          </p:cNvCxnSpPr>
+          <p:nvPr/>
+        </p:nvCxnSpPr>
+        <p:spPr>
+          <a:xfrm flipH="1" flipV="1">
+            <a:off x="3211304" y="3946464"/>
+            <a:ext cx="147029" cy="363372"/>
+          </a:xfrm>
+          <a:prstGeom prst="straightConnector1">
+            <a:avLst/>
+          </a:prstGeom>
+          <a:ln>
+            <a:solidFill>
+              <a:srgbClr val="7F7F7F"/>
+            </a:solidFill>
+            <a:tailEnd type="triangle"/>
+          </a:ln>
+        </p:spPr>
+        <p:style>
+          <a:lnRef idx="1">
+            <a:schemeClr val="accent1"/>
+          </a:lnRef>
+          <a:fillRef idx="0">
+            <a:schemeClr val="accent1"/>
+          </a:fillRef>
+          <a:effectRef idx="0">
+            <a:schemeClr val="accent1"/>
+          </a:effectRef>
+          <a:fontRef idx="minor">
+            <a:schemeClr val="tx1"/>
+          </a:fontRef>
+        </p:style>
+      </p:cxnSp>
+      <p:cxnSp>
+        <p:nvCxnSpPr>
+          <p:cNvPr id="100" name="Đường kết nối Mũi tên Thẳng 99">
+            <a:extLst>
+              <a:ext uri="{FF2B5EF4-FFF2-40B4-BE49-F238E27FC236}">
+                <a16:creationId xmlns:a16="http://schemas.microsoft.com/office/drawing/2014/main" id="{983C2D6F-5E55-5CF9-5B39-00048A022EAF}"/>
+              </a:ext>
+            </a:extLst>
+          </p:cNvPr>
+          <p:cNvCxnSpPr>
+            <a:cxnSpLocks/>
+          </p:cNvCxnSpPr>
+          <p:nvPr/>
+        </p:nvCxnSpPr>
+        <p:spPr>
+          <a:xfrm flipH="1" flipV="1">
+            <a:off x="3419835" y="3702543"/>
+            <a:ext cx="319623" cy="165679"/>
+          </a:xfrm>
+          <a:prstGeom prst="straightConnector1">
+            <a:avLst/>
+          </a:prstGeom>
+          <a:ln>
+            <a:solidFill>
+              <a:srgbClr val="7F7F7F"/>
+            </a:solidFill>
+            <a:tailEnd type="triangle"/>
+          </a:ln>
+        </p:spPr>
+        <p:style>
+          <a:lnRef idx="1">
+            <a:schemeClr val="accent1"/>
+          </a:lnRef>
+          <a:fillRef idx="0">
+            <a:schemeClr val="accent1"/>
+          </a:fillRef>
+          <a:effectRef idx="0">
+            <a:schemeClr val="accent1"/>
+          </a:effectRef>
+          <a:fontRef idx="minor">
+            <a:schemeClr val="tx1"/>
+          </a:fontRef>
+        </p:style>
+      </p:cxnSp>
+      <p:cxnSp>
+        <p:nvCxnSpPr>
+          <p:cNvPr id="103" name="Đường kết nối Mũi tên Thẳng 102">
+            <a:extLst>
+              <a:ext uri="{FF2B5EF4-FFF2-40B4-BE49-F238E27FC236}">
+                <a16:creationId xmlns:a16="http://schemas.microsoft.com/office/drawing/2014/main" id="{1228EBA3-47DF-3676-6C5E-91B5691A07ED}"/>
+              </a:ext>
+            </a:extLst>
+          </p:cNvPr>
+          <p:cNvCxnSpPr>
+            <a:cxnSpLocks/>
+          </p:cNvCxnSpPr>
+          <p:nvPr/>
+        </p:nvCxnSpPr>
+        <p:spPr>
+          <a:xfrm flipH="1">
+            <a:off x="3419835" y="3242148"/>
+            <a:ext cx="383794" cy="155913"/>
+          </a:xfrm>
+          <a:prstGeom prst="straightConnector1">
+            <a:avLst/>
+          </a:prstGeom>
+          <a:ln>
+            <a:solidFill>
+              <a:srgbClr val="7F7F7F"/>
+            </a:solidFill>
+            <a:tailEnd type="triangle"/>
+          </a:ln>
+        </p:spPr>
+        <p:style>
+          <a:lnRef idx="1">
+            <a:schemeClr val="accent1"/>
+          </a:lnRef>
+          <a:fillRef idx="0">
+            <a:schemeClr val="accent1"/>
+          </a:fillRef>
+          <a:effectRef idx="0">
+            <a:schemeClr val="accent1"/>
+          </a:effectRef>
+          <a:fontRef idx="minor">
+            <a:schemeClr val="tx1"/>
+          </a:fontRef>
+        </p:style>
+      </p:cxnSp>
+      <p:sp>
+        <p:nvSpPr>
+          <p:cNvPr id="107" name="Hình Bầu dục 106">
+            <a:extLst>
+              <a:ext uri="{FF2B5EF4-FFF2-40B4-BE49-F238E27FC236}">
+                <a16:creationId xmlns:a16="http://schemas.microsoft.com/office/drawing/2014/main" id="{D7E66485-A5CD-821D-BFBE-044656F798BB}"/>
+              </a:ext>
+            </a:extLst>
+          </p:cNvPr>
+          <p:cNvSpPr/>
+          <p:nvPr/>
+        </p:nvSpPr>
+        <p:spPr>
+          <a:xfrm>
+            <a:off x="8634410" y="2055663"/>
+            <a:ext cx="1581912" cy="1578406"/>
+          </a:xfrm>
+          <a:prstGeom prst="ellipse">
+            <a:avLst/>
+          </a:prstGeom>
+          <a:noFill/>
+          <a:ln w="12700" cap="flat" cmpd="sng" algn="ctr">
+            <a:solidFill>
+              <a:schemeClr val="accent1"/>
+            </a:solidFill>
+            <a:prstDash val="solid"/>
+            <a:round/>
+            <a:headEnd type="none" w="med" len="med"/>
+            <a:tailEnd type="none" w="med" len="med"/>
+          </a:ln>
+        </p:spPr>
+        <p:style>
+          <a:lnRef idx="0">
+            <a:scrgbClr r="0" g="0" b="0"/>
+          </a:lnRef>
+          <a:fillRef idx="0">
+            <a:scrgbClr r="0" g="0" b="0"/>
+          </a:fillRef>
+          <a:effectRef idx="0">
+            <a:scrgbClr r="0" g="0" b="0"/>
+          </a:effectRef>
+          <a:fontRef idx="minor">
+            <a:schemeClr val="accent1"/>
+          </a:fontRef>
+        </p:style>
+        <p:txBody>
+          <a:bodyPr rtlCol="0" anchor="ctr"/>
+          <a:lstStyle/>
+          <a:p>
+            <a:pPr algn="ctr"/>
+            <a:endParaRPr lang="en-US"/>
+          </a:p>
+        </p:txBody>
+      </p:sp>
+      <p:cxnSp>
+        <p:nvCxnSpPr>
+          <p:cNvPr id="108" name="Đường kết nối Mũi tên Thẳng 107">
+            <a:extLst>
+              <a:ext uri="{FF2B5EF4-FFF2-40B4-BE49-F238E27FC236}">
+                <a16:creationId xmlns:a16="http://schemas.microsoft.com/office/drawing/2014/main" id="{079CA1CD-88AD-9F78-7CDD-C73353CE721B}"/>
+              </a:ext>
+            </a:extLst>
+          </p:cNvPr>
+          <p:cNvCxnSpPr>
+            <a:cxnSpLocks/>
+          </p:cNvCxnSpPr>
+          <p:nvPr/>
+        </p:nvCxnSpPr>
+        <p:spPr>
+          <a:xfrm flipH="1">
+            <a:off x="9211747" y="2808078"/>
+            <a:ext cx="227108" cy="381959"/>
+          </a:xfrm>
+          <a:prstGeom prst="straightConnector1">
+            <a:avLst/>
+          </a:prstGeom>
+          <a:ln>
+            <a:solidFill>
+              <a:srgbClr val="4F81BD"/>
+            </a:solidFill>
+            <a:tailEnd type="triangle"/>
+          </a:ln>
+        </p:spPr>
+        <p:style>
+          <a:lnRef idx="1">
+            <a:schemeClr val="accent1"/>
+          </a:lnRef>
+          <a:fillRef idx="0">
+            <a:schemeClr val="accent1"/>
+          </a:fillRef>
+          <a:effectRef idx="0">
+            <a:schemeClr val="accent1"/>
+          </a:effectRef>
+          <a:fontRef idx="minor">
+            <a:schemeClr val="tx1"/>
+          </a:fontRef>
+        </p:style>
+      </p:cxnSp>
+      <p:cxnSp>
+        <p:nvCxnSpPr>
+          <p:cNvPr id="110" name="Đường nối Thẳng 109">
+            <a:extLst>
+              <a:ext uri="{FF2B5EF4-FFF2-40B4-BE49-F238E27FC236}">
+                <a16:creationId xmlns:a16="http://schemas.microsoft.com/office/drawing/2014/main" id="{1D059502-BB77-98F6-3384-3035C33A7E5A}"/>
+              </a:ext>
+            </a:extLst>
+          </p:cNvPr>
+          <p:cNvCxnSpPr>
+            <a:cxnSpLocks/>
+          </p:cNvCxnSpPr>
+          <p:nvPr/>
+        </p:nvCxnSpPr>
+        <p:spPr>
+          <a:xfrm flipH="1">
+            <a:off x="9030532" y="2164080"/>
+            <a:ext cx="770635" cy="1353216"/>
+          </a:xfrm>
+          <a:prstGeom prst="line">
+            <a:avLst/>
+          </a:prstGeom>
+          <a:ln>
+            <a:solidFill>
+              <a:srgbClr val="4F81BD"/>
+            </a:solidFill>
+            <a:prstDash val="dash"/>
+          </a:ln>
+        </p:spPr>
+        <p:style>
+          <a:lnRef idx="1">
+            <a:schemeClr val="accent1"/>
+          </a:lnRef>
+          <a:fillRef idx="0">
+            <a:schemeClr val="accent1"/>
+          </a:fillRef>
+          <a:effectRef idx="0">
+            <a:schemeClr val="accent1"/>
+          </a:effectRef>
+          <a:fontRef idx="minor">
+            <a:schemeClr val="tx1"/>
+          </a:fontRef>
+        </p:style>
+      </p:cxnSp>
+      <p:sp>
+        <p:nvSpPr>
+          <p:cNvPr id="42" name="Hình Bầu dục 41">
+            <a:extLst>
+              <a:ext uri="{FF2B5EF4-FFF2-40B4-BE49-F238E27FC236}">
+                <a16:creationId xmlns:a16="http://schemas.microsoft.com/office/drawing/2014/main" id="{338EEC40-A3EB-B0B3-2923-68133611F67A}"/>
+              </a:ext>
+            </a:extLst>
+          </p:cNvPr>
+          <p:cNvSpPr/>
+          <p:nvPr/>
+        </p:nvSpPr>
+        <p:spPr>
+          <a:xfrm>
+            <a:off x="8927398" y="3424107"/>
+            <a:ext cx="182880" cy="182880"/>
+          </a:xfrm>
+          <a:prstGeom prst="ellipse">
+            <a:avLst/>
+          </a:prstGeom>
+          <a:solidFill>
+            <a:schemeClr val="accent3"/>
+          </a:solidFill>
+          <a:ln>
+            <a:noFill/>
+          </a:ln>
+        </p:spPr>
+        <p:style>
+          <a:lnRef idx="0">
+            <a:scrgbClr r="0" g="0" b="0"/>
+          </a:lnRef>
+          <a:fillRef idx="0">
+            <a:scrgbClr r="0" g="0" b="0"/>
+          </a:fillRef>
+          <a:effectRef idx="0">
+            <a:scrgbClr r="0" g="0" b="0"/>
+          </a:effectRef>
+          <a:fontRef idx="minor">
+            <a:schemeClr val="lt1"/>
+          </a:fontRef>
+        </p:style>
+        <p:txBody>
+          <a:bodyPr rtlCol="0" anchor="ctr"/>
+          <a:lstStyle/>
+          <a:p>
+            <a:pPr algn="ctr"/>
+            <a:endParaRPr lang="en-US"/>
+          </a:p>
+        </p:txBody>
+      </p:sp>
+      <p:sp>
+        <p:nvSpPr>
+          <p:cNvPr id="112" name="Hình Bầu dục 111">
+            <a:extLst>
+              <a:ext uri="{FF2B5EF4-FFF2-40B4-BE49-F238E27FC236}">
+                <a16:creationId xmlns:a16="http://schemas.microsoft.com/office/drawing/2014/main" id="{FB60E98E-A381-79F1-6A41-597DC1BA1AA2}"/>
+              </a:ext>
+            </a:extLst>
+          </p:cNvPr>
+          <p:cNvSpPr/>
+          <p:nvPr/>
+        </p:nvSpPr>
+        <p:spPr>
+          <a:xfrm>
+            <a:off x="9714381" y="2061730"/>
+            <a:ext cx="182880" cy="182880"/>
+          </a:xfrm>
+          <a:prstGeom prst="ellipse">
+            <a:avLst/>
+          </a:prstGeom>
+          <a:solidFill>
+            <a:schemeClr val="accent3"/>
+          </a:solidFill>
+          <a:ln>
+            <a:noFill/>
+          </a:ln>
+        </p:spPr>
+        <p:style>
+          <a:lnRef idx="0">
+            <a:scrgbClr r="0" g="0" b="0"/>
+          </a:lnRef>
+          <a:fillRef idx="0">
+            <a:scrgbClr r="0" g="0" b="0"/>
+          </a:fillRef>
+          <a:effectRef idx="0">
+            <a:scrgbClr r="0" g="0" b="0"/>
+          </a:effectRef>
+          <a:fontRef idx="minor">
+            <a:schemeClr val="lt1"/>
+          </a:fontRef>
+        </p:style>
+        <p:txBody>
+          <a:bodyPr rtlCol="0" anchor="ctr"/>
+          <a:lstStyle/>
+          <a:p>
+            <a:pPr algn="ctr"/>
+            <a:endParaRPr lang="en-US"/>
+          </a:p>
+        </p:txBody>
+      </p:sp>
+      <p:cxnSp>
+        <p:nvCxnSpPr>
+          <p:cNvPr id="118" name="Đường nối Thẳng 117">
+            <a:extLst>
+              <a:ext uri="{FF2B5EF4-FFF2-40B4-BE49-F238E27FC236}">
+                <a16:creationId xmlns:a16="http://schemas.microsoft.com/office/drawing/2014/main" id="{C5E7BD9F-5977-001D-472F-70E054A75A6A}"/>
+              </a:ext>
+            </a:extLst>
+          </p:cNvPr>
+          <p:cNvCxnSpPr>
+            <a:stCxn id="30" idx="6"/>
+          </p:cNvCxnSpPr>
+          <p:nvPr/>
+        </p:nvCxnSpPr>
+        <p:spPr>
+          <a:xfrm>
+            <a:off x="9523854" y="2827153"/>
+            <a:ext cx="473586" cy="0"/>
+          </a:xfrm>
+          <a:prstGeom prst="line">
+            <a:avLst/>
+          </a:prstGeom>
+          <a:ln>
+            <a:solidFill>
+              <a:schemeClr val="tx1"/>
+            </a:solidFill>
+            <a:prstDash val="dash"/>
+          </a:ln>
+        </p:spPr>
+        <p:style>
+          <a:lnRef idx="1">
+            <a:schemeClr val="accent1"/>
+          </a:lnRef>
+          <a:fillRef idx="0">
+            <a:schemeClr val="accent1"/>
+          </a:fillRef>
+          <a:effectRef idx="0">
+            <a:schemeClr val="accent1"/>
+          </a:effectRef>
+          <a:fontRef idx="minor">
+            <a:schemeClr val="tx1"/>
+          </a:fontRef>
+        </p:style>
+      </p:cxnSp>
+    </p:spTree>
+    <p:extLst>
+      <p:ext uri="{BB962C8B-B14F-4D97-AF65-F5344CB8AC3E}">
+        <p14:creationId xmlns:p14="http://schemas.microsoft.com/office/powerpoint/2010/main" val="3028271280"/>
+      </p:ext>
+    </p:extLst>
+  </p:cSld>
+  <p:clrMapOvr>
+    <a:masterClrMapping/>
+  </p:clrMapOvr>
+</p:sld>
+</file>
+
+<file path=ppt/slides/slide14.xml><?xml version="1.0" encoding="utf-8"?>
 <p:sld xmlns:a="http://schemas.openxmlformats.org/drawingml/2006/main" xmlns:r="http://schemas.openxmlformats.org/officeDocument/2006/relationships" xmlns:p="http://schemas.openxmlformats.org/presentationml/2006/main">
   <p:cSld>
     <p:spTree>
@@ -13051,8 +22162,8 @@
           </a:p>
         </p:txBody>
       </p:sp>
-      <mc:AlternateContent xmlns:mc="http://schemas.openxmlformats.org/markup-compatibility/2006">
-        <mc:Choice xmlns:a14="http://schemas.microsoft.com/office/drawing/2010/main" Requires="a14">
+      <mc:AlternateContent xmlns:mc="http://schemas.openxmlformats.org/markup-compatibility/2006" xmlns:a14="http://schemas.microsoft.com/office/drawing/2010/main">
+        <mc:Choice Requires="a14">
           <p:sp>
             <p:nvSpPr>
               <p:cNvPr id="16" name="TextBox 15">
@@ -13103,7 +22214,7 @@
             </p:txBody>
           </p:sp>
         </mc:Choice>
-        <mc:Fallback>
+        <mc:Fallback xmlns="">
           <p:sp>
             <p:nvSpPr>
               <p:cNvPr id="16" name="TextBox 15">
@@ -14768,8 +23879,8 @@
           </p:sp>
         </mc:Fallback>
       </mc:AlternateContent>
-      <mc:AlternateContent xmlns:mc="http://schemas.openxmlformats.org/markup-compatibility/2006">
-        <mc:Choice xmlns:a14="http://schemas.microsoft.com/office/drawing/2010/main" Requires="a14">
+      <mc:AlternateContent xmlns:mc="http://schemas.openxmlformats.org/markup-compatibility/2006" xmlns:a14="http://schemas.microsoft.com/office/drawing/2010/main">
+        <mc:Choice Requires="a14">
           <p:sp>
             <p:nvSpPr>
               <p:cNvPr id="100" name="TextBox 99">
@@ -14855,7 +23966,7 @@
             </p:txBody>
           </p:sp>
         </mc:Choice>
-        <mc:Fallback>
+        <mc:Fallback xmlns="">
           <p:sp>
             <p:nvSpPr>
               <p:cNvPr id="100" name="TextBox 99">

--- a/Document/SlideWeek6/HoughTransform.pptx
+++ b/Document/SlideWeek6/HoughTransform.pptx
@@ -5,7 +5,7 @@
     <p:sldMasterId id="2147483648" r:id="rId1"/>
   </p:sldMasterIdLst>
   <p:notesMasterIdLst>
-    <p:notesMasterId r:id="rId16"/>
+    <p:notesMasterId r:id="rId17"/>
   </p:notesMasterIdLst>
   <p:sldIdLst>
     <p:sldId id="1225" r:id="rId2"/>
@@ -21,7 +21,8 @@
     <p:sldId id="1236" r:id="rId12"/>
     <p:sldId id="1235" r:id="rId13"/>
     <p:sldId id="1237" r:id="rId14"/>
-    <p:sldId id="1234" r:id="rId15"/>
+    <p:sldId id="1238" r:id="rId15"/>
+    <p:sldId id="1234" r:id="rId16"/>
   </p:sldIdLst>
   <p:sldSz cx="12192000" cy="6858000"/>
   <p:notesSz cx="6858000" cy="9144000"/>
@@ -138,6 +139,7 @@
             <p14:sldId id="1236"/>
             <p14:sldId id="1235"/>
             <p14:sldId id="1237"/>
+            <p14:sldId id="1238"/>
             <p14:sldId id="1234"/>
           </p14:sldIdLst>
         </p14:section>
@@ -232,7 +234,7 @@
           <a:p>
             <a:fld id="{5B14C9EB-6DB0-4253-A534-AA6AC3B617E1}" type="datetimeFigureOut">
               <a:rPr lang="en-US" smtClean="0"/>
-              <a:t>6/11/2025</a:t>
+              <a:t>6/12/2025</a:t>
             </a:fld>
             <a:endParaRPr lang="en-US"/>
           </a:p>
@@ -1333,6 +1335,90 @@
     <p:extLst>
       <p:ext uri="{BB962C8B-B14F-4D97-AF65-F5344CB8AC3E}">
         <p14:creationId xmlns:p14="http://schemas.microsoft.com/office/powerpoint/2010/main" val="1161073500"/>
+      </p:ext>
+    </p:extLst>
+  </p:cSld>
+  <p:clrMapOvr>
+    <a:masterClrMapping/>
+  </p:clrMapOvr>
+</p:notes>
+</file>
+
+<file path=ppt/notesSlides/notesSlide8.xml><?xml version="1.0" encoding="utf-8"?>
+<p:notes xmlns:a="http://schemas.openxmlformats.org/drawingml/2006/main" xmlns:r="http://schemas.openxmlformats.org/officeDocument/2006/relationships" xmlns:p="http://schemas.openxmlformats.org/presentationml/2006/main">
+  <p:cSld>
+    <p:spTree>
+      <p:nvGrpSpPr>
+        <p:cNvPr id="1" name=""/>
+        <p:cNvGrpSpPr/>
+        <p:nvPr/>
+      </p:nvGrpSpPr>
+      <p:grpSpPr>
+        <a:xfrm>
+          <a:off x="0" y="0"/>
+          <a:ext cx="0" cy="0"/>
+          <a:chOff x="0" y="0"/>
+          <a:chExt cx="0" cy="0"/>
+        </a:xfrm>
+      </p:grpSpPr>
+      <p:sp>
+        <p:nvSpPr>
+          <p:cNvPr id="2" name="Slide Image Placeholder 1"/>
+          <p:cNvSpPr>
+            <a:spLocks noGrp="1" noRot="1" noChangeAspect="1"/>
+          </p:cNvSpPr>
+          <p:nvPr>
+            <p:ph type="sldImg"/>
+          </p:nvPr>
+        </p:nvSpPr>
+        <p:spPr/>
+      </p:sp>
+      <p:sp>
+        <p:nvSpPr>
+          <p:cNvPr id="3" name="Notes Placeholder 2"/>
+          <p:cNvSpPr>
+            <a:spLocks noGrp="1"/>
+          </p:cNvSpPr>
+          <p:nvPr>
+            <p:ph type="body" idx="1"/>
+          </p:nvPr>
+        </p:nvSpPr>
+        <p:spPr/>
+        <p:txBody>
+          <a:bodyPr/>
+          <a:lstStyle/>
+          <a:p>
+            <a:endParaRPr lang="en-US" dirty="0"/>
+          </a:p>
+        </p:txBody>
+      </p:sp>
+      <p:sp>
+        <p:nvSpPr>
+          <p:cNvPr id="4" name="Slide Number Placeholder 3"/>
+          <p:cNvSpPr>
+            <a:spLocks noGrp="1"/>
+          </p:cNvSpPr>
+          <p:nvPr>
+            <p:ph type="sldNum" sz="quarter" idx="5"/>
+          </p:nvPr>
+        </p:nvSpPr>
+        <p:spPr/>
+        <p:txBody>
+          <a:bodyPr/>
+          <a:lstStyle/>
+          <a:p>
+            <a:fld id="{4BB17C66-5E86-48FA-A33E-66AB0EC7811B}" type="slidenum">
+              <a:rPr lang="en-US" smtClean="0"/>
+              <a:t>13</a:t>
+            </a:fld>
+            <a:endParaRPr lang="en-US"/>
+          </a:p>
+        </p:txBody>
+      </p:sp>
+    </p:spTree>
+    <p:extLst>
+      <p:ext uri="{BB962C8B-B14F-4D97-AF65-F5344CB8AC3E}">
+        <p14:creationId xmlns:p14="http://schemas.microsoft.com/office/powerpoint/2010/main" val="3192220242"/>
       </p:ext>
     </p:extLst>
   </p:cSld>
@@ -5688,7 +5774,7 @@
         </p:nvSpPr>
         <p:spPr>
           <a:xfrm>
-            <a:off x="5063817" y="4711688"/>
+            <a:off x="3715340" y="5025966"/>
             <a:ext cx="1960793" cy="369332"/>
           </a:xfrm>
           <a:prstGeom prst="rect">
@@ -6594,6 +6680,283 @@
           </a:p>
         </p:txBody>
       </p:sp>
+      <mc:AlternateContent xmlns:mc="http://schemas.openxmlformats.org/markup-compatibility/2006">
+        <mc:Choice xmlns:a14="http://schemas.microsoft.com/office/drawing/2010/main" Requires="a14">
+          <p:sp>
+            <p:nvSpPr>
+              <p:cNvPr id="3" name="Hộp Văn bản 42">
+                <a:extLst>
+                  <a:ext uri="{FF2B5EF4-FFF2-40B4-BE49-F238E27FC236}">
+                    <a16:creationId xmlns:a16="http://schemas.microsoft.com/office/drawing/2014/main" id="{003F32FD-EE22-69C2-16ED-F24F821992BD}"/>
+                  </a:ext>
+                </a:extLst>
+              </p:cNvPr>
+              <p:cNvSpPr txBox="1"/>
+              <p:nvPr/>
+            </p:nvSpPr>
+            <p:spPr>
+              <a:xfrm>
+                <a:off x="5583780" y="5011326"/>
+                <a:ext cx="3049681" cy="400110"/>
+              </a:xfrm>
+              <a:prstGeom prst="rect">
+                <a:avLst/>
+              </a:prstGeom>
+              <a:noFill/>
+            </p:spPr>
+            <p:txBody>
+              <a:bodyPr wrap="none" rtlCol="0">
+                <a:spAutoFit/>
+              </a:bodyPr>
+              <a:lstStyle/>
+              <a:p>
+                <a14:m>
+                  <m:oMath xmlns:m="http://schemas.openxmlformats.org/officeDocument/2006/math">
+                    <m:sSup>
+                      <m:sSupPr>
+                        <m:ctrlPr>
+                          <a:rPr lang="en-US" sz="2000" i="1" smtClean="0">
+                            <a:latin typeface="Cambria Math" panose="02040503050406030204" pitchFamily="18" charset="0"/>
+                          </a:rPr>
+                        </m:ctrlPr>
+                      </m:sSupPr>
+                      <m:e>
+                        <m:r>
+                          <a:rPr lang="en-US" sz="2000" b="0" i="1" smtClean="0">
+                            <a:latin typeface="Cambria Math" panose="02040503050406030204" pitchFamily="18" charset="0"/>
+                          </a:rPr>
+                          <m:t>(</m:t>
+                        </m:r>
+                        <m:sSub>
+                          <m:sSubPr>
+                            <m:ctrlPr>
+                              <a:rPr lang="en-US" sz="2000" i="1" smtClean="0">
+                                <a:solidFill>
+                                  <a:schemeClr val="tx1"/>
+                                </a:solidFill>
+                                <a:latin typeface="Cambria Math" panose="02040503050406030204" pitchFamily="18" charset="0"/>
+                              </a:rPr>
+                            </m:ctrlPr>
+                          </m:sSubPr>
+                          <m:e>
+                            <m:r>
+                              <a:rPr lang="en-US" sz="2000" b="0" i="1" smtClean="0">
+                                <a:solidFill>
+                                  <a:schemeClr val="tx1"/>
+                                </a:solidFill>
+                                <a:latin typeface="Cambria Math" panose="02040503050406030204" pitchFamily="18" charset="0"/>
+                              </a:rPr>
+                              <m:t>𝑥</m:t>
+                            </m:r>
+                          </m:e>
+                          <m:sub>
+                            <m:r>
+                              <a:rPr lang="en-US" sz="2000" b="0" i="1" smtClean="0">
+                                <a:solidFill>
+                                  <a:schemeClr val="tx1"/>
+                                </a:solidFill>
+                                <a:latin typeface="Cambria Math" panose="02040503050406030204" pitchFamily="18" charset="0"/>
+                              </a:rPr>
+                              <m:t>𝑖</m:t>
+                            </m:r>
+                          </m:sub>
+                        </m:sSub>
+                        <m:r>
+                          <a:rPr lang="en-US" sz="2000" b="0" i="1" smtClean="0">
+                            <a:latin typeface="Cambria Math" panose="02040503050406030204" pitchFamily="18" charset="0"/>
+                          </a:rPr>
+                          <m:t>−</m:t>
+                        </m:r>
+                        <m:r>
+                          <a:rPr lang="en-US" sz="2000" b="0" i="1" smtClean="0">
+                            <a:latin typeface="Cambria Math" panose="02040503050406030204" pitchFamily="18" charset="0"/>
+                          </a:rPr>
+                          <m:t>𝑎</m:t>
+                        </m:r>
+                        <m:r>
+                          <a:rPr lang="en-US" sz="2000" b="0" i="1" smtClean="0">
+                            <a:latin typeface="Cambria Math" panose="02040503050406030204" pitchFamily="18" charset="0"/>
+                          </a:rPr>
+                          <m:t>)</m:t>
+                        </m:r>
+                      </m:e>
+                      <m:sup>
+                        <m:r>
+                          <a:rPr lang="en-US" sz="2000" b="0" i="1" smtClean="0">
+                            <a:latin typeface="Cambria Math" panose="02040503050406030204" pitchFamily="18" charset="0"/>
+                          </a:rPr>
+                          <m:t>2</m:t>
+                        </m:r>
+                      </m:sup>
+                    </m:sSup>
+                    <m:r>
+                      <a:rPr lang="en-US" sz="2000" b="0" i="1" smtClean="0">
+                        <a:latin typeface="Cambria Math" panose="02040503050406030204" pitchFamily="18" charset="0"/>
+                      </a:rPr>
+                      <m:t>+ </m:t>
+                    </m:r>
+                    <m:sSup>
+                      <m:sSupPr>
+                        <m:ctrlPr>
+                          <a:rPr lang="en-US" sz="2000" i="1">
+                            <a:latin typeface="Cambria Math" panose="02040503050406030204" pitchFamily="18" charset="0"/>
+                          </a:rPr>
+                        </m:ctrlPr>
+                      </m:sSupPr>
+                      <m:e>
+                        <m:r>
+                          <a:rPr lang="en-US" sz="2000" i="1">
+                            <a:latin typeface="Cambria Math" panose="02040503050406030204" pitchFamily="18" charset="0"/>
+                          </a:rPr>
+                          <m:t>(</m:t>
+                        </m:r>
+                        <m:sSub>
+                          <m:sSubPr>
+                            <m:ctrlPr>
+                              <a:rPr lang="en-US" sz="2000" i="1" smtClean="0">
+                                <a:solidFill>
+                                  <a:schemeClr val="tx1"/>
+                                </a:solidFill>
+                                <a:latin typeface="Cambria Math" panose="02040503050406030204" pitchFamily="18" charset="0"/>
+                              </a:rPr>
+                            </m:ctrlPr>
+                          </m:sSubPr>
+                          <m:e>
+                            <m:r>
+                              <a:rPr lang="en-US" sz="2000" b="0" i="1" smtClean="0">
+                                <a:solidFill>
+                                  <a:schemeClr val="tx1"/>
+                                </a:solidFill>
+                                <a:latin typeface="Cambria Math" panose="02040503050406030204" pitchFamily="18" charset="0"/>
+                              </a:rPr>
+                              <m:t>𝑦</m:t>
+                            </m:r>
+                          </m:e>
+                          <m:sub>
+                            <m:r>
+                              <a:rPr lang="en-US" sz="2000" i="1">
+                                <a:solidFill>
+                                  <a:schemeClr val="tx1"/>
+                                </a:solidFill>
+                                <a:latin typeface="Cambria Math" panose="02040503050406030204" pitchFamily="18" charset="0"/>
+                              </a:rPr>
+                              <m:t>𝑖</m:t>
+                            </m:r>
+                          </m:sub>
+                        </m:sSub>
+                        <m:r>
+                          <a:rPr lang="en-US" sz="2000" i="1">
+                            <a:latin typeface="Cambria Math" panose="02040503050406030204" pitchFamily="18" charset="0"/>
+                          </a:rPr>
+                          <m:t>−</m:t>
+                        </m:r>
+                        <m:r>
+                          <a:rPr lang="en-US" sz="2000" b="0" i="1" smtClean="0">
+                            <a:latin typeface="Cambria Math" panose="02040503050406030204" pitchFamily="18" charset="0"/>
+                          </a:rPr>
+                          <m:t>𝑏</m:t>
+                        </m:r>
+                        <m:r>
+                          <a:rPr lang="en-US" sz="2000" i="1">
+                            <a:latin typeface="Cambria Math" panose="02040503050406030204" pitchFamily="18" charset="0"/>
+                          </a:rPr>
+                          <m:t>)</m:t>
+                        </m:r>
+                      </m:e>
+                      <m:sup>
+                        <m:r>
+                          <a:rPr lang="en-US" sz="2000" i="1">
+                            <a:latin typeface="Cambria Math" panose="02040503050406030204" pitchFamily="18" charset="0"/>
+                          </a:rPr>
+                          <m:t>2</m:t>
+                        </m:r>
+                      </m:sup>
+                    </m:sSup>
+                  </m:oMath>
+                </a14:m>
+                <a:r>
+                  <a:rPr lang="en-US" sz="2000" dirty="0"/>
+                  <a:t> = </a:t>
+                </a:r>
+                <a14:m>
+                  <m:oMath xmlns:m="http://schemas.openxmlformats.org/officeDocument/2006/math">
+                    <m:sSup>
+                      <m:sSupPr>
+                        <m:ctrlPr>
+                          <a:rPr lang="en-US" sz="2000" i="1">
+                            <a:latin typeface="Cambria Math" panose="02040503050406030204" pitchFamily="18" charset="0"/>
+                          </a:rPr>
+                        </m:ctrlPr>
+                      </m:sSupPr>
+                      <m:e>
+                        <m:r>
+                          <a:rPr lang="en-US" sz="2000" b="0" i="1" smtClean="0">
+                            <a:latin typeface="Cambria Math" panose="02040503050406030204" pitchFamily="18" charset="0"/>
+                          </a:rPr>
+                          <m:t>𝑟</m:t>
+                        </m:r>
+                      </m:e>
+                      <m:sup>
+                        <m:r>
+                          <a:rPr lang="en-US" sz="2000" i="1">
+                            <a:latin typeface="Cambria Math" panose="02040503050406030204" pitchFamily="18" charset="0"/>
+                          </a:rPr>
+                          <m:t>2</m:t>
+                        </m:r>
+                      </m:sup>
+                    </m:sSup>
+                  </m:oMath>
+                </a14:m>
+                <a:endParaRPr lang="en-US" sz="2000" dirty="0"/>
+              </a:p>
+            </p:txBody>
+          </p:sp>
+        </mc:Choice>
+        <mc:Fallback>
+          <p:sp>
+            <p:nvSpPr>
+              <p:cNvPr id="3" name="Hộp Văn bản 42">
+                <a:extLst>
+                  <a:ext uri="{FF2B5EF4-FFF2-40B4-BE49-F238E27FC236}">
+                    <a16:creationId xmlns:a16="http://schemas.microsoft.com/office/drawing/2014/main" id="{003F32FD-EE22-69C2-16ED-F24F821992BD}"/>
+                  </a:ext>
+                </a:extLst>
+              </p:cNvPr>
+              <p:cNvSpPr txBox="1">
+                <a:spLocks noRot="1" noChangeAspect="1" noMove="1" noResize="1" noEditPoints="1" noAdjustHandles="1" noChangeArrowheads="1" noChangeShapeType="1" noTextEdit="1"/>
+              </p:cNvSpPr>
+              <p:nvPr/>
+            </p:nvSpPr>
+            <p:spPr>
+              <a:xfrm>
+                <a:off x="5583780" y="5011326"/>
+                <a:ext cx="3049681" cy="400110"/>
+              </a:xfrm>
+              <a:prstGeom prst="rect">
+                <a:avLst/>
+              </a:prstGeom>
+              <a:blipFill>
+                <a:blip r:embed="rId2"/>
+                <a:stretch>
+                  <a:fillRect l="-1000" t="-7576" b="-25758"/>
+                </a:stretch>
+              </a:blipFill>
+            </p:spPr>
+            <p:txBody>
+              <a:bodyPr/>
+              <a:lstStyle/>
+              <a:p>
+                <a:r>
+                  <a:rPr lang="en-US">
+                    <a:noFill/>
+                  </a:rPr>
+                  <a:t> </a:t>
+                </a:r>
+              </a:p>
+            </p:txBody>
+          </p:sp>
+        </mc:Fallback>
+      </mc:AlternateContent>
     </p:spTree>
     <p:extLst>
       <p:ext uri="{BB962C8B-B14F-4D97-AF65-F5344CB8AC3E}">
@@ -7619,8 +7982,8 @@
           </a:fontRef>
         </p:style>
       </p:cxnSp>
-      <mc:AlternateContent xmlns:mc="http://schemas.openxmlformats.org/markup-compatibility/2006">
-        <mc:Choice xmlns:a14="http://schemas.microsoft.com/office/drawing/2010/main" Requires="a14">
+      <mc:AlternateContent xmlns:mc="http://schemas.openxmlformats.org/markup-compatibility/2006" xmlns:a14="http://schemas.microsoft.com/office/drawing/2010/main">
+        <mc:Choice Requires="a14">
           <p:sp>
             <p:nvSpPr>
               <p:cNvPr id="43" name="Hộp Văn bản 42">
@@ -7863,7 +8226,7 @@
             </p:txBody>
           </p:sp>
         </mc:Choice>
-        <mc:Fallback>
+        <mc:Fallback xmlns="">
           <p:sp>
             <p:nvSpPr>
               <p:cNvPr id="43" name="Hộp Văn bản 42">
@@ -8034,8 +8397,8 @@
           </a:p>
         </p:txBody>
       </p:sp>
-      <mc:AlternateContent xmlns:mc="http://schemas.openxmlformats.org/markup-compatibility/2006">
-        <mc:Choice xmlns:a14="http://schemas.microsoft.com/office/drawing/2010/main" Requires="a14">
+      <mc:AlternateContent xmlns:mc="http://schemas.openxmlformats.org/markup-compatibility/2006" xmlns:a14="http://schemas.microsoft.com/office/drawing/2010/main">
+        <mc:Choice Requires="a14">
           <p:sp>
             <p:nvSpPr>
               <p:cNvPr id="49" name="Hộp Văn bản 48">
@@ -8284,7 +8647,7 @@
             </p:txBody>
           </p:sp>
         </mc:Choice>
-        <mc:Fallback>
+        <mc:Fallback xmlns="">
           <p:sp>
             <p:nvSpPr>
               <p:cNvPr id="49" name="Hộp Văn bản 48">
@@ -9175,8 +9538,8 @@
           </a:p>
         </p:txBody>
       </p:sp>
-      <mc:AlternateContent xmlns:mc="http://schemas.openxmlformats.org/markup-compatibility/2006">
-        <mc:Choice xmlns:a14="http://schemas.microsoft.com/office/drawing/2010/main" Requires="a14">
+      <mc:AlternateContent xmlns:mc="http://schemas.openxmlformats.org/markup-compatibility/2006" xmlns:a14="http://schemas.microsoft.com/office/drawing/2010/main">
+        <mc:Choice Requires="a14">
           <p:sp>
             <p:nvSpPr>
               <p:cNvPr id="75" name="Hộp Văn bản 74">
@@ -9302,7 +9665,7 @@
             </p:txBody>
           </p:sp>
         </mc:Choice>
-        <mc:Fallback>
+        <mc:Fallback xmlns="">
           <p:sp>
             <p:nvSpPr>
               <p:cNvPr id="75" name="Hộp Văn bản 74">
@@ -9347,8 +9710,8 @@
           </p:sp>
         </mc:Fallback>
       </mc:AlternateContent>
-      <mc:AlternateContent xmlns:mc="http://schemas.openxmlformats.org/markup-compatibility/2006">
-        <mc:Choice xmlns:a14="http://schemas.microsoft.com/office/drawing/2010/main" Requires="a14">
+      <mc:AlternateContent xmlns:mc="http://schemas.openxmlformats.org/markup-compatibility/2006" xmlns:a14="http://schemas.microsoft.com/office/drawing/2010/main">
+        <mc:Choice Requires="a14">
           <p:sp>
             <p:nvSpPr>
               <p:cNvPr id="76" name="Hộp Văn bản 75">
@@ -9474,7 +9837,7 @@
             </p:txBody>
           </p:sp>
         </mc:Choice>
-        <mc:Fallback>
+        <mc:Fallback xmlns="">
           <p:sp>
             <p:nvSpPr>
               <p:cNvPr id="76" name="Hộp Văn bản 75">
@@ -9501,6 +9864,204 @@
                 <a:blip r:embed="rId6"/>
                 <a:stretch>
                   <a:fillRect l="-2113" t="-8197" r="-4225" b="-24590"/>
+                </a:stretch>
+              </a:blipFill>
+            </p:spPr>
+            <p:txBody>
+              <a:bodyPr/>
+              <a:lstStyle/>
+              <a:p>
+                <a:r>
+                  <a:rPr lang="en-US">
+                    <a:noFill/>
+                  </a:rPr>
+                  <a:t> </a:t>
+                </a:r>
+              </a:p>
+            </p:txBody>
+          </p:sp>
+        </mc:Fallback>
+      </mc:AlternateContent>
+      <mc:AlternateContent xmlns:mc="http://schemas.openxmlformats.org/markup-compatibility/2006">
+        <mc:Choice xmlns:a14="http://schemas.microsoft.com/office/drawing/2010/main" Requires="a14">
+          <p:sp>
+            <p:nvSpPr>
+              <p:cNvPr id="3" name="Hộp Văn bản 45">
+                <a:extLst>
+                  <a:ext uri="{FF2B5EF4-FFF2-40B4-BE49-F238E27FC236}">
+                    <a16:creationId xmlns:a16="http://schemas.microsoft.com/office/drawing/2014/main" id="{BB7E41ED-57C4-0A2F-054D-AFF38212CCA5}"/>
+                  </a:ext>
+                </a:extLst>
+              </p:cNvPr>
+              <p:cNvSpPr txBox="1"/>
+              <p:nvPr/>
+            </p:nvSpPr>
+            <p:spPr>
+              <a:xfrm>
+                <a:off x="6216831" y="1875278"/>
+                <a:ext cx="372474" cy="369332"/>
+              </a:xfrm>
+              <a:prstGeom prst="rect">
+                <a:avLst/>
+              </a:prstGeom>
+              <a:noFill/>
+            </p:spPr>
+            <p:txBody>
+              <a:bodyPr wrap="none" rtlCol="0">
+                <a:spAutoFit/>
+              </a:bodyPr>
+              <a:lstStyle/>
+              <a:p>
+                <a14:m>
+                  <m:oMathPara xmlns:m="http://schemas.openxmlformats.org/officeDocument/2006/math">
+                    <m:oMathParaPr>
+                      <m:jc m:val="centerGroup"/>
+                    </m:oMathParaPr>
+                    <m:oMath xmlns:m="http://schemas.openxmlformats.org/officeDocument/2006/math">
+                      <m:r>
+                        <a:rPr lang="en-US" b="0" i="1" smtClean="0">
+                          <a:latin typeface="Cambria Math" panose="02040503050406030204" pitchFamily="18" charset="0"/>
+                          <a:cs typeface="Times New Roman" panose="02020603050405020304" pitchFamily="18" charset="0"/>
+                        </a:rPr>
+                        <m:t>𝑏</m:t>
+                      </m:r>
+                    </m:oMath>
+                  </m:oMathPara>
+                </a14:m>
+                <a:endParaRPr lang="en-US" i="1" dirty="0">
+                  <a:latin typeface="Times New Roman" panose="02020603050405020304" pitchFamily="18" charset="0"/>
+                  <a:cs typeface="Times New Roman" panose="02020603050405020304" pitchFamily="18" charset="0"/>
+                </a:endParaRPr>
+              </a:p>
+            </p:txBody>
+          </p:sp>
+        </mc:Choice>
+        <mc:Fallback>
+          <p:sp>
+            <p:nvSpPr>
+              <p:cNvPr id="3" name="Hộp Văn bản 45">
+                <a:extLst>
+                  <a:ext uri="{FF2B5EF4-FFF2-40B4-BE49-F238E27FC236}">
+                    <a16:creationId xmlns:a16="http://schemas.microsoft.com/office/drawing/2014/main" id="{BB7E41ED-57C4-0A2F-054D-AFF38212CCA5}"/>
+                  </a:ext>
+                </a:extLst>
+              </p:cNvPr>
+              <p:cNvSpPr txBox="1">
+                <a:spLocks noRot="1" noChangeAspect="1" noMove="1" noResize="1" noEditPoints="1" noAdjustHandles="1" noChangeArrowheads="1" noChangeShapeType="1" noTextEdit="1"/>
+              </p:cNvSpPr>
+              <p:nvPr/>
+            </p:nvSpPr>
+            <p:spPr>
+              <a:xfrm>
+                <a:off x="6216831" y="1875278"/>
+                <a:ext cx="372474" cy="369332"/>
+              </a:xfrm>
+              <a:prstGeom prst="rect">
+                <a:avLst/>
+              </a:prstGeom>
+              <a:blipFill>
+                <a:blip r:embed="rId7"/>
+                <a:stretch>
+                  <a:fillRect/>
+                </a:stretch>
+              </a:blipFill>
+            </p:spPr>
+            <p:txBody>
+              <a:bodyPr/>
+              <a:lstStyle/>
+              <a:p>
+                <a:r>
+                  <a:rPr lang="en-US">
+                    <a:noFill/>
+                  </a:rPr>
+                  <a:t> </a:t>
+                </a:r>
+              </a:p>
+            </p:txBody>
+          </p:sp>
+        </mc:Fallback>
+      </mc:AlternateContent>
+      <mc:AlternateContent xmlns:mc="http://schemas.openxmlformats.org/markup-compatibility/2006">
+        <mc:Choice xmlns:a14="http://schemas.microsoft.com/office/drawing/2010/main" Requires="a14">
+          <p:sp>
+            <p:nvSpPr>
+              <p:cNvPr id="4" name="Hộp Văn bản 45">
+                <a:extLst>
+                  <a:ext uri="{FF2B5EF4-FFF2-40B4-BE49-F238E27FC236}">
+                    <a16:creationId xmlns:a16="http://schemas.microsoft.com/office/drawing/2014/main" id="{ABA0592B-FCB6-EA7E-2413-EE87D2E86ED0}"/>
+                  </a:ext>
+                </a:extLst>
+              </p:cNvPr>
+              <p:cNvSpPr txBox="1"/>
+              <p:nvPr/>
+            </p:nvSpPr>
+            <p:spPr>
+              <a:xfrm>
+                <a:off x="10558008" y="5191650"/>
+                <a:ext cx="376257" cy="369332"/>
+              </a:xfrm>
+              <a:prstGeom prst="rect">
+                <a:avLst/>
+              </a:prstGeom>
+              <a:noFill/>
+            </p:spPr>
+            <p:txBody>
+              <a:bodyPr wrap="none" rtlCol="0">
+                <a:spAutoFit/>
+              </a:bodyPr>
+              <a:lstStyle/>
+              <a:p>
+                <a14:m>
+                  <m:oMathPara xmlns:m="http://schemas.openxmlformats.org/officeDocument/2006/math">
+                    <m:oMathParaPr>
+                      <m:jc m:val="centerGroup"/>
+                    </m:oMathParaPr>
+                    <m:oMath xmlns:m="http://schemas.openxmlformats.org/officeDocument/2006/math">
+                      <m:r>
+                        <a:rPr lang="en-US" b="0" i="1" smtClean="0">
+                          <a:latin typeface="Cambria Math" panose="02040503050406030204" pitchFamily="18" charset="0"/>
+                          <a:cs typeface="Times New Roman" panose="02020603050405020304" pitchFamily="18" charset="0"/>
+                        </a:rPr>
+                        <m:t>𝑎</m:t>
+                      </m:r>
+                    </m:oMath>
+                  </m:oMathPara>
+                </a14:m>
+                <a:endParaRPr lang="en-US" i="1" dirty="0">
+                  <a:latin typeface="Times New Roman" panose="02020603050405020304" pitchFamily="18" charset="0"/>
+                  <a:cs typeface="Times New Roman" panose="02020603050405020304" pitchFamily="18" charset="0"/>
+                </a:endParaRPr>
+              </a:p>
+            </p:txBody>
+          </p:sp>
+        </mc:Choice>
+        <mc:Fallback>
+          <p:sp>
+            <p:nvSpPr>
+              <p:cNvPr id="4" name="Hộp Văn bản 45">
+                <a:extLst>
+                  <a:ext uri="{FF2B5EF4-FFF2-40B4-BE49-F238E27FC236}">
+                    <a16:creationId xmlns:a16="http://schemas.microsoft.com/office/drawing/2014/main" id="{ABA0592B-FCB6-EA7E-2413-EE87D2E86ED0}"/>
+                  </a:ext>
+                </a:extLst>
+              </p:cNvPr>
+              <p:cNvSpPr txBox="1">
+                <a:spLocks noRot="1" noChangeAspect="1" noMove="1" noResize="1" noEditPoints="1" noAdjustHandles="1" noChangeArrowheads="1" noChangeShapeType="1" noTextEdit="1"/>
+              </p:cNvSpPr>
+              <p:nvPr/>
+            </p:nvSpPr>
+            <p:spPr>
+              <a:xfrm>
+                <a:off x="10558008" y="5191650"/>
+                <a:ext cx="376257" cy="369332"/>
+              </a:xfrm>
+              <a:prstGeom prst="rect">
+                <a:avLst/>
+              </a:prstGeom>
+              <a:blipFill>
+                <a:blip r:embed="rId8"/>
+                <a:stretch>
+                  <a:fillRect/>
                 </a:stretch>
               </a:blipFill>
             </p:spPr>
@@ -10404,6 +10965,330 @@
           <a:chExt cx="0" cy="0"/>
         </a:xfrm>
       </p:grpSpPr>
+      <p:cxnSp>
+        <p:nvCxnSpPr>
+          <p:cNvPr id="154" name="Straight Connector 153">
+            <a:extLst>
+              <a:ext uri="{FF2B5EF4-FFF2-40B4-BE49-F238E27FC236}">
+                <a16:creationId xmlns:a16="http://schemas.microsoft.com/office/drawing/2014/main" id="{ECB162E7-DB19-9F54-2B59-C3EED09D9587}"/>
+              </a:ext>
+            </a:extLst>
+          </p:cNvPr>
+          <p:cNvCxnSpPr>
+            <a:cxnSpLocks/>
+          </p:cNvCxnSpPr>
+          <p:nvPr/>
+        </p:nvCxnSpPr>
+        <p:spPr>
+          <a:xfrm flipV="1">
+            <a:off x="8498147" y="3550058"/>
+            <a:ext cx="530718" cy="1482651"/>
+          </a:xfrm>
+          <a:prstGeom prst="line">
+            <a:avLst/>
+          </a:prstGeom>
+          <a:ln>
+            <a:prstDash val="dash"/>
+          </a:ln>
+        </p:spPr>
+        <p:style>
+          <a:lnRef idx="1">
+            <a:schemeClr val="accent1"/>
+          </a:lnRef>
+          <a:fillRef idx="0">
+            <a:schemeClr val="accent1"/>
+          </a:fillRef>
+          <a:effectRef idx="0">
+            <a:schemeClr val="accent1"/>
+          </a:effectRef>
+          <a:fontRef idx="minor">
+            <a:schemeClr val="tx1"/>
+          </a:fontRef>
+        </p:style>
+      </p:cxnSp>
+      <p:cxnSp>
+        <p:nvCxnSpPr>
+          <p:cNvPr id="151" name="Straight Connector 150">
+            <a:extLst>
+              <a:ext uri="{FF2B5EF4-FFF2-40B4-BE49-F238E27FC236}">
+                <a16:creationId xmlns:a16="http://schemas.microsoft.com/office/drawing/2014/main" id="{5678A5C1-22E6-54C5-6C2F-9B410AF6D319}"/>
+              </a:ext>
+            </a:extLst>
+          </p:cNvPr>
+          <p:cNvCxnSpPr/>
+          <p:nvPr/>
+        </p:nvCxnSpPr>
+        <p:spPr>
+          <a:xfrm flipV="1">
+            <a:off x="7719938" y="3533596"/>
+            <a:ext cx="1301976" cy="860987"/>
+          </a:xfrm>
+          <a:prstGeom prst="line">
+            <a:avLst/>
+          </a:prstGeom>
+          <a:ln>
+            <a:prstDash val="dash"/>
+          </a:ln>
+        </p:spPr>
+        <p:style>
+          <a:lnRef idx="1">
+            <a:schemeClr val="accent1"/>
+          </a:lnRef>
+          <a:fillRef idx="0">
+            <a:schemeClr val="accent1"/>
+          </a:fillRef>
+          <a:effectRef idx="0">
+            <a:schemeClr val="accent1"/>
+          </a:effectRef>
+          <a:fontRef idx="minor">
+            <a:schemeClr val="tx1"/>
+          </a:fontRef>
+        </p:style>
+      </p:cxnSp>
+      <p:cxnSp>
+        <p:nvCxnSpPr>
+          <p:cNvPr id="119" name="Straight Connector 118">
+            <a:extLst>
+              <a:ext uri="{FF2B5EF4-FFF2-40B4-BE49-F238E27FC236}">
+                <a16:creationId xmlns:a16="http://schemas.microsoft.com/office/drawing/2014/main" id="{F7128168-D68E-C3A4-F1E3-24A9A8232689}"/>
+              </a:ext>
+            </a:extLst>
+          </p:cNvPr>
+          <p:cNvCxnSpPr>
+            <a:cxnSpLocks/>
+          </p:cNvCxnSpPr>
+          <p:nvPr/>
+        </p:nvCxnSpPr>
+        <p:spPr>
+          <a:xfrm flipV="1">
+            <a:off x="9005085" y="1944259"/>
+            <a:ext cx="201540" cy="1574529"/>
+          </a:xfrm>
+          <a:prstGeom prst="line">
+            <a:avLst/>
+          </a:prstGeom>
+          <a:ln>
+            <a:prstDash val="dash"/>
+          </a:ln>
+        </p:spPr>
+        <p:style>
+          <a:lnRef idx="1">
+            <a:schemeClr val="accent1"/>
+          </a:lnRef>
+          <a:fillRef idx="0">
+            <a:schemeClr val="accent1"/>
+          </a:fillRef>
+          <a:effectRef idx="0">
+            <a:schemeClr val="accent1"/>
+          </a:effectRef>
+          <a:fontRef idx="minor">
+            <a:schemeClr val="tx1"/>
+          </a:fontRef>
+        </p:style>
+      </p:cxnSp>
+      <p:cxnSp>
+        <p:nvCxnSpPr>
+          <p:cNvPr id="139" name="Straight Connector 138">
+            <a:extLst>
+              <a:ext uri="{FF2B5EF4-FFF2-40B4-BE49-F238E27FC236}">
+                <a16:creationId xmlns:a16="http://schemas.microsoft.com/office/drawing/2014/main" id="{EE665002-FF83-AB11-2642-1727BCC9E5F8}"/>
+              </a:ext>
+            </a:extLst>
+          </p:cNvPr>
+          <p:cNvCxnSpPr>
+            <a:cxnSpLocks/>
+          </p:cNvCxnSpPr>
+          <p:nvPr/>
+        </p:nvCxnSpPr>
+        <p:spPr>
+          <a:xfrm>
+            <a:off x="7672093" y="2645970"/>
+            <a:ext cx="1351999" cy="866402"/>
+          </a:xfrm>
+          <a:prstGeom prst="line">
+            <a:avLst/>
+          </a:prstGeom>
+          <a:ln>
+            <a:prstDash val="dash"/>
+          </a:ln>
+        </p:spPr>
+        <p:style>
+          <a:lnRef idx="1">
+            <a:schemeClr val="accent1"/>
+          </a:lnRef>
+          <a:fillRef idx="0">
+            <a:schemeClr val="accent1"/>
+          </a:fillRef>
+          <a:effectRef idx="0">
+            <a:schemeClr val="accent1"/>
+          </a:effectRef>
+          <a:fontRef idx="minor">
+            <a:schemeClr val="tx1"/>
+          </a:fontRef>
+        </p:style>
+      </p:cxnSp>
+      <p:cxnSp>
+        <p:nvCxnSpPr>
+          <p:cNvPr id="146" name="Straight Connector 145">
+            <a:extLst>
+              <a:ext uri="{FF2B5EF4-FFF2-40B4-BE49-F238E27FC236}">
+                <a16:creationId xmlns:a16="http://schemas.microsoft.com/office/drawing/2014/main" id="{7A48744B-3BB8-2152-BE5C-98156D8CC5DD}"/>
+              </a:ext>
+            </a:extLst>
+          </p:cNvPr>
+          <p:cNvCxnSpPr>
+            <a:cxnSpLocks/>
+          </p:cNvCxnSpPr>
+          <p:nvPr/>
+        </p:nvCxnSpPr>
+        <p:spPr>
+          <a:xfrm>
+            <a:off x="7446074" y="3346187"/>
+            <a:ext cx="1568135" cy="171824"/>
+          </a:xfrm>
+          <a:prstGeom prst="line">
+            <a:avLst/>
+          </a:prstGeom>
+          <a:ln>
+            <a:prstDash val="dash"/>
+          </a:ln>
+        </p:spPr>
+        <p:style>
+          <a:lnRef idx="1">
+            <a:schemeClr val="accent1"/>
+          </a:lnRef>
+          <a:fillRef idx="0">
+            <a:schemeClr val="accent1"/>
+          </a:fillRef>
+          <a:effectRef idx="0">
+            <a:schemeClr val="accent1"/>
+          </a:effectRef>
+          <a:fontRef idx="minor">
+            <a:schemeClr val="tx1"/>
+          </a:fontRef>
+        </p:style>
+      </p:cxnSp>
+      <p:cxnSp>
+        <p:nvCxnSpPr>
+          <p:cNvPr id="158" name="Straight Connector 157">
+            <a:extLst>
+              <a:ext uri="{FF2B5EF4-FFF2-40B4-BE49-F238E27FC236}">
+                <a16:creationId xmlns:a16="http://schemas.microsoft.com/office/drawing/2014/main" id="{01F5DE43-30A9-5ADA-EB05-E20FD9A95787}"/>
+              </a:ext>
+            </a:extLst>
+          </p:cNvPr>
+          <p:cNvCxnSpPr/>
+          <p:nvPr/>
+        </p:nvCxnSpPr>
+        <p:spPr>
+          <a:xfrm flipH="1" flipV="1">
+            <a:off x="9047412" y="3542658"/>
+            <a:ext cx="591888" cy="1440572"/>
+          </a:xfrm>
+          <a:prstGeom prst="line">
+            <a:avLst/>
+          </a:prstGeom>
+          <a:ln>
+            <a:prstDash val="dash"/>
+          </a:ln>
+        </p:spPr>
+        <p:style>
+          <a:lnRef idx="1">
+            <a:schemeClr val="accent1"/>
+          </a:lnRef>
+          <a:fillRef idx="0">
+            <a:schemeClr val="accent1"/>
+          </a:fillRef>
+          <a:effectRef idx="0">
+            <a:schemeClr val="accent1"/>
+          </a:effectRef>
+          <a:fontRef idx="minor">
+            <a:schemeClr val="tx1"/>
+          </a:fontRef>
+        </p:style>
+      </p:cxnSp>
+      <p:cxnSp>
+        <p:nvCxnSpPr>
+          <p:cNvPr id="161" name="Straight Connector 160">
+            <a:extLst>
+              <a:ext uri="{FF2B5EF4-FFF2-40B4-BE49-F238E27FC236}">
+                <a16:creationId xmlns:a16="http://schemas.microsoft.com/office/drawing/2014/main" id="{0F7415FF-2145-6794-6E22-A79531AFE714}"/>
+              </a:ext>
+            </a:extLst>
+          </p:cNvPr>
+          <p:cNvCxnSpPr>
+            <a:endCxn id="42" idx="0"/>
+          </p:cNvCxnSpPr>
+          <p:nvPr/>
+        </p:nvCxnSpPr>
+        <p:spPr>
+          <a:xfrm flipH="1" flipV="1">
+            <a:off x="9018545" y="3502923"/>
+            <a:ext cx="1416235" cy="663515"/>
+          </a:xfrm>
+          <a:prstGeom prst="line">
+            <a:avLst/>
+          </a:prstGeom>
+          <a:ln>
+            <a:prstDash val="dash"/>
+          </a:ln>
+        </p:spPr>
+        <p:style>
+          <a:lnRef idx="1">
+            <a:schemeClr val="accent1"/>
+          </a:lnRef>
+          <a:fillRef idx="0">
+            <a:schemeClr val="accent1"/>
+          </a:fillRef>
+          <a:effectRef idx="0">
+            <a:schemeClr val="accent1"/>
+          </a:effectRef>
+          <a:fontRef idx="minor">
+            <a:schemeClr val="tx1"/>
+          </a:fontRef>
+        </p:style>
+      </p:cxnSp>
+      <p:cxnSp>
+        <p:nvCxnSpPr>
+          <p:cNvPr id="165" name="Straight Connector 164">
+            <a:extLst>
+              <a:ext uri="{FF2B5EF4-FFF2-40B4-BE49-F238E27FC236}">
+                <a16:creationId xmlns:a16="http://schemas.microsoft.com/office/drawing/2014/main" id="{E09BB49A-552A-F107-B734-A2FF231E5BE0}"/>
+              </a:ext>
+            </a:extLst>
+          </p:cNvPr>
+          <p:cNvCxnSpPr>
+            <a:cxnSpLocks/>
+          </p:cNvCxnSpPr>
+          <p:nvPr/>
+        </p:nvCxnSpPr>
+        <p:spPr>
+          <a:xfrm flipH="1">
+            <a:off x="9047412" y="2938893"/>
+            <a:ext cx="1482928" cy="558434"/>
+          </a:xfrm>
+          <a:prstGeom prst="line">
+            <a:avLst/>
+          </a:prstGeom>
+          <a:ln>
+            <a:prstDash val="dash"/>
+          </a:ln>
+        </p:spPr>
+        <p:style>
+          <a:lnRef idx="1">
+            <a:schemeClr val="accent1"/>
+          </a:lnRef>
+          <a:fillRef idx="0">
+            <a:schemeClr val="accent1"/>
+          </a:fillRef>
+          <a:effectRef idx="0">
+            <a:schemeClr val="accent1"/>
+          </a:effectRef>
+          <a:fontRef idx="minor">
+            <a:schemeClr val="tx1"/>
+          </a:fontRef>
+        </p:style>
+      </p:cxnSp>
       <p:sp>
         <p:nvSpPr>
           <p:cNvPr id="2" name="Tiêu đề 1">
@@ -10454,8 +11339,8 @@
             </p:nvSpPr>
             <p:spPr>
               <a:xfrm>
-                <a:off x="334835" y="720349"/>
-                <a:ext cx="4686411" cy="369332"/>
+                <a:off x="279532" y="720349"/>
+                <a:ext cx="6309772" cy="826316"/>
               </a:xfrm>
               <a:prstGeom prst="rect">
                 <a:avLst/>
@@ -10463,7 +11348,7 @@
               <a:noFill/>
             </p:spPr>
             <p:txBody>
-              <a:bodyPr wrap="none" rtlCol="0">
+              <a:bodyPr wrap="square" rtlCol="0">
                 <a:spAutoFit/>
               </a:bodyPr>
               <a:lstStyle/>
@@ -10568,24 +11453,102 @@
                     <a:latin typeface="Times New Roman" panose="02020603050405020304" pitchFamily="18" charset="0"/>
                     <a:cs typeface="Times New Roman" panose="02020603050405020304" pitchFamily="18" charset="0"/>
                   </a:rPr>
-                  <a:t>, Edge direction </a:t>
+                  <a:t>, Edge direction: </a:t>
+                </a:r>
+                <a:r>
+                  <a:rPr lang="el-GR" dirty="0">
+                    <a:latin typeface="Times New Roman" panose="02020603050405020304" pitchFamily="18" charset="0"/>
+                    <a:cs typeface="Times New Roman" panose="02020603050405020304" pitchFamily="18" charset="0"/>
+                  </a:rPr>
+                  <a:t>θ</a:t>
+                </a:r>
+                <a:r>
+                  <a:rPr lang="en-US" dirty="0">
+                    <a:latin typeface="Times New Roman" panose="02020603050405020304" pitchFamily="18" charset="0"/>
+                    <a:cs typeface="Times New Roman" panose="02020603050405020304" pitchFamily="18" charset="0"/>
+                  </a:rPr>
+                  <a:t> = arctan </a:t>
                 </a:r>
                 <a14:m>
                   <m:oMath xmlns:m="http://schemas.openxmlformats.org/officeDocument/2006/math">
-                    <m:sSub>
-                      <m:sSubPr>
+                    <m:f>
+                      <m:fPr>
                         <m:ctrlPr>
                           <a:rPr lang="en-US" i="1" smtClean="0">
                             <a:latin typeface="Cambria Math" panose="02040503050406030204" pitchFamily="18" charset="0"/>
                             <a:cs typeface="Times New Roman" panose="02020603050405020304" pitchFamily="18" charset="0"/>
                           </a:rPr>
                         </m:ctrlPr>
-                      </m:sSubPr>
-                      <m:e/>
-                      <m:sub/>
-                    </m:sSub>
+                      </m:fPr>
+                      <m:num>
+                        <m:sSub>
+                          <m:sSubPr>
+                            <m:ctrlPr>
+                              <a:rPr lang="en-US" i="1" smtClean="0">
+                                <a:latin typeface="Cambria Math" panose="02040503050406030204" pitchFamily="18" charset="0"/>
+                                <a:cs typeface="Times New Roman" panose="02020603050405020304" pitchFamily="18" charset="0"/>
+                              </a:rPr>
+                            </m:ctrlPr>
+                          </m:sSubPr>
+                          <m:e>
+                            <m:r>
+                              <a:rPr lang="en-US" b="0" i="1" smtClean="0">
+                                <a:latin typeface="Cambria Math" panose="02040503050406030204" pitchFamily="18" charset="0"/>
+                                <a:cs typeface="Times New Roman" panose="02020603050405020304" pitchFamily="18" charset="0"/>
+                              </a:rPr>
+                              <m:t>𝐺</m:t>
+                            </m:r>
+                          </m:e>
+                          <m:sub>
+                            <m:r>
+                              <a:rPr lang="en-US" b="0" i="1" smtClean="0">
+                                <a:latin typeface="Cambria Math" panose="02040503050406030204" pitchFamily="18" charset="0"/>
+                                <a:cs typeface="Times New Roman" panose="02020603050405020304" pitchFamily="18" charset="0"/>
+                              </a:rPr>
+                              <m:t>𝑥</m:t>
+                            </m:r>
+                          </m:sub>
+                        </m:sSub>
+                      </m:num>
+                      <m:den>
+                        <m:sSub>
+                          <m:sSubPr>
+                            <m:ctrlPr>
+                              <a:rPr lang="en-US" i="1" smtClean="0">
+                                <a:latin typeface="Cambria Math" panose="02040503050406030204" pitchFamily="18" charset="0"/>
+                                <a:cs typeface="Times New Roman" panose="02020603050405020304" pitchFamily="18" charset="0"/>
+                              </a:rPr>
+                            </m:ctrlPr>
+                          </m:sSubPr>
+                          <m:e>
+                            <m:r>
+                              <a:rPr lang="en-US" b="0" i="1" smtClean="0">
+                                <a:latin typeface="Cambria Math" panose="02040503050406030204" pitchFamily="18" charset="0"/>
+                                <a:cs typeface="Times New Roman" panose="02020603050405020304" pitchFamily="18" charset="0"/>
+                              </a:rPr>
+                              <m:t>𝐺</m:t>
+                            </m:r>
+                          </m:e>
+                          <m:sub>
+                            <m:r>
+                              <a:rPr lang="en-US" b="0" i="1" smtClean="0">
+                                <a:latin typeface="Cambria Math" panose="02040503050406030204" pitchFamily="18" charset="0"/>
+                                <a:cs typeface="Times New Roman" panose="02020603050405020304" pitchFamily="18" charset="0"/>
+                              </a:rPr>
+                              <m:t>𝑦</m:t>
+                            </m:r>
+                          </m:sub>
+                        </m:sSub>
+                      </m:den>
+                    </m:f>
                   </m:oMath>
                 </a14:m>
+                <a:endParaRPr lang="en-US" dirty="0">
+                  <a:latin typeface="Times New Roman" panose="02020603050405020304" pitchFamily="18" charset="0"/>
+                  <a:cs typeface="Times New Roman" panose="02020603050405020304" pitchFamily="18" charset="0"/>
+                </a:endParaRPr>
+              </a:p>
+              <a:p>
                 <a:endParaRPr lang="en-US" i="1" dirty="0">
                   <a:latin typeface="Times New Roman" panose="02020603050405020304" pitchFamily="18" charset="0"/>
                   <a:cs typeface="Times New Roman" panose="02020603050405020304" pitchFamily="18" charset="0"/>
@@ -10611,16 +11574,16 @@
             </p:nvSpPr>
             <p:spPr>
               <a:xfrm>
-                <a:off x="334835" y="720349"/>
-                <a:ext cx="4686411" cy="369332"/>
+                <a:off x="279532" y="720349"/>
+                <a:ext cx="6309772" cy="826316"/>
               </a:xfrm>
               <a:prstGeom prst="rect">
                 <a:avLst/>
               </a:prstGeom>
               <a:blipFill>
-                <a:blip r:embed="rId2"/>
+                <a:blip r:embed="rId3"/>
                 <a:stretch>
-                  <a:fillRect l="-1170" t="-8197" b="-24590"/>
+                  <a:fillRect l="-870"/>
                 </a:stretch>
               </a:blipFill>
             </p:spPr>
@@ -11324,101 +12287,6 @@
           </a:p>
         </p:txBody>
       </p:sp>
-      <p:grpSp>
-        <p:nvGrpSpPr>
-          <p:cNvPr id="48" name="Nhóm 47">
-            <a:extLst>
-              <a:ext uri="{FF2B5EF4-FFF2-40B4-BE49-F238E27FC236}">
-                <a16:creationId xmlns:a16="http://schemas.microsoft.com/office/drawing/2014/main" id="{D2D6A8DA-C185-479D-8050-B2192DA0E1FB}"/>
-              </a:ext>
-            </a:extLst>
-          </p:cNvPr>
-          <p:cNvGrpSpPr/>
-          <p:nvPr/>
-        </p:nvGrpSpPr>
-        <p:grpSpPr>
-          <a:xfrm>
-            <a:off x="10500988" y="2285520"/>
-            <a:ext cx="1581912" cy="1578406"/>
-            <a:chOff x="9121064" y="2750295"/>
-            <a:chExt cx="1581912" cy="1578406"/>
-          </a:xfrm>
-        </p:grpSpPr>
-        <p:cxnSp>
-          <p:nvCxnSpPr>
-            <p:cNvPr id="33" name="Đường nối Thẳng 32">
-              <a:extLst>
-                <a:ext uri="{FF2B5EF4-FFF2-40B4-BE49-F238E27FC236}">
-                  <a16:creationId xmlns:a16="http://schemas.microsoft.com/office/drawing/2014/main" id="{76B397B2-21D7-5822-0D01-A809ECA8E632}"/>
-                </a:ext>
-              </a:extLst>
-            </p:cNvPr>
-            <p:cNvCxnSpPr/>
-            <p:nvPr/>
-          </p:nvCxnSpPr>
-          <p:spPr>
-            <a:xfrm>
-              <a:off x="9912020" y="2750295"/>
-              <a:ext cx="0" cy="1578406"/>
-            </a:xfrm>
-            <a:prstGeom prst="line">
-              <a:avLst/>
-            </a:prstGeom>
-          </p:spPr>
-          <p:style>
-            <a:lnRef idx="1">
-              <a:schemeClr val="accent1"/>
-            </a:lnRef>
-            <a:fillRef idx="0">
-              <a:schemeClr val="accent1"/>
-            </a:fillRef>
-            <a:effectRef idx="0">
-              <a:schemeClr val="accent1"/>
-            </a:effectRef>
-            <a:fontRef idx="minor">
-              <a:schemeClr val="tx1"/>
-            </a:fontRef>
-          </p:style>
-        </p:cxnSp>
-        <p:cxnSp>
-          <p:nvCxnSpPr>
-            <p:cNvPr id="34" name="Đường nối Thẳng 33">
-              <a:extLst>
-                <a:ext uri="{FF2B5EF4-FFF2-40B4-BE49-F238E27FC236}">
-                  <a16:creationId xmlns:a16="http://schemas.microsoft.com/office/drawing/2014/main" id="{A6F6833C-4BD2-3C65-8FBC-934D89ABA99D}"/>
-                </a:ext>
-              </a:extLst>
-            </p:cNvPr>
-            <p:cNvCxnSpPr>
-              <a:cxnSpLocks/>
-            </p:cNvCxnSpPr>
-            <p:nvPr/>
-          </p:nvCxnSpPr>
-          <p:spPr>
-            <a:xfrm>
-              <a:off x="9121064" y="3539498"/>
-              <a:ext cx="1581912" cy="0"/>
-            </a:xfrm>
-            <a:prstGeom prst="line">
-              <a:avLst/>
-            </a:prstGeom>
-          </p:spPr>
-          <p:style>
-            <a:lnRef idx="1">
-              <a:schemeClr val="accent1"/>
-            </a:lnRef>
-            <a:fillRef idx="0">
-              <a:schemeClr val="accent1"/>
-            </a:fillRef>
-            <a:effectRef idx="0">
-              <a:schemeClr val="accent1"/>
-            </a:effectRef>
-            <a:fontRef idx="minor">
-              <a:schemeClr val="tx1"/>
-            </a:fontRef>
-          </p:style>
-        </p:cxnSp>
-      </p:grpSp>
       <p:sp>
         <p:nvSpPr>
           <p:cNvPr id="35" name="Hộp Văn bản 34">
@@ -11773,7 +12641,7 @@
                 <a:avLst/>
               </a:prstGeom>
               <a:blipFill>
-                <a:blip r:embed="rId3"/>
+                <a:blip r:embed="rId4"/>
                 <a:stretch>
                   <a:fillRect l="-1000" t="-9231" b="-27692"/>
                 </a:stretch>
@@ -11870,301 +12738,6 @@
           </a:p>
         </p:txBody>
       </p:sp>
-      <mc:AlternateContent xmlns:mc="http://schemas.openxmlformats.org/markup-compatibility/2006">
-        <mc:Choice xmlns:a14="http://schemas.microsoft.com/office/drawing/2010/main" Requires="a14">
-          <p:sp>
-            <p:nvSpPr>
-              <p:cNvPr id="49" name="Hộp Văn bản 48">
-                <a:extLst>
-                  <a:ext uri="{FF2B5EF4-FFF2-40B4-BE49-F238E27FC236}">
-                    <a16:creationId xmlns:a16="http://schemas.microsoft.com/office/drawing/2014/main" id="{82048B18-4562-A0C7-E54C-F194CEDD92C5}"/>
-                  </a:ext>
-                </a:extLst>
-              </p:cNvPr>
-              <p:cNvSpPr txBox="1"/>
-              <p:nvPr/>
-            </p:nvSpPr>
-            <p:spPr>
-              <a:xfrm>
-                <a:off x="7431436" y="5379910"/>
-                <a:ext cx="3105787" cy="400110"/>
-              </a:xfrm>
-              <a:prstGeom prst="rect">
-                <a:avLst/>
-              </a:prstGeom>
-              <a:noFill/>
-            </p:spPr>
-            <p:txBody>
-              <a:bodyPr wrap="none" rtlCol="0">
-                <a:spAutoFit/>
-              </a:bodyPr>
-              <a:lstStyle/>
-              <a:p>
-                <a14:m>
-                  <m:oMath xmlns:m="http://schemas.openxmlformats.org/officeDocument/2006/math">
-                    <m:sSup>
-                      <m:sSupPr>
-                        <m:ctrlPr>
-                          <a:rPr lang="en-US" sz="2000" i="1" smtClean="0">
-                            <a:latin typeface="Cambria Math" panose="02040503050406030204" pitchFamily="18" charset="0"/>
-                          </a:rPr>
-                        </m:ctrlPr>
-                      </m:sSupPr>
-                      <m:e>
-                        <m:r>
-                          <a:rPr lang="en-US" sz="2000" b="0" i="1" smtClean="0">
-                            <a:latin typeface="Cambria Math" panose="02040503050406030204" pitchFamily="18" charset="0"/>
-                          </a:rPr>
-                          <m:t>(</m:t>
-                        </m:r>
-                        <m:sSub>
-                          <m:sSubPr>
-                            <m:ctrlPr>
-                              <a:rPr lang="en-US" sz="2000" i="1" smtClean="0">
-                                <a:solidFill>
-                                  <a:schemeClr val="accent6">
-                                    <a:lumMod val="75000"/>
-                                  </a:schemeClr>
-                                </a:solidFill>
-                                <a:latin typeface="Cambria Math" panose="02040503050406030204" pitchFamily="18" charset="0"/>
-                              </a:rPr>
-                            </m:ctrlPr>
-                          </m:sSubPr>
-                          <m:e>
-                            <m:r>
-                              <a:rPr lang="en-US" sz="2000" b="0" i="1" smtClean="0">
-                                <a:solidFill>
-                                  <a:schemeClr val="accent6">
-                                    <a:lumMod val="75000"/>
-                                  </a:schemeClr>
-                                </a:solidFill>
-                                <a:latin typeface="Cambria Math" panose="02040503050406030204" pitchFamily="18" charset="0"/>
-                              </a:rPr>
-                              <m:t>𝑎</m:t>
-                            </m:r>
-                            <m:r>
-                              <a:rPr lang="en-US" sz="2000" b="0" i="1" smtClean="0">
-                                <a:solidFill>
-                                  <a:schemeClr val="tx1"/>
-                                </a:solidFill>
-                                <a:latin typeface="Cambria Math" panose="02040503050406030204" pitchFamily="18" charset="0"/>
-                              </a:rPr>
-                              <m:t>−</m:t>
-                            </m:r>
-                            <m:r>
-                              <a:rPr lang="en-US" sz="2000" b="0" i="1" smtClean="0">
-                                <a:solidFill>
-                                  <a:schemeClr val="tx1"/>
-                                </a:solidFill>
-                                <a:latin typeface="Cambria Math" panose="02040503050406030204" pitchFamily="18" charset="0"/>
-                              </a:rPr>
-                              <m:t>𝑥</m:t>
-                            </m:r>
-                          </m:e>
-                          <m:sub>
-                            <m:r>
-                              <a:rPr lang="en-US" sz="2000" b="0" i="1" smtClean="0">
-                                <a:solidFill>
-                                  <a:schemeClr val="tx1"/>
-                                </a:solidFill>
-                                <a:latin typeface="Cambria Math" panose="02040503050406030204" pitchFamily="18" charset="0"/>
-                              </a:rPr>
-                              <m:t>𝑖</m:t>
-                            </m:r>
-                          </m:sub>
-                        </m:sSub>
-                        <m:r>
-                          <a:rPr lang="en-US" sz="2000" b="0" i="1" smtClean="0">
-                            <a:latin typeface="Cambria Math" panose="02040503050406030204" pitchFamily="18" charset="0"/>
-                          </a:rPr>
-                          <m:t>)</m:t>
-                        </m:r>
-                      </m:e>
-                      <m:sup>
-                        <m:r>
-                          <a:rPr lang="en-US" sz="2000" b="0" i="1" smtClean="0">
-                            <a:latin typeface="Cambria Math" panose="02040503050406030204" pitchFamily="18" charset="0"/>
-                          </a:rPr>
-                          <m:t>2</m:t>
-                        </m:r>
-                      </m:sup>
-                    </m:sSup>
-                    <m:r>
-                      <a:rPr lang="en-US" sz="2000" b="0" i="1" smtClean="0">
-                        <a:latin typeface="Cambria Math" panose="02040503050406030204" pitchFamily="18" charset="0"/>
-                      </a:rPr>
-                      <m:t>+ </m:t>
-                    </m:r>
-                    <m:sSup>
-                      <m:sSupPr>
-                        <m:ctrlPr>
-                          <a:rPr lang="en-US" sz="2000" i="1">
-                            <a:latin typeface="Cambria Math" panose="02040503050406030204" pitchFamily="18" charset="0"/>
-                          </a:rPr>
-                        </m:ctrlPr>
-                      </m:sSupPr>
-                      <m:e>
-                        <m:r>
-                          <a:rPr lang="en-US" sz="2000" i="1">
-                            <a:latin typeface="Cambria Math" panose="02040503050406030204" pitchFamily="18" charset="0"/>
-                          </a:rPr>
-                          <m:t>(</m:t>
-                        </m:r>
-                        <m:sSub>
-                          <m:sSubPr>
-                            <m:ctrlPr>
-                              <a:rPr lang="en-US" sz="2000" i="1" smtClean="0">
-                                <a:solidFill>
-                                  <a:schemeClr val="tx1"/>
-                                </a:solidFill>
-                                <a:latin typeface="Cambria Math" panose="02040503050406030204" pitchFamily="18" charset="0"/>
-                              </a:rPr>
-                            </m:ctrlPr>
-                          </m:sSubPr>
-                          <m:e>
-                            <m:r>
-                              <a:rPr lang="en-US" sz="2000" b="0" i="1" smtClean="0">
-                                <a:solidFill>
-                                  <a:schemeClr val="accent6">
-                                    <a:lumMod val="75000"/>
-                                  </a:schemeClr>
-                                </a:solidFill>
-                                <a:latin typeface="Cambria Math" panose="02040503050406030204" pitchFamily="18" charset="0"/>
-                              </a:rPr>
-                              <m:t>𝑏</m:t>
-                            </m:r>
-                            <m:r>
-                              <a:rPr lang="en-US" sz="2000" b="0" i="1" smtClean="0">
-                                <a:solidFill>
-                                  <a:schemeClr val="tx1"/>
-                                </a:solidFill>
-                                <a:latin typeface="Cambria Math" panose="02040503050406030204" pitchFamily="18" charset="0"/>
-                              </a:rPr>
-                              <m:t>−</m:t>
-                            </m:r>
-                            <m:r>
-                              <a:rPr lang="en-US" sz="2000" b="0" i="1" smtClean="0">
-                                <a:solidFill>
-                                  <a:schemeClr val="tx1"/>
-                                </a:solidFill>
-                                <a:latin typeface="Cambria Math" panose="02040503050406030204" pitchFamily="18" charset="0"/>
-                              </a:rPr>
-                              <m:t>𝑦</m:t>
-                            </m:r>
-                          </m:e>
-                          <m:sub>
-                            <m:r>
-                              <a:rPr lang="en-US" sz="2000" i="1">
-                                <a:solidFill>
-                                  <a:schemeClr val="tx1"/>
-                                </a:solidFill>
-                                <a:latin typeface="Cambria Math" panose="02040503050406030204" pitchFamily="18" charset="0"/>
-                              </a:rPr>
-                              <m:t>𝑖</m:t>
-                            </m:r>
-                          </m:sub>
-                        </m:sSub>
-                        <m:r>
-                          <a:rPr lang="en-US" sz="2000" i="1">
-                            <a:latin typeface="Cambria Math" panose="02040503050406030204" pitchFamily="18" charset="0"/>
-                          </a:rPr>
-                          <m:t>)</m:t>
-                        </m:r>
-                      </m:e>
-                      <m:sup>
-                        <m:r>
-                          <a:rPr lang="en-US" sz="2000" i="1">
-                            <a:latin typeface="Cambria Math" panose="02040503050406030204" pitchFamily="18" charset="0"/>
-                          </a:rPr>
-                          <m:t>2</m:t>
-                        </m:r>
-                      </m:sup>
-                    </m:sSup>
-                  </m:oMath>
-                </a14:m>
-                <a:r>
-                  <a:rPr lang="en-US" sz="2000" dirty="0"/>
-                  <a:t> = </a:t>
-                </a:r>
-                <a14:m>
-                  <m:oMath xmlns:m="http://schemas.openxmlformats.org/officeDocument/2006/math">
-                    <m:sSup>
-                      <m:sSupPr>
-                        <m:ctrlPr>
-                          <a:rPr lang="en-US" sz="2000" i="1">
-                            <a:latin typeface="Cambria Math" panose="02040503050406030204" pitchFamily="18" charset="0"/>
-                          </a:rPr>
-                        </m:ctrlPr>
-                      </m:sSupPr>
-                      <m:e>
-                        <m:r>
-                          <a:rPr lang="en-US" sz="2000" b="0" i="1" smtClean="0">
-                            <a:latin typeface="Cambria Math" panose="02040503050406030204" pitchFamily="18" charset="0"/>
-                          </a:rPr>
-                          <m:t>𝑟</m:t>
-                        </m:r>
-                      </m:e>
-                      <m:sup>
-                        <m:r>
-                          <a:rPr lang="en-US" sz="2000" i="1">
-                            <a:latin typeface="Cambria Math" panose="02040503050406030204" pitchFamily="18" charset="0"/>
-                          </a:rPr>
-                          <m:t>2</m:t>
-                        </m:r>
-                      </m:sup>
-                    </m:sSup>
-                  </m:oMath>
-                </a14:m>
-                <a:endParaRPr lang="en-US" sz="2000" dirty="0"/>
-              </a:p>
-            </p:txBody>
-          </p:sp>
-        </mc:Choice>
-        <mc:Fallback>
-          <p:sp>
-            <p:nvSpPr>
-              <p:cNvPr id="49" name="Hộp Văn bản 48">
-                <a:extLst>
-                  <a:ext uri="{FF2B5EF4-FFF2-40B4-BE49-F238E27FC236}">
-                    <a16:creationId xmlns:a16="http://schemas.microsoft.com/office/drawing/2014/main" id="{82048B18-4562-A0C7-E54C-F194CEDD92C5}"/>
-                  </a:ext>
-                </a:extLst>
-              </p:cNvPr>
-              <p:cNvSpPr txBox="1">
-                <a:spLocks noRot="1" noChangeAspect="1" noMove="1" noResize="1" noEditPoints="1" noAdjustHandles="1" noChangeArrowheads="1" noChangeShapeType="1" noTextEdit="1"/>
-              </p:cNvSpPr>
-              <p:nvPr/>
-            </p:nvSpPr>
-            <p:spPr>
-              <a:xfrm>
-                <a:off x="7431436" y="5379910"/>
-                <a:ext cx="3105787" cy="400110"/>
-              </a:xfrm>
-              <a:prstGeom prst="rect">
-                <a:avLst/>
-              </a:prstGeom>
-              <a:blipFill>
-                <a:blip r:embed="rId4"/>
-                <a:stretch>
-                  <a:fillRect l="-980" t="-9231" b="-27692"/>
-                </a:stretch>
-              </a:blipFill>
-            </p:spPr>
-            <p:txBody>
-              <a:bodyPr/>
-              <a:lstStyle/>
-              <a:p>
-                <a:r>
-                  <a:rPr lang="en-US">
-                    <a:noFill/>
-                  </a:rPr>
-                  <a:t> </a:t>
-                </a:r>
-              </a:p>
-            </p:txBody>
-          </p:sp>
-        </mc:Fallback>
-      </mc:AlternateContent>
       <p:sp>
         <p:nvSpPr>
           <p:cNvPr id="51" name="Hình Bầu dục 50">
@@ -12611,10 +13184,18 @@
             <a:avLst/>
           </a:prstGeom>
           <a:solidFill>
-            <a:schemeClr val="accent3"/>
+            <a:schemeClr val="accent6">
+              <a:lumMod val="60000"/>
+              <a:lumOff val="40000"/>
+            </a:schemeClr>
           </a:solidFill>
           <a:ln>
-            <a:noFill/>
+            <a:solidFill>
+              <a:schemeClr val="accent6">
+                <a:lumMod val="60000"/>
+                <a:lumOff val="40000"/>
+              </a:schemeClr>
+            </a:solidFill>
           </a:ln>
         </p:spPr>
         <p:style>
@@ -12832,24 +13413,29 @@
           <a:prstGeom prst="ellipse">
             <a:avLst/>
           </a:prstGeom>
-          <a:ln>
+          <a:noFill/>
+          <a:ln w="9525" cap="flat" cmpd="sng" algn="ctr">
+            <a:solidFill>
+              <a:schemeClr val="accent6"/>
+            </a:solidFill>
             <a:prstDash val="dash"/>
+            <a:round/>
             <a:headEnd type="none" w="med" len="med"/>
             <a:tailEnd type="none" w="med" len="med"/>
           </a:ln>
         </p:spPr>
         <p:style>
-          <a:lnRef idx="2">
-            <a:schemeClr val="accent6"/>
+          <a:lnRef idx="0">
+            <a:scrgbClr r="0" g="0" b="0"/>
           </a:lnRef>
-          <a:fillRef idx="1">
-            <a:schemeClr val="lt1"/>
+          <a:fillRef idx="0">
+            <a:scrgbClr r="0" g="0" b="0"/>
           </a:fillRef>
           <a:effectRef idx="0">
-            <a:schemeClr val="accent6"/>
+            <a:scrgbClr r="0" g="0" b="0"/>
           </a:effectRef>
           <a:fontRef idx="minor">
-            <a:schemeClr val="dk1"/>
+            <a:schemeClr val="accent6"/>
           </a:fontRef>
         </p:style>
         <p:txBody>
@@ -12857,7 +13443,7 @@
           <a:lstStyle/>
           <a:p>
             <a:pPr algn="ctr"/>
-            <a:endParaRPr lang="en-US"/>
+            <a:endParaRPr lang="en-US" dirty="0"/>
           </a:p>
         </p:txBody>
       </p:sp>
@@ -12883,324 +13469,6 @@
           </a:prstGeom>
           <a:solidFill>
             <a:schemeClr val="accent1"/>
-          </a:solidFill>
-          <a:ln>
-            <a:noFill/>
-          </a:ln>
-        </p:spPr>
-        <p:style>
-          <a:lnRef idx="0">
-            <a:scrgbClr r="0" g="0" b="0"/>
-          </a:lnRef>
-          <a:fillRef idx="0">
-            <a:scrgbClr r="0" g="0" b="0"/>
-          </a:fillRef>
-          <a:effectRef idx="0">
-            <a:scrgbClr r="0" g="0" b="0"/>
-          </a:effectRef>
-          <a:fontRef idx="minor">
-            <a:schemeClr val="lt1"/>
-          </a:fontRef>
-        </p:style>
-        <p:txBody>
-          <a:bodyPr rtlCol="0" anchor="ctr"/>
-          <a:lstStyle/>
-          <a:p>
-            <a:pPr algn="ctr"/>
-            <a:endParaRPr lang="en-US"/>
-          </a:p>
-        </p:txBody>
-      </p:sp>
-      <p:sp>
-        <p:nvSpPr>
-          <p:cNvPr id="5" name="Hình Bầu dục 4">
-            <a:extLst>
-              <a:ext uri="{FF2B5EF4-FFF2-40B4-BE49-F238E27FC236}">
-                <a16:creationId xmlns:a16="http://schemas.microsoft.com/office/drawing/2014/main" id="{9C3EC9C4-DB4B-A306-0513-F1EB28F5C49A}"/>
-              </a:ext>
-            </a:extLst>
-          </p:cNvPr>
-          <p:cNvSpPr/>
-          <p:nvPr/>
-        </p:nvSpPr>
-        <p:spPr>
-          <a:xfrm>
-            <a:off x="8220110" y="2982130"/>
-            <a:ext cx="182880" cy="182880"/>
-          </a:xfrm>
-          <a:prstGeom prst="ellipse">
-            <a:avLst/>
-          </a:prstGeom>
-          <a:solidFill>
-            <a:schemeClr val="tx1">
-              <a:lumMod val="50000"/>
-              <a:lumOff val="50000"/>
-            </a:schemeClr>
-          </a:solidFill>
-          <a:ln>
-            <a:noFill/>
-          </a:ln>
-        </p:spPr>
-        <p:style>
-          <a:lnRef idx="0">
-            <a:scrgbClr r="0" g="0" b="0"/>
-          </a:lnRef>
-          <a:fillRef idx="0">
-            <a:scrgbClr r="0" g="0" b="0"/>
-          </a:fillRef>
-          <a:effectRef idx="0">
-            <a:scrgbClr r="0" g="0" b="0"/>
-          </a:effectRef>
-          <a:fontRef idx="minor">
-            <a:schemeClr val="lt1"/>
-          </a:fontRef>
-        </p:style>
-        <p:txBody>
-          <a:bodyPr rtlCol="0" anchor="ctr"/>
-          <a:lstStyle/>
-          <a:p>
-            <a:pPr algn="ctr"/>
-            <a:endParaRPr lang="en-US"/>
-          </a:p>
-        </p:txBody>
-      </p:sp>
-      <p:sp>
-        <p:nvSpPr>
-          <p:cNvPr id="7" name="Hình Bầu dục 6">
-            <a:extLst>
-              <a:ext uri="{FF2B5EF4-FFF2-40B4-BE49-F238E27FC236}">
-                <a16:creationId xmlns:a16="http://schemas.microsoft.com/office/drawing/2014/main" id="{9FF2139F-E941-31C8-A147-53E425B0610D}"/>
-              </a:ext>
-            </a:extLst>
-          </p:cNvPr>
-          <p:cNvSpPr/>
-          <p:nvPr/>
-        </p:nvSpPr>
-        <p:spPr>
-          <a:xfrm>
-            <a:off x="8128670" y="3356618"/>
-            <a:ext cx="182880" cy="182880"/>
-          </a:xfrm>
-          <a:prstGeom prst="ellipse">
-            <a:avLst/>
-          </a:prstGeom>
-          <a:solidFill>
-            <a:schemeClr val="tx1">
-              <a:lumMod val="50000"/>
-              <a:lumOff val="50000"/>
-            </a:schemeClr>
-          </a:solidFill>
-          <a:ln>
-            <a:noFill/>
-          </a:ln>
-        </p:spPr>
-        <p:style>
-          <a:lnRef idx="0">
-            <a:scrgbClr r="0" g="0" b="0"/>
-          </a:lnRef>
-          <a:fillRef idx="0">
-            <a:scrgbClr r="0" g="0" b="0"/>
-          </a:fillRef>
-          <a:effectRef idx="0">
-            <a:scrgbClr r="0" g="0" b="0"/>
-          </a:effectRef>
-          <a:fontRef idx="minor">
-            <a:schemeClr val="lt1"/>
-          </a:fontRef>
-        </p:style>
-        <p:txBody>
-          <a:bodyPr rtlCol="0" anchor="ctr"/>
-          <a:lstStyle/>
-          <a:p>
-            <a:pPr algn="ctr"/>
-            <a:endParaRPr lang="en-US"/>
-          </a:p>
-        </p:txBody>
-      </p:sp>
-      <p:sp>
-        <p:nvSpPr>
-          <p:cNvPr id="10" name="Hình Bầu dục 9">
-            <a:extLst>
-              <a:ext uri="{FF2B5EF4-FFF2-40B4-BE49-F238E27FC236}">
-                <a16:creationId xmlns:a16="http://schemas.microsoft.com/office/drawing/2014/main" id="{9E03712C-D363-1E41-CB26-414264832258}"/>
-              </a:ext>
-            </a:extLst>
-          </p:cNvPr>
-          <p:cNvSpPr/>
-          <p:nvPr/>
-        </p:nvSpPr>
-        <p:spPr>
-          <a:xfrm>
-            <a:off x="8252040" y="3905230"/>
-            <a:ext cx="182880" cy="182880"/>
-          </a:xfrm>
-          <a:prstGeom prst="ellipse">
-            <a:avLst/>
-          </a:prstGeom>
-          <a:solidFill>
-            <a:schemeClr val="tx1">
-              <a:lumMod val="50000"/>
-              <a:lumOff val="50000"/>
-            </a:schemeClr>
-          </a:solidFill>
-          <a:ln>
-            <a:noFill/>
-          </a:ln>
-        </p:spPr>
-        <p:style>
-          <a:lnRef idx="0">
-            <a:scrgbClr r="0" g="0" b="0"/>
-          </a:lnRef>
-          <a:fillRef idx="0">
-            <a:scrgbClr r="0" g="0" b="0"/>
-          </a:fillRef>
-          <a:effectRef idx="0">
-            <a:scrgbClr r="0" g="0" b="0"/>
-          </a:effectRef>
-          <a:fontRef idx="minor">
-            <a:schemeClr val="lt1"/>
-          </a:fontRef>
-        </p:style>
-        <p:txBody>
-          <a:bodyPr rtlCol="0" anchor="ctr"/>
-          <a:lstStyle/>
-          <a:p>
-            <a:pPr algn="ctr"/>
-            <a:endParaRPr lang="en-US"/>
-          </a:p>
-        </p:txBody>
-      </p:sp>
-      <p:sp>
-        <p:nvSpPr>
-          <p:cNvPr id="24" name="Hình Bầu dục 23">
-            <a:extLst>
-              <a:ext uri="{FF2B5EF4-FFF2-40B4-BE49-F238E27FC236}">
-                <a16:creationId xmlns:a16="http://schemas.microsoft.com/office/drawing/2014/main" id="{31B6543E-3418-93A1-3C09-F5859374A399}"/>
-              </a:ext>
-            </a:extLst>
-          </p:cNvPr>
-          <p:cNvSpPr/>
-          <p:nvPr/>
-        </p:nvSpPr>
-        <p:spPr>
-          <a:xfrm>
-            <a:off x="8697048" y="4222679"/>
-            <a:ext cx="182880" cy="182880"/>
-          </a:xfrm>
-          <a:prstGeom prst="ellipse">
-            <a:avLst/>
-          </a:prstGeom>
-          <a:solidFill>
-            <a:schemeClr val="tx1">
-              <a:lumMod val="50000"/>
-              <a:lumOff val="50000"/>
-            </a:schemeClr>
-          </a:solidFill>
-          <a:ln>
-            <a:noFill/>
-          </a:ln>
-        </p:spPr>
-        <p:style>
-          <a:lnRef idx="0">
-            <a:scrgbClr r="0" g="0" b="0"/>
-          </a:lnRef>
-          <a:fillRef idx="0">
-            <a:scrgbClr r="0" g="0" b="0"/>
-          </a:fillRef>
-          <a:effectRef idx="0">
-            <a:scrgbClr r="0" g="0" b="0"/>
-          </a:effectRef>
-          <a:fontRef idx="minor">
-            <a:schemeClr val="lt1"/>
-          </a:fontRef>
-        </p:style>
-        <p:txBody>
-          <a:bodyPr rtlCol="0" anchor="ctr"/>
-          <a:lstStyle/>
-          <a:p>
-            <a:pPr algn="ctr"/>
-            <a:endParaRPr lang="en-US"/>
-          </a:p>
-        </p:txBody>
-      </p:sp>
-      <p:sp>
-        <p:nvSpPr>
-          <p:cNvPr id="25" name="Hình Bầu dục 24">
-            <a:extLst>
-              <a:ext uri="{FF2B5EF4-FFF2-40B4-BE49-F238E27FC236}">
-                <a16:creationId xmlns:a16="http://schemas.microsoft.com/office/drawing/2014/main" id="{D30AFD3D-3992-A355-D0EA-8FEF7BB73B8E}"/>
-              </a:ext>
-            </a:extLst>
-          </p:cNvPr>
-          <p:cNvSpPr/>
-          <p:nvPr/>
-        </p:nvSpPr>
-        <p:spPr>
-          <a:xfrm>
-            <a:off x="9249535" y="4176959"/>
-            <a:ext cx="182880" cy="182880"/>
-          </a:xfrm>
-          <a:prstGeom prst="ellipse">
-            <a:avLst/>
-          </a:prstGeom>
-          <a:solidFill>
-            <a:schemeClr val="tx1">
-              <a:lumMod val="50000"/>
-              <a:lumOff val="50000"/>
-            </a:schemeClr>
-          </a:solidFill>
-          <a:ln>
-            <a:noFill/>
-          </a:ln>
-        </p:spPr>
-        <p:style>
-          <a:lnRef idx="0">
-            <a:scrgbClr r="0" g="0" b="0"/>
-          </a:lnRef>
-          <a:fillRef idx="0">
-            <a:scrgbClr r="0" g="0" b="0"/>
-          </a:fillRef>
-          <a:effectRef idx="0">
-            <a:scrgbClr r="0" g="0" b="0"/>
-          </a:effectRef>
-          <a:fontRef idx="minor">
-            <a:schemeClr val="lt1"/>
-          </a:fontRef>
-        </p:style>
-        <p:txBody>
-          <a:bodyPr rtlCol="0" anchor="ctr"/>
-          <a:lstStyle/>
-          <a:p>
-            <a:pPr algn="ctr"/>
-            <a:endParaRPr lang="en-US"/>
-          </a:p>
-        </p:txBody>
-      </p:sp>
-      <p:sp>
-        <p:nvSpPr>
-          <p:cNvPr id="26" name="Hình Bầu dục 25">
-            <a:extLst>
-              <a:ext uri="{FF2B5EF4-FFF2-40B4-BE49-F238E27FC236}">
-                <a16:creationId xmlns:a16="http://schemas.microsoft.com/office/drawing/2014/main" id="{D38C8528-4E59-49F8-78B3-F3FBA13C0D2F}"/>
-              </a:ext>
-            </a:extLst>
-          </p:cNvPr>
-          <p:cNvSpPr/>
-          <p:nvPr/>
-        </p:nvSpPr>
-        <p:spPr>
-          <a:xfrm>
-            <a:off x="9011066" y="2624594"/>
-            <a:ext cx="182880" cy="182880"/>
-          </a:xfrm>
-          <a:prstGeom prst="ellipse">
-            <a:avLst/>
-          </a:prstGeom>
-          <a:solidFill>
-            <a:schemeClr val="tx1">
-              <a:lumMod val="50000"/>
-              <a:lumOff val="50000"/>
-            </a:schemeClr>
           </a:solidFill>
           <a:ln>
             <a:noFill/>
@@ -13284,59 +13552,6 @@
       </p:sp>
       <p:sp>
         <p:nvSpPr>
-          <p:cNvPr id="28" name="Hình Bầu dục 27">
-            <a:extLst>
-              <a:ext uri="{FF2B5EF4-FFF2-40B4-BE49-F238E27FC236}">
-                <a16:creationId xmlns:a16="http://schemas.microsoft.com/office/drawing/2014/main" id="{12E4A90B-8FDA-724C-9949-E50AB5C0369E}"/>
-              </a:ext>
-            </a:extLst>
-          </p:cNvPr>
-          <p:cNvSpPr/>
-          <p:nvPr/>
-        </p:nvSpPr>
-        <p:spPr>
-          <a:xfrm>
-            <a:off x="9686148" y="3130033"/>
-            <a:ext cx="182880" cy="182880"/>
-          </a:xfrm>
-          <a:prstGeom prst="ellipse">
-            <a:avLst/>
-          </a:prstGeom>
-          <a:solidFill>
-            <a:schemeClr val="tx1">
-              <a:lumMod val="50000"/>
-              <a:lumOff val="50000"/>
-            </a:schemeClr>
-          </a:solidFill>
-          <a:ln>
-            <a:noFill/>
-          </a:ln>
-        </p:spPr>
-        <p:style>
-          <a:lnRef idx="0">
-            <a:scrgbClr r="0" g="0" b="0"/>
-          </a:lnRef>
-          <a:fillRef idx="0">
-            <a:scrgbClr r="0" g="0" b="0"/>
-          </a:fillRef>
-          <a:effectRef idx="0">
-            <a:scrgbClr r="0" g="0" b="0"/>
-          </a:effectRef>
-          <a:fontRef idx="minor">
-            <a:schemeClr val="lt1"/>
-          </a:fontRef>
-        </p:style>
-        <p:txBody>
-          <a:bodyPr rtlCol="0" anchor="ctr"/>
-          <a:lstStyle/>
-          <a:p>
-            <a:pPr algn="ctr"/>
-            <a:endParaRPr lang="en-US"/>
-          </a:p>
-        </p:txBody>
-      </p:sp>
-      <p:sp>
-        <p:nvSpPr>
           <p:cNvPr id="29" name="Hình Bầu dục 28">
             <a:extLst>
               <a:ext uri="{FF2B5EF4-FFF2-40B4-BE49-F238E27FC236}">
@@ -13349,7 +13564,7 @@
         </p:nvSpPr>
         <p:spPr>
           <a:xfrm>
-            <a:off x="9694742" y="3130033"/>
+            <a:off x="9669550" y="3144256"/>
             <a:ext cx="182880" cy="182880"/>
           </a:xfrm>
           <a:prstGeom prst="ellipse">
@@ -13449,7 +13664,7 @@
         </p:nvSpPr>
         <p:spPr>
           <a:xfrm>
-            <a:off x="9011066" y="2624594"/>
+            <a:off x="9016233" y="2648165"/>
             <a:ext cx="182880" cy="182880"/>
           </a:xfrm>
           <a:prstGeom prst="ellipse">
@@ -13499,7 +13714,7 @@
         </p:nvSpPr>
         <p:spPr>
           <a:xfrm>
-            <a:off x="8206343" y="2974643"/>
+            <a:off x="8244380" y="2976293"/>
             <a:ext cx="182880" cy="182880"/>
           </a:xfrm>
           <a:prstGeom prst="ellipse">
@@ -13549,7 +13764,7 @@
         </p:nvSpPr>
         <p:spPr>
           <a:xfrm>
-            <a:off x="8128670" y="3356602"/>
+            <a:off x="8132340" y="3356112"/>
             <a:ext cx="182880" cy="182880"/>
           </a:xfrm>
           <a:prstGeom prst="ellipse">
@@ -13599,7 +13814,7 @@
         </p:nvSpPr>
         <p:spPr>
           <a:xfrm>
-            <a:off x="8242114" y="3897743"/>
+            <a:off x="8245608" y="3900168"/>
             <a:ext cx="182880" cy="182880"/>
           </a:xfrm>
           <a:prstGeom prst="ellipse">
@@ -13649,7 +13864,7 @@
         </p:nvSpPr>
         <p:spPr>
           <a:xfrm>
-            <a:off x="8683474" y="4210601"/>
+            <a:off x="8680228" y="4210601"/>
             <a:ext cx="182880" cy="182880"/>
           </a:xfrm>
           <a:prstGeom prst="ellipse">
@@ -13699,7 +13914,7 @@
         </p:nvSpPr>
         <p:spPr>
           <a:xfrm>
-            <a:off x="9249535" y="4176959"/>
+            <a:off x="9247536" y="4166438"/>
             <a:ext cx="182880" cy="182880"/>
           </a:xfrm>
           <a:prstGeom prst="ellipse">
@@ -13751,8 +13966,8 @@
             </p:nvSpPr>
             <p:spPr>
               <a:xfrm>
-                <a:off x="9831620" y="3659673"/>
-                <a:ext cx="866519" cy="369332"/>
+                <a:off x="9437359" y="2126105"/>
+                <a:ext cx="356443" cy="369332"/>
               </a:xfrm>
               <a:prstGeom prst="rect">
                 <a:avLst/>
@@ -13766,94 +13981,21 @@
               <a:lstStyle/>
               <a:p>
                 <a14:m>
-                  <m:oMath xmlns:m="http://schemas.openxmlformats.org/officeDocument/2006/math">
-                    <m:r>
-                      <a:rPr lang="en-US" sz="1800" b="0" i="0" smtClean="0">
-                        <a:latin typeface="Cambria Math" panose="02040503050406030204" pitchFamily="18" charset="0"/>
-                        <a:cs typeface="Times New Roman" panose="02020603050405020304" pitchFamily="18" charset="0"/>
-                      </a:rPr>
-                      <m:t>(</m:t>
-                    </m:r>
-                    <m:sSub>
-                      <m:sSubPr>
-                        <m:ctrlPr>
-                          <a:rPr lang="en-US" sz="1800" b="0" i="1">
-                            <a:latin typeface="Cambria Math" panose="02040503050406030204" pitchFamily="18" charset="0"/>
-                            <a:cs typeface="Times New Roman" panose="02020603050405020304" pitchFamily="18" charset="0"/>
-                          </a:rPr>
-                        </m:ctrlPr>
-                      </m:sSubPr>
-                      <m:e>
-                        <m:r>
-                          <a:rPr lang="en-US" sz="1800" b="0" i="1">
-                            <a:latin typeface="Cambria Math" panose="02040503050406030204" pitchFamily="18" charset="0"/>
-                            <a:cs typeface="Times New Roman" panose="02020603050405020304" pitchFamily="18" charset="0"/>
-                          </a:rPr>
-                          <m:t>𝑥</m:t>
-                        </m:r>
-                      </m:e>
-                      <m:sub>
-                        <m:r>
-                          <a:rPr lang="en-US" sz="1800" b="0" i="1">
-                            <a:latin typeface="Cambria Math" panose="02040503050406030204" pitchFamily="18" charset="0"/>
-                            <a:cs typeface="Times New Roman" panose="02020603050405020304" pitchFamily="18" charset="0"/>
-                          </a:rPr>
-                          <m:t>𝑖</m:t>
-                        </m:r>
-                      </m:sub>
-                    </m:sSub>
-                  </m:oMath>
+                  <m:oMathPara xmlns:m="http://schemas.openxmlformats.org/officeDocument/2006/math">
+                    <m:oMathParaPr>
+                      <m:jc m:val="centerGroup"/>
+                    </m:oMathParaPr>
+                    <m:oMath xmlns:m="http://schemas.openxmlformats.org/officeDocument/2006/math">
+                      <m:r>
+                        <a:rPr lang="en-US" sz="1800" b="0" i="1" smtClean="0">
+                          <a:latin typeface="Cambria Math" panose="02040503050406030204" pitchFamily="18" charset="0"/>
+                          <a:cs typeface="Times New Roman" panose="02020603050405020304" pitchFamily="18" charset="0"/>
+                        </a:rPr>
+                        <m:t>𝑟</m:t>
+                      </m:r>
+                    </m:oMath>
+                  </m:oMathPara>
                 </a14:m>
-                <a:r>
-                  <a:rPr lang="en-US" sz="1800" b="0" i="0" dirty="0">
-                    <a:solidFill>
-                      <a:srgbClr val="000000"/>
-                    </a:solidFill>
-                    <a:effectLst/>
-                    <a:latin typeface="Times New Roman" panose="02020603050405020304" pitchFamily="18" charset="0"/>
-                    <a:cs typeface="Times New Roman" panose="02020603050405020304" pitchFamily="18" charset="0"/>
-                  </a:rPr>
-                  <a:t>, </a:t>
-                </a:r>
-                <a14:m>
-                  <m:oMath xmlns:m="http://schemas.openxmlformats.org/officeDocument/2006/math">
-                    <m:sSub>
-                      <m:sSubPr>
-                        <m:ctrlPr>
-                          <a:rPr lang="en-US" sz="1800" b="0" i="1" smtClean="0">
-                            <a:latin typeface="Cambria Math" panose="02040503050406030204" pitchFamily="18" charset="0"/>
-                            <a:cs typeface="Times New Roman" panose="02020603050405020304" pitchFamily="18" charset="0"/>
-                          </a:rPr>
-                        </m:ctrlPr>
-                      </m:sSubPr>
-                      <m:e>
-                        <m:r>
-                          <a:rPr lang="en-US" sz="1800" b="0" i="1" smtClean="0">
-                            <a:latin typeface="Cambria Math" panose="02040503050406030204" pitchFamily="18" charset="0"/>
-                            <a:cs typeface="Times New Roman" panose="02020603050405020304" pitchFamily="18" charset="0"/>
-                          </a:rPr>
-                          <m:t>𝑦</m:t>
-                        </m:r>
-                      </m:e>
-                      <m:sub>
-                        <m:r>
-                          <a:rPr lang="en-US" sz="1800" b="0" i="1" smtClean="0">
-                            <a:latin typeface="Cambria Math" panose="02040503050406030204" pitchFamily="18" charset="0"/>
-                            <a:cs typeface="Times New Roman" panose="02020603050405020304" pitchFamily="18" charset="0"/>
-                          </a:rPr>
-                          <m:t>𝑖</m:t>
-                        </m:r>
-                      </m:sub>
-                    </m:sSub>
-                  </m:oMath>
-                </a14:m>
-                <a:r>
-                  <a:rPr lang="en-US" sz="1800" b="0" i="1" dirty="0">
-                    <a:latin typeface="Times New Roman" panose="02020603050405020304" pitchFamily="18" charset="0"/>
-                    <a:cs typeface="Times New Roman" panose="02020603050405020304" pitchFamily="18" charset="0"/>
-                  </a:rPr>
-                  <a:t>)</a:t>
-                </a:r>
                 <a:endParaRPr lang="en-US" i="1" dirty="0">
                   <a:latin typeface="Times New Roman" panose="02020603050405020304" pitchFamily="18" charset="0"/>
                   <a:cs typeface="Times New Roman" panose="02020603050405020304" pitchFamily="18" charset="0"/>
@@ -13879,8 +14021,8 @@
             </p:nvSpPr>
             <p:spPr>
               <a:xfrm>
-                <a:off x="9831620" y="3659673"/>
-                <a:ext cx="866519" cy="369332"/>
+                <a:off x="9437359" y="2126105"/>
+                <a:ext cx="356443" cy="369332"/>
               </a:xfrm>
               <a:prstGeom prst="rect">
                 <a:avLst/>
@@ -13888,7 +14030,7 @@
               <a:blipFill>
                 <a:blip r:embed="rId6"/>
                 <a:stretch>
-                  <a:fillRect l="-2113" t="-8197" r="-4225" b="-24590"/>
+                  <a:fillRect/>
                 </a:stretch>
               </a:blipFill>
             </p:spPr>
@@ -14589,6 +14731,2088 @@
           </a:fontRef>
         </p:style>
       </p:cxnSp>
+      <p:sp>
+        <p:nvSpPr>
+          <p:cNvPr id="67" name="Freeform: Shape 66">
+            <a:extLst>
+              <a:ext uri="{FF2B5EF4-FFF2-40B4-BE49-F238E27FC236}">
+                <a16:creationId xmlns:a16="http://schemas.microsoft.com/office/drawing/2014/main" id="{AEDEF9A3-C1D5-DB36-5E8D-05E7991252FE}"/>
+              </a:ext>
+            </a:extLst>
+          </p:cNvPr>
+          <p:cNvSpPr/>
+          <p:nvPr/>
+        </p:nvSpPr>
+        <p:spPr>
+          <a:xfrm>
+            <a:off x="9251240" y="2631842"/>
+            <a:ext cx="388060" cy="365358"/>
+          </a:xfrm>
+          <a:custGeom>
+            <a:avLst/>
+            <a:gdLst>
+              <a:gd name="connsiteX0" fmla="*/ 388060 w 388060"/>
+              <a:gd name="connsiteY0" fmla="*/ 181208 h 365358"/>
+              <a:gd name="connsiteX1" fmla="*/ 343610 w 388060"/>
+              <a:gd name="connsiteY1" fmla="*/ 66908 h 365358"/>
+              <a:gd name="connsiteX2" fmla="*/ 242010 w 388060"/>
+              <a:gd name="connsiteY2" fmla="*/ 3408 h 365358"/>
+              <a:gd name="connsiteX3" fmla="*/ 108660 w 388060"/>
+              <a:gd name="connsiteY3" fmla="*/ 16108 h 365358"/>
+              <a:gd name="connsiteX4" fmla="*/ 38810 w 388060"/>
+              <a:gd name="connsiteY4" fmla="*/ 79608 h 365358"/>
+              <a:gd name="connsiteX5" fmla="*/ 710 w 388060"/>
+              <a:gd name="connsiteY5" fmla="*/ 193908 h 365358"/>
+              <a:gd name="connsiteX6" fmla="*/ 70560 w 388060"/>
+              <a:gd name="connsiteY6" fmla="*/ 365358 h 365358"/>
+            </a:gdLst>
+            <a:ahLst/>
+            <a:cxnLst>
+              <a:cxn ang="0">
+                <a:pos x="connsiteX0" y="connsiteY0"/>
+              </a:cxn>
+              <a:cxn ang="0">
+                <a:pos x="connsiteX1" y="connsiteY1"/>
+              </a:cxn>
+              <a:cxn ang="0">
+                <a:pos x="connsiteX2" y="connsiteY2"/>
+              </a:cxn>
+              <a:cxn ang="0">
+                <a:pos x="connsiteX3" y="connsiteY3"/>
+              </a:cxn>
+              <a:cxn ang="0">
+                <a:pos x="connsiteX4" y="connsiteY4"/>
+              </a:cxn>
+              <a:cxn ang="0">
+                <a:pos x="connsiteX5" y="connsiteY5"/>
+              </a:cxn>
+              <a:cxn ang="0">
+                <a:pos x="connsiteX6" y="connsiteY6"/>
+              </a:cxn>
+            </a:cxnLst>
+            <a:rect l="l" t="t" r="r" b="b"/>
+            <a:pathLst>
+              <a:path w="388060" h="365358">
+                <a:moveTo>
+                  <a:pt x="388060" y="181208"/>
+                </a:moveTo>
+                <a:cubicBezTo>
+                  <a:pt x="378006" y="138874"/>
+                  <a:pt x="367952" y="96541"/>
+                  <a:pt x="343610" y="66908"/>
+                </a:cubicBezTo>
+                <a:cubicBezTo>
+                  <a:pt x="319268" y="37275"/>
+                  <a:pt x="281168" y="11875"/>
+                  <a:pt x="242010" y="3408"/>
+                </a:cubicBezTo>
+                <a:cubicBezTo>
+                  <a:pt x="202852" y="-5059"/>
+                  <a:pt x="142527" y="3408"/>
+                  <a:pt x="108660" y="16108"/>
+                </a:cubicBezTo>
+                <a:cubicBezTo>
+                  <a:pt x="74793" y="28808"/>
+                  <a:pt x="56802" y="49975"/>
+                  <a:pt x="38810" y="79608"/>
+                </a:cubicBezTo>
+                <a:cubicBezTo>
+                  <a:pt x="20818" y="109241"/>
+                  <a:pt x="-4582" y="146283"/>
+                  <a:pt x="710" y="193908"/>
+                </a:cubicBezTo>
+                <a:cubicBezTo>
+                  <a:pt x="6002" y="241533"/>
+                  <a:pt x="38281" y="303445"/>
+                  <a:pt x="70560" y="365358"/>
+                </a:cubicBezTo>
+              </a:path>
+            </a:pathLst>
+          </a:custGeom>
+        </p:spPr>
+        <p:style>
+          <a:lnRef idx="1">
+            <a:schemeClr val="dk1"/>
+          </a:lnRef>
+          <a:fillRef idx="0">
+            <a:schemeClr val="dk1"/>
+          </a:fillRef>
+          <a:effectRef idx="0">
+            <a:schemeClr val="dk1"/>
+          </a:effectRef>
+          <a:fontRef idx="minor">
+            <a:schemeClr val="tx1"/>
+          </a:fontRef>
+        </p:style>
+        <p:txBody>
+          <a:bodyPr rtlCol="0" anchor="ctr"/>
+          <a:lstStyle/>
+          <a:p>
+            <a:pPr algn="ctr"/>
+            <a:endParaRPr lang="en-US"/>
+          </a:p>
+        </p:txBody>
+      </p:sp>
+      <p:sp>
+        <p:nvSpPr>
+          <p:cNvPr id="68" name="Isosceles Triangle 67">
+            <a:extLst>
+              <a:ext uri="{FF2B5EF4-FFF2-40B4-BE49-F238E27FC236}">
+                <a16:creationId xmlns:a16="http://schemas.microsoft.com/office/drawing/2014/main" id="{BF0398AA-7E35-F2D0-85F7-91FC93338BB0}"/>
+              </a:ext>
+            </a:extLst>
+          </p:cNvPr>
+          <p:cNvSpPr/>
+          <p:nvPr/>
+        </p:nvSpPr>
+        <p:spPr>
+          <a:xfrm rot="9216384">
+            <a:off x="9251269" y="2899079"/>
+            <a:ext cx="89320" cy="107620"/>
+          </a:xfrm>
+          <a:prstGeom prst="triangle">
+            <a:avLst/>
+          </a:prstGeom>
+        </p:spPr>
+        <p:style>
+          <a:lnRef idx="2">
+            <a:schemeClr val="dk1">
+              <a:shade val="15000"/>
+            </a:schemeClr>
+          </a:lnRef>
+          <a:fillRef idx="1">
+            <a:schemeClr val="dk1"/>
+          </a:fillRef>
+          <a:effectRef idx="0">
+            <a:schemeClr val="dk1"/>
+          </a:effectRef>
+          <a:fontRef idx="minor">
+            <a:schemeClr val="lt1"/>
+          </a:fontRef>
+        </p:style>
+        <p:txBody>
+          <a:bodyPr rtlCol="0" anchor="ctr"/>
+          <a:lstStyle/>
+          <a:p>
+            <a:pPr algn="ctr"/>
+            <a:endParaRPr lang="en-US"/>
+          </a:p>
+        </p:txBody>
+      </p:sp>
+      <mc:AlternateContent xmlns:mc="http://schemas.openxmlformats.org/markup-compatibility/2006">
+        <mc:Choice xmlns:a14="http://schemas.microsoft.com/office/drawing/2010/main" Requires="a14">
+          <p:sp>
+            <p:nvSpPr>
+              <p:cNvPr id="69" name="Hộp Văn bản 45">
+                <a:extLst>
+                  <a:ext uri="{FF2B5EF4-FFF2-40B4-BE49-F238E27FC236}">
+                    <a16:creationId xmlns:a16="http://schemas.microsoft.com/office/drawing/2014/main" id="{AC5E517E-9899-5377-3B7A-AF079F6D0AB5}"/>
+                  </a:ext>
+                </a:extLst>
+              </p:cNvPr>
+              <p:cNvSpPr txBox="1"/>
+              <p:nvPr/>
+            </p:nvSpPr>
+            <p:spPr>
+              <a:xfrm>
+                <a:off x="8950342" y="2928053"/>
+                <a:ext cx="356443" cy="369332"/>
+              </a:xfrm>
+              <a:prstGeom prst="rect">
+                <a:avLst/>
+              </a:prstGeom>
+              <a:noFill/>
+            </p:spPr>
+            <p:txBody>
+              <a:bodyPr wrap="none" rtlCol="0">
+                <a:spAutoFit/>
+              </a:bodyPr>
+              <a:lstStyle/>
+              <a:p>
+                <a14:m>
+                  <m:oMathPara xmlns:m="http://schemas.openxmlformats.org/officeDocument/2006/math">
+                    <m:oMathParaPr>
+                      <m:jc m:val="centerGroup"/>
+                    </m:oMathParaPr>
+                    <m:oMath xmlns:m="http://schemas.openxmlformats.org/officeDocument/2006/math">
+                      <m:r>
+                        <a:rPr lang="en-US" sz="1800" b="0" i="1" smtClean="0">
+                          <a:latin typeface="Cambria Math" panose="02040503050406030204" pitchFamily="18" charset="0"/>
+                          <a:cs typeface="Times New Roman" panose="02020603050405020304" pitchFamily="18" charset="0"/>
+                        </a:rPr>
+                        <m:t>𝑟</m:t>
+                      </m:r>
+                    </m:oMath>
+                  </m:oMathPara>
+                </a14:m>
+                <a:endParaRPr lang="en-US" i="1" dirty="0">
+                  <a:latin typeface="Times New Roman" panose="02020603050405020304" pitchFamily="18" charset="0"/>
+                  <a:cs typeface="Times New Roman" panose="02020603050405020304" pitchFamily="18" charset="0"/>
+                </a:endParaRPr>
+              </a:p>
+            </p:txBody>
+          </p:sp>
+        </mc:Choice>
+        <mc:Fallback>
+          <p:sp>
+            <p:nvSpPr>
+              <p:cNvPr id="69" name="Hộp Văn bản 45">
+                <a:extLst>
+                  <a:ext uri="{FF2B5EF4-FFF2-40B4-BE49-F238E27FC236}">
+                    <a16:creationId xmlns:a16="http://schemas.microsoft.com/office/drawing/2014/main" id="{AC5E517E-9899-5377-3B7A-AF079F6D0AB5}"/>
+                  </a:ext>
+                </a:extLst>
+              </p:cNvPr>
+              <p:cNvSpPr txBox="1">
+                <a:spLocks noRot="1" noChangeAspect="1" noMove="1" noResize="1" noEditPoints="1" noAdjustHandles="1" noChangeArrowheads="1" noChangeShapeType="1" noTextEdit="1"/>
+              </p:cNvSpPr>
+              <p:nvPr/>
+            </p:nvSpPr>
+            <p:spPr>
+              <a:xfrm>
+                <a:off x="8950342" y="2928053"/>
+                <a:ext cx="356443" cy="369332"/>
+              </a:xfrm>
+              <a:prstGeom prst="rect">
+                <a:avLst/>
+              </a:prstGeom>
+              <a:blipFill>
+                <a:blip r:embed="rId7"/>
+                <a:stretch>
+                  <a:fillRect/>
+                </a:stretch>
+              </a:blipFill>
+            </p:spPr>
+            <p:txBody>
+              <a:bodyPr/>
+              <a:lstStyle/>
+              <a:p>
+                <a:r>
+                  <a:rPr lang="en-US">
+                    <a:noFill/>
+                  </a:rPr>
+                  <a:t> </a:t>
+                </a:r>
+              </a:p>
+            </p:txBody>
+          </p:sp>
+        </mc:Fallback>
+      </mc:AlternateContent>
+      <p:cxnSp>
+        <p:nvCxnSpPr>
+          <p:cNvPr id="71" name="Straight Connector 70">
+            <a:extLst>
+              <a:ext uri="{FF2B5EF4-FFF2-40B4-BE49-F238E27FC236}">
+                <a16:creationId xmlns:a16="http://schemas.microsoft.com/office/drawing/2014/main" id="{8DCA17D9-F9D0-9B13-6549-ED3F52149081}"/>
+              </a:ext>
+            </a:extLst>
+          </p:cNvPr>
+          <p:cNvCxnSpPr>
+            <a:cxnSpLocks/>
+            <a:stCxn id="42" idx="4"/>
+          </p:cNvCxnSpPr>
+          <p:nvPr/>
+        </p:nvCxnSpPr>
+        <p:spPr>
+          <a:xfrm>
+            <a:off x="9018838" y="3606987"/>
+            <a:ext cx="0" cy="1587105"/>
+          </a:xfrm>
+          <a:prstGeom prst="line">
+            <a:avLst/>
+          </a:prstGeom>
+          <a:ln>
+            <a:prstDash val="sysDash"/>
+          </a:ln>
+        </p:spPr>
+        <p:style>
+          <a:lnRef idx="1">
+            <a:schemeClr val="accent1"/>
+          </a:lnRef>
+          <a:fillRef idx="0">
+            <a:schemeClr val="accent1"/>
+          </a:fillRef>
+          <a:effectRef idx="0">
+            <a:schemeClr val="accent1"/>
+          </a:effectRef>
+          <a:fontRef idx="minor">
+            <a:schemeClr val="tx1"/>
+          </a:fontRef>
+        </p:style>
+      </p:cxnSp>
+      <p:cxnSp>
+        <p:nvCxnSpPr>
+          <p:cNvPr id="74" name="Straight Connector 73">
+            <a:extLst>
+              <a:ext uri="{FF2B5EF4-FFF2-40B4-BE49-F238E27FC236}">
+                <a16:creationId xmlns:a16="http://schemas.microsoft.com/office/drawing/2014/main" id="{26F74AC3-4867-934B-51CA-E578FCEE75CA}"/>
+              </a:ext>
+            </a:extLst>
+          </p:cNvPr>
+          <p:cNvCxnSpPr>
+            <a:cxnSpLocks/>
+            <a:stCxn id="30" idx="4"/>
+          </p:cNvCxnSpPr>
+          <p:nvPr/>
+        </p:nvCxnSpPr>
+        <p:spPr>
+          <a:xfrm>
+            <a:off x="9432414" y="2918593"/>
+            <a:ext cx="0" cy="2275499"/>
+          </a:xfrm>
+          <a:prstGeom prst="line">
+            <a:avLst/>
+          </a:prstGeom>
+          <a:ln>
+            <a:prstDash val="sysDash"/>
+          </a:ln>
+        </p:spPr>
+        <p:style>
+          <a:lnRef idx="1">
+            <a:schemeClr val="accent1"/>
+          </a:lnRef>
+          <a:fillRef idx="0">
+            <a:schemeClr val="accent1"/>
+          </a:fillRef>
+          <a:effectRef idx="0">
+            <a:schemeClr val="accent1"/>
+          </a:effectRef>
+          <a:fontRef idx="minor">
+            <a:schemeClr val="tx1"/>
+          </a:fontRef>
+        </p:style>
+      </p:cxnSp>
+      <p:cxnSp>
+        <p:nvCxnSpPr>
+          <p:cNvPr id="77" name="Straight Connector 76">
+            <a:extLst>
+              <a:ext uri="{FF2B5EF4-FFF2-40B4-BE49-F238E27FC236}">
+                <a16:creationId xmlns:a16="http://schemas.microsoft.com/office/drawing/2014/main" id="{0443876A-FC01-237E-A4B0-2B250B614228}"/>
+              </a:ext>
+            </a:extLst>
+          </p:cNvPr>
+          <p:cNvCxnSpPr>
+            <a:cxnSpLocks/>
+            <a:stCxn id="112" idx="4"/>
+          </p:cNvCxnSpPr>
+          <p:nvPr/>
+        </p:nvCxnSpPr>
+        <p:spPr>
+          <a:xfrm>
+            <a:off x="9805821" y="2244610"/>
+            <a:ext cx="0" cy="2949482"/>
+          </a:xfrm>
+          <a:prstGeom prst="line">
+            <a:avLst/>
+          </a:prstGeom>
+          <a:ln>
+            <a:prstDash val="sysDash"/>
+          </a:ln>
+        </p:spPr>
+        <p:style>
+          <a:lnRef idx="1">
+            <a:schemeClr val="accent1"/>
+          </a:lnRef>
+          <a:fillRef idx="0">
+            <a:schemeClr val="accent1"/>
+          </a:fillRef>
+          <a:effectRef idx="0">
+            <a:schemeClr val="accent1"/>
+          </a:effectRef>
+          <a:fontRef idx="minor">
+            <a:schemeClr val="tx1"/>
+          </a:fontRef>
+        </p:style>
+      </p:cxnSp>
+      <p:cxnSp>
+        <p:nvCxnSpPr>
+          <p:cNvPr id="87" name="Straight Connector 86">
+            <a:extLst>
+              <a:ext uri="{FF2B5EF4-FFF2-40B4-BE49-F238E27FC236}">
+                <a16:creationId xmlns:a16="http://schemas.microsoft.com/office/drawing/2014/main" id="{D36BF677-1791-F6F6-0AED-C247B38D33B3}"/>
+              </a:ext>
+            </a:extLst>
+          </p:cNvPr>
+          <p:cNvCxnSpPr>
+            <a:stCxn id="42" idx="2"/>
+          </p:cNvCxnSpPr>
+          <p:nvPr/>
+        </p:nvCxnSpPr>
+        <p:spPr>
+          <a:xfrm flipH="1">
+            <a:off x="6708098" y="3515547"/>
+            <a:ext cx="2219300" cy="0"/>
+          </a:xfrm>
+          <a:prstGeom prst="line">
+            <a:avLst/>
+          </a:prstGeom>
+          <a:ln>
+            <a:prstDash val="sysDash"/>
+          </a:ln>
+        </p:spPr>
+        <p:style>
+          <a:lnRef idx="1">
+            <a:schemeClr val="accent1"/>
+          </a:lnRef>
+          <a:fillRef idx="0">
+            <a:schemeClr val="accent1"/>
+          </a:fillRef>
+          <a:effectRef idx="0">
+            <a:schemeClr val="accent1"/>
+          </a:effectRef>
+          <a:fontRef idx="minor">
+            <a:schemeClr val="tx1"/>
+          </a:fontRef>
+        </p:style>
+      </p:cxnSp>
+      <p:cxnSp>
+        <p:nvCxnSpPr>
+          <p:cNvPr id="90" name="Straight Connector 89">
+            <a:extLst>
+              <a:ext uri="{FF2B5EF4-FFF2-40B4-BE49-F238E27FC236}">
+                <a16:creationId xmlns:a16="http://schemas.microsoft.com/office/drawing/2014/main" id="{A46CA283-D17D-086C-6A0F-30AD4073E104}"/>
+              </a:ext>
+            </a:extLst>
+          </p:cNvPr>
+          <p:cNvCxnSpPr>
+            <a:cxnSpLocks/>
+          </p:cNvCxnSpPr>
+          <p:nvPr/>
+        </p:nvCxnSpPr>
+        <p:spPr>
+          <a:xfrm flipH="1" flipV="1">
+            <a:off x="6708098" y="2827153"/>
+            <a:ext cx="2632876" cy="3997"/>
+          </a:xfrm>
+          <a:prstGeom prst="line">
+            <a:avLst/>
+          </a:prstGeom>
+          <a:ln>
+            <a:prstDash val="sysDash"/>
+          </a:ln>
+        </p:spPr>
+        <p:style>
+          <a:lnRef idx="1">
+            <a:schemeClr val="accent1"/>
+          </a:lnRef>
+          <a:fillRef idx="0">
+            <a:schemeClr val="accent1"/>
+          </a:fillRef>
+          <a:effectRef idx="0">
+            <a:schemeClr val="accent1"/>
+          </a:effectRef>
+          <a:fontRef idx="minor">
+            <a:schemeClr val="tx1"/>
+          </a:fontRef>
+        </p:style>
+      </p:cxnSp>
+      <p:cxnSp>
+        <p:nvCxnSpPr>
+          <p:cNvPr id="93" name="Straight Connector 92">
+            <a:extLst>
+              <a:ext uri="{FF2B5EF4-FFF2-40B4-BE49-F238E27FC236}">
+                <a16:creationId xmlns:a16="http://schemas.microsoft.com/office/drawing/2014/main" id="{578DA184-D19E-AE0C-E040-42414C58AD64}"/>
+              </a:ext>
+            </a:extLst>
+          </p:cNvPr>
+          <p:cNvCxnSpPr>
+            <a:cxnSpLocks/>
+          </p:cNvCxnSpPr>
+          <p:nvPr/>
+        </p:nvCxnSpPr>
+        <p:spPr>
+          <a:xfrm flipH="1">
+            <a:off x="6707243" y="2158041"/>
+            <a:ext cx="3008426" cy="0"/>
+          </a:xfrm>
+          <a:prstGeom prst="line">
+            <a:avLst/>
+          </a:prstGeom>
+          <a:ln>
+            <a:prstDash val="sysDash"/>
+          </a:ln>
+        </p:spPr>
+        <p:style>
+          <a:lnRef idx="1">
+            <a:schemeClr val="accent1"/>
+          </a:lnRef>
+          <a:fillRef idx="0">
+            <a:schemeClr val="accent1"/>
+          </a:fillRef>
+          <a:effectRef idx="0">
+            <a:schemeClr val="accent1"/>
+          </a:effectRef>
+          <a:fontRef idx="minor">
+            <a:schemeClr val="tx1"/>
+          </a:fontRef>
+        </p:style>
+      </p:cxnSp>
+      <mc:AlternateContent xmlns:mc="http://schemas.openxmlformats.org/markup-compatibility/2006">
+        <mc:Choice xmlns:a14="http://schemas.microsoft.com/office/drawing/2010/main" Requires="a14">
+          <p:sp>
+            <p:nvSpPr>
+              <p:cNvPr id="95" name="Hộp Văn bản 45">
+                <a:extLst>
+                  <a:ext uri="{FF2B5EF4-FFF2-40B4-BE49-F238E27FC236}">
+                    <a16:creationId xmlns:a16="http://schemas.microsoft.com/office/drawing/2014/main" id="{EFBC67EA-3E6C-5D56-15F1-3495D677B07B}"/>
+                  </a:ext>
+                </a:extLst>
+              </p:cNvPr>
+              <p:cNvSpPr txBox="1"/>
+              <p:nvPr/>
+            </p:nvSpPr>
+            <p:spPr>
+              <a:xfrm>
+                <a:off x="9254192" y="5170004"/>
+                <a:ext cx="438197" cy="369332"/>
+              </a:xfrm>
+              <a:prstGeom prst="rect">
+                <a:avLst/>
+              </a:prstGeom>
+              <a:noFill/>
+            </p:spPr>
+            <p:txBody>
+              <a:bodyPr wrap="none" rtlCol="0">
+                <a:spAutoFit/>
+              </a:bodyPr>
+              <a:lstStyle/>
+              <a:p>
+                <a14:m>
+                  <m:oMathPara xmlns:m="http://schemas.openxmlformats.org/officeDocument/2006/math">
+                    <m:oMathParaPr>
+                      <m:jc m:val="centerGroup"/>
+                    </m:oMathParaPr>
+                    <m:oMath xmlns:m="http://schemas.openxmlformats.org/officeDocument/2006/math">
+                      <m:sSub>
+                        <m:sSubPr>
+                          <m:ctrlPr>
+                            <a:rPr lang="en-US" i="1" smtClean="0">
+                              <a:latin typeface="Cambria Math" panose="02040503050406030204" pitchFamily="18" charset="0"/>
+                              <a:cs typeface="Times New Roman" panose="02020603050405020304" pitchFamily="18" charset="0"/>
+                            </a:rPr>
+                          </m:ctrlPr>
+                        </m:sSubPr>
+                        <m:e>
+                          <m:r>
+                            <a:rPr lang="en-US" b="0" i="1" smtClean="0">
+                              <a:latin typeface="Cambria Math" panose="02040503050406030204" pitchFamily="18" charset="0"/>
+                              <a:cs typeface="Times New Roman" panose="02020603050405020304" pitchFamily="18" charset="0"/>
+                            </a:rPr>
+                            <m:t>𝑥</m:t>
+                          </m:r>
+                        </m:e>
+                        <m:sub>
+                          <m:r>
+                            <a:rPr lang="en-US" b="0" i="1" smtClean="0">
+                              <a:latin typeface="Cambria Math" panose="02040503050406030204" pitchFamily="18" charset="0"/>
+                              <a:cs typeface="Times New Roman" panose="02020603050405020304" pitchFamily="18" charset="0"/>
+                            </a:rPr>
+                            <m:t>𝑖</m:t>
+                          </m:r>
+                        </m:sub>
+                      </m:sSub>
+                    </m:oMath>
+                  </m:oMathPara>
+                </a14:m>
+                <a:endParaRPr lang="en-US" i="1" dirty="0">
+                  <a:latin typeface="Times New Roman" panose="02020603050405020304" pitchFamily="18" charset="0"/>
+                  <a:cs typeface="Times New Roman" panose="02020603050405020304" pitchFamily="18" charset="0"/>
+                </a:endParaRPr>
+              </a:p>
+            </p:txBody>
+          </p:sp>
+        </mc:Choice>
+        <mc:Fallback>
+          <p:sp>
+            <p:nvSpPr>
+              <p:cNvPr id="95" name="Hộp Văn bản 45">
+                <a:extLst>
+                  <a:ext uri="{FF2B5EF4-FFF2-40B4-BE49-F238E27FC236}">
+                    <a16:creationId xmlns:a16="http://schemas.microsoft.com/office/drawing/2014/main" id="{EFBC67EA-3E6C-5D56-15F1-3495D677B07B}"/>
+                  </a:ext>
+                </a:extLst>
+              </p:cNvPr>
+              <p:cNvSpPr txBox="1">
+                <a:spLocks noRot="1" noChangeAspect="1" noMove="1" noResize="1" noEditPoints="1" noAdjustHandles="1" noChangeArrowheads="1" noChangeShapeType="1" noTextEdit="1"/>
+              </p:cNvSpPr>
+              <p:nvPr/>
+            </p:nvSpPr>
+            <p:spPr>
+              <a:xfrm>
+                <a:off x="9254192" y="5170004"/>
+                <a:ext cx="438197" cy="369332"/>
+              </a:xfrm>
+              <a:prstGeom prst="rect">
+                <a:avLst/>
+              </a:prstGeom>
+              <a:blipFill>
+                <a:blip r:embed="rId8"/>
+                <a:stretch>
+                  <a:fillRect b="-1639"/>
+                </a:stretch>
+              </a:blipFill>
+            </p:spPr>
+            <p:txBody>
+              <a:bodyPr/>
+              <a:lstStyle/>
+              <a:p>
+                <a:r>
+                  <a:rPr lang="en-US">
+                    <a:noFill/>
+                  </a:rPr>
+                  <a:t> </a:t>
+                </a:r>
+              </a:p>
+            </p:txBody>
+          </p:sp>
+        </mc:Fallback>
+      </mc:AlternateContent>
+      <mc:AlternateContent xmlns:mc="http://schemas.openxmlformats.org/markup-compatibility/2006">
+        <mc:Choice xmlns:a14="http://schemas.microsoft.com/office/drawing/2010/main" Requires="a14">
+          <p:sp>
+            <p:nvSpPr>
+              <p:cNvPr id="97" name="Hộp Văn bản 45">
+                <a:extLst>
+                  <a:ext uri="{FF2B5EF4-FFF2-40B4-BE49-F238E27FC236}">
+                    <a16:creationId xmlns:a16="http://schemas.microsoft.com/office/drawing/2014/main" id="{2257911E-9C0B-AFAE-4BB2-F1952F4AC4A8}"/>
+                  </a:ext>
+                </a:extLst>
+              </p:cNvPr>
+              <p:cNvSpPr txBox="1"/>
+              <p:nvPr/>
+            </p:nvSpPr>
+            <p:spPr>
+              <a:xfrm>
+                <a:off x="6281281" y="2569561"/>
+                <a:ext cx="439864" cy="369332"/>
+              </a:xfrm>
+              <a:prstGeom prst="rect">
+                <a:avLst/>
+              </a:prstGeom>
+              <a:noFill/>
+            </p:spPr>
+            <p:txBody>
+              <a:bodyPr wrap="none" rtlCol="0">
+                <a:spAutoFit/>
+              </a:bodyPr>
+              <a:lstStyle/>
+              <a:p>
+                <a14:m>
+                  <m:oMathPara xmlns:m="http://schemas.openxmlformats.org/officeDocument/2006/math">
+                    <m:oMathParaPr>
+                      <m:jc m:val="centerGroup"/>
+                    </m:oMathParaPr>
+                    <m:oMath xmlns:m="http://schemas.openxmlformats.org/officeDocument/2006/math">
+                      <m:sSub>
+                        <m:sSubPr>
+                          <m:ctrlPr>
+                            <a:rPr lang="en-US" i="1" smtClean="0">
+                              <a:latin typeface="Cambria Math" panose="02040503050406030204" pitchFamily="18" charset="0"/>
+                              <a:cs typeface="Times New Roman" panose="02020603050405020304" pitchFamily="18" charset="0"/>
+                            </a:rPr>
+                          </m:ctrlPr>
+                        </m:sSubPr>
+                        <m:e>
+                          <m:r>
+                            <a:rPr lang="en-US" b="0" i="1" smtClean="0">
+                              <a:latin typeface="Cambria Math" panose="02040503050406030204" pitchFamily="18" charset="0"/>
+                              <a:cs typeface="Times New Roman" panose="02020603050405020304" pitchFamily="18" charset="0"/>
+                            </a:rPr>
+                            <m:t>𝑦</m:t>
+                          </m:r>
+                        </m:e>
+                        <m:sub>
+                          <m:r>
+                            <a:rPr lang="en-US" b="0" i="1" smtClean="0">
+                              <a:latin typeface="Cambria Math" panose="02040503050406030204" pitchFamily="18" charset="0"/>
+                              <a:cs typeface="Times New Roman" panose="02020603050405020304" pitchFamily="18" charset="0"/>
+                            </a:rPr>
+                            <m:t>𝑖</m:t>
+                          </m:r>
+                        </m:sub>
+                      </m:sSub>
+                    </m:oMath>
+                  </m:oMathPara>
+                </a14:m>
+                <a:endParaRPr lang="en-US" i="1" dirty="0">
+                  <a:latin typeface="Times New Roman" panose="02020603050405020304" pitchFamily="18" charset="0"/>
+                  <a:cs typeface="Times New Roman" panose="02020603050405020304" pitchFamily="18" charset="0"/>
+                </a:endParaRPr>
+              </a:p>
+            </p:txBody>
+          </p:sp>
+        </mc:Choice>
+        <mc:Fallback>
+          <p:sp>
+            <p:nvSpPr>
+              <p:cNvPr id="97" name="Hộp Văn bản 45">
+                <a:extLst>
+                  <a:ext uri="{FF2B5EF4-FFF2-40B4-BE49-F238E27FC236}">
+                    <a16:creationId xmlns:a16="http://schemas.microsoft.com/office/drawing/2014/main" id="{2257911E-9C0B-AFAE-4BB2-F1952F4AC4A8}"/>
+                  </a:ext>
+                </a:extLst>
+              </p:cNvPr>
+              <p:cNvSpPr txBox="1">
+                <a:spLocks noRot="1" noChangeAspect="1" noMove="1" noResize="1" noEditPoints="1" noAdjustHandles="1" noChangeArrowheads="1" noChangeShapeType="1" noTextEdit="1"/>
+              </p:cNvSpPr>
+              <p:nvPr/>
+            </p:nvSpPr>
+            <p:spPr>
+              <a:xfrm>
+                <a:off x="6281281" y="2569561"/>
+                <a:ext cx="439864" cy="369332"/>
+              </a:xfrm>
+              <a:prstGeom prst="rect">
+                <a:avLst/>
+              </a:prstGeom>
+              <a:blipFill>
+                <a:blip r:embed="rId9"/>
+                <a:stretch>
+                  <a:fillRect b="-8333"/>
+                </a:stretch>
+              </a:blipFill>
+            </p:spPr>
+            <p:txBody>
+              <a:bodyPr/>
+              <a:lstStyle/>
+              <a:p>
+                <a:r>
+                  <a:rPr lang="en-US">
+                    <a:noFill/>
+                  </a:rPr>
+                  <a:t> </a:t>
+                </a:r>
+              </a:p>
+            </p:txBody>
+          </p:sp>
+        </mc:Fallback>
+      </mc:AlternateContent>
+      <mc:AlternateContent xmlns:mc="http://schemas.openxmlformats.org/markup-compatibility/2006">
+        <mc:Choice xmlns:a14="http://schemas.microsoft.com/office/drawing/2010/main" Requires="a14">
+          <p:sp>
+            <p:nvSpPr>
+              <p:cNvPr id="98" name="Hộp Văn bản 45">
+                <a:extLst>
+                  <a:ext uri="{FF2B5EF4-FFF2-40B4-BE49-F238E27FC236}">
+                    <a16:creationId xmlns:a16="http://schemas.microsoft.com/office/drawing/2014/main" id="{4462F064-44B5-B4E0-426D-5C26CF58BDDD}"/>
+                  </a:ext>
+                </a:extLst>
+              </p:cNvPr>
+              <p:cNvSpPr txBox="1"/>
+              <p:nvPr/>
+            </p:nvSpPr>
+            <p:spPr>
+              <a:xfrm>
+                <a:off x="6216831" y="1875278"/>
+                <a:ext cx="372474" cy="369332"/>
+              </a:xfrm>
+              <a:prstGeom prst="rect">
+                <a:avLst/>
+              </a:prstGeom>
+              <a:noFill/>
+            </p:spPr>
+            <p:txBody>
+              <a:bodyPr wrap="none" rtlCol="0">
+                <a:spAutoFit/>
+              </a:bodyPr>
+              <a:lstStyle/>
+              <a:p>
+                <a14:m>
+                  <m:oMathPara xmlns:m="http://schemas.openxmlformats.org/officeDocument/2006/math">
+                    <m:oMathParaPr>
+                      <m:jc m:val="centerGroup"/>
+                    </m:oMathParaPr>
+                    <m:oMath xmlns:m="http://schemas.openxmlformats.org/officeDocument/2006/math">
+                      <m:r>
+                        <a:rPr lang="en-US" b="0" i="1" smtClean="0">
+                          <a:latin typeface="Cambria Math" panose="02040503050406030204" pitchFamily="18" charset="0"/>
+                          <a:cs typeface="Times New Roman" panose="02020603050405020304" pitchFamily="18" charset="0"/>
+                        </a:rPr>
+                        <m:t>𝑏</m:t>
+                      </m:r>
+                    </m:oMath>
+                  </m:oMathPara>
+                </a14:m>
+                <a:endParaRPr lang="en-US" i="1" dirty="0">
+                  <a:latin typeface="Times New Roman" panose="02020603050405020304" pitchFamily="18" charset="0"/>
+                  <a:cs typeface="Times New Roman" panose="02020603050405020304" pitchFamily="18" charset="0"/>
+                </a:endParaRPr>
+              </a:p>
+            </p:txBody>
+          </p:sp>
+        </mc:Choice>
+        <mc:Fallback>
+          <p:sp>
+            <p:nvSpPr>
+              <p:cNvPr id="98" name="Hộp Văn bản 45">
+                <a:extLst>
+                  <a:ext uri="{FF2B5EF4-FFF2-40B4-BE49-F238E27FC236}">
+                    <a16:creationId xmlns:a16="http://schemas.microsoft.com/office/drawing/2014/main" id="{4462F064-44B5-B4E0-426D-5C26CF58BDDD}"/>
+                  </a:ext>
+                </a:extLst>
+              </p:cNvPr>
+              <p:cNvSpPr txBox="1">
+                <a:spLocks noRot="1" noChangeAspect="1" noMove="1" noResize="1" noEditPoints="1" noAdjustHandles="1" noChangeArrowheads="1" noChangeShapeType="1" noTextEdit="1"/>
+              </p:cNvSpPr>
+              <p:nvPr/>
+            </p:nvSpPr>
+            <p:spPr>
+              <a:xfrm>
+                <a:off x="6216831" y="1875278"/>
+                <a:ext cx="372474" cy="369332"/>
+              </a:xfrm>
+              <a:prstGeom prst="rect">
+                <a:avLst/>
+              </a:prstGeom>
+              <a:blipFill>
+                <a:blip r:embed="rId10"/>
+                <a:stretch>
+                  <a:fillRect/>
+                </a:stretch>
+              </a:blipFill>
+            </p:spPr>
+            <p:txBody>
+              <a:bodyPr/>
+              <a:lstStyle/>
+              <a:p>
+                <a:r>
+                  <a:rPr lang="en-US">
+                    <a:noFill/>
+                  </a:rPr>
+                  <a:t> </a:t>
+                </a:r>
+              </a:p>
+            </p:txBody>
+          </p:sp>
+        </mc:Fallback>
+      </mc:AlternateContent>
+      <mc:AlternateContent xmlns:mc="http://schemas.openxmlformats.org/markup-compatibility/2006">
+        <mc:Choice xmlns:a14="http://schemas.microsoft.com/office/drawing/2010/main" Requires="a14">
+          <p:sp>
+            <p:nvSpPr>
+              <p:cNvPr id="99" name="Hộp Văn bản 45">
+                <a:extLst>
+                  <a:ext uri="{FF2B5EF4-FFF2-40B4-BE49-F238E27FC236}">
+                    <a16:creationId xmlns:a16="http://schemas.microsoft.com/office/drawing/2014/main" id="{BA77B741-A9AC-832B-E6F6-BB30B4953E53}"/>
+                  </a:ext>
+                </a:extLst>
+              </p:cNvPr>
+              <p:cNvSpPr txBox="1"/>
+              <p:nvPr/>
+            </p:nvSpPr>
+            <p:spPr>
+              <a:xfrm>
+                <a:off x="10558008" y="5191650"/>
+                <a:ext cx="376257" cy="369332"/>
+              </a:xfrm>
+              <a:prstGeom prst="rect">
+                <a:avLst/>
+              </a:prstGeom>
+              <a:noFill/>
+            </p:spPr>
+            <p:txBody>
+              <a:bodyPr wrap="none" rtlCol="0">
+                <a:spAutoFit/>
+              </a:bodyPr>
+              <a:lstStyle/>
+              <a:p>
+                <a14:m>
+                  <m:oMathPara xmlns:m="http://schemas.openxmlformats.org/officeDocument/2006/math">
+                    <m:oMathParaPr>
+                      <m:jc m:val="centerGroup"/>
+                    </m:oMathParaPr>
+                    <m:oMath xmlns:m="http://schemas.openxmlformats.org/officeDocument/2006/math">
+                      <m:r>
+                        <a:rPr lang="en-US" b="0" i="1" smtClean="0">
+                          <a:latin typeface="Cambria Math" panose="02040503050406030204" pitchFamily="18" charset="0"/>
+                          <a:cs typeface="Times New Roman" panose="02020603050405020304" pitchFamily="18" charset="0"/>
+                        </a:rPr>
+                        <m:t>𝑎</m:t>
+                      </m:r>
+                    </m:oMath>
+                  </m:oMathPara>
+                </a14:m>
+                <a:endParaRPr lang="en-US" i="1" dirty="0">
+                  <a:latin typeface="Times New Roman" panose="02020603050405020304" pitchFamily="18" charset="0"/>
+                  <a:cs typeface="Times New Roman" panose="02020603050405020304" pitchFamily="18" charset="0"/>
+                </a:endParaRPr>
+              </a:p>
+            </p:txBody>
+          </p:sp>
+        </mc:Choice>
+        <mc:Fallback>
+          <p:sp>
+            <p:nvSpPr>
+              <p:cNvPr id="99" name="Hộp Văn bản 45">
+                <a:extLst>
+                  <a:ext uri="{FF2B5EF4-FFF2-40B4-BE49-F238E27FC236}">
+                    <a16:creationId xmlns:a16="http://schemas.microsoft.com/office/drawing/2014/main" id="{BA77B741-A9AC-832B-E6F6-BB30B4953E53}"/>
+                  </a:ext>
+                </a:extLst>
+              </p:cNvPr>
+              <p:cNvSpPr txBox="1">
+                <a:spLocks noRot="1" noChangeAspect="1" noMove="1" noResize="1" noEditPoints="1" noAdjustHandles="1" noChangeArrowheads="1" noChangeShapeType="1" noTextEdit="1"/>
+              </p:cNvSpPr>
+              <p:nvPr/>
+            </p:nvSpPr>
+            <p:spPr>
+              <a:xfrm>
+                <a:off x="10558008" y="5191650"/>
+                <a:ext cx="376257" cy="369332"/>
+              </a:xfrm>
+              <a:prstGeom prst="rect">
+                <a:avLst/>
+              </a:prstGeom>
+              <a:blipFill>
+                <a:blip r:embed="rId11"/>
+                <a:stretch>
+                  <a:fillRect/>
+                </a:stretch>
+              </a:blipFill>
+            </p:spPr>
+            <p:txBody>
+              <a:bodyPr/>
+              <a:lstStyle/>
+              <a:p>
+                <a:r>
+                  <a:rPr lang="en-US">
+                    <a:noFill/>
+                  </a:rPr>
+                  <a:t> </a:t>
+                </a:r>
+              </a:p>
+            </p:txBody>
+          </p:sp>
+        </mc:Fallback>
+      </mc:AlternateContent>
+      <p:sp>
+        <p:nvSpPr>
+          <p:cNvPr id="102" name="TextBox 101">
+            <a:extLst>
+              <a:ext uri="{FF2B5EF4-FFF2-40B4-BE49-F238E27FC236}">
+                <a16:creationId xmlns:a16="http://schemas.microsoft.com/office/drawing/2014/main" id="{1CC3FB26-7048-C7B6-8FF3-E9DCCEDAFAA3}"/>
+              </a:ext>
+            </a:extLst>
+          </p:cNvPr>
+          <p:cNvSpPr txBox="1"/>
+          <p:nvPr/>
+        </p:nvSpPr>
+        <p:spPr>
+          <a:xfrm>
+            <a:off x="9051002" y="2301685"/>
+            <a:ext cx="611346" cy="369332"/>
+          </a:xfrm>
+          <a:prstGeom prst="rect">
+            <a:avLst/>
+          </a:prstGeom>
+          <a:noFill/>
+        </p:spPr>
+        <p:txBody>
+          <a:bodyPr wrap="square">
+            <a:spAutoFit/>
+          </a:bodyPr>
+          <a:lstStyle/>
+          <a:p>
+            <a:pPr algn="ctr"/>
+            <a:r>
+              <a:rPr lang="el-GR" dirty="0">
+                <a:latin typeface="Times New Roman" panose="02020603050405020304" pitchFamily="18" charset="0"/>
+                <a:cs typeface="Times New Roman" panose="02020603050405020304" pitchFamily="18" charset="0"/>
+              </a:rPr>
+              <a:t>θ</a:t>
+            </a:r>
+            <a:endParaRPr lang="en-US" dirty="0">
+              <a:latin typeface="Times New Roman" panose="02020603050405020304" pitchFamily="18" charset="0"/>
+              <a:cs typeface="Times New Roman" panose="02020603050405020304" pitchFamily="18" charset="0"/>
+            </a:endParaRPr>
+          </a:p>
+        </p:txBody>
+      </p:sp>
+      <mc:AlternateContent xmlns:mc="http://schemas.openxmlformats.org/markup-compatibility/2006">
+        <mc:Choice xmlns:a14="http://schemas.microsoft.com/office/drawing/2010/main" Requires="a14">
+          <p:sp>
+            <p:nvSpPr>
+              <p:cNvPr id="104" name="Hộp Văn bản 48">
+                <a:extLst>
+                  <a:ext uri="{FF2B5EF4-FFF2-40B4-BE49-F238E27FC236}">
+                    <a16:creationId xmlns:a16="http://schemas.microsoft.com/office/drawing/2014/main" id="{E8CBE280-4A1A-8DAB-8424-C4DF855C59B8}"/>
+                  </a:ext>
+                </a:extLst>
+              </p:cNvPr>
+              <p:cNvSpPr txBox="1"/>
+              <p:nvPr/>
+            </p:nvSpPr>
+            <p:spPr>
+              <a:xfrm>
+                <a:off x="7360984" y="5558739"/>
+                <a:ext cx="3335761" cy="707886"/>
+              </a:xfrm>
+              <a:prstGeom prst="rect">
+                <a:avLst/>
+              </a:prstGeom>
+              <a:noFill/>
+            </p:spPr>
+            <p:txBody>
+              <a:bodyPr wrap="square" rtlCol="0">
+                <a:spAutoFit/>
+              </a:bodyPr>
+              <a:lstStyle/>
+              <a:p>
+                <a:pPr algn="ctr"/>
+                <a14:m>
+                  <m:oMath xmlns:m="http://schemas.openxmlformats.org/officeDocument/2006/math">
+                    <m:r>
+                      <a:rPr lang="en-US" sz="2000" i="1" smtClean="0">
+                        <a:solidFill>
+                          <a:schemeClr val="accent6">
+                            <a:lumMod val="75000"/>
+                          </a:schemeClr>
+                        </a:solidFill>
+                        <a:latin typeface="Cambria Math" panose="02040503050406030204" pitchFamily="18" charset="0"/>
+                      </a:rPr>
+                      <m:t>𝑎</m:t>
+                    </m:r>
+                    <m:r>
+                      <a:rPr lang="en-US" sz="2000" b="0" i="1" smtClean="0">
+                        <a:latin typeface="Cambria Math" panose="02040503050406030204" pitchFamily="18" charset="0"/>
+                      </a:rPr>
+                      <m:t>= </m:t>
+                    </m:r>
+                    <m:sSub>
+                      <m:sSubPr>
+                        <m:ctrlPr>
+                          <a:rPr lang="en-US" sz="2000" b="0" i="1" smtClean="0">
+                            <a:latin typeface="Cambria Math" panose="02040503050406030204" pitchFamily="18" charset="0"/>
+                          </a:rPr>
+                        </m:ctrlPr>
+                      </m:sSubPr>
+                      <m:e>
+                        <m:r>
+                          <a:rPr lang="en-US" sz="2000" b="0" i="1" smtClean="0">
+                            <a:latin typeface="Cambria Math" panose="02040503050406030204" pitchFamily="18" charset="0"/>
+                          </a:rPr>
+                          <m:t>𝑥</m:t>
+                        </m:r>
+                      </m:e>
+                      <m:sub>
+                        <m:r>
+                          <a:rPr lang="en-US" sz="2000" b="0" i="1" smtClean="0">
+                            <a:latin typeface="Cambria Math" panose="02040503050406030204" pitchFamily="18" charset="0"/>
+                          </a:rPr>
+                          <m:t>𝑖</m:t>
+                        </m:r>
+                      </m:sub>
+                    </m:sSub>
+                    <m:r>
+                      <a:rPr lang="en-US" sz="2000" b="0" i="1" smtClean="0">
+                        <a:latin typeface="Cambria Math" panose="02040503050406030204" pitchFamily="18" charset="0"/>
+                        <a:ea typeface="Cambria Math" panose="02040503050406030204" pitchFamily="18" charset="0"/>
+                      </a:rPr>
+                      <m:t>±</m:t>
+                    </m:r>
+                    <m:r>
+                      <a:rPr lang="en-US" sz="2000" b="0" i="1" smtClean="0">
+                        <a:latin typeface="Cambria Math" panose="02040503050406030204" pitchFamily="18" charset="0"/>
+                        <a:ea typeface="Cambria Math" panose="02040503050406030204" pitchFamily="18" charset="0"/>
+                      </a:rPr>
+                      <m:t>𝑟</m:t>
+                    </m:r>
+                    <m:r>
+                      <a:rPr lang="en-US" sz="2000" b="0" i="1" smtClean="0">
+                        <a:latin typeface="Cambria Math" panose="02040503050406030204" pitchFamily="18" charset="0"/>
+                        <a:ea typeface="Cambria Math" panose="02040503050406030204" pitchFamily="18" charset="0"/>
+                      </a:rPr>
+                      <m:t>.</m:t>
+                    </m:r>
+                    <m:r>
+                      <m:rPr>
+                        <m:sty m:val="p"/>
+                      </m:rPr>
+                      <a:rPr lang="en-US" sz="2000" b="0" i="0" smtClean="0">
+                        <a:latin typeface="Cambria Math" panose="02040503050406030204" pitchFamily="18" charset="0"/>
+                        <a:ea typeface="Cambria Math" panose="02040503050406030204" pitchFamily="18" charset="0"/>
+                      </a:rPr>
+                      <m:t>cos</m:t>
+                    </m:r>
+                    <m:r>
+                      <a:rPr lang="en-US" sz="2000" b="0" i="1" smtClean="0">
+                        <a:latin typeface="Cambria Math" panose="02040503050406030204" pitchFamily="18" charset="0"/>
+                        <a:ea typeface="Cambria Math" panose="02040503050406030204" pitchFamily="18" charset="0"/>
+                      </a:rPr>
+                      <m:t>⁡(</m:t>
+                    </m:r>
+                  </m:oMath>
+                </a14:m>
+                <a:r>
+                  <a:rPr lang="el-GR" sz="2000" dirty="0">
+                    <a:latin typeface="Times New Roman" panose="02020603050405020304" pitchFamily="18" charset="0"/>
+                    <a:cs typeface="Times New Roman" panose="02020603050405020304" pitchFamily="18" charset="0"/>
+                  </a:rPr>
+                  <a:t>θ</a:t>
+                </a:r>
+                <a:r>
+                  <a:rPr lang="en-US" sz="2000" dirty="0">
+                    <a:latin typeface="Times New Roman" panose="02020603050405020304" pitchFamily="18" charset="0"/>
+                    <a:cs typeface="Times New Roman" panose="02020603050405020304" pitchFamily="18" charset="0"/>
+                  </a:rPr>
+                  <a:t>)</a:t>
+                </a:r>
+              </a:p>
+              <a:p>
+                <a:pPr algn="ctr"/>
+                <a14:m>
+                  <m:oMath xmlns:m="http://schemas.openxmlformats.org/officeDocument/2006/math">
+                    <m:r>
+                      <a:rPr lang="en-US" sz="2000" b="0" i="1" smtClean="0">
+                        <a:solidFill>
+                          <a:schemeClr val="accent6">
+                            <a:lumMod val="75000"/>
+                          </a:schemeClr>
+                        </a:solidFill>
+                        <a:latin typeface="Cambria Math" panose="02040503050406030204" pitchFamily="18" charset="0"/>
+                      </a:rPr>
+                      <m:t>𝑏</m:t>
+                    </m:r>
+                    <m:r>
+                      <a:rPr lang="en-US" sz="2000" b="0" i="1" smtClean="0">
+                        <a:latin typeface="Cambria Math" panose="02040503050406030204" pitchFamily="18" charset="0"/>
+                      </a:rPr>
+                      <m:t>= </m:t>
+                    </m:r>
+                    <m:sSub>
+                      <m:sSubPr>
+                        <m:ctrlPr>
+                          <a:rPr lang="en-US" sz="2000" b="0" i="1" smtClean="0">
+                            <a:latin typeface="Cambria Math" panose="02040503050406030204" pitchFamily="18" charset="0"/>
+                          </a:rPr>
+                        </m:ctrlPr>
+                      </m:sSubPr>
+                      <m:e>
+                        <m:r>
+                          <a:rPr lang="en-US" sz="2000" b="0" i="1" smtClean="0">
+                            <a:latin typeface="Cambria Math" panose="02040503050406030204" pitchFamily="18" charset="0"/>
+                          </a:rPr>
+                          <m:t>𝑦</m:t>
+                        </m:r>
+                      </m:e>
+                      <m:sub>
+                        <m:r>
+                          <a:rPr lang="en-US" sz="2000" b="0" i="1" smtClean="0">
+                            <a:latin typeface="Cambria Math" panose="02040503050406030204" pitchFamily="18" charset="0"/>
+                          </a:rPr>
+                          <m:t>𝑖</m:t>
+                        </m:r>
+                      </m:sub>
+                    </m:sSub>
+                    <m:r>
+                      <a:rPr lang="en-US" sz="2000" b="0" i="1" smtClean="0">
+                        <a:latin typeface="Cambria Math" panose="02040503050406030204" pitchFamily="18" charset="0"/>
+                        <a:ea typeface="Cambria Math" panose="02040503050406030204" pitchFamily="18" charset="0"/>
+                      </a:rPr>
+                      <m:t>±</m:t>
+                    </m:r>
+                    <m:r>
+                      <a:rPr lang="en-US" sz="2000" b="0" i="1" smtClean="0">
+                        <a:latin typeface="Cambria Math" panose="02040503050406030204" pitchFamily="18" charset="0"/>
+                        <a:ea typeface="Cambria Math" panose="02040503050406030204" pitchFamily="18" charset="0"/>
+                      </a:rPr>
+                      <m:t>𝑟</m:t>
+                    </m:r>
+                    <m:r>
+                      <a:rPr lang="en-US" sz="2000" b="0" i="1" smtClean="0">
+                        <a:latin typeface="Cambria Math" panose="02040503050406030204" pitchFamily="18" charset="0"/>
+                        <a:ea typeface="Cambria Math" panose="02040503050406030204" pitchFamily="18" charset="0"/>
+                      </a:rPr>
+                      <m:t>.</m:t>
+                    </m:r>
+                    <m:r>
+                      <m:rPr>
+                        <m:sty m:val="p"/>
+                      </m:rPr>
+                      <a:rPr lang="en-US" sz="2000" b="0" i="0" smtClean="0">
+                        <a:latin typeface="Cambria Math" panose="02040503050406030204" pitchFamily="18" charset="0"/>
+                        <a:ea typeface="Cambria Math" panose="02040503050406030204" pitchFamily="18" charset="0"/>
+                      </a:rPr>
+                      <m:t>sin</m:t>
+                    </m:r>
+                    <m:r>
+                      <a:rPr lang="en-US" sz="2000" b="0" i="1" smtClean="0">
+                        <a:latin typeface="Cambria Math" panose="02040503050406030204" pitchFamily="18" charset="0"/>
+                        <a:ea typeface="Cambria Math" panose="02040503050406030204" pitchFamily="18" charset="0"/>
+                      </a:rPr>
+                      <m:t>⁡(</m:t>
+                    </m:r>
+                  </m:oMath>
+                </a14:m>
+                <a:r>
+                  <a:rPr lang="el-GR" sz="2000" dirty="0">
+                    <a:latin typeface="Times New Roman" panose="02020603050405020304" pitchFamily="18" charset="0"/>
+                    <a:cs typeface="Times New Roman" panose="02020603050405020304" pitchFamily="18" charset="0"/>
+                  </a:rPr>
+                  <a:t>θ</a:t>
+                </a:r>
+                <a:r>
+                  <a:rPr lang="en-US" sz="2000" dirty="0">
+                    <a:latin typeface="Times New Roman" panose="02020603050405020304" pitchFamily="18" charset="0"/>
+                    <a:cs typeface="Times New Roman" panose="02020603050405020304" pitchFamily="18" charset="0"/>
+                  </a:rPr>
+                  <a:t>)</a:t>
+                </a:r>
+              </a:p>
+            </p:txBody>
+          </p:sp>
+        </mc:Choice>
+        <mc:Fallback>
+          <p:sp>
+            <p:nvSpPr>
+              <p:cNvPr id="104" name="Hộp Văn bản 48">
+                <a:extLst>
+                  <a:ext uri="{FF2B5EF4-FFF2-40B4-BE49-F238E27FC236}">
+                    <a16:creationId xmlns:a16="http://schemas.microsoft.com/office/drawing/2014/main" id="{E8CBE280-4A1A-8DAB-8424-C4DF855C59B8}"/>
+                  </a:ext>
+                </a:extLst>
+              </p:cNvPr>
+              <p:cNvSpPr txBox="1">
+                <a:spLocks noRot="1" noChangeAspect="1" noMove="1" noResize="1" noEditPoints="1" noAdjustHandles="1" noChangeArrowheads="1" noChangeShapeType="1" noTextEdit="1"/>
+              </p:cNvSpPr>
+              <p:nvPr/>
+            </p:nvSpPr>
+            <p:spPr>
+              <a:xfrm>
+                <a:off x="7360984" y="5558739"/>
+                <a:ext cx="3335761" cy="707886"/>
+              </a:xfrm>
+              <a:prstGeom prst="rect">
+                <a:avLst/>
+              </a:prstGeom>
+              <a:blipFill>
+                <a:blip r:embed="rId12"/>
+                <a:stretch>
+                  <a:fillRect t="-5172" b="-14655"/>
+                </a:stretch>
+              </a:blipFill>
+            </p:spPr>
+            <p:txBody>
+              <a:bodyPr/>
+              <a:lstStyle/>
+              <a:p>
+                <a:r>
+                  <a:rPr lang="en-US">
+                    <a:noFill/>
+                  </a:rPr>
+                  <a:t> </a:t>
+                </a:r>
+              </a:p>
+            </p:txBody>
+          </p:sp>
+        </mc:Fallback>
+      </mc:AlternateContent>
+      <p:cxnSp>
+        <p:nvCxnSpPr>
+          <p:cNvPr id="105" name="Đường kết nối Mũi tên Thẳng 65">
+            <a:extLst>
+              <a:ext uri="{FF2B5EF4-FFF2-40B4-BE49-F238E27FC236}">
+                <a16:creationId xmlns:a16="http://schemas.microsoft.com/office/drawing/2014/main" id="{A18A0565-B001-0196-1820-85310949B630}"/>
+              </a:ext>
+            </a:extLst>
+          </p:cNvPr>
+          <p:cNvCxnSpPr>
+            <a:cxnSpLocks/>
+          </p:cNvCxnSpPr>
+          <p:nvPr/>
+        </p:nvCxnSpPr>
+        <p:spPr>
+          <a:xfrm flipH="1">
+            <a:off x="9065575" y="2697835"/>
+            <a:ext cx="42305" cy="344658"/>
+          </a:xfrm>
+          <a:prstGeom prst="straightConnector1">
+            <a:avLst/>
+          </a:prstGeom>
+          <a:ln>
+            <a:solidFill>
+              <a:srgbClr val="4F80BD"/>
+            </a:solidFill>
+            <a:tailEnd type="triangle"/>
+          </a:ln>
+        </p:spPr>
+        <p:style>
+          <a:lnRef idx="1">
+            <a:schemeClr val="accent1"/>
+          </a:lnRef>
+          <a:fillRef idx="0">
+            <a:schemeClr val="accent1"/>
+          </a:fillRef>
+          <a:effectRef idx="0">
+            <a:schemeClr val="accent1"/>
+          </a:effectRef>
+          <a:fontRef idx="minor">
+            <a:schemeClr val="tx1"/>
+          </a:fontRef>
+        </p:style>
+      </p:cxnSp>
+      <p:cxnSp>
+        <p:nvCxnSpPr>
+          <p:cNvPr id="106" name="Đường kết nối Mũi tên Thẳng 79">
+            <a:extLst>
+              <a:ext uri="{FF2B5EF4-FFF2-40B4-BE49-F238E27FC236}">
+                <a16:creationId xmlns:a16="http://schemas.microsoft.com/office/drawing/2014/main" id="{95BC9DFA-8A02-F861-A99F-90AAC98E7720}"/>
+              </a:ext>
+            </a:extLst>
+          </p:cNvPr>
+          <p:cNvCxnSpPr>
+            <a:cxnSpLocks/>
+          </p:cNvCxnSpPr>
+          <p:nvPr/>
+        </p:nvCxnSpPr>
+        <p:spPr>
+          <a:xfrm>
+            <a:off x="8276227" y="3032914"/>
+            <a:ext cx="411551" cy="260008"/>
+          </a:xfrm>
+          <a:prstGeom prst="straightConnector1">
+            <a:avLst/>
+          </a:prstGeom>
+          <a:ln>
+            <a:solidFill>
+              <a:srgbClr val="4F80BD"/>
+            </a:solidFill>
+            <a:tailEnd type="triangle"/>
+          </a:ln>
+        </p:spPr>
+        <p:style>
+          <a:lnRef idx="1">
+            <a:schemeClr val="accent1"/>
+          </a:lnRef>
+          <a:fillRef idx="0">
+            <a:schemeClr val="accent1"/>
+          </a:fillRef>
+          <a:effectRef idx="0">
+            <a:schemeClr val="accent1"/>
+          </a:effectRef>
+          <a:fontRef idx="minor">
+            <a:schemeClr val="tx1"/>
+          </a:fontRef>
+        </p:style>
+      </p:cxnSp>
+      <p:cxnSp>
+        <p:nvCxnSpPr>
+          <p:cNvPr id="109" name="Đường kết nối Mũi tên Thẳng 83">
+            <a:extLst>
+              <a:ext uri="{FF2B5EF4-FFF2-40B4-BE49-F238E27FC236}">
+                <a16:creationId xmlns:a16="http://schemas.microsoft.com/office/drawing/2014/main" id="{14534234-27D4-8181-7C44-DFF7C33E3356}"/>
+              </a:ext>
+            </a:extLst>
+          </p:cNvPr>
+          <p:cNvCxnSpPr>
+            <a:cxnSpLocks/>
+          </p:cNvCxnSpPr>
+          <p:nvPr/>
+        </p:nvCxnSpPr>
+        <p:spPr>
+          <a:xfrm>
+            <a:off x="8160933" y="3425864"/>
+            <a:ext cx="481362" cy="49791"/>
+          </a:xfrm>
+          <a:prstGeom prst="straightConnector1">
+            <a:avLst/>
+          </a:prstGeom>
+          <a:ln>
+            <a:solidFill>
+              <a:srgbClr val="4F80BD"/>
+            </a:solidFill>
+            <a:tailEnd type="triangle"/>
+          </a:ln>
+        </p:spPr>
+        <p:style>
+          <a:lnRef idx="1">
+            <a:schemeClr val="accent1"/>
+          </a:lnRef>
+          <a:fillRef idx="0">
+            <a:schemeClr val="accent1"/>
+          </a:fillRef>
+          <a:effectRef idx="0">
+            <a:schemeClr val="accent1"/>
+          </a:effectRef>
+          <a:fontRef idx="minor">
+            <a:schemeClr val="tx1"/>
+          </a:fontRef>
+        </p:style>
+      </p:cxnSp>
+      <p:cxnSp>
+        <p:nvCxnSpPr>
+          <p:cNvPr id="111" name="Đường kết nối Mũi tên Thẳng 87">
+            <a:extLst>
+              <a:ext uri="{FF2B5EF4-FFF2-40B4-BE49-F238E27FC236}">
+                <a16:creationId xmlns:a16="http://schemas.microsoft.com/office/drawing/2014/main" id="{1AFF7763-D18A-0114-B395-126790184D20}"/>
+              </a:ext>
+            </a:extLst>
+          </p:cNvPr>
+          <p:cNvCxnSpPr>
+            <a:cxnSpLocks/>
+          </p:cNvCxnSpPr>
+          <p:nvPr/>
+        </p:nvCxnSpPr>
+        <p:spPr>
+          <a:xfrm flipV="1">
+            <a:off x="8289343" y="3779212"/>
+            <a:ext cx="363429" cy="226753"/>
+          </a:xfrm>
+          <a:prstGeom prst="straightConnector1">
+            <a:avLst/>
+          </a:prstGeom>
+          <a:ln>
+            <a:solidFill>
+              <a:srgbClr val="4F80BD"/>
+            </a:solidFill>
+            <a:tailEnd type="triangle"/>
+          </a:ln>
+        </p:spPr>
+        <p:style>
+          <a:lnRef idx="1">
+            <a:schemeClr val="accent1"/>
+          </a:lnRef>
+          <a:fillRef idx="0">
+            <a:schemeClr val="accent1"/>
+          </a:fillRef>
+          <a:effectRef idx="0">
+            <a:schemeClr val="accent1"/>
+          </a:effectRef>
+          <a:fontRef idx="minor">
+            <a:schemeClr val="tx1"/>
+          </a:fontRef>
+        </p:style>
+      </p:cxnSp>
+      <p:cxnSp>
+        <p:nvCxnSpPr>
+          <p:cNvPr id="113" name="Đường kết nối Mũi tên Thẳng 91">
+            <a:extLst>
+              <a:ext uri="{FF2B5EF4-FFF2-40B4-BE49-F238E27FC236}">
+                <a16:creationId xmlns:a16="http://schemas.microsoft.com/office/drawing/2014/main" id="{A1FFF0C2-D115-748A-B72E-4B6E30FB7CBF}"/>
+              </a:ext>
+            </a:extLst>
+          </p:cNvPr>
+          <p:cNvCxnSpPr>
+            <a:cxnSpLocks/>
+          </p:cNvCxnSpPr>
+          <p:nvPr/>
+        </p:nvCxnSpPr>
+        <p:spPr>
+          <a:xfrm flipV="1">
+            <a:off x="8762578" y="3956276"/>
+            <a:ext cx="124250" cy="351457"/>
+          </a:xfrm>
+          <a:prstGeom prst="straightConnector1">
+            <a:avLst/>
+          </a:prstGeom>
+          <a:ln>
+            <a:solidFill>
+              <a:srgbClr val="4F80BD"/>
+            </a:solidFill>
+            <a:tailEnd type="triangle"/>
+          </a:ln>
+        </p:spPr>
+        <p:style>
+          <a:lnRef idx="1">
+            <a:schemeClr val="accent1"/>
+          </a:lnRef>
+          <a:fillRef idx="0">
+            <a:schemeClr val="accent1"/>
+          </a:fillRef>
+          <a:effectRef idx="0">
+            <a:schemeClr val="accent1"/>
+          </a:effectRef>
+          <a:fontRef idx="minor">
+            <a:schemeClr val="tx1"/>
+          </a:fontRef>
+        </p:style>
+      </p:cxnSp>
+      <p:cxnSp>
+        <p:nvCxnSpPr>
+          <p:cNvPr id="114" name="Đường kết nối Mũi tên Thẳng 95">
+            <a:extLst>
+              <a:ext uri="{FF2B5EF4-FFF2-40B4-BE49-F238E27FC236}">
+                <a16:creationId xmlns:a16="http://schemas.microsoft.com/office/drawing/2014/main" id="{DDB07D3C-8D7B-F95E-2DFA-46C15B044ADC}"/>
+              </a:ext>
+            </a:extLst>
+          </p:cNvPr>
+          <p:cNvCxnSpPr>
+            <a:cxnSpLocks/>
+          </p:cNvCxnSpPr>
+          <p:nvPr/>
+        </p:nvCxnSpPr>
+        <p:spPr>
+          <a:xfrm flipH="1" flipV="1">
+            <a:off x="9201225" y="3918223"/>
+            <a:ext cx="147029" cy="363372"/>
+          </a:xfrm>
+          <a:prstGeom prst="straightConnector1">
+            <a:avLst/>
+          </a:prstGeom>
+          <a:ln>
+            <a:solidFill>
+              <a:srgbClr val="4F80BD"/>
+            </a:solidFill>
+            <a:tailEnd type="triangle"/>
+          </a:ln>
+        </p:spPr>
+        <p:style>
+          <a:lnRef idx="1">
+            <a:schemeClr val="accent1"/>
+          </a:lnRef>
+          <a:fillRef idx="0">
+            <a:schemeClr val="accent1"/>
+          </a:fillRef>
+          <a:effectRef idx="0">
+            <a:schemeClr val="accent1"/>
+          </a:effectRef>
+          <a:fontRef idx="minor">
+            <a:schemeClr val="tx1"/>
+          </a:fontRef>
+        </p:style>
+      </p:cxnSp>
+      <p:cxnSp>
+        <p:nvCxnSpPr>
+          <p:cNvPr id="115" name="Đường kết nối Mũi tên Thẳng 99">
+            <a:extLst>
+              <a:ext uri="{FF2B5EF4-FFF2-40B4-BE49-F238E27FC236}">
+                <a16:creationId xmlns:a16="http://schemas.microsoft.com/office/drawing/2014/main" id="{32C01E4A-DBE6-18AF-E6A1-5FF24BAD208A}"/>
+              </a:ext>
+            </a:extLst>
+          </p:cNvPr>
+          <p:cNvCxnSpPr>
+            <a:cxnSpLocks/>
+          </p:cNvCxnSpPr>
+          <p:nvPr/>
+        </p:nvCxnSpPr>
+        <p:spPr>
+          <a:xfrm flipH="1" flipV="1">
+            <a:off x="9402271" y="3686361"/>
+            <a:ext cx="336632" cy="153620"/>
+          </a:xfrm>
+          <a:prstGeom prst="straightConnector1">
+            <a:avLst/>
+          </a:prstGeom>
+          <a:ln>
+            <a:solidFill>
+              <a:srgbClr val="4F80BD"/>
+            </a:solidFill>
+            <a:tailEnd type="triangle"/>
+          </a:ln>
+        </p:spPr>
+        <p:style>
+          <a:lnRef idx="1">
+            <a:schemeClr val="accent1"/>
+          </a:lnRef>
+          <a:fillRef idx="0">
+            <a:schemeClr val="accent1"/>
+          </a:fillRef>
+          <a:effectRef idx="0">
+            <a:schemeClr val="accent1"/>
+          </a:effectRef>
+          <a:fontRef idx="minor">
+            <a:schemeClr val="tx1"/>
+          </a:fontRef>
+        </p:style>
+      </p:cxnSp>
+      <p:cxnSp>
+        <p:nvCxnSpPr>
+          <p:cNvPr id="116" name="Đường kết nối Mũi tên Thẳng 102">
+            <a:extLst>
+              <a:ext uri="{FF2B5EF4-FFF2-40B4-BE49-F238E27FC236}">
+                <a16:creationId xmlns:a16="http://schemas.microsoft.com/office/drawing/2014/main" id="{51DA41C6-6B40-E711-2347-94A20F6CA55C}"/>
+              </a:ext>
+            </a:extLst>
+          </p:cNvPr>
+          <p:cNvCxnSpPr>
+            <a:cxnSpLocks/>
+          </p:cNvCxnSpPr>
+          <p:nvPr/>
+        </p:nvCxnSpPr>
+        <p:spPr>
+          <a:xfrm flipH="1">
+            <a:off x="9422941" y="3213907"/>
+            <a:ext cx="380133" cy="143873"/>
+          </a:xfrm>
+          <a:prstGeom prst="straightConnector1">
+            <a:avLst/>
+          </a:prstGeom>
+          <a:ln>
+            <a:solidFill>
+              <a:srgbClr val="4F80BD"/>
+            </a:solidFill>
+            <a:tailEnd type="triangle"/>
+          </a:ln>
+        </p:spPr>
+        <p:style>
+          <a:lnRef idx="1">
+            <a:schemeClr val="accent1"/>
+          </a:lnRef>
+          <a:fillRef idx="0">
+            <a:schemeClr val="accent1"/>
+          </a:fillRef>
+          <a:effectRef idx="0">
+            <a:schemeClr val="accent1"/>
+          </a:effectRef>
+          <a:fontRef idx="minor">
+            <a:schemeClr val="tx1"/>
+          </a:fontRef>
+        </p:style>
+      </p:cxnSp>
+      <p:sp>
+        <p:nvSpPr>
+          <p:cNvPr id="137" name="Hình Bầu dục 111">
+            <a:extLst>
+              <a:ext uri="{FF2B5EF4-FFF2-40B4-BE49-F238E27FC236}">
+                <a16:creationId xmlns:a16="http://schemas.microsoft.com/office/drawing/2014/main" id="{76F94D84-5E01-BFE7-1852-DB51D20E38D5}"/>
+              </a:ext>
+            </a:extLst>
+          </p:cNvPr>
+          <p:cNvSpPr/>
+          <p:nvPr/>
+        </p:nvSpPr>
+        <p:spPr>
+          <a:xfrm>
+            <a:off x="9123905" y="1845357"/>
+            <a:ext cx="182880" cy="182880"/>
+          </a:xfrm>
+          <a:prstGeom prst="ellipse">
+            <a:avLst/>
+          </a:prstGeom>
+          <a:solidFill>
+            <a:schemeClr val="accent3"/>
+          </a:solidFill>
+          <a:ln>
+            <a:noFill/>
+          </a:ln>
+        </p:spPr>
+        <p:style>
+          <a:lnRef idx="0">
+            <a:scrgbClr r="0" g="0" b="0"/>
+          </a:lnRef>
+          <a:fillRef idx="0">
+            <a:scrgbClr r="0" g="0" b="0"/>
+          </a:fillRef>
+          <a:effectRef idx="0">
+            <a:scrgbClr r="0" g="0" b="0"/>
+          </a:effectRef>
+          <a:fontRef idx="minor">
+            <a:schemeClr val="lt1"/>
+          </a:fontRef>
+        </p:style>
+        <p:txBody>
+          <a:bodyPr rtlCol="0" anchor="ctr"/>
+          <a:lstStyle/>
+          <a:p>
+            <a:pPr algn="ctr"/>
+            <a:endParaRPr lang="en-US"/>
+          </a:p>
+        </p:txBody>
+      </p:sp>
+      <p:sp>
+        <p:nvSpPr>
+          <p:cNvPr id="141" name="Hình Bầu dục 111">
+            <a:extLst>
+              <a:ext uri="{FF2B5EF4-FFF2-40B4-BE49-F238E27FC236}">
+                <a16:creationId xmlns:a16="http://schemas.microsoft.com/office/drawing/2014/main" id="{E43BA7FE-0DFD-0855-4973-D3E46A4F0A86}"/>
+              </a:ext>
+            </a:extLst>
+          </p:cNvPr>
+          <p:cNvSpPr/>
+          <p:nvPr/>
+        </p:nvSpPr>
+        <p:spPr>
+          <a:xfrm>
+            <a:off x="7572633" y="2554530"/>
+            <a:ext cx="182880" cy="182880"/>
+          </a:xfrm>
+          <a:prstGeom prst="ellipse">
+            <a:avLst/>
+          </a:prstGeom>
+          <a:solidFill>
+            <a:schemeClr val="accent3"/>
+          </a:solidFill>
+          <a:ln>
+            <a:noFill/>
+          </a:ln>
+        </p:spPr>
+        <p:style>
+          <a:lnRef idx="0">
+            <a:scrgbClr r="0" g="0" b="0"/>
+          </a:lnRef>
+          <a:fillRef idx="0">
+            <a:scrgbClr r="0" g="0" b="0"/>
+          </a:fillRef>
+          <a:effectRef idx="0">
+            <a:scrgbClr r="0" g="0" b="0"/>
+          </a:effectRef>
+          <a:fontRef idx="minor">
+            <a:schemeClr val="lt1"/>
+          </a:fontRef>
+        </p:style>
+        <p:txBody>
+          <a:bodyPr rtlCol="0" anchor="ctr"/>
+          <a:lstStyle/>
+          <a:p>
+            <a:pPr algn="ctr"/>
+            <a:endParaRPr lang="en-US"/>
+          </a:p>
+        </p:txBody>
+      </p:sp>
+      <p:sp>
+        <p:nvSpPr>
+          <p:cNvPr id="149" name="Hình Bầu dục 111">
+            <a:extLst>
+              <a:ext uri="{FF2B5EF4-FFF2-40B4-BE49-F238E27FC236}">
+                <a16:creationId xmlns:a16="http://schemas.microsoft.com/office/drawing/2014/main" id="{F5B788CA-CEFE-72D7-C82F-BAF4A26010C5}"/>
+              </a:ext>
+            </a:extLst>
+          </p:cNvPr>
+          <p:cNvSpPr/>
+          <p:nvPr/>
+        </p:nvSpPr>
+        <p:spPr>
+          <a:xfrm>
+            <a:off x="7335947" y="3253200"/>
+            <a:ext cx="182880" cy="182880"/>
+          </a:xfrm>
+          <a:prstGeom prst="ellipse">
+            <a:avLst/>
+          </a:prstGeom>
+          <a:solidFill>
+            <a:schemeClr val="accent3"/>
+          </a:solidFill>
+          <a:ln>
+            <a:noFill/>
+          </a:ln>
+        </p:spPr>
+        <p:style>
+          <a:lnRef idx="0">
+            <a:scrgbClr r="0" g="0" b="0"/>
+          </a:lnRef>
+          <a:fillRef idx="0">
+            <a:scrgbClr r="0" g="0" b="0"/>
+          </a:fillRef>
+          <a:effectRef idx="0">
+            <a:scrgbClr r="0" g="0" b="0"/>
+          </a:effectRef>
+          <a:fontRef idx="minor">
+            <a:schemeClr val="lt1"/>
+          </a:fontRef>
+        </p:style>
+        <p:txBody>
+          <a:bodyPr rtlCol="0" anchor="ctr"/>
+          <a:lstStyle/>
+          <a:p>
+            <a:pPr algn="ctr"/>
+            <a:endParaRPr lang="en-US"/>
+          </a:p>
+        </p:txBody>
+      </p:sp>
+      <p:sp>
+        <p:nvSpPr>
+          <p:cNvPr id="152" name="Hình Bầu dục 111">
+            <a:extLst>
+              <a:ext uri="{FF2B5EF4-FFF2-40B4-BE49-F238E27FC236}">
+                <a16:creationId xmlns:a16="http://schemas.microsoft.com/office/drawing/2014/main" id="{762061E6-8932-BB9D-F566-44D4CD32F26F}"/>
+              </a:ext>
+            </a:extLst>
+          </p:cNvPr>
+          <p:cNvSpPr/>
+          <p:nvPr/>
+        </p:nvSpPr>
+        <p:spPr>
+          <a:xfrm>
+            <a:off x="7589148" y="4322051"/>
+            <a:ext cx="182880" cy="182880"/>
+          </a:xfrm>
+          <a:prstGeom prst="ellipse">
+            <a:avLst/>
+          </a:prstGeom>
+          <a:solidFill>
+            <a:schemeClr val="accent3"/>
+          </a:solidFill>
+          <a:ln>
+            <a:noFill/>
+          </a:ln>
+        </p:spPr>
+        <p:style>
+          <a:lnRef idx="0">
+            <a:scrgbClr r="0" g="0" b="0"/>
+          </a:lnRef>
+          <a:fillRef idx="0">
+            <a:scrgbClr r="0" g="0" b="0"/>
+          </a:fillRef>
+          <a:effectRef idx="0">
+            <a:scrgbClr r="0" g="0" b="0"/>
+          </a:effectRef>
+          <a:fontRef idx="minor">
+            <a:schemeClr val="lt1"/>
+          </a:fontRef>
+        </p:style>
+        <p:txBody>
+          <a:bodyPr rtlCol="0" anchor="ctr"/>
+          <a:lstStyle/>
+          <a:p>
+            <a:pPr algn="ctr"/>
+            <a:endParaRPr lang="en-US"/>
+          </a:p>
+        </p:txBody>
+      </p:sp>
+      <p:sp>
+        <p:nvSpPr>
+          <p:cNvPr id="156" name="Hình Bầu dục 111">
+            <a:extLst>
+              <a:ext uri="{FF2B5EF4-FFF2-40B4-BE49-F238E27FC236}">
+                <a16:creationId xmlns:a16="http://schemas.microsoft.com/office/drawing/2014/main" id="{B9F1DB99-E57F-306F-F03A-261B6137B6CD}"/>
+              </a:ext>
+            </a:extLst>
+          </p:cNvPr>
+          <p:cNvSpPr/>
+          <p:nvPr/>
+        </p:nvSpPr>
+        <p:spPr>
+          <a:xfrm>
+            <a:off x="8401577" y="4941269"/>
+            <a:ext cx="182880" cy="182880"/>
+          </a:xfrm>
+          <a:prstGeom prst="ellipse">
+            <a:avLst/>
+          </a:prstGeom>
+          <a:solidFill>
+            <a:schemeClr val="accent3"/>
+          </a:solidFill>
+          <a:ln>
+            <a:noFill/>
+          </a:ln>
+        </p:spPr>
+        <p:style>
+          <a:lnRef idx="0">
+            <a:scrgbClr r="0" g="0" b="0"/>
+          </a:lnRef>
+          <a:fillRef idx="0">
+            <a:scrgbClr r="0" g="0" b="0"/>
+          </a:fillRef>
+          <a:effectRef idx="0">
+            <a:scrgbClr r="0" g="0" b="0"/>
+          </a:effectRef>
+          <a:fontRef idx="minor">
+            <a:schemeClr val="lt1"/>
+          </a:fontRef>
+        </p:style>
+        <p:txBody>
+          <a:bodyPr rtlCol="0" anchor="ctr"/>
+          <a:lstStyle/>
+          <a:p>
+            <a:pPr algn="ctr"/>
+            <a:endParaRPr lang="en-US"/>
+          </a:p>
+        </p:txBody>
+      </p:sp>
+      <p:sp>
+        <p:nvSpPr>
+          <p:cNvPr id="159" name="Hình Bầu dục 111">
+            <a:extLst>
+              <a:ext uri="{FF2B5EF4-FFF2-40B4-BE49-F238E27FC236}">
+                <a16:creationId xmlns:a16="http://schemas.microsoft.com/office/drawing/2014/main" id="{5FFF6DDD-F9F3-9DAF-88D2-34B5C88BA980}"/>
+              </a:ext>
+            </a:extLst>
+          </p:cNvPr>
+          <p:cNvSpPr/>
+          <p:nvPr/>
+        </p:nvSpPr>
+        <p:spPr>
+          <a:xfrm>
+            <a:off x="9552057" y="4897358"/>
+            <a:ext cx="182880" cy="182880"/>
+          </a:xfrm>
+          <a:prstGeom prst="ellipse">
+            <a:avLst/>
+          </a:prstGeom>
+          <a:solidFill>
+            <a:schemeClr val="accent3"/>
+          </a:solidFill>
+          <a:ln>
+            <a:noFill/>
+          </a:ln>
+        </p:spPr>
+        <p:style>
+          <a:lnRef idx="0">
+            <a:scrgbClr r="0" g="0" b="0"/>
+          </a:lnRef>
+          <a:fillRef idx="0">
+            <a:scrgbClr r="0" g="0" b="0"/>
+          </a:fillRef>
+          <a:effectRef idx="0">
+            <a:scrgbClr r="0" g="0" b="0"/>
+          </a:effectRef>
+          <a:fontRef idx="minor">
+            <a:schemeClr val="lt1"/>
+          </a:fontRef>
+        </p:style>
+        <p:txBody>
+          <a:bodyPr rtlCol="0" anchor="ctr"/>
+          <a:lstStyle/>
+          <a:p>
+            <a:pPr algn="ctr"/>
+            <a:endParaRPr lang="en-US"/>
+          </a:p>
+        </p:txBody>
+      </p:sp>
+      <p:sp>
+        <p:nvSpPr>
+          <p:cNvPr id="163" name="Hình Bầu dục 111">
+            <a:extLst>
+              <a:ext uri="{FF2B5EF4-FFF2-40B4-BE49-F238E27FC236}">
+                <a16:creationId xmlns:a16="http://schemas.microsoft.com/office/drawing/2014/main" id="{4E803D93-E243-8150-9A86-A842D1895890}"/>
+              </a:ext>
+            </a:extLst>
+          </p:cNvPr>
+          <p:cNvSpPr/>
+          <p:nvPr/>
+        </p:nvSpPr>
+        <p:spPr>
+          <a:xfrm>
+            <a:off x="10351223" y="4074998"/>
+            <a:ext cx="182880" cy="182880"/>
+          </a:xfrm>
+          <a:prstGeom prst="ellipse">
+            <a:avLst/>
+          </a:prstGeom>
+          <a:solidFill>
+            <a:schemeClr val="accent3"/>
+          </a:solidFill>
+          <a:ln>
+            <a:noFill/>
+          </a:ln>
+        </p:spPr>
+        <p:style>
+          <a:lnRef idx="0">
+            <a:scrgbClr r="0" g="0" b="0"/>
+          </a:lnRef>
+          <a:fillRef idx="0">
+            <a:scrgbClr r="0" g="0" b="0"/>
+          </a:fillRef>
+          <a:effectRef idx="0">
+            <a:scrgbClr r="0" g="0" b="0"/>
+          </a:effectRef>
+          <a:fontRef idx="minor">
+            <a:schemeClr val="lt1"/>
+          </a:fontRef>
+        </p:style>
+        <p:txBody>
+          <a:bodyPr rtlCol="0" anchor="ctr"/>
+          <a:lstStyle/>
+          <a:p>
+            <a:pPr algn="ctr"/>
+            <a:endParaRPr lang="en-US"/>
+          </a:p>
+        </p:txBody>
+      </p:sp>
+      <p:sp>
+        <p:nvSpPr>
+          <p:cNvPr id="168" name="Hình Bầu dục 111">
+            <a:extLst>
+              <a:ext uri="{FF2B5EF4-FFF2-40B4-BE49-F238E27FC236}">
+                <a16:creationId xmlns:a16="http://schemas.microsoft.com/office/drawing/2014/main" id="{24B77079-B9FB-FA9A-D151-D953BADA05EC}"/>
+              </a:ext>
+            </a:extLst>
+          </p:cNvPr>
+          <p:cNvSpPr/>
+          <p:nvPr/>
+        </p:nvSpPr>
+        <p:spPr>
+          <a:xfrm>
+            <a:off x="10433448" y="2861449"/>
+            <a:ext cx="182880" cy="182880"/>
+          </a:xfrm>
+          <a:prstGeom prst="ellipse">
+            <a:avLst/>
+          </a:prstGeom>
+          <a:solidFill>
+            <a:schemeClr val="accent3"/>
+          </a:solidFill>
+          <a:ln>
+            <a:noFill/>
+          </a:ln>
+        </p:spPr>
+        <p:style>
+          <a:lnRef idx="0">
+            <a:scrgbClr r="0" g="0" b="0"/>
+          </a:lnRef>
+          <a:fillRef idx="0">
+            <a:scrgbClr r="0" g="0" b="0"/>
+          </a:fillRef>
+          <a:effectRef idx="0">
+            <a:scrgbClr r="0" g="0" b="0"/>
+          </a:effectRef>
+          <a:fontRef idx="minor">
+            <a:schemeClr val="lt1"/>
+          </a:fontRef>
+        </p:style>
+        <p:txBody>
+          <a:bodyPr rtlCol="0" anchor="ctr"/>
+          <a:lstStyle/>
+          <a:p>
+            <a:pPr algn="ctr"/>
+            <a:endParaRPr lang="en-US"/>
+          </a:p>
+        </p:txBody>
+      </p:sp>
+      <p:sp>
+        <p:nvSpPr>
+          <p:cNvPr id="172" name="Hình Bầu dục 72">
+            <a:extLst>
+              <a:ext uri="{FF2B5EF4-FFF2-40B4-BE49-F238E27FC236}">
+                <a16:creationId xmlns:a16="http://schemas.microsoft.com/office/drawing/2014/main" id="{64CA851A-062B-FBB8-1311-09853F222093}"/>
+              </a:ext>
+            </a:extLst>
+          </p:cNvPr>
+          <p:cNvSpPr/>
+          <p:nvPr/>
+        </p:nvSpPr>
+        <p:spPr>
+          <a:xfrm>
+            <a:off x="8926400" y="3416247"/>
+            <a:ext cx="182880" cy="182880"/>
+          </a:xfrm>
+          <a:prstGeom prst="ellipse">
+            <a:avLst/>
+          </a:prstGeom>
+          <a:solidFill>
+            <a:srgbClr val="FFFD05"/>
+          </a:solidFill>
+          <a:ln w="19050">
+            <a:solidFill>
+              <a:schemeClr val="accent6">
+                <a:lumMod val="75000"/>
+              </a:schemeClr>
+            </a:solidFill>
+          </a:ln>
+        </p:spPr>
+        <p:style>
+          <a:lnRef idx="0">
+            <a:scrgbClr r="0" g="0" b="0"/>
+          </a:lnRef>
+          <a:fillRef idx="0">
+            <a:scrgbClr r="0" g="0" b="0"/>
+          </a:fillRef>
+          <a:effectRef idx="0">
+            <a:scrgbClr r="0" g="0" b="0"/>
+          </a:effectRef>
+          <a:fontRef idx="minor">
+            <a:schemeClr val="lt1"/>
+          </a:fontRef>
+        </p:style>
+        <p:txBody>
+          <a:bodyPr rtlCol="0" anchor="ctr"/>
+          <a:lstStyle/>
+          <a:p>
+            <a:pPr algn="ctr"/>
+            <a:endParaRPr lang="en-US"/>
+          </a:p>
+        </p:txBody>
+      </p:sp>
     </p:spTree>
     <p:extLst>
       <p:ext uri="{BB962C8B-B14F-4D97-AF65-F5344CB8AC3E}">
@@ -14599,10 +16823,1711 @@
   <p:clrMapOvr>
     <a:masterClrMapping/>
   </p:clrMapOvr>
+  <p:timing>
+    <p:tnLst>
+      <p:par>
+        <p:cTn id="1" dur="indefinite" restart="never" nodeType="tmRoot">
+          <p:childTnLst>
+            <p:seq concurrent="1" nextAc="seek">
+              <p:cTn id="2" dur="indefinite" nodeType="mainSeq">
+                <p:childTnLst>
+                  <p:par>
+                    <p:cTn id="3" fill="hold">
+                      <p:stCondLst>
+                        <p:cond delay="indefinite"/>
+                      </p:stCondLst>
+                      <p:childTnLst>
+                        <p:par>
+                          <p:cTn id="4" fill="hold">
+                            <p:stCondLst>
+                              <p:cond delay="0"/>
+                            </p:stCondLst>
+                            <p:childTnLst>
+                              <p:par>
+                                <p:cTn id="5" presetID="10" presetClass="entr" presetSubtype="0" fill="hold" nodeType="clickEffect">
+                                  <p:stCondLst>
+                                    <p:cond delay="0"/>
+                                  </p:stCondLst>
+                                  <p:childTnLst>
+                                    <p:set>
+                                      <p:cBhvr>
+                                        <p:cTn id="6" dur="1" fill="hold">
+                                          <p:stCondLst>
+                                            <p:cond delay="0"/>
+                                          </p:stCondLst>
+                                        </p:cTn>
+                                        <p:tgtEl>
+                                          <p:spTgt spid="105"/>
+                                        </p:tgtEl>
+                                        <p:attrNameLst>
+                                          <p:attrName>style.visibility</p:attrName>
+                                        </p:attrNameLst>
+                                      </p:cBhvr>
+                                      <p:to>
+                                        <p:strVal val="visible"/>
+                                      </p:to>
+                                    </p:set>
+                                    <p:animEffect transition="in" filter="fade">
+                                      <p:cBhvr>
+                                        <p:cTn id="7" dur="500"/>
+                                        <p:tgtEl>
+                                          <p:spTgt spid="105"/>
+                                        </p:tgtEl>
+                                      </p:cBhvr>
+                                    </p:animEffect>
+                                  </p:childTnLst>
+                                </p:cTn>
+                              </p:par>
+                              <p:par>
+                                <p:cTn id="8" presetID="10" presetClass="entr" presetSubtype="0" fill="hold" nodeType="withEffect">
+                                  <p:stCondLst>
+                                    <p:cond delay="0"/>
+                                  </p:stCondLst>
+                                  <p:childTnLst>
+                                    <p:set>
+                                      <p:cBhvr>
+                                        <p:cTn id="9" dur="1" fill="hold">
+                                          <p:stCondLst>
+                                            <p:cond delay="0"/>
+                                          </p:stCondLst>
+                                        </p:cTn>
+                                        <p:tgtEl>
+                                          <p:spTgt spid="106"/>
+                                        </p:tgtEl>
+                                        <p:attrNameLst>
+                                          <p:attrName>style.visibility</p:attrName>
+                                        </p:attrNameLst>
+                                      </p:cBhvr>
+                                      <p:to>
+                                        <p:strVal val="visible"/>
+                                      </p:to>
+                                    </p:set>
+                                    <p:animEffect transition="in" filter="fade">
+                                      <p:cBhvr>
+                                        <p:cTn id="10" dur="500"/>
+                                        <p:tgtEl>
+                                          <p:spTgt spid="106"/>
+                                        </p:tgtEl>
+                                      </p:cBhvr>
+                                    </p:animEffect>
+                                  </p:childTnLst>
+                                </p:cTn>
+                              </p:par>
+                              <p:par>
+                                <p:cTn id="11" presetID="10" presetClass="entr" presetSubtype="0" fill="hold" nodeType="withEffect">
+                                  <p:stCondLst>
+                                    <p:cond delay="0"/>
+                                  </p:stCondLst>
+                                  <p:childTnLst>
+                                    <p:set>
+                                      <p:cBhvr>
+                                        <p:cTn id="12" dur="1" fill="hold">
+                                          <p:stCondLst>
+                                            <p:cond delay="0"/>
+                                          </p:stCondLst>
+                                        </p:cTn>
+                                        <p:tgtEl>
+                                          <p:spTgt spid="109"/>
+                                        </p:tgtEl>
+                                        <p:attrNameLst>
+                                          <p:attrName>style.visibility</p:attrName>
+                                        </p:attrNameLst>
+                                      </p:cBhvr>
+                                      <p:to>
+                                        <p:strVal val="visible"/>
+                                      </p:to>
+                                    </p:set>
+                                    <p:animEffect transition="in" filter="fade">
+                                      <p:cBhvr>
+                                        <p:cTn id="13" dur="500"/>
+                                        <p:tgtEl>
+                                          <p:spTgt spid="109"/>
+                                        </p:tgtEl>
+                                      </p:cBhvr>
+                                    </p:animEffect>
+                                  </p:childTnLst>
+                                </p:cTn>
+                              </p:par>
+                              <p:par>
+                                <p:cTn id="14" presetID="10" presetClass="entr" presetSubtype="0" fill="hold" nodeType="withEffect">
+                                  <p:stCondLst>
+                                    <p:cond delay="0"/>
+                                  </p:stCondLst>
+                                  <p:childTnLst>
+                                    <p:set>
+                                      <p:cBhvr>
+                                        <p:cTn id="15" dur="1" fill="hold">
+                                          <p:stCondLst>
+                                            <p:cond delay="0"/>
+                                          </p:stCondLst>
+                                        </p:cTn>
+                                        <p:tgtEl>
+                                          <p:spTgt spid="111"/>
+                                        </p:tgtEl>
+                                        <p:attrNameLst>
+                                          <p:attrName>style.visibility</p:attrName>
+                                        </p:attrNameLst>
+                                      </p:cBhvr>
+                                      <p:to>
+                                        <p:strVal val="visible"/>
+                                      </p:to>
+                                    </p:set>
+                                    <p:animEffect transition="in" filter="fade">
+                                      <p:cBhvr>
+                                        <p:cTn id="16" dur="500"/>
+                                        <p:tgtEl>
+                                          <p:spTgt spid="111"/>
+                                        </p:tgtEl>
+                                      </p:cBhvr>
+                                    </p:animEffect>
+                                  </p:childTnLst>
+                                </p:cTn>
+                              </p:par>
+                              <p:par>
+                                <p:cTn id="17" presetID="10" presetClass="entr" presetSubtype="0" fill="hold" nodeType="withEffect">
+                                  <p:stCondLst>
+                                    <p:cond delay="0"/>
+                                  </p:stCondLst>
+                                  <p:childTnLst>
+                                    <p:set>
+                                      <p:cBhvr>
+                                        <p:cTn id="18" dur="1" fill="hold">
+                                          <p:stCondLst>
+                                            <p:cond delay="0"/>
+                                          </p:stCondLst>
+                                        </p:cTn>
+                                        <p:tgtEl>
+                                          <p:spTgt spid="113"/>
+                                        </p:tgtEl>
+                                        <p:attrNameLst>
+                                          <p:attrName>style.visibility</p:attrName>
+                                        </p:attrNameLst>
+                                      </p:cBhvr>
+                                      <p:to>
+                                        <p:strVal val="visible"/>
+                                      </p:to>
+                                    </p:set>
+                                    <p:animEffect transition="in" filter="fade">
+                                      <p:cBhvr>
+                                        <p:cTn id="19" dur="500"/>
+                                        <p:tgtEl>
+                                          <p:spTgt spid="113"/>
+                                        </p:tgtEl>
+                                      </p:cBhvr>
+                                    </p:animEffect>
+                                  </p:childTnLst>
+                                </p:cTn>
+                              </p:par>
+                              <p:par>
+                                <p:cTn id="20" presetID="10" presetClass="entr" presetSubtype="0" fill="hold" nodeType="withEffect">
+                                  <p:stCondLst>
+                                    <p:cond delay="0"/>
+                                  </p:stCondLst>
+                                  <p:childTnLst>
+                                    <p:set>
+                                      <p:cBhvr>
+                                        <p:cTn id="21" dur="1" fill="hold">
+                                          <p:stCondLst>
+                                            <p:cond delay="0"/>
+                                          </p:stCondLst>
+                                        </p:cTn>
+                                        <p:tgtEl>
+                                          <p:spTgt spid="114"/>
+                                        </p:tgtEl>
+                                        <p:attrNameLst>
+                                          <p:attrName>style.visibility</p:attrName>
+                                        </p:attrNameLst>
+                                      </p:cBhvr>
+                                      <p:to>
+                                        <p:strVal val="visible"/>
+                                      </p:to>
+                                    </p:set>
+                                    <p:animEffect transition="in" filter="fade">
+                                      <p:cBhvr>
+                                        <p:cTn id="22" dur="500"/>
+                                        <p:tgtEl>
+                                          <p:spTgt spid="114"/>
+                                        </p:tgtEl>
+                                      </p:cBhvr>
+                                    </p:animEffect>
+                                  </p:childTnLst>
+                                </p:cTn>
+                              </p:par>
+                              <p:par>
+                                <p:cTn id="23" presetID="10" presetClass="entr" presetSubtype="0" fill="hold" nodeType="withEffect">
+                                  <p:stCondLst>
+                                    <p:cond delay="0"/>
+                                  </p:stCondLst>
+                                  <p:childTnLst>
+                                    <p:set>
+                                      <p:cBhvr>
+                                        <p:cTn id="24" dur="1" fill="hold">
+                                          <p:stCondLst>
+                                            <p:cond delay="0"/>
+                                          </p:stCondLst>
+                                        </p:cTn>
+                                        <p:tgtEl>
+                                          <p:spTgt spid="115"/>
+                                        </p:tgtEl>
+                                        <p:attrNameLst>
+                                          <p:attrName>style.visibility</p:attrName>
+                                        </p:attrNameLst>
+                                      </p:cBhvr>
+                                      <p:to>
+                                        <p:strVal val="visible"/>
+                                      </p:to>
+                                    </p:set>
+                                    <p:animEffect transition="in" filter="fade">
+                                      <p:cBhvr>
+                                        <p:cTn id="25" dur="500"/>
+                                        <p:tgtEl>
+                                          <p:spTgt spid="115"/>
+                                        </p:tgtEl>
+                                      </p:cBhvr>
+                                    </p:animEffect>
+                                  </p:childTnLst>
+                                </p:cTn>
+                              </p:par>
+                              <p:par>
+                                <p:cTn id="26" presetID="10" presetClass="entr" presetSubtype="0" fill="hold" nodeType="withEffect">
+                                  <p:stCondLst>
+                                    <p:cond delay="0"/>
+                                  </p:stCondLst>
+                                  <p:childTnLst>
+                                    <p:set>
+                                      <p:cBhvr>
+                                        <p:cTn id="27" dur="1" fill="hold">
+                                          <p:stCondLst>
+                                            <p:cond delay="0"/>
+                                          </p:stCondLst>
+                                        </p:cTn>
+                                        <p:tgtEl>
+                                          <p:spTgt spid="116"/>
+                                        </p:tgtEl>
+                                        <p:attrNameLst>
+                                          <p:attrName>style.visibility</p:attrName>
+                                        </p:attrNameLst>
+                                      </p:cBhvr>
+                                      <p:to>
+                                        <p:strVal val="visible"/>
+                                      </p:to>
+                                    </p:set>
+                                    <p:animEffect transition="in" filter="fade">
+                                      <p:cBhvr>
+                                        <p:cTn id="28" dur="500"/>
+                                        <p:tgtEl>
+                                          <p:spTgt spid="116"/>
+                                        </p:tgtEl>
+                                      </p:cBhvr>
+                                    </p:animEffect>
+                                  </p:childTnLst>
+                                </p:cTn>
+                              </p:par>
+                              <p:par>
+                                <p:cTn id="29" presetID="10" presetClass="entr" presetSubtype="0" fill="hold" grpId="0" nodeType="withEffect">
+                                  <p:stCondLst>
+                                    <p:cond delay="0"/>
+                                  </p:stCondLst>
+                                  <p:childTnLst>
+                                    <p:set>
+                                      <p:cBhvr>
+                                        <p:cTn id="30" dur="1" fill="hold">
+                                          <p:stCondLst>
+                                            <p:cond delay="0"/>
+                                          </p:stCondLst>
+                                        </p:cTn>
+                                        <p:tgtEl>
+                                          <p:spTgt spid="40"/>
+                                        </p:tgtEl>
+                                        <p:attrNameLst>
+                                          <p:attrName>style.visibility</p:attrName>
+                                        </p:attrNameLst>
+                                      </p:cBhvr>
+                                      <p:to>
+                                        <p:strVal val="visible"/>
+                                      </p:to>
+                                    </p:set>
+                                    <p:animEffect transition="in" filter="fade">
+                                      <p:cBhvr>
+                                        <p:cTn id="31" dur="500"/>
+                                        <p:tgtEl>
+                                          <p:spTgt spid="40"/>
+                                        </p:tgtEl>
+                                      </p:cBhvr>
+                                    </p:animEffect>
+                                  </p:childTnLst>
+                                </p:cTn>
+                              </p:par>
+                              <p:par>
+                                <p:cTn id="32" presetID="10" presetClass="entr" presetSubtype="0" fill="hold" grpId="0" nodeType="withEffect">
+                                  <p:stCondLst>
+                                    <p:cond delay="0"/>
+                                  </p:stCondLst>
+                                  <p:childTnLst>
+                                    <p:set>
+                                      <p:cBhvr>
+                                        <p:cTn id="33" dur="1" fill="hold">
+                                          <p:stCondLst>
+                                            <p:cond delay="0"/>
+                                          </p:stCondLst>
+                                        </p:cTn>
+                                        <p:tgtEl>
+                                          <p:spTgt spid="41"/>
+                                        </p:tgtEl>
+                                        <p:attrNameLst>
+                                          <p:attrName>style.visibility</p:attrName>
+                                        </p:attrNameLst>
+                                      </p:cBhvr>
+                                      <p:to>
+                                        <p:strVal val="visible"/>
+                                      </p:to>
+                                    </p:set>
+                                    <p:animEffect transition="in" filter="fade">
+                                      <p:cBhvr>
+                                        <p:cTn id="34" dur="500"/>
+                                        <p:tgtEl>
+                                          <p:spTgt spid="41"/>
+                                        </p:tgtEl>
+                                      </p:cBhvr>
+                                    </p:animEffect>
+                                  </p:childTnLst>
+                                </p:cTn>
+                              </p:par>
+                              <p:par>
+                                <p:cTn id="35" presetID="10" presetClass="entr" presetSubtype="0" fill="hold" grpId="0" nodeType="withEffect">
+                                  <p:stCondLst>
+                                    <p:cond delay="0"/>
+                                  </p:stCondLst>
+                                  <p:childTnLst>
+                                    <p:set>
+                                      <p:cBhvr>
+                                        <p:cTn id="36" dur="1" fill="hold">
+                                          <p:stCondLst>
+                                            <p:cond delay="0"/>
+                                          </p:stCondLst>
+                                        </p:cTn>
+                                        <p:tgtEl>
+                                          <p:spTgt spid="4"/>
+                                        </p:tgtEl>
+                                        <p:attrNameLst>
+                                          <p:attrName>style.visibility</p:attrName>
+                                        </p:attrNameLst>
+                                      </p:cBhvr>
+                                      <p:to>
+                                        <p:strVal val="visible"/>
+                                      </p:to>
+                                    </p:set>
+                                    <p:animEffect transition="in" filter="fade">
+                                      <p:cBhvr>
+                                        <p:cTn id="37" dur="500"/>
+                                        <p:tgtEl>
+                                          <p:spTgt spid="4"/>
+                                        </p:tgtEl>
+                                      </p:cBhvr>
+                                    </p:animEffect>
+                                  </p:childTnLst>
+                                </p:cTn>
+                              </p:par>
+                              <p:par>
+                                <p:cTn id="38" presetID="10" presetClass="entr" presetSubtype="0" fill="hold" grpId="0" nodeType="withEffect">
+                                  <p:stCondLst>
+                                    <p:cond delay="0"/>
+                                  </p:stCondLst>
+                                  <p:childTnLst>
+                                    <p:set>
+                                      <p:cBhvr>
+                                        <p:cTn id="39" dur="1" fill="hold">
+                                          <p:stCondLst>
+                                            <p:cond delay="0"/>
+                                          </p:stCondLst>
+                                        </p:cTn>
+                                        <p:tgtEl>
+                                          <p:spTgt spid="39"/>
+                                        </p:tgtEl>
+                                        <p:attrNameLst>
+                                          <p:attrName>style.visibility</p:attrName>
+                                        </p:attrNameLst>
+                                      </p:cBhvr>
+                                      <p:to>
+                                        <p:strVal val="visible"/>
+                                      </p:to>
+                                    </p:set>
+                                    <p:animEffect transition="in" filter="fade">
+                                      <p:cBhvr>
+                                        <p:cTn id="40" dur="500"/>
+                                        <p:tgtEl>
+                                          <p:spTgt spid="39"/>
+                                        </p:tgtEl>
+                                      </p:cBhvr>
+                                    </p:animEffect>
+                                  </p:childTnLst>
+                                </p:cTn>
+                              </p:par>
+                              <p:par>
+                                <p:cTn id="41" presetID="10" presetClass="entr" presetSubtype="0" fill="hold" grpId="0" nodeType="withEffect">
+                                  <p:stCondLst>
+                                    <p:cond delay="0"/>
+                                  </p:stCondLst>
+                                  <p:childTnLst>
+                                    <p:set>
+                                      <p:cBhvr>
+                                        <p:cTn id="42" dur="1" fill="hold">
+                                          <p:stCondLst>
+                                            <p:cond delay="0"/>
+                                          </p:stCondLst>
+                                        </p:cTn>
+                                        <p:tgtEl>
+                                          <p:spTgt spid="37"/>
+                                        </p:tgtEl>
+                                        <p:attrNameLst>
+                                          <p:attrName>style.visibility</p:attrName>
+                                        </p:attrNameLst>
+                                      </p:cBhvr>
+                                      <p:to>
+                                        <p:strVal val="visible"/>
+                                      </p:to>
+                                    </p:set>
+                                    <p:animEffect transition="in" filter="fade">
+                                      <p:cBhvr>
+                                        <p:cTn id="43" dur="500"/>
+                                        <p:tgtEl>
+                                          <p:spTgt spid="37"/>
+                                        </p:tgtEl>
+                                      </p:cBhvr>
+                                    </p:animEffect>
+                                  </p:childTnLst>
+                                </p:cTn>
+                              </p:par>
+                              <p:par>
+                                <p:cTn id="44" presetID="10" presetClass="entr" presetSubtype="0" fill="hold" grpId="0" nodeType="withEffect">
+                                  <p:stCondLst>
+                                    <p:cond delay="0"/>
+                                  </p:stCondLst>
+                                  <p:childTnLst>
+                                    <p:set>
+                                      <p:cBhvr>
+                                        <p:cTn id="45" dur="1" fill="hold">
+                                          <p:stCondLst>
+                                            <p:cond delay="0"/>
+                                          </p:stCondLst>
+                                        </p:cTn>
+                                        <p:tgtEl>
+                                          <p:spTgt spid="32"/>
+                                        </p:tgtEl>
+                                        <p:attrNameLst>
+                                          <p:attrName>style.visibility</p:attrName>
+                                        </p:attrNameLst>
+                                      </p:cBhvr>
+                                      <p:to>
+                                        <p:strVal val="visible"/>
+                                      </p:to>
+                                    </p:set>
+                                    <p:animEffect transition="in" filter="fade">
+                                      <p:cBhvr>
+                                        <p:cTn id="46" dur="500"/>
+                                        <p:tgtEl>
+                                          <p:spTgt spid="32"/>
+                                        </p:tgtEl>
+                                      </p:cBhvr>
+                                    </p:animEffect>
+                                  </p:childTnLst>
+                                </p:cTn>
+                              </p:par>
+                              <p:par>
+                                <p:cTn id="47" presetID="10" presetClass="entr" presetSubtype="0" fill="hold" grpId="0" nodeType="withEffect">
+                                  <p:stCondLst>
+                                    <p:cond delay="0"/>
+                                  </p:stCondLst>
+                                  <p:childTnLst>
+                                    <p:set>
+                                      <p:cBhvr>
+                                        <p:cTn id="48" dur="1" fill="hold">
+                                          <p:stCondLst>
+                                            <p:cond delay="0"/>
+                                          </p:stCondLst>
+                                        </p:cTn>
+                                        <p:tgtEl>
+                                          <p:spTgt spid="31"/>
+                                        </p:tgtEl>
+                                        <p:attrNameLst>
+                                          <p:attrName>style.visibility</p:attrName>
+                                        </p:attrNameLst>
+                                      </p:cBhvr>
+                                      <p:to>
+                                        <p:strVal val="visible"/>
+                                      </p:to>
+                                    </p:set>
+                                    <p:animEffect transition="in" filter="fade">
+                                      <p:cBhvr>
+                                        <p:cTn id="49" dur="500"/>
+                                        <p:tgtEl>
+                                          <p:spTgt spid="31"/>
+                                        </p:tgtEl>
+                                      </p:cBhvr>
+                                    </p:animEffect>
+                                  </p:childTnLst>
+                                </p:cTn>
+                              </p:par>
+                              <p:par>
+                                <p:cTn id="50" presetID="10" presetClass="entr" presetSubtype="0" fill="hold" grpId="0" nodeType="withEffect">
+                                  <p:stCondLst>
+                                    <p:cond delay="0"/>
+                                  </p:stCondLst>
+                                  <p:childTnLst>
+                                    <p:set>
+                                      <p:cBhvr>
+                                        <p:cTn id="51" dur="1" fill="hold">
+                                          <p:stCondLst>
+                                            <p:cond delay="0"/>
+                                          </p:stCondLst>
+                                        </p:cTn>
+                                        <p:tgtEl>
+                                          <p:spTgt spid="29"/>
+                                        </p:tgtEl>
+                                        <p:attrNameLst>
+                                          <p:attrName>style.visibility</p:attrName>
+                                        </p:attrNameLst>
+                                      </p:cBhvr>
+                                      <p:to>
+                                        <p:strVal val="visible"/>
+                                      </p:to>
+                                    </p:set>
+                                    <p:animEffect transition="in" filter="fade">
+                                      <p:cBhvr>
+                                        <p:cTn id="52" dur="500"/>
+                                        <p:tgtEl>
+                                          <p:spTgt spid="29"/>
+                                        </p:tgtEl>
+                                      </p:cBhvr>
+                                    </p:animEffect>
+                                  </p:childTnLst>
+                                </p:cTn>
+                              </p:par>
+                              <p:par>
+                                <p:cTn id="53" presetID="1" presetClass="exit" presetSubtype="0" fill="hold" nodeType="withEffect">
+                                  <p:stCondLst>
+                                    <p:cond delay="0"/>
+                                  </p:stCondLst>
+                                  <p:childTnLst>
+                                    <p:set>
+                                      <p:cBhvr>
+                                        <p:cTn id="54" dur="1" fill="hold">
+                                          <p:stCondLst>
+                                            <p:cond delay="0"/>
+                                          </p:stCondLst>
+                                        </p:cTn>
+                                        <p:tgtEl>
+                                          <p:spTgt spid="77"/>
+                                        </p:tgtEl>
+                                        <p:attrNameLst>
+                                          <p:attrName>style.visibility</p:attrName>
+                                        </p:attrNameLst>
+                                      </p:cBhvr>
+                                      <p:to>
+                                        <p:strVal val="hidden"/>
+                                      </p:to>
+                                    </p:set>
+                                  </p:childTnLst>
+                                </p:cTn>
+                              </p:par>
+                              <p:par>
+                                <p:cTn id="55" presetID="1" presetClass="exit" presetSubtype="0" fill="hold" nodeType="withEffect">
+                                  <p:stCondLst>
+                                    <p:cond delay="0"/>
+                                  </p:stCondLst>
+                                  <p:childTnLst>
+                                    <p:set>
+                                      <p:cBhvr>
+                                        <p:cTn id="56" dur="1" fill="hold">
+                                          <p:stCondLst>
+                                            <p:cond delay="0"/>
+                                          </p:stCondLst>
+                                        </p:cTn>
+                                        <p:tgtEl>
+                                          <p:spTgt spid="74"/>
+                                        </p:tgtEl>
+                                        <p:attrNameLst>
+                                          <p:attrName>style.visibility</p:attrName>
+                                        </p:attrNameLst>
+                                      </p:cBhvr>
+                                      <p:to>
+                                        <p:strVal val="hidden"/>
+                                      </p:to>
+                                    </p:set>
+                                  </p:childTnLst>
+                                </p:cTn>
+                              </p:par>
+                              <p:par>
+                                <p:cTn id="57" presetID="1" presetClass="exit" presetSubtype="0" fill="hold" nodeType="withEffect">
+                                  <p:stCondLst>
+                                    <p:cond delay="0"/>
+                                  </p:stCondLst>
+                                  <p:childTnLst>
+                                    <p:set>
+                                      <p:cBhvr>
+                                        <p:cTn id="58" dur="1" fill="hold">
+                                          <p:stCondLst>
+                                            <p:cond delay="0"/>
+                                          </p:stCondLst>
+                                        </p:cTn>
+                                        <p:tgtEl>
+                                          <p:spTgt spid="71"/>
+                                        </p:tgtEl>
+                                        <p:attrNameLst>
+                                          <p:attrName>style.visibility</p:attrName>
+                                        </p:attrNameLst>
+                                      </p:cBhvr>
+                                      <p:to>
+                                        <p:strVal val="hidden"/>
+                                      </p:to>
+                                    </p:set>
+                                  </p:childTnLst>
+                                </p:cTn>
+                              </p:par>
+                              <p:par>
+                                <p:cTn id="59" presetID="1" presetClass="exit" presetSubtype="0" fill="hold" nodeType="withEffect">
+                                  <p:stCondLst>
+                                    <p:cond delay="0"/>
+                                  </p:stCondLst>
+                                  <p:childTnLst>
+                                    <p:set>
+                                      <p:cBhvr>
+                                        <p:cTn id="60" dur="1" fill="hold">
+                                          <p:stCondLst>
+                                            <p:cond delay="0"/>
+                                          </p:stCondLst>
+                                        </p:cTn>
+                                        <p:tgtEl>
+                                          <p:spTgt spid="87"/>
+                                        </p:tgtEl>
+                                        <p:attrNameLst>
+                                          <p:attrName>style.visibility</p:attrName>
+                                        </p:attrNameLst>
+                                      </p:cBhvr>
+                                      <p:to>
+                                        <p:strVal val="hidden"/>
+                                      </p:to>
+                                    </p:set>
+                                  </p:childTnLst>
+                                </p:cTn>
+                              </p:par>
+                              <p:par>
+                                <p:cTn id="61" presetID="1" presetClass="exit" presetSubtype="0" fill="hold" nodeType="withEffect">
+                                  <p:stCondLst>
+                                    <p:cond delay="0"/>
+                                  </p:stCondLst>
+                                  <p:childTnLst>
+                                    <p:set>
+                                      <p:cBhvr>
+                                        <p:cTn id="62" dur="1" fill="hold">
+                                          <p:stCondLst>
+                                            <p:cond delay="0"/>
+                                          </p:stCondLst>
+                                        </p:cTn>
+                                        <p:tgtEl>
+                                          <p:spTgt spid="90"/>
+                                        </p:tgtEl>
+                                        <p:attrNameLst>
+                                          <p:attrName>style.visibility</p:attrName>
+                                        </p:attrNameLst>
+                                      </p:cBhvr>
+                                      <p:to>
+                                        <p:strVal val="hidden"/>
+                                      </p:to>
+                                    </p:set>
+                                  </p:childTnLst>
+                                </p:cTn>
+                              </p:par>
+                              <p:par>
+                                <p:cTn id="63" presetID="1" presetClass="exit" presetSubtype="0" fill="hold" nodeType="withEffect">
+                                  <p:stCondLst>
+                                    <p:cond delay="0"/>
+                                  </p:stCondLst>
+                                  <p:childTnLst>
+                                    <p:set>
+                                      <p:cBhvr>
+                                        <p:cTn id="64" dur="1" fill="hold">
+                                          <p:stCondLst>
+                                            <p:cond delay="0"/>
+                                          </p:stCondLst>
+                                        </p:cTn>
+                                        <p:tgtEl>
+                                          <p:spTgt spid="93"/>
+                                        </p:tgtEl>
+                                        <p:attrNameLst>
+                                          <p:attrName>style.visibility</p:attrName>
+                                        </p:attrNameLst>
+                                      </p:cBhvr>
+                                      <p:to>
+                                        <p:strVal val="hidden"/>
+                                      </p:to>
+                                    </p:set>
+                                  </p:childTnLst>
+                                </p:cTn>
+                              </p:par>
+                              <p:par>
+                                <p:cTn id="65" presetID="1" presetClass="exit" presetSubtype="0" fill="hold" grpId="1" nodeType="withEffect">
+                                  <p:stCondLst>
+                                    <p:cond delay="0"/>
+                                  </p:stCondLst>
+                                  <p:childTnLst>
+                                    <p:set>
+                                      <p:cBhvr>
+                                        <p:cTn id="66" dur="1" fill="hold">
+                                          <p:stCondLst>
+                                            <p:cond delay="0"/>
+                                          </p:stCondLst>
+                                        </p:cTn>
+                                        <p:tgtEl>
+                                          <p:spTgt spid="67"/>
+                                        </p:tgtEl>
+                                        <p:attrNameLst>
+                                          <p:attrName>style.visibility</p:attrName>
+                                        </p:attrNameLst>
+                                      </p:cBhvr>
+                                      <p:to>
+                                        <p:strVal val="hidden"/>
+                                      </p:to>
+                                    </p:set>
+                                  </p:childTnLst>
+                                </p:cTn>
+                              </p:par>
+                              <p:par>
+                                <p:cTn id="67" presetID="1" presetClass="exit" presetSubtype="0" fill="hold" grpId="1" nodeType="withEffect">
+                                  <p:stCondLst>
+                                    <p:cond delay="0"/>
+                                  </p:stCondLst>
+                                  <p:childTnLst>
+                                    <p:set>
+                                      <p:cBhvr>
+                                        <p:cTn id="68" dur="1" fill="hold">
+                                          <p:stCondLst>
+                                            <p:cond delay="0"/>
+                                          </p:stCondLst>
+                                        </p:cTn>
+                                        <p:tgtEl>
+                                          <p:spTgt spid="69"/>
+                                        </p:tgtEl>
+                                        <p:attrNameLst>
+                                          <p:attrName>style.visibility</p:attrName>
+                                        </p:attrNameLst>
+                                      </p:cBhvr>
+                                      <p:to>
+                                        <p:strVal val="hidden"/>
+                                      </p:to>
+                                    </p:set>
+                                  </p:childTnLst>
+                                </p:cTn>
+                              </p:par>
+                              <p:par>
+                                <p:cTn id="69" presetID="1" presetClass="exit" presetSubtype="0" fill="hold" grpId="1" nodeType="withEffect">
+                                  <p:stCondLst>
+                                    <p:cond delay="0"/>
+                                  </p:stCondLst>
+                                  <p:childTnLst>
+                                    <p:set>
+                                      <p:cBhvr>
+                                        <p:cTn id="70" dur="1" fill="hold">
+                                          <p:stCondLst>
+                                            <p:cond delay="0"/>
+                                          </p:stCondLst>
+                                        </p:cTn>
+                                        <p:tgtEl>
+                                          <p:spTgt spid="46"/>
+                                        </p:tgtEl>
+                                        <p:attrNameLst>
+                                          <p:attrName>style.visibility</p:attrName>
+                                        </p:attrNameLst>
+                                      </p:cBhvr>
+                                      <p:to>
+                                        <p:strVal val="hidden"/>
+                                      </p:to>
+                                    </p:set>
+                                  </p:childTnLst>
+                                </p:cTn>
+                              </p:par>
+                              <p:par>
+                                <p:cTn id="71" presetID="1" presetClass="exit" presetSubtype="0" fill="hold" grpId="1" nodeType="withEffect">
+                                  <p:stCondLst>
+                                    <p:cond delay="0"/>
+                                  </p:stCondLst>
+                                  <p:childTnLst>
+                                    <p:set>
+                                      <p:cBhvr>
+                                        <p:cTn id="72" dur="1" fill="hold">
+                                          <p:stCondLst>
+                                            <p:cond delay="0"/>
+                                          </p:stCondLst>
+                                        </p:cTn>
+                                        <p:tgtEl>
+                                          <p:spTgt spid="102"/>
+                                        </p:tgtEl>
+                                        <p:attrNameLst>
+                                          <p:attrName>style.visibility</p:attrName>
+                                        </p:attrNameLst>
+                                      </p:cBhvr>
+                                      <p:to>
+                                        <p:strVal val="hidden"/>
+                                      </p:to>
+                                    </p:set>
+                                  </p:childTnLst>
+                                </p:cTn>
+                              </p:par>
+                              <p:par>
+                                <p:cTn id="73" presetID="1" presetClass="exit" presetSubtype="0" fill="hold" nodeType="withEffect">
+                                  <p:stCondLst>
+                                    <p:cond delay="0"/>
+                                  </p:stCondLst>
+                                  <p:childTnLst>
+                                    <p:set>
+                                      <p:cBhvr>
+                                        <p:cTn id="74" dur="1" fill="hold">
+                                          <p:stCondLst>
+                                            <p:cond delay="0"/>
+                                          </p:stCondLst>
+                                        </p:cTn>
+                                        <p:tgtEl>
+                                          <p:spTgt spid="118"/>
+                                        </p:tgtEl>
+                                        <p:attrNameLst>
+                                          <p:attrName>style.visibility</p:attrName>
+                                        </p:attrNameLst>
+                                      </p:cBhvr>
+                                      <p:to>
+                                        <p:strVal val="hidden"/>
+                                      </p:to>
+                                    </p:set>
+                                  </p:childTnLst>
+                                </p:cTn>
+                              </p:par>
+                              <p:par>
+                                <p:cTn id="75" presetID="1" presetClass="exit" presetSubtype="0" fill="hold" grpId="1" nodeType="withEffect">
+                                  <p:stCondLst>
+                                    <p:cond delay="0"/>
+                                  </p:stCondLst>
+                                  <p:childTnLst>
+                                    <p:set>
+                                      <p:cBhvr>
+                                        <p:cTn id="76" dur="1" fill="hold">
+                                          <p:stCondLst>
+                                            <p:cond delay="0"/>
+                                          </p:stCondLst>
+                                        </p:cTn>
+                                        <p:tgtEl>
+                                          <p:spTgt spid="68"/>
+                                        </p:tgtEl>
+                                        <p:attrNameLst>
+                                          <p:attrName>style.visibility</p:attrName>
+                                        </p:attrNameLst>
+                                      </p:cBhvr>
+                                      <p:to>
+                                        <p:strVal val="hidden"/>
+                                      </p:to>
+                                    </p:set>
+                                  </p:childTnLst>
+                                </p:cTn>
+                              </p:par>
+                              <p:par>
+                                <p:cTn id="77" presetID="1" presetClass="exit" presetSubtype="0" fill="hold" grpId="1" nodeType="withEffect">
+                                  <p:stCondLst>
+                                    <p:cond delay="0"/>
+                                  </p:stCondLst>
+                                  <p:childTnLst>
+                                    <p:set>
+                                      <p:cBhvr>
+                                        <p:cTn id="78" dur="1" fill="hold">
+                                          <p:stCondLst>
+                                            <p:cond delay="0"/>
+                                          </p:stCondLst>
+                                        </p:cTn>
+                                        <p:tgtEl>
+                                          <p:spTgt spid="107"/>
+                                        </p:tgtEl>
+                                        <p:attrNameLst>
+                                          <p:attrName>style.visibility</p:attrName>
+                                        </p:attrNameLst>
+                                      </p:cBhvr>
+                                      <p:to>
+                                        <p:strVal val="hidden"/>
+                                      </p:to>
+                                    </p:set>
+                                  </p:childTnLst>
+                                </p:cTn>
+                              </p:par>
+                              <p:par>
+                                <p:cTn id="79" presetID="1" presetClass="exit" presetSubtype="0" fill="hold" grpId="0" nodeType="withEffect">
+                                  <p:stCondLst>
+                                    <p:cond delay="0"/>
+                                  </p:stCondLst>
+                                  <p:childTnLst>
+                                    <p:set>
+                                      <p:cBhvr>
+                                        <p:cTn id="80" dur="1" fill="hold">
+                                          <p:stCondLst>
+                                            <p:cond delay="0"/>
+                                          </p:stCondLst>
+                                        </p:cTn>
+                                        <p:tgtEl>
+                                          <p:spTgt spid="97"/>
+                                        </p:tgtEl>
+                                        <p:attrNameLst>
+                                          <p:attrName>style.visibility</p:attrName>
+                                        </p:attrNameLst>
+                                      </p:cBhvr>
+                                      <p:to>
+                                        <p:strVal val="hidden"/>
+                                      </p:to>
+                                    </p:set>
+                                  </p:childTnLst>
+                                </p:cTn>
+                              </p:par>
+                              <p:par>
+                                <p:cTn id="81" presetID="1" presetClass="exit" presetSubtype="0" fill="hold" grpId="0" nodeType="withEffect">
+                                  <p:stCondLst>
+                                    <p:cond delay="0"/>
+                                  </p:stCondLst>
+                                  <p:childTnLst>
+                                    <p:set>
+                                      <p:cBhvr>
+                                        <p:cTn id="82" dur="1" fill="hold">
+                                          <p:stCondLst>
+                                            <p:cond delay="0"/>
+                                          </p:stCondLst>
+                                        </p:cTn>
+                                        <p:tgtEl>
+                                          <p:spTgt spid="95"/>
+                                        </p:tgtEl>
+                                        <p:attrNameLst>
+                                          <p:attrName>style.visibility</p:attrName>
+                                        </p:attrNameLst>
+                                      </p:cBhvr>
+                                      <p:to>
+                                        <p:strVal val="hidden"/>
+                                      </p:to>
+                                    </p:set>
+                                  </p:childTnLst>
+                                </p:cTn>
+                              </p:par>
+                            </p:childTnLst>
+                          </p:cTn>
+                        </p:par>
+                      </p:childTnLst>
+                    </p:cTn>
+                  </p:par>
+                  <p:par>
+                    <p:cTn id="83" fill="hold">
+                      <p:stCondLst>
+                        <p:cond delay="indefinite"/>
+                      </p:stCondLst>
+                      <p:childTnLst>
+                        <p:par>
+                          <p:cTn id="84" fill="hold">
+                            <p:stCondLst>
+                              <p:cond delay="0"/>
+                            </p:stCondLst>
+                            <p:childTnLst>
+                              <p:par>
+                                <p:cTn id="85" presetID="10" presetClass="entr" presetSubtype="0" fill="hold" nodeType="clickEffect">
+                                  <p:stCondLst>
+                                    <p:cond delay="0"/>
+                                  </p:stCondLst>
+                                  <p:childTnLst>
+                                    <p:set>
+                                      <p:cBhvr>
+                                        <p:cTn id="86" dur="1" fill="hold">
+                                          <p:stCondLst>
+                                            <p:cond delay="0"/>
+                                          </p:stCondLst>
+                                        </p:cTn>
+                                        <p:tgtEl>
+                                          <p:spTgt spid="165"/>
+                                        </p:tgtEl>
+                                        <p:attrNameLst>
+                                          <p:attrName>style.visibility</p:attrName>
+                                        </p:attrNameLst>
+                                      </p:cBhvr>
+                                      <p:to>
+                                        <p:strVal val="visible"/>
+                                      </p:to>
+                                    </p:set>
+                                    <p:animEffect transition="in" filter="fade">
+                                      <p:cBhvr>
+                                        <p:cTn id="87" dur="500"/>
+                                        <p:tgtEl>
+                                          <p:spTgt spid="165"/>
+                                        </p:tgtEl>
+                                      </p:cBhvr>
+                                    </p:animEffect>
+                                  </p:childTnLst>
+                                </p:cTn>
+                              </p:par>
+                              <p:par>
+                                <p:cTn id="88" presetID="10" presetClass="entr" presetSubtype="0" fill="hold" grpId="0" nodeType="withEffect">
+                                  <p:stCondLst>
+                                    <p:cond delay="0"/>
+                                  </p:stCondLst>
+                                  <p:childTnLst>
+                                    <p:set>
+                                      <p:cBhvr>
+                                        <p:cTn id="89" dur="1" fill="hold">
+                                          <p:stCondLst>
+                                            <p:cond delay="0"/>
+                                          </p:stCondLst>
+                                        </p:cTn>
+                                        <p:tgtEl>
+                                          <p:spTgt spid="168"/>
+                                        </p:tgtEl>
+                                        <p:attrNameLst>
+                                          <p:attrName>style.visibility</p:attrName>
+                                        </p:attrNameLst>
+                                      </p:cBhvr>
+                                      <p:to>
+                                        <p:strVal val="visible"/>
+                                      </p:to>
+                                    </p:set>
+                                    <p:animEffect transition="in" filter="fade">
+                                      <p:cBhvr>
+                                        <p:cTn id="90" dur="500"/>
+                                        <p:tgtEl>
+                                          <p:spTgt spid="168"/>
+                                        </p:tgtEl>
+                                      </p:cBhvr>
+                                    </p:animEffect>
+                                  </p:childTnLst>
+                                </p:cTn>
+                              </p:par>
+                              <p:par>
+                                <p:cTn id="91" presetID="10" presetClass="entr" presetSubtype="0" fill="hold" grpId="0" nodeType="withEffect">
+                                  <p:stCondLst>
+                                    <p:cond delay="0"/>
+                                  </p:stCondLst>
+                                  <p:childTnLst>
+                                    <p:set>
+                                      <p:cBhvr>
+                                        <p:cTn id="92" dur="1" fill="hold">
+                                          <p:stCondLst>
+                                            <p:cond delay="0"/>
+                                          </p:stCondLst>
+                                        </p:cTn>
+                                        <p:tgtEl>
+                                          <p:spTgt spid="163"/>
+                                        </p:tgtEl>
+                                        <p:attrNameLst>
+                                          <p:attrName>style.visibility</p:attrName>
+                                        </p:attrNameLst>
+                                      </p:cBhvr>
+                                      <p:to>
+                                        <p:strVal val="visible"/>
+                                      </p:to>
+                                    </p:set>
+                                    <p:animEffect transition="in" filter="fade">
+                                      <p:cBhvr>
+                                        <p:cTn id="93" dur="500"/>
+                                        <p:tgtEl>
+                                          <p:spTgt spid="163"/>
+                                        </p:tgtEl>
+                                      </p:cBhvr>
+                                    </p:animEffect>
+                                  </p:childTnLst>
+                                </p:cTn>
+                              </p:par>
+                              <p:par>
+                                <p:cTn id="94" presetID="10" presetClass="entr" presetSubtype="0" fill="hold" nodeType="withEffect">
+                                  <p:stCondLst>
+                                    <p:cond delay="0"/>
+                                  </p:stCondLst>
+                                  <p:childTnLst>
+                                    <p:set>
+                                      <p:cBhvr>
+                                        <p:cTn id="95" dur="1" fill="hold">
+                                          <p:stCondLst>
+                                            <p:cond delay="0"/>
+                                          </p:stCondLst>
+                                        </p:cTn>
+                                        <p:tgtEl>
+                                          <p:spTgt spid="161"/>
+                                        </p:tgtEl>
+                                        <p:attrNameLst>
+                                          <p:attrName>style.visibility</p:attrName>
+                                        </p:attrNameLst>
+                                      </p:cBhvr>
+                                      <p:to>
+                                        <p:strVal val="visible"/>
+                                      </p:to>
+                                    </p:set>
+                                    <p:animEffect transition="in" filter="fade">
+                                      <p:cBhvr>
+                                        <p:cTn id="96" dur="500"/>
+                                        <p:tgtEl>
+                                          <p:spTgt spid="161"/>
+                                        </p:tgtEl>
+                                      </p:cBhvr>
+                                    </p:animEffect>
+                                  </p:childTnLst>
+                                </p:cTn>
+                              </p:par>
+                              <p:par>
+                                <p:cTn id="97" presetID="10" presetClass="entr" presetSubtype="0" fill="hold" nodeType="withEffect">
+                                  <p:stCondLst>
+                                    <p:cond delay="0"/>
+                                  </p:stCondLst>
+                                  <p:childTnLst>
+                                    <p:set>
+                                      <p:cBhvr>
+                                        <p:cTn id="98" dur="1" fill="hold">
+                                          <p:stCondLst>
+                                            <p:cond delay="0"/>
+                                          </p:stCondLst>
+                                        </p:cTn>
+                                        <p:tgtEl>
+                                          <p:spTgt spid="158"/>
+                                        </p:tgtEl>
+                                        <p:attrNameLst>
+                                          <p:attrName>style.visibility</p:attrName>
+                                        </p:attrNameLst>
+                                      </p:cBhvr>
+                                      <p:to>
+                                        <p:strVal val="visible"/>
+                                      </p:to>
+                                    </p:set>
+                                    <p:animEffect transition="in" filter="fade">
+                                      <p:cBhvr>
+                                        <p:cTn id="99" dur="500"/>
+                                        <p:tgtEl>
+                                          <p:spTgt spid="158"/>
+                                        </p:tgtEl>
+                                      </p:cBhvr>
+                                    </p:animEffect>
+                                  </p:childTnLst>
+                                </p:cTn>
+                              </p:par>
+                              <p:par>
+                                <p:cTn id="100" presetID="10" presetClass="entr" presetSubtype="0" fill="hold" grpId="0" nodeType="withEffect">
+                                  <p:stCondLst>
+                                    <p:cond delay="0"/>
+                                  </p:stCondLst>
+                                  <p:childTnLst>
+                                    <p:set>
+                                      <p:cBhvr>
+                                        <p:cTn id="101" dur="1" fill="hold">
+                                          <p:stCondLst>
+                                            <p:cond delay="0"/>
+                                          </p:stCondLst>
+                                        </p:cTn>
+                                        <p:tgtEl>
+                                          <p:spTgt spid="159"/>
+                                        </p:tgtEl>
+                                        <p:attrNameLst>
+                                          <p:attrName>style.visibility</p:attrName>
+                                        </p:attrNameLst>
+                                      </p:cBhvr>
+                                      <p:to>
+                                        <p:strVal val="visible"/>
+                                      </p:to>
+                                    </p:set>
+                                    <p:animEffect transition="in" filter="fade">
+                                      <p:cBhvr>
+                                        <p:cTn id="102" dur="500"/>
+                                        <p:tgtEl>
+                                          <p:spTgt spid="159"/>
+                                        </p:tgtEl>
+                                      </p:cBhvr>
+                                    </p:animEffect>
+                                  </p:childTnLst>
+                                </p:cTn>
+                              </p:par>
+                              <p:par>
+                                <p:cTn id="103" presetID="10" presetClass="entr" presetSubtype="0" fill="hold" grpId="0" nodeType="withEffect">
+                                  <p:stCondLst>
+                                    <p:cond delay="0"/>
+                                  </p:stCondLst>
+                                  <p:childTnLst>
+                                    <p:set>
+                                      <p:cBhvr>
+                                        <p:cTn id="104" dur="1" fill="hold">
+                                          <p:stCondLst>
+                                            <p:cond delay="0"/>
+                                          </p:stCondLst>
+                                        </p:cTn>
+                                        <p:tgtEl>
+                                          <p:spTgt spid="156"/>
+                                        </p:tgtEl>
+                                        <p:attrNameLst>
+                                          <p:attrName>style.visibility</p:attrName>
+                                        </p:attrNameLst>
+                                      </p:cBhvr>
+                                      <p:to>
+                                        <p:strVal val="visible"/>
+                                      </p:to>
+                                    </p:set>
+                                    <p:animEffect transition="in" filter="fade">
+                                      <p:cBhvr>
+                                        <p:cTn id="105" dur="500"/>
+                                        <p:tgtEl>
+                                          <p:spTgt spid="156"/>
+                                        </p:tgtEl>
+                                      </p:cBhvr>
+                                    </p:animEffect>
+                                  </p:childTnLst>
+                                </p:cTn>
+                              </p:par>
+                              <p:par>
+                                <p:cTn id="106" presetID="10" presetClass="entr" presetSubtype="0" fill="hold" nodeType="withEffect">
+                                  <p:stCondLst>
+                                    <p:cond delay="0"/>
+                                  </p:stCondLst>
+                                  <p:childTnLst>
+                                    <p:set>
+                                      <p:cBhvr>
+                                        <p:cTn id="107" dur="1" fill="hold">
+                                          <p:stCondLst>
+                                            <p:cond delay="0"/>
+                                          </p:stCondLst>
+                                        </p:cTn>
+                                        <p:tgtEl>
+                                          <p:spTgt spid="151"/>
+                                        </p:tgtEl>
+                                        <p:attrNameLst>
+                                          <p:attrName>style.visibility</p:attrName>
+                                        </p:attrNameLst>
+                                      </p:cBhvr>
+                                      <p:to>
+                                        <p:strVal val="visible"/>
+                                      </p:to>
+                                    </p:set>
+                                    <p:animEffect transition="in" filter="fade">
+                                      <p:cBhvr>
+                                        <p:cTn id="108" dur="500"/>
+                                        <p:tgtEl>
+                                          <p:spTgt spid="151"/>
+                                        </p:tgtEl>
+                                      </p:cBhvr>
+                                    </p:animEffect>
+                                  </p:childTnLst>
+                                </p:cTn>
+                              </p:par>
+                              <p:par>
+                                <p:cTn id="109" presetID="10" presetClass="entr" presetSubtype="0" fill="hold" grpId="0" nodeType="withEffect">
+                                  <p:stCondLst>
+                                    <p:cond delay="0"/>
+                                  </p:stCondLst>
+                                  <p:childTnLst>
+                                    <p:set>
+                                      <p:cBhvr>
+                                        <p:cTn id="110" dur="1" fill="hold">
+                                          <p:stCondLst>
+                                            <p:cond delay="0"/>
+                                          </p:stCondLst>
+                                        </p:cTn>
+                                        <p:tgtEl>
+                                          <p:spTgt spid="152"/>
+                                        </p:tgtEl>
+                                        <p:attrNameLst>
+                                          <p:attrName>style.visibility</p:attrName>
+                                        </p:attrNameLst>
+                                      </p:cBhvr>
+                                      <p:to>
+                                        <p:strVal val="visible"/>
+                                      </p:to>
+                                    </p:set>
+                                    <p:animEffect transition="in" filter="fade">
+                                      <p:cBhvr>
+                                        <p:cTn id="111" dur="500"/>
+                                        <p:tgtEl>
+                                          <p:spTgt spid="152"/>
+                                        </p:tgtEl>
+                                      </p:cBhvr>
+                                    </p:animEffect>
+                                  </p:childTnLst>
+                                </p:cTn>
+                              </p:par>
+                              <p:par>
+                                <p:cTn id="112" presetID="10" presetClass="entr" presetSubtype="0" fill="hold" grpId="0" nodeType="withEffect">
+                                  <p:stCondLst>
+                                    <p:cond delay="0"/>
+                                  </p:stCondLst>
+                                  <p:childTnLst>
+                                    <p:set>
+                                      <p:cBhvr>
+                                        <p:cTn id="113" dur="1" fill="hold">
+                                          <p:stCondLst>
+                                            <p:cond delay="0"/>
+                                          </p:stCondLst>
+                                        </p:cTn>
+                                        <p:tgtEl>
+                                          <p:spTgt spid="149"/>
+                                        </p:tgtEl>
+                                        <p:attrNameLst>
+                                          <p:attrName>style.visibility</p:attrName>
+                                        </p:attrNameLst>
+                                      </p:cBhvr>
+                                      <p:to>
+                                        <p:strVal val="visible"/>
+                                      </p:to>
+                                    </p:set>
+                                    <p:animEffect transition="in" filter="fade">
+                                      <p:cBhvr>
+                                        <p:cTn id="114" dur="500"/>
+                                        <p:tgtEl>
+                                          <p:spTgt spid="149"/>
+                                        </p:tgtEl>
+                                      </p:cBhvr>
+                                    </p:animEffect>
+                                  </p:childTnLst>
+                                </p:cTn>
+                              </p:par>
+                              <p:par>
+                                <p:cTn id="115" presetID="10" presetClass="entr" presetSubtype="0" fill="hold" nodeType="withEffect">
+                                  <p:stCondLst>
+                                    <p:cond delay="0"/>
+                                  </p:stCondLst>
+                                  <p:childTnLst>
+                                    <p:set>
+                                      <p:cBhvr>
+                                        <p:cTn id="116" dur="1" fill="hold">
+                                          <p:stCondLst>
+                                            <p:cond delay="0"/>
+                                          </p:stCondLst>
+                                        </p:cTn>
+                                        <p:tgtEl>
+                                          <p:spTgt spid="146"/>
+                                        </p:tgtEl>
+                                        <p:attrNameLst>
+                                          <p:attrName>style.visibility</p:attrName>
+                                        </p:attrNameLst>
+                                      </p:cBhvr>
+                                      <p:to>
+                                        <p:strVal val="visible"/>
+                                      </p:to>
+                                    </p:set>
+                                    <p:animEffect transition="in" filter="fade">
+                                      <p:cBhvr>
+                                        <p:cTn id="117" dur="500"/>
+                                        <p:tgtEl>
+                                          <p:spTgt spid="146"/>
+                                        </p:tgtEl>
+                                      </p:cBhvr>
+                                    </p:animEffect>
+                                  </p:childTnLst>
+                                </p:cTn>
+                              </p:par>
+                              <p:par>
+                                <p:cTn id="118" presetID="10" presetClass="entr" presetSubtype="0" fill="hold" nodeType="withEffect">
+                                  <p:stCondLst>
+                                    <p:cond delay="0"/>
+                                  </p:stCondLst>
+                                  <p:childTnLst>
+                                    <p:set>
+                                      <p:cBhvr>
+                                        <p:cTn id="119" dur="1" fill="hold">
+                                          <p:stCondLst>
+                                            <p:cond delay="0"/>
+                                          </p:stCondLst>
+                                        </p:cTn>
+                                        <p:tgtEl>
+                                          <p:spTgt spid="139"/>
+                                        </p:tgtEl>
+                                        <p:attrNameLst>
+                                          <p:attrName>style.visibility</p:attrName>
+                                        </p:attrNameLst>
+                                      </p:cBhvr>
+                                      <p:to>
+                                        <p:strVal val="visible"/>
+                                      </p:to>
+                                    </p:set>
+                                    <p:animEffect transition="in" filter="fade">
+                                      <p:cBhvr>
+                                        <p:cTn id="120" dur="500"/>
+                                        <p:tgtEl>
+                                          <p:spTgt spid="139"/>
+                                        </p:tgtEl>
+                                      </p:cBhvr>
+                                    </p:animEffect>
+                                  </p:childTnLst>
+                                </p:cTn>
+                              </p:par>
+                              <p:par>
+                                <p:cTn id="121" presetID="10" presetClass="entr" presetSubtype="0" fill="hold" grpId="0" nodeType="withEffect">
+                                  <p:stCondLst>
+                                    <p:cond delay="0"/>
+                                  </p:stCondLst>
+                                  <p:childTnLst>
+                                    <p:set>
+                                      <p:cBhvr>
+                                        <p:cTn id="122" dur="1" fill="hold">
+                                          <p:stCondLst>
+                                            <p:cond delay="0"/>
+                                          </p:stCondLst>
+                                        </p:cTn>
+                                        <p:tgtEl>
+                                          <p:spTgt spid="141"/>
+                                        </p:tgtEl>
+                                        <p:attrNameLst>
+                                          <p:attrName>style.visibility</p:attrName>
+                                        </p:attrNameLst>
+                                      </p:cBhvr>
+                                      <p:to>
+                                        <p:strVal val="visible"/>
+                                      </p:to>
+                                    </p:set>
+                                    <p:animEffect transition="in" filter="fade">
+                                      <p:cBhvr>
+                                        <p:cTn id="123" dur="500"/>
+                                        <p:tgtEl>
+                                          <p:spTgt spid="141"/>
+                                        </p:tgtEl>
+                                      </p:cBhvr>
+                                    </p:animEffect>
+                                  </p:childTnLst>
+                                </p:cTn>
+                              </p:par>
+                              <p:par>
+                                <p:cTn id="124" presetID="10" presetClass="entr" presetSubtype="0" fill="hold" grpId="0" nodeType="withEffect">
+                                  <p:stCondLst>
+                                    <p:cond delay="0"/>
+                                  </p:stCondLst>
+                                  <p:childTnLst>
+                                    <p:set>
+                                      <p:cBhvr>
+                                        <p:cTn id="125" dur="1" fill="hold">
+                                          <p:stCondLst>
+                                            <p:cond delay="0"/>
+                                          </p:stCondLst>
+                                        </p:cTn>
+                                        <p:tgtEl>
+                                          <p:spTgt spid="137"/>
+                                        </p:tgtEl>
+                                        <p:attrNameLst>
+                                          <p:attrName>style.visibility</p:attrName>
+                                        </p:attrNameLst>
+                                      </p:cBhvr>
+                                      <p:to>
+                                        <p:strVal val="visible"/>
+                                      </p:to>
+                                    </p:set>
+                                    <p:animEffect transition="in" filter="fade">
+                                      <p:cBhvr>
+                                        <p:cTn id="126" dur="500"/>
+                                        <p:tgtEl>
+                                          <p:spTgt spid="137"/>
+                                        </p:tgtEl>
+                                      </p:cBhvr>
+                                    </p:animEffect>
+                                  </p:childTnLst>
+                                </p:cTn>
+                              </p:par>
+                              <p:par>
+                                <p:cTn id="127" presetID="10" presetClass="entr" presetSubtype="0" fill="hold" nodeType="withEffect">
+                                  <p:stCondLst>
+                                    <p:cond delay="0"/>
+                                  </p:stCondLst>
+                                  <p:childTnLst>
+                                    <p:set>
+                                      <p:cBhvr>
+                                        <p:cTn id="128" dur="1" fill="hold">
+                                          <p:stCondLst>
+                                            <p:cond delay="0"/>
+                                          </p:stCondLst>
+                                        </p:cTn>
+                                        <p:tgtEl>
+                                          <p:spTgt spid="119"/>
+                                        </p:tgtEl>
+                                        <p:attrNameLst>
+                                          <p:attrName>style.visibility</p:attrName>
+                                        </p:attrNameLst>
+                                      </p:cBhvr>
+                                      <p:to>
+                                        <p:strVal val="visible"/>
+                                      </p:to>
+                                    </p:set>
+                                    <p:animEffect transition="in" filter="fade">
+                                      <p:cBhvr>
+                                        <p:cTn id="129" dur="500"/>
+                                        <p:tgtEl>
+                                          <p:spTgt spid="119"/>
+                                        </p:tgtEl>
+                                      </p:cBhvr>
+                                    </p:animEffect>
+                                  </p:childTnLst>
+                                </p:cTn>
+                              </p:par>
+                              <p:par>
+                                <p:cTn id="130" presetID="10" presetClass="entr" presetSubtype="0" fill="hold" nodeType="withEffect">
+                                  <p:stCondLst>
+                                    <p:cond delay="0"/>
+                                  </p:stCondLst>
+                                  <p:childTnLst>
+                                    <p:set>
+                                      <p:cBhvr>
+                                        <p:cTn id="131" dur="1" fill="hold">
+                                          <p:stCondLst>
+                                            <p:cond delay="0"/>
+                                          </p:stCondLst>
+                                        </p:cTn>
+                                        <p:tgtEl>
+                                          <p:spTgt spid="154"/>
+                                        </p:tgtEl>
+                                        <p:attrNameLst>
+                                          <p:attrName>style.visibility</p:attrName>
+                                        </p:attrNameLst>
+                                      </p:cBhvr>
+                                      <p:to>
+                                        <p:strVal val="visible"/>
+                                      </p:to>
+                                    </p:set>
+                                    <p:animEffect transition="in" filter="fade">
+                                      <p:cBhvr>
+                                        <p:cTn id="132" dur="500"/>
+                                        <p:tgtEl>
+                                          <p:spTgt spid="154"/>
+                                        </p:tgtEl>
+                                      </p:cBhvr>
+                                    </p:animEffect>
+                                  </p:childTnLst>
+                                </p:cTn>
+                              </p:par>
+                            </p:childTnLst>
+                          </p:cTn>
+                        </p:par>
+                      </p:childTnLst>
+                    </p:cTn>
+                  </p:par>
+                  <p:par>
+                    <p:cTn id="133" fill="hold">
+                      <p:stCondLst>
+                        <p:cond delay="indefinite"/>
+                      </p:stCondLst>
+                      <p:childTnLst>
+                        <p:par>
+                          <p:cTn id="134" fill="hold">
+                            <p:stCondLst>
+                              <p:cond delay="0"/>
+                            </p:stCondLst>
+                            <p:childTnLst>
+                              <p:par>
+                                <p:cTn id="135" presetID="10" presetClass="entr" presetSubtype="0" fill="hold" grpId="0" nodeType="clickEffect">
+                                  <p:stCondLst>
+                                    <p:cond delay="0"/>
+                                  </p:stCondLst>
+                                  <p:childTnLst>
+                                    <p:set>
+                                      <p:cBhvr>
+                                        <p:cTn id="136" dur="1" fill="hold">
+                                          <p:stCondLst>
+                                            <p:cond delay="0"/>
+                                          </p:stCondLst>
+                                        </p:cTn>
+                                        <p:tgtEl>
+                                          <p:spTgt spid="172"/>
+                                        </p:tgtEl>
+                                        <p:attrNameLst>
+                                          <p:attrName>style.visibility</p:attrName>
+                                        </p:attrNameLst>
+                                      </p:cBhvr>
+                                      <p:to>
+                                        <p:strVal val="visible"/>
+                                      </p:to>
+                                    </p:set>
+                                    <p:animEffect transition="in" filter="fade">
+                                      <p:cBhvr>
+                                        <p:cTn id="137" dur="500"/>
+                                        <p:tgtEl>
+                                          <p:spTgt spid="172"/>
+                                        </p:tgtEl>
+                                      </p:cBhvr>
+                                    </p:animEffect>
+                                  </p:childTnLst>
+                                </p:cTn>
+                              </p:par>
+                            </p:childTnLst>
+                          </p:cTn>
+                        </p:par>
+                      </p:childTnLst>
+                    </p:cTn>
+                  </p:par>
+                </p:childTnLst>
+              </p:cTn>
+              <p:prevCondLst>
+                <p:cond evt="onPrev" delay="0">
+                  <p:tgtEl>
+                    <p:sldTgt/>
+                  </p:tgtEl>
+                </p:cond>
+              </p:prevCondLst>
+              <p:nextCondLst>
+                <p:cond evt="onNext" delay="0">
+                  <p:tgtEl>
+                    <p:sldTgt/>
+                  </p:tgtEl>
+                </p:cond>
+              </p:nextCondLst>
+            </p:seq>
+          </p:childTnLst>
+        </p:cTn>
+      </p:par>
+    </p:tnLst>
+    <p:bldLst>
+      <p:bldP spid="4" grpId="0" animBg="1"/>
+      <p:bldP spid="29" grpId="0" animBg="1"/>
+      <p:bldP spid="31" grpId="0" animBg="1"/>
+      <p:bldP spid="32" grpId="0" animBg="1"/>
+      <p:bldP spid="37" grpId="0" animBg="1"/>
+      <p:bldP spid="39" grpId="0" animBg="1"/>
+      <p:bldP spid="40" grpId="0" animBg="1"/>
+      <p:bldP spid="41" grpId="0" animBg="1"/>
+      <p:bldP spid="46" grpId="1"/>
+      <p:bldP spid="107" grpId="1" animBg="1"/>
+      <p:bldP spid="67" grpId="1" animBg="1"/>
+      <p:bldP spid="68" grpId="1" animBg="1"/>
+      <p:bldP spid="69" grpId="1"/>
+      <p:bldP spid="95" grpId="0"/>
+      <p:bldP spid="97" grpId="0"/>
+      <p:bldP spid="102" grpId="1"/>
+      <p:bldP spid="137" grpId="0" animBg="1"/>
+      <p:bldP spid="141" grpId="0" animBg="1"/>
+      <p:bldP spid="149" grpId="0" animBg="1"/>
+      <p:bldP spid="152" grpId="0" animBg="1"/>
+      <p:bldP spid="156" grpId="0" animBg="1"/>
+      <p:bldP spid="159" grpId="0" animBg="1"/>
+      <p:bldP spid="163" grpId="0" animBg="1"/>
+      <p:bldP spid="168" grpId="0" animBg="1"/>
+      <p:bldP spid="172" grpId="0" animBg="1"/>
+    </p:bldLst>
+  </p:timing>
 </p:sld>
 </file>
 
 <file path=ppt/slides/slide14.xml><?xml version="1.0" encoding="utf-8"?>
+<p:sld xmlns:a="http://schemas.openxmlformats.org/drawingml/2006/main" xmlns:r="http://schemas.openxmlformats.org/officeDocument/2006/relationships" xmlns:p="http://schemas.openxmlformats.org/presentationml/2006/main">
+  <p:cSld>
+    <p:spTree>
+      <p:nvGrpSpPr>
+        <p:cNvPr id="1" name=""/>
+        <p:cNvGrpSpPr/>
+        <p:nvPr/>
+      </p:nvGrpSpPr>
+      <p:grpSpPr>
+        <a:xfrm>
+          <a:off x="0" y="0"/>
+          <a:ext cx="0" cy="0"/>
+          <a:chOff x="0" y="0"/>
+          <a:chExt cx="0" cy="0"/>
+        </a:xfrm>
+      </p:grpSpPr>
+    </p:spTree>
+    <p:extLst>
+      <p:ext uri="{BB962C8B-B14F-4D97-AF65-F5344CB8AC3E}">
+        <p14:creationId xmlns:p14="http://schemas.microsoft.com/office/powerpoint/2010/main" val="3865241528"/>
+      </p:ext>
+    </p:extLst>
+  </p:cSld>
+  <p:clrMapOvr>
+    <a:masterClrMapping/>
+  </p:clrMapOvr>
+</p:sld>
+</file>
+
+<file path=ppt/slides/slide15.xml><?xml version="1.0" encoding="utf-8"?>
 <p:sld xmlns:a="http://schemas.openxmlformats.org/drawingml/2006/main" xmlns:r="http://schemas.openxmlformats.org/officeDocument/2006/relationships" xmlns:p="http://schemas.openxmlformats.org/presentationml/2006/main">
   <p:cSld>
     <p:spTree>
@@ -14680,6 +18605,159 @@
           </a:prstGeom>
         </p:spPr>
       </p:pic>
+      <p:grpSp>
+        <p:nvGrpSpPr>
+          <p:cNvPr id="135" name="Group 134">
+            <a:extLst>
+              <a:ext uri="{FF2B5EF4-FFF2-40B4-BE49-F238E27FC236}">
+                <a16:creationId xmlns:a16="http://schemas.microsoft.com/office/drawing/2014/main" id="{FB98000C-383A-B232-3974-86A5B80ED8D8}"/>
+              </a:ext>
+            </a:extLst>
+          </p:cNvPr>
+          <p:cNvGrpSpPr/>
+          <p:nvPr/>
+        </p:nvGrpSpPr>
+        <p:grpSpPr>
+          <a:xfrm>
+            <a:off x="8941457" y="4511280"/>
+            <a:ext cx="1581912" cy="1578406"/>
+            <a:chOff x="4283841" y="1858167"/>
+            <a:chExt cx="1581912" cy="1578406"/>
+          </a:xfrm>
+        </p:grpSpPr>
+        <p:sp>
+          <p:nvSpPr>
+            <p:cNvPr id="130" name="Hình Bầu dục 106">
+              <a:extLst>
+                <a:ext uri="{FF2B5EF4-FFF2-40B4-BE49-F238E27FC236}">
+                  <a16:creationId xmlns:a16="http://schemas.microsoft.com/office/drawing/2014/main" id="{66946989-B7FB-96B0-44E1-AD73786F0D15}"/>
+                </a:ext>
+              </a:extLst>
+            </p:cNvPr>
+            <p:cNvSpPr/>
+            <p:nvPr/>
+          </p:nvSpPr>
+          <p:spPr>
+            <a:xfrm>
+              <a:off x="4283841" y="1858167"/>
+              <a:ext cx="1581912" cy="1578406"/>
+            </a:xfrm>
+            <a:prstGeom prst="ellipse">
+              <a:avLst/>
+            </a:prstGeom>
+            <a:noFill/>
+            <a:ln w="12700" cap="flat" cmpd="sng" algn="ctr">
+              <a:solidFill>
+                <a:schemeClr val="accent1"/>
+              </a:solidFill>
+              <a:prstDash val="solid"/>
+              <a:round/>
+              <a:headEnd type="none" w="med" len="med"/>
+              <a:tailEnd type="none" w="med" len="med"/>
+            </a:ln>
+          </p:spPr>
+          <p:style>
+            <a:lnRef idx="0">
+              <a:scrgbClr r="0" g="0" b="0"/>
+            </a:lnRef>
+            <a:fillRef idx="0">
+              <a:scrgbClr r="0" g="0" b="0"/>
+            </a:fillRef>
+            <a:effectRef idx="0">
+              <a:scrgbClr r="0" g="0" b="0"/>
+            </a:effectRef>
+            <a:fontRef idx="minor">
+              <a:schemeClr val="accent1"/>
+            </a:fontRef>
+          </p:style>
+          <p:txBody>
+            <a:bodyPr rtlCol="0" anchor="ctr"/>
+            <a:lstStyle/>
+            <a:p>
+              <a:pPr algn="ctr"/>
+              <a:endParaRPr lang="en-US"/>
+            </a:p>
+          </p:txBody>
+        </p:sp>
+        <p:cxnSp>
+          <p:nvCxnSpPr>
+            <p:cNvPr id="132" name="Straight Connector 131">
+              <a:extLst>
+                <a:ext uri="{FF2B5EF4-FFF2-40B4-BE49-F238E27FC236}">
+                  <a16:creationId xmlns:a16="http://schemas.microsoft.com/office/drawing/2014/main" id="{D2E14761-6331-AF64-A94A-61FB8619B746}"/>
+                </a:ext>
+              </a:extLst>
+            </p:cNvPr>
+            <p:cNvCxnSpPr>
+              <a:stCxn id="130" idx="0"/>
+              <a:endCxn id="130" idx="4"/>
+            </p:cNvCxnSpPr>
+            <p:nvPr/>
+          </p:nvCxnSpPr>
+          <p:spPr>
+            <a:xfrm>
+              <a:off x="5074797" y="1858167"/>
+              <a:ext cx="0" cy="1578406"/>
+            </a:xfrm>
+            <a:prstGeom prst="line">
+              <a:avLst/>
+            </a:prstGeom>
+          </p:spPr>
+          <p:style>
+            <a:lnRef idx="1">
+              <a:schemeClr val="accent1"/>
+            </a:lnRef>
+            <a:fillRef idx="0">
+              <a:schemeClr val="accent1"/>
+            </a:fillRef>
+            <a:effectRef idx="0">
+              <a:schemeClr val="accent1"/>
+            </a:effectRef>
+            <a:fontRef idx="minor">
+              <a:schemeClr val="tx1"/>
+            </a:fontRef>
+          </p:style>
+        </p:cxnSp>
+        <p:cxnSp>
+          <p:nvCxnSpPr>
+            <p:cNvPr id="134" name="Straight Connector 133">
+              <a:extLst>
+                <a:ext uri="{FF2B5EF4-FFF2-40B4-BE49-F238E27FC236}">
+                  <a16:creationId xmlns:a16="http://schemas.microsoft.com/office/drawing/2014/main" id="{EA1BF4C0-9D9C-6DFD-1C04-5A3E832E50F7}"/>
+                </a:ext>
+              </a:extLst>
+            </p:cNvPr>
+            <p:cNvCxnSpPr>
+              <a:stCxn id="130" idx="2"/>
+              <a:endCxn id="130" idx="6"/>
+            </p:cNvCxnSpPr>
+            <p:nvPr/>
+          </p:nvCxnSpPr>
+          <p:spPr>
+            <a:xfrm>
+              <a:off x="4283841" y="2647370"/>
+              <a:ext cx="1581912" cy="0"/>
+            </a:xfrm>
+            <a:prstGeom prst="line">
+              <a:avLst/>
+            </a:prstGeom>
+          </p:spPr>
+          <p:style>
+            <a:lnRef idx="1">
+              <a:schemeClr val="accent1"/>
+            </a:lnRef>
+            <a:fillRef idx="0">
+              <a:schemeClr val="accent1"/>
+            </a:fillRef>
+            <a:effectRef idx="0">
+              <a:schemeClr val="accent1"/>
+            </a:effectRef>
+            <a:fontRef idx="minor">
+              <a:schemeClr val="tx1"/>
+            </a:fontRef>
+          </p:style>
+        </p:cxnSp>
+      </p:grpSp>
     </p:spTree>
     <p:extLst>
       <p:ext uri="{BB962C8B-B14F-4D97-AF65-F5344CB8AC3E}">
@@ -24522,10 +28600,10 @@
       </p:grpSpPr>
       <p:pic>
         <p:nvPicPr>
-          <p:cNvPr id="11" name="Picture 10" descr="A diagram of a graph&#10;&#10;AI-generated content may be incorrect.">
+          <p:cNvPr id="12" name="Picture 11" descr="A graph of a curve and a line&#10;&#10;AI-generated content may be incorrect.">
             <a:extLst>
               <a:ext uri="{FF2B5EF4-FFF2-40B4-BE49-F238E27FC236}">
-                <a16:creationId xmlns:a16="http://schemas.microsoft.com/office/drawing/2014/main" id="{34F426E3-33E9-8109-DF55-D7A1F1FA7EDB}"/>
+                <a16:creationId xmlns:a16="http://schemas.microsoft.com/office/drawing/2014/main" id="{8588C3C3-3476-16F9-F49E-74323CEFC07B}"/>
               </a:ext>
             </a:extLst>
           </p:cNvPr>
@@ -24542,13 +28620,48 @@
               </a:ext>
             </a:extLst>
           </a:blip>
-          <a:srcRect r="3810"/>
+          <a:srcRect l="51535"/>
           <a:stretch/>
         </p:blipFill>
         <p:spPr>
           <a:xfrm>
-            <a:off x="798345" y="3284092"/>
-            <a:ext cx="7062969" cy="2578546"/>
+            <a:off x="5479841" y="3245901"/>
+            <a:ext cx="2541766" cy="2728206"/>
+          </a:xfrm>
+          <a:prstGeom prst="rect">
+            <a:avLst/>
+          </a:prstGeom>
+        </p:spPr>
+      </p:pic>
+      <p:pic>
+        <p:nvPicPr>
+          <p:cNvPr id="7" name="Picture 6" descr="A graph of a curve and a line&#10;&#10;AI-generated content may be incorrect.">
+            <a:extLst>
+              <a:ext uri="{FF2B5EF4-FFF2-40B4-BE49-F238E27FC236}">
+                <a16:creationId xmlns:a16="http://schemas.microsoft.com/office/drawing/2014/main" id="{A71513DD-CD1B-2791-B946-EB2835576805}"/>
+              </a:ext>
+            </a:extLst>
+          </p:cNvPr>
+          <p:cNvPicPr>
+            <a:picLocks noChangeAspect="1"/>
+          </p:cNvPicPr>
+          <p:nvPr/>
+        </p:nvPicPr>
+        <p:blipFill>
+          <a:blip r:embed="rId3">
+            <a:extLst>
+              <a:ext uri="{28A0092B-C50C-407E-A947-70E740481C1C}">
+                <a14:useLocalDpi xmlns:a14="http://schemas.microsoft.com/office/drawing/2010/main" val="0"/>
+              </a:ext>
+            </a:extLst>
+          </a:blip>
+          <a:srcRect r="48553"/>
+          <a:stretch/>
+        </p:blipFill>
+        <p:spPr>
+          <a:xfrm>
+            <a:off x="1340322" y="3206752"/>
+            <a:ext cx="2698124" cy="2728206"/>
           </a:xfrm>
           <a:prstGeom prst="rect">
             <a:avLst/>
@@ -24765,8 +28878,8 @@
           </a:p>
         </p:txBody>
       </p:sp>
-      <mc:AlternateContent xmlns:mc="http://schemas.openxmlformats.org/markup-compatibility/2006" xmlns:a14="http://schemas.microsoft.com/office/drawing/2010/main">
-        <mc:Choice Requires="a14">
+      <mc:AlternateContent xmlns:mc="http://schemas.openxmlformats.org/markup-compatibility/2006">
+        <mc:Choice xmlns:a14="http://schemas.microsoft.com/office/drawing/2010/main" Requires="a14">
           <p:sp>
             <p:nvSpPr>
               <p:cNvPr id="9" name="TextBox 8">
@@ -24805,14 +28918,14 @@
                     <a:ea typeface="Tahoma" panose="020B0604030504040204" pitchFamily="34" charset="0"/>
                     <a:cs typeface="Times New Roman" panose="02020603050405020304" pitchFamily="18" charset="0"/>
                   </a:rPr>
-                  <a:t>Use  </a:t>
+                  <a:t>Use o</a:t>
                 </a:r>
                 <a:r>
                   <a:rPr lang="en-US" dirty="0">
                     <a:latin typeface="Times New Roman" panose="02020603050405020304" pitchFamily="18" charset="0"/>
                     <a:cs typeface="Times New Roman" panose="02020603050405020304" pitchFamily="18" charset="0"/>
                   </a:rPr>
-                  <a:t>Other representation of a line:</a:t>
+                  <a:t>ther representation of a line:</a:t>
                 </a:r>
                 <a:endParaRPr lang="en-US" dirty="0">
                   <a:latin typeface="Times New Roman" panose="02020603050405020304" pitchFamily="18" charset="0"/>
@@ -24966,11 +29079,12 @@
                   <a:t>Orientation </a:t>
                 </a:r>
                 <a:r>
-                  <a:rPr lang="el-GR" i="1" dirty="0">
+                  <a:rPr lang="en-US" i="1" dirty="0">
                     <a:latin typeface="Times New Roman" panose="02020603050405020304" pitchFamily="18" charset="0"/>
+                    <a:ea typeface="Tahoma" panose="020B0604030504040204" pitchFamily="34" charset="0"/>
                     <a:cs typeface="Times New Roman" panose="02020603050405020304" pitchFamily="18" charset="0"/>
                   </a:rPr>
-                  <a:t>ρ</a:t>
+                  <a:t>θ</a:t>
                 </a:r>
                 <a:r>
                   <a:rPr lang="en-US" dirty="0">
@@ -24980,7 +29094,31 @@
                     <a:latin typeface="Times New Roman" panose="02020603050405020304" pitchFamily="18" charset="0"/>
                     <a:cs typeface="Times New Roman" panose="02020603050405020304" pitchFamily="18" charset="0"/>
                   </a:rPr>
-                  <a:t> is finite: 0 ≤ </a:t>
+                  <a:t> is finite: -</a:t>
+                </a:r>
+                <a14:m>
+                  <m:oMath xmlns:m="http://schemas.openxmlformats.org/officeDocument/2006/math">
+                    <m:r>
+                      <a:rPr lang="en-US" i="1">
+                        <a:solidFill>
+                          <a:srgbClr val="000000"/>
+                        </a:solidFill>
+                        <a:latin typeface="Cambria Math" panose="02040503050406030204" pitchFamily="18" charset="0"/>
+                        <a:ea typeface="Cambria Math" panose="02040503050406030204" pitchFamily="18" charset="0"/>
+                      </a:rPr>
+                      <m:t>𝜋</m:t>
+                    </m:r>
+                  </m:oMath>
+                </a14:m>
+                <a:r>
+                  <a:rPr lang="en-US" dirty="0">
+                    <a:solidFill>
+                      <a:srgbClr val="000000"/>
+                    </a:solidFill>
+                    <a:latin typeface="Times New Roman" panose="02020603050405020304" pitchFamily="18" charset="0"/>
+                    <a:cs typeface="Times New Roman" panose="02020603050405020304" pitchFamily="18" charset="0"/>
+                  </a:rPr>
+                  <a:t> ≤ </a:t>
                 </a:r>
                 <a:r>
                   <a:rPr lang="en-US" i="1" dirty="0">
@@ -25013,16 +29151,6 @@
                       <m:t> </m:t>
                     </m:r>
                     <m:r>
-                      <a:rPr lang="en-US" b="0" i="1" smtClean="0">
-                        <a:solidFill>
-                          <a:srgbClr val="000000"/>
-                        </a:solidFill>
-                        <a:latin typeface="Cambria Math" panose="02040503050406030204" pitchFamily="18" charset="0"/>
-                        <a:ea typeface="Cambria Math" panose="02040503050406030204" pitchFamily="18" charset="0"/>
-                      </a:rPr>
-                      <m:t>2</m:t>
-                    </m:r>
-                    <m:r>
                       <a:rPr lang="en-US" i="1" smtClean="0">
                         <a:solidFill>
                           <a:srgbClr val="000000"/>
@@ -25046,7 +29174,7 @@
             </p:txBody>
           </p:sp>
         </mc:Choice>
-        <mc:Fallback xmlns="">
+        <mc:Fallback>
           <p:sp>
             <p:nvSpPr>
               <p:cNvPr id="9" name="TextBox 8">
@@ -25220,7 +29348,7 @@
         </p:nvSpPr>
         <p:spPr>
           <a:xfrm>
-            <a:off x="1921363" y="5768448"/>
+            <a:off x="2124075" y="5695158"/>
             <a:ext cx="1502234" cy="646331"/>
           </a:xfrm>
           <a:prstGeom prst="rect">
@@ -25273,7 +29401,7 @@
         </p:nvSpPr>
         <p:spPr>
           <a:xfrm>
-            <a:off x="5729274" y="5814058"/>
+            <a:off x="5807449" y="5695159"/>
             <a:ext cx="1886550" cy="646331"/>
           </a:xfrm>
           <a:prstGeom prst="rect">
@@ -25342,312 +29470,6 @@
           </a:p>
         </p:txBody>
       </p:sp>
-      <p:cxnSp>
-        <p:nvCxnSpPr>
-          <p:cNvPr id="20" name="Straight Connector 19">
-            <a:extLst>
-              <a:ext uri="{FF2B5EF4-FFF2-40B4-BE49-F238E27FC236}">
-                <a16:creationId xmlns:a16="http://schemas.microsoft.com/office/drawing/2014/main" id="{54D7D489-071C-8B7E-72D5-3F307657BA11}"/>
-              </a:ext>
-            </a:extLst>
-          </p:cNvPr>
-          <p:cNvCxnSpPr>
-            <a:cxnSpLocks/>
-          </p:cNvCxnSpPr>
-          <p:nvPr/>
-        </p:nvCxnSpPr>
-        <p:spPr>
-          <a:xfrm flipH="1">
-            <a:off x="880246" y="5656077"/>
-            <a:ext cx="230981" cy="227172"/>
-          </a:xfrm>
-          <a:prstGeom prst="line">
-            <a:avLst/>
-          </a:prstGeom>
-          <a:ln w="22225">
-            <a:solidFill>
-              <a:srgbClr val="000000"/>
-            </a:solidFill>
-          </a:ln>
-        </p:spPr>
-        <p:style>
-          <a:lnRef idx="1">
-            <a:schemeClr val="accent1"/>
-          </a:lnRef>
-          <a:fillRef idx="0">
-            <a:schemeClr val="accent1"/>
-          </a:fillRef>
-          <a:effectRef idx="0">
-            <a:schemeClr val="accent1"/>
-          </a:effectRef>
-          <a:fontRef idx="minor">
-            <a:schemeClr val="tx1"/>
-          </a:fontRef>
-        </p:style>
-      </p:cxnSp>
-      <p:cxnSp>
-        <p:nvCxnSpPr>
-          <p:cNvPr id="24" name="Straight Connector 23">
-            <a:extLst>
-              <a:ext uri="{FF2B5EF4-FFF2-40B4-BE49-F238E27FC236}">
-                <a16:creationId xmlns:a16="http://schemas.microsoft.com/office/drawing/2014/main" id="{43468086-2ABB-9134-89CB-CB9EB5B3A215}"/>
-              </a:ext>
-            </a:extLst>
-          </p:cNvPr>
-          <p:cNvCxnSpPr>
-            <a:cxnSpLocks/>
-          </p:cNvCxnSpPr>
-          <p:nvPr/>
-        </p:nvCxnSpPr>
-        <p:spPr>
-          <a:xfrm flipH="1">
-            <a:off x="503963" y="5494972"/>
-            <a:ext cx="350590" cy="0"/>
-          </a:xfrm>
-          <a:prstGeom prst="line">
-            <a:avLst/>
-          </a:prstGeom>
-          <a:ln w="19050">
-            <a:solidFill>
-              <a:srgbClr val="000000"/>
-            </a:solidFill>
-          </a:ln>
-        </p:spPr>
-        <p:style>
-          <a:lnRef idx="1">
-            <a:schemeClr val="accent1"/>
-          </a:lnRef>
-          <a:fillRef idx="0">
-            <a:schemeClr val="accent1"/>
-          </a:fillRef>
-          <a:effectRef idx="0">
-            <a:schemeClr val="accent1"/>
-          </a:effectRef>
-          <a:fontRef idx="minor">
-            <a:schemeClr val="tx1"/>
-          </a:fontRef>
-        </p:style>
-      </p:cxnSp>
-      <p:cxnSp>
-        <p:nvCxnSpPr>
-          <p:cNvPr id="45" name="Connector: Curved 44">
-            <a:extLst>
-              <a:ext uri="{FF2B5EF4-FFF2-40B4-BE49-F238E27FC236}">
-                <a16:creationId xmlns:a16="http://schemas.microsoft.com/office/drawing/2014/main" id="{4686D814-D6E2-8296-9F04-C4947A65B7DE}"/>
-              </a:ext>
-            </a:extLst>
-          </p:cNvPr>
-          <p:cNvCxnSpPr>
-            <a:cxnSpLocks/>
-          </p:cNvCxnSpPr>
-          <p:nvPr/>
-        </p:nvCxnSpPr>
-        <p:spPr>
-          <a:xfrm>
-            <a:off x="869528" y="5494972"/>
-            <a:ext cx="241699" cy="185738"/>
-          </a:xfrm>
-          <a:prstGeom prst="curvedConnector3">
-            <a:avLst>
-              <a:gd name="adj1" fmla="val -33743"/>
-            </a:avLst>
-          </a:prstGeom>
-          <a:ln>
-            <a:solidFill>
-              <a:srgbClr val="000000"/>
-            </a:solidFill>
-            <a:tailEnd type="triangle"/>
-          </a:ln>
-        </p:spPr>
-        <p:style>
-          <a:lnRef idx="1">
-            <a:schemeClr val="accent1"/>
-          </a:lnRef>
-          <a:fillRef idx="0">
-            <a:schemeClr val="accent1"/>
-          </a:fillRef>
-          <a:effectRef idx="0">
-            <a:schemeClr val="accent1"/>
-          </a:effectRef>
-          <a:fontRef idx="minor">
-            <a:schemeClr val="tx1"/>
-          </a:fontRef>
-        </p:style>
-      </p:cxnSp>
-      <p:pic>
-        <p:nvPicPr>
-          <p:cNvPr id="52" name="Picture 51">
-            <a:extLst>
-              <a:ext uri="{FF2B5EF4-FFF2-40B4-BE49-F238E27FC236}">
-                <a16:creationId xmlns:a16="http://schemas.microsoft.com/office/drawing/2014/main" id="{283580FA-6B74-ECF6-C542-8B7959F98AE5}"/>
-              </a:ext>
-            </a:extLst>
-          </p:cNvPr>
-          <p:cNvPicPr>
-            <a:picLocks noChangeAspect="1"/>
-          </p:cNvPicPr>
-          <p:nvPr/>
-        </p:nvPicPr>
-        <p:blipFill>
-          <a:blip r:embed="rId7">
-            <a:extLst>
-              <a:ext uri="{28A0092B-C50C-407E-A947-70E740481C1C}">
-                <a14:useLocalDpi xmlns:a14="http://schemas.microsoft.com/office/drawing/2010/main" val="0"/>
-              </a:ext>
-            </a:extLst>
-          </a:blip>
-          <a:stretch>
-            <a:fillRect/>
-          </a:stretch>
-        </p:blipFill>
-        <p:spPr>
-          <a:xfrm>
-            <a:off x="607504" y="5573058"/>
-            <a:ext cx="171150" cy="272285"/>
-          </a:xfrm>
-          <a:prstGeom prst="rect">
-            <a:avLst/>
-          </a:prstGeom>
-        </p:spPr>
-      </p:pic>
-      <p:graphicFrame>
-        <p:nvGraphicFramePr>
-          <p:cNvPr id="53" name="Object 52">
-            <a:extLst>
-              <a:ext uri="{FF2B5EF4-FFF2-40B4-BE49-F238E27FC236}">
-                <a16:creationId xmlns:a16="http://schemas.microsoft.com/office/drawing/2014/main" id="{B3EEB88A-27C7-EAD7-79B2-B4AB99F4C751}"/>
-              </a:ext>
-            </a:extLst>
-          </p:cNvPr>
-          <p:cNvGraphicFramePr>
-            <a:graphicFrameLocks noChangeAspect="1"/>
-          </p:cNvGraphicFramePr>
-          <p:nvPr>
-            <p:extLst>
-              <p:ext uri="{D42A27DB-BD31-4B8C-83A1-F6EECF244321}">
-                <p14:modId xmlns:p14="http://schemas.microsoft.com/office/powerpoint/2010/main" val="913316060"/>
-              </p:ext>
-            </p:extLst>
-          </p:nvPr>
-        </p:nvGraphicFramePr>
-        <p:xfrm>
-          <a:off x="0" y="3569118"/>
-          <a:ext cx="2330450" cy="384175"/>
-        </p:xfrm>
-        <a:graphic>
-          <a:graphicData uri="http://schemas.openxmlformats.org/presentationml/2006/ole">
-            <mc:AlternateContent xmlns:mc="http://schemas.openxmlformats.org/markup-compatibility/2006">
-              <mc:Choice xmlns:v="urn:schemas-microsoft-com:vml" Requires="v">
-                <p:oleObj name="Equation" r:id="rId8" imgW="1231560" imgH="203040" progId="Equation.DSMT4">
-                  <p:embed/>
-                </p:oleObj>
-              </mc:Choice>
-              <mc:Fallback>
-                <p:oleObj name="Equation" r:id="rId8" imgW="1231560" imgH="203040" progId="Equation.DSMT4">
-                  <p:embed/>
-                  <p:pic>
-                    <p:nvPicPr>
-                      <p:cNvPr id="4" name="Object 3">
-                        <a:extLst>
-                          <a:ext uri="{FF2B5EF4-FFF2-40B4-BE49-F238E27FC236}">
-                            <a16:creationId xmlns:a16="http://schemas.microsoft.com/office/drawing/2014/main" id="{26AFD009-0B99-41DB-6B19-15A66A390313}"/>
-                          </a:ext>
-                        </a:extLst>
-                      </p:cNvPr>
-                      <p:cNvPicPr/>
-                      <p:nvPr/>
-                    </p:nvPicPr>
-                    <p:blipFill>
-                      <a:blip r:embed="rId6"/>
-                      <a:stretch>
-                        <a:fillRect/>
-                      </a:stretch>
-                    </p:blipFill>
-                    <p:spPr>
-                      <a:xfrm>
-                        <a:off x="0" y="3569118"/>
-                        <a:ext cx="2330450" cy="384175"/>
-                      </a:xfrm>
-                      <a:prstGeom prst="rect">
-                        <a:avLst/>
-                      </a:prstGeom>
-                    </p:spPr>
-                  </p:pic>
-                </p:oleObj>
-              </mc:Fallback>
-            </mc:AlternateContent>
-          </a:graphicData>
-        </a:graphic>
-      </p:graphicFrame>
-      <p:graphicFrame>
-        <p:nvGraphicFramePr>
-          <p:cNvPr id="54" name="Object 53">
-            <a:extLst>
-              <a:ext uri="{FF2B5EF4-FFF2-40B4-BE49-F238E27FC236}">
-                <a16:creationId xmlns:a16="http://schemas.microsoft.com/office/drawing/2014/main" id="{1B08B821-2825-E0C8-59AF-3FDEE1B928E4}"/>
-              </a:ext>
-            </a:extLst>
-          </p:cNvPr>
-          <p:cNvGraphicFramePr>
-            <a:graphicFrameLocks noChangeAspect="1"/>
-          </p:cNvGraphicFramePr>
-          <p:nvPr>
-            <p:extLst>
-              <p:ext uri="{D42A27DB-BD31-4B8C-83A1-F6EECF244321}">
-                <p14:modId xmlns:p14="http://schemas.microsoft.com/office/powerpoint/2010/main" val="1283370324"/>
-              </p:ext>
-            </p:extLst>
-          </p:nvPr>
-        </p:nvGraphicFramePr>
-        <p:xfrm>
-          <a:off x="5825246" y="3569119"/>
-          <a:ext cx="2330450" cy="384175"/>
-        </p:xfrm>
-        <a:graphic>
-          <a:graphicData uri="http://schemas.openxmlformats.org/presentationml/2006/ole">
-            <mc:AlternateContent xmlns:mc="http://schemas.openxmlformats.org/markup-compatibility/2006">
-              <mc:Choice xmlns:v="urn:schemas-microsoft-com:vml" Requires="v">
-                <p:oleObj name="Equation" r:id="rId9" imgW="1231560" imgH="203040" progId="Equation.DSMT4">
-                  <p:embed/>
-                </p:oleObj>
-              </mc:Choice>
-              <mc:Fallback>
-                <p:oleObj name="Equation" r:id="rId9" imgW="1231560" imgH="203040" progId="Equation.DSMT4">
-                  <p:embed/>
-                  <p:pic>
-                    <p:nvPicPr>
-                      <p:cNvPr id="53" name="Object 52">
-                        <a:extLst>
-                          <a:ext uri="{FF2B5EF4-FFF2-40B4-BE49-F238E27FC236}">
-                            <a16:creationId xmlns:a16="http://schemas.microsoft.com/office/drawing/2014/main" id="{B3EEB88A-27C7-EAD7-79B2-B4AB99F4C751}"/>
-                          </a:ext>
-                        </a:extLst>
-                      </p:cNvPr>
-                      <p:cNvPicPr/>
-                      <p:nvPr/>
-                    </p:nvPicPr>
-                    <p:blipFill>
-                      <a:blip r:embed="rId6"/>
-                      <a:stretch>
-                        <a:fillRect/>
-                      </a:stretch>
-                    </p:blipFill>
-                    <p:spPr>
-                      <a:xfrm>
-                        <a:off x="5825246" y="3569119"/>
-                        <a:ext cx="2330450" cy="384175"/>
-                      </a:xfrm>
-                      <a:prstGeom prst="rect">
-                        <a:avLst/>
-                      </a:prstGeom>
-                    </p:spPr>
-                  </p:pic>
-                </p:oleObj>
-              </mc:Fallback>
-            </mc:AlternateContent>
-          </a:graphicData>
-        </a:graphic>
-      </p:graphicFrame>
       <p:pic>
         <p:nvPicPr>
           <p:cNvPr id="56" name="Picture 55" descr="A grid with lines and letters&#10;&#10;AI-generated content may be incorrect.">
@@ -25663,7 +29485,7 @@
           <p:nvPr/>
         </p:nvPicPr>
         <p:blipFill>
-          <a:blip r:embed="rId10">
+          <a:blip r:embed="rId7">
             <a:extLst>
               <a:ext uri="{28A0092B-C50C-407E-A947-70E740481C1C}">
                 <a14:useLocalDpi xmlns:a14="http://schemas.microsoft.com/office/drawing/2010/main" val="0"/>
@@ -25772,6 +29594,206 @@
               <a:rPr lang="en-US" dirty="0"/>
               <a:t> </a:t>
             </a:r>
+          </a:p>
+        </p:txBody>
+      </p:sp>
+      <p:sp>
+        <p:nvSpPr>
+          <p:cNvPr id="19" name="Freeform: Shape 18">
+            <a:extLst>
+              <a:ext uri="{FF2B5EF4-FFF2-40B4-BE49-F238E27FC236}">
+                <a16:creationId xmlns:a16="http://schemas.microsoft.com/office/drawing/2014/main" id="{F2898356-3BC7-E760-C047-558F4B3BF79E}"/>
+              </a:ext>
+            </a:extLst>
+          </p:cNvPr>
+          <p:cNvSpPr/>
+          <p:nvPr/>
+        </p:nvSpPr>
+        <p:spPr>
+          <a:xfrm>
+            <a:off x="3076575" y="4476750"/>
+            <a:ext cx="3086100" cy="374101"/>
+          </a:xfrm>
+          <a:custGeom>
+            <a:avLst/>
+            <a:gdLst>
+              <a:gd name="connsiteX0" fmla="*/ 0 w 3086100"/>
+              <a:gd name="connsiteY0" fmla="*/ 171450 h 374101"/>
+              <a:gd name="connsiteX1" fmla="*/ 1123950 w 3086100"/>
+              <a:gd name="connsiteY1" fmla="*/ 371475 h 374101"/>
+              <a:gd name="connsiteX2" fmla="*/ 2438400 w 3086100"/>
+              <a:gd name="connsiteY2" fmla="*/ 266700 h 374101"/>
+              <a:gd name="connsiteX3" fmla="*/ 3086100 w 3086100"/>
+              <a:gd name="connsiteY3" fmla="*/ 0 h 374101"/>
+            </a:gdLst>
+            <a:ahLst/>
+            <a:cxnLst>
+              <a:cxn ang="0">
+                <a:pos x="connsiteX0" y="connsiteY0"/>
+              </a:cxn>
+              <a:cxn ang="0">
+                <a:pos x="connsiteX1" y="connsiteY1"/>
+              </a:cxn>
+              <a:cxn ang="0">
+                <a:pos x="connsiteX2" y="connsiteY2"/>
+              </a:cxn>
+              <a:cxn ang="0">
+                <a:pos x="connsiteX3" y="connsiteY3"/>
+              </a:cxn>
+            </a:cxnLst>
+            <a:rect l="l" t="t" r="r" b="b"/>
+            <a:pathLst>
+              <a:path w="3086100" h="374101">
+                <a:moveTo>
+                  <a:pt x="0" y="171450"/>
+                </a:moveTo>
+                <a:cubicBezTo>
+                  <a:pt x="358775" y="263525"/>
+                  <a:pt x="717550" y="355600"/>
+                  <a:pt x="1123950" y="371475"/>
+                </a:cubicBezTo>
+                <a:cubicBezTo>
+                  <a:pt x="1530350" y="387350"/>
+                  <a:pt x="2111375" y="328613"/>
+                  <a:pt x="2438400" y="266700"/>
+                </a:cubicBezTo>
+                <a:cubicBezTo>
+                  <a:pt x="2765425" y="204788"/>
+                  <a:pt x="3086100" y="0"/>
+                  <a:pt x="3086100" y="0"/>
+                </a:cubicBezTo>
+              </a:path>
+            </a:pathLst>
+          </a:custGeom>
+          <a:ln>
+            <a:prstDash val="sysDash"/>
+          </a:ln>
+        </p:spPr>
+        <p:style>
+          <a:lnRef idx="1">
+            <a:schemeClr val="accent3"/>
+          </a:lnRef>
+          <a:fillRef idx="0">
+            <a:schemeClr val="accent3"/>
+          </a:fillRef>
+          <a:effectRef idx="0">
+            <a:schemeClr val="accent3"/>
+          </a:effectRef>
+          <a:fontRef idx="minor">
+            <a:schemeClr val="tx1"/>
+          </a:fontRef>
+        </p:style>
+        <p:txBody>
+          <a:bodyPr rtlCol="0" anchor="ctr"/>
+          <a:lstStyle/>
+          <a:p>
+            <a:pPr algn="ctr"/>
+            <a:endParaRPr lang="en-US"/>
+          </a:p>
+        </p:txBody>
+      </p:sp>
+      <p:sp>
+        <p:nvSpPr>
+          <p:cNvPr id="21" name="Freeform: Shape 20">
+            <a:extLst>
+              <a:ext uri="{FF2B5EF4-FFF2-40B4-BE49-F238E27FC236}">
+                <a16:creationId xmlns:a16="http://schemas.microsoft.com/office/drawing/2014/main" id="{94E5F5B3-2DF0-34B0-C55F-0A2C8F514F58}"/>
+              </a:ext>
+            </a:extLst>
+          </p:cNvPr>
+          <p:cNvSpPr/>
+          <p:nvPr/>
+        </p:nvSpPr>
+        <p:spPr>
+          <a:xfrm>
+            <a:off x="2181225" y="5038725"/>
+            <a:ext cx="4238625" cy="468560"/>
+          </a:xfrm>
+          <a:custGeom>
+            <a:avLst/>
+            <a:gdLst>
+              <a:gd name="connsiteX0" fmla="*/ 0 w 4238625"/>
+              <a:gd name="connsiteY0" fmla="*/ 114300 h 468560"/>
+              <a:gd name="connsiteX1" fmla="*/ 552450 w 4238625"/>
+              <a:gd name="connsiteY1" fmla="*/ 333375 h 468560"/>
+              <a:gd name="connsiteX2" fmla="*/ 1971675 w 4238625"/>
+              <a:gd name="connsiteY2" fmla="*/ 466725 h 468560"/>
+              <a:gd name="connsiteX3" fmla="*/ 3324225 w 4238625"/>
+              <a:gd name="connsiteY3" fmla="*/ 381000 h 468560"/>
+              <a:gd name="connsiteX4" fmla="*/ 4238625 w 4238625"/>
+              <a:gd name="connsiteY4" fmla="*/ 0 h 468560"/>
+            </a:gdLst>
+            <a:ahLst/>
+            <a:cxnLst>
+              <a:cxn ang="0">
+                <a:pos x="connsiteX0" y="connsiteY0"/>
+              </a:cxn>
+              <a:cxn ang="0">
+                <a:pos x="connsiteX1" y="connsiteY1"/>
+              </a:cxn>
+              <a:cxn ang="0">
+                <a:pos x="connsiteX2" y="connsiteY2"/>
+              </a:cxn>
+              <a:cxn ang="0">
+                <a:pos x="connsiteX3" y="connsiteY3"/>
+              </a:cxn>
+              <a:cxn ang="0">
+                <a:pos x="connsiteX4" y="connsiteY4"/>
+              </a:cxn>
+            </a:cxnLst>
+            <a:rect l="l" t="t" r="r" b="b"/>
+            <a:pathLst>
+              <a:path w="4238625" h="468560">
+                <a:moveTo>
+                  <a:pt x="0" y="114300"/>
+                </a:moveTo>
+                <a:cubicBezTo>
+                  <a:pt x="111919" y="194469"/>
+                  <a:pt x="223838" y="274638"/>
+                  <a:pt x="552450" y="333375"/>
+                </a:cubicBezTo>
+                <a:cubicBezTo>
+                  <a:pt x="881062" y="392112"/>
+                  <a:pt x="1509713" y="458788"/>
+                  <a:pt x="1971675" y="466725"/>
+                </a:cubicBezTo>
+                <a:cubicBezTo>
+                  <a:pt x="2433637" y="474662"/>
+                  <a:pt x="2946400" y="458787"/>
+                  <a:pt x="3324225" y="381000"/>
+                </a:cubicBezTo>
+                <a:cubicBezTo>
+                  <a:pt x="3702050" y="303213"/>
+                  <a:pt x="3970337" y="151606"/>
+                  <a:pt x="4238625" y="0"/>
+                </a:cubicBezTo>
+              </a:path>
+            </a:pathLst>
+          </a:custGeom>
+          <a:ln>
+            <a:prstDash val="sysDash"/>
+          </a:ln>
+        </p:spPr>
+        <p:style>
+          <a:lnRef idx="1">
+            <a:schemeClr val="accent3"/>
+          </a:lnRef>
+          <a:fillRef idx="0">
+            <a:schemeClr val="accent3"/>
+          </a:fillRef>
+          <a:effectRef idx="0">
+            <a:schemeClr val="accent3"/>
+          </a:effectRef>
+          <a:fontRef idx="minor">
+            <a:schemeClr val="tx1"/>
+          </a:fontRef>
+        </p:style>
+        <p:txBody>
+          <a:bodyPr rtlCol="0" anchor="ctr"/>
+          <a:lstStyle/>
+          <a:p>
+            <a:pPr algn="ctr"/>
+            <a:endParaRPr lang="en-US"/>
           </a:p>
         </p:txBody>
       </p:sp>
